--- a/misc/documentation/Images.pptx
+++ b/misc/documentation/Images.pptx
@@ -105,6 +105,32 @@
     </a:lvl9pPr>
   </p:defaultTextStyle>
 </p:presentation>
+</file>
+
+<file path=ppt/commentAuthors.xml><?xml version="1.0" encoding="utf-8"?>
+<p:cmAuthorLst xmlns:a="http://schemas.openxmlformats.org/drawingml/2006/main" xmlns:r="http://schemas.openxmlformats.org/officeDocument/2006/relationships" xmlns:p="http://schemas.openxmlformats.org/presentationml/2006/main">
+  <p:cmAuthor id="1" name="Christoph Wiechmann" initials="CW" lastIdx="1" clrIdx="0">
+    <p:extLst>
+      <p:ext uri="{19B8F6BF-5375-455C-9EA6-DF929625EA0E}">
+        <p15:presenceInfo xmlns:p15="http://schemas.microsoft.com/office/powerpoint/2012/main" userId="S::cwiechmann@axway.com::8059a074-7811-4980-a3fd-27cd4aedeab1" providerId="AD"/>
+      </p:ext>
+    </p:extLst>
+  </p:cmAuthor>
+</p:cmAuthorLst>
+</file>
+
+<file path=ppt/comments/comment1.xml><?xml version="1.0" encoding="utf-8"?>
+<p:cmLst xmlns:a="http://schemas.openxmlformats.org/drawingml/2006/main" xmlns:r="http://schemas.openxmlformats.org/officeDocument/2006/relationships" xmlns:p="http://schemas.openxmlformats.org/presentationml/2006/main">
+  <p:cm authorId="1" dt="2020-03-24T11:52:34.273" idx="1">
+    <p:pos x="3469" y="3144"/>
+    <p:text/>
+    <p:extLst>
+      <p:ext uri="{C676402C-5697-4E1C-873F-D02D1690AC5C}">
+        <p15:threadingInfo xmlns:p15="http://schemas.microsoft.com/office/powerpoint/2012/main" timeZoneBias="-60"/>
+      </p:ext>
+    </p:extLst>
+  </p:cm>
+</p:cmLst>
 </file>
 
 <file path=ppt/slideLayouts/slideLayout1.xml><?xml version="1.0" encoding="utf-8"?>
@@ -3768,8 +3794,8 @@
         </p:nvSpPr>
         <p:spPr>
           <a:xfrm>
-            <a:off x="4332557" y="2410652"/>
-            <a:ext cx="1008033" cy="276999"/>
+            <a:off x="3874095" y="2410652"/>
+            <a:ext cx="1614545" cy="253916"/>
           </a:xfrm>
           <a:prstGeom prst="rect">
             <a:avLst/>
@@ -3783,18 +3809,22 @@
           <a:p>
             <a:pPr algn="ctr"/>
             <a:r>
-              <a:rPr lang="de-DE" sz="1200" dirty="0"/>
-              <a:t>+ {</a:t>
-            </a:r>
-            <a:r>
-              <a:rPr lang="de-DE" sz="1200" dirty="0" err="1"/>
-              <a:t>api-config</a:t>
-            </a:r>
-            <a:r>
-              <a:rPr lang="de-DE" sz="1200" dirty="0"/>
-              <a:t>}</a:t>
-            </a:r>
-            <a:endParaRPr lang="en-US" sz="1200" dirty="0"/>
+              <a:rPr lang="de-DE" sz="1050" dirty="0"/>
+              <a:t>+ API-</a:t>
+            </a:r>
+            <a:r>
+              <a:rPr lang="de-DE" sz="1050" dirty="0" err="1"/>
+              <a:t>Config</a:t>
+            </a:r>
+            <a:r>
+              <a:rPr lang="de-DE" sz="1050" dirty="0"/>
+              <a:t> &amp; </a:t>
+            </a:r>
+            <a:r>
+              <a:rPr lang="de-DE" sz="1050" dirty="0" err="1"/>
+              <a:t>Jenkinsfile</a:t>
+            </a:r>
+            <a:endParaRPr lang="en-US" sz="1050" dirty="0"/>
           </a:p>
         </p:txBody>
       </p:sp>
@@ -3826,87 +3856,7 @@
         </p:blipFill>
         <p:spPr>
           <a:xfrm>
-            <a:off x="4103013" y="2410652"/>
-            <a:ext cx="304635" cy="298193"/>
-          </a:xfrm>
-          <a:prstGeom prst="rect">
-            <a:avLst/>
-          </a:prstGeom>
-        </p:spPr>
-      </p:pic>
-      <p:sp>
-        <p:nvSpPr>
-          <p:cNvPr id="30" name="Rechteck 29">
-            <a:extLst>
-              <a:ext uri="{FF2B5EF4-FFF2-40B4-BE49-F238E27FC236}">
-                <a16:creationId xmlns:a16="http://schemas.microsoft.com/office/drawing/2014/main" id="{B01FC6D1-597C-4AAD-B66E-43F5422C66F1}"/>
-              </a:ext>
-            </a:extLst>
-          </p:cNvPr>
-          <p:cNvSpPr/>
-          <p:nvPr/>
-        </p:nvSpPr>
-        <p:spPr>
-          <a:xfrm>
-            <a:off x="4332557" y="2725528"/>
-            <a:ext cx="1008033" cy="276999"/>
-          </a:xfrm>
-          <a:prstGeom prst="rect">
-            <a:avLst/>
-          </a:prstGeom>
-        </p:spPr>
-        <p:txBody>
-          <a:bodyPr wrap="none">
-            <a:spAutoFit/>
-          </a:bodyPr>
-          <a:lstStyle/>
-          <a:p>
-            <a:pPr algn="ctr"/>
-            <a:r>
-              <a:rPr lang="de-DE" sz="1200" dirty="0"/>
-              <a:t>+ {</a:t>
-            </a:r>
-            <a:r>
-              <a:rPr lang="de-DE" sz="1200" dirty="0" err="1"/>
-              <a:t>api-config</a:t>
-            </a:r>
-            <a:r>
-              <a:rPr lang="de-DE" sz="1200" dirty="0"/>
-              <a:t>}</a:t>
-            </a:r>
-            <a:endParaRPr lang="en-US" sz="1200" dirty="0"/>
-          </a:p>
-        </p:txBody>
-      </p:sp>
-      <p:pic>
-        <p:nvPicPr>
-          <p:cNvPr id="31" name="Grafik 30" descr="Ein Bild, das schwarz enthält.&#10;&#10;Automatisch generierte Beschreibung">
-            <a:extLst>
-              <a:ext uri="{FF2B5EF4-FFF2-40B4-BE49-F238E27FC236}">
-                <a16:creationId xmlns:a16="http://schemas.microsoft.com/office/drawing/2014/main" id="{DB525CCF-C47A-4970-807B-8DA6956F2177}"/>
-              </a:ext>
-            </a:extLst>
-          </p:cNvPr>
-          <p:cNvPicPr>
-            <a:picLocks noChangeAspect="1"/>
-          </p:cNvPicPr>
-          <p:nvPr/>
-        </p:nvPicPr>
-        <p:blipFill>
-          <a:blip r:embed="rId10">
-            <a:extLst>
-              <a:ext uri="{28A0092B-C50C-407E-A947-70E740481C1C}">
-                <a14:useLocalDpi xmlns:a14="http://schemas.microsoft.com/office/drawing/2010/main" val="0"/>
-              </a:ext>
-            </a:extLst>
-          </a:blip>
-          <a:stretch>
-            <a:fillRect/>
-          </a:stretch>
-        </p:blipFill>
-        <p:spPr>
-          <a:xfrm>
-            <a:off x="4103013" y="2725528"/>
+            <a:off x="3665763" y="2398158"/>
             <a:ext cx="304635" cy="298193"/>
           </a:xfrm>
           <a:prstGeom prst="rect">
@@ -3994,7 +3944,7 @@
         </p:nvSpPr>
         <p:spPr>
           <a:xfrm>
-            <a:off x="3305175" y="3234120"/>
+            <a:off x="3298825" y="3234120"/>
             <a:ext cx="2119313" cy="900113"/>
           </a:xfrm>
           <a:prstGeom prst="roundRect">
@@ -4065,7 +4015,7 @@
         </p:nvSpPr>
         <p:spPr>
           <a:xfrm>
-            <a:off x="3305175" y="4279139"/>
+            <a:off x="3298825" y="4279139"/>
             <a:ext cx="2119413" cy="699261"/>
           </a:xfrm>
           <a:custGeom>
@@ -4838,8 +4788,8 @@
         </p:nvSpPr>
         <p:spPr>
           <a:xfrm>
-            <a:off x="3681612" y="2427335"/>
-            <a:ext cx="506870" cy="276999"/>
+            <a:off x="3288695" y="2427335"/>
+            <a:ext cx="450764" cy="246221"/>
           </a:xfrm>
           <a:prstGeom prst="rect">
             <a:avLst/>
@@ -4853,19 +4803,19 @@
           <a:p>
             <a:pPr algn="ctr"/>
             <a:r>
-              <a:rPr lang="de-DE" sz="1200" dirty="0"/>
+              <a:rPr lang="de-DE" sz="1000" dirty="0"/>
               <a:t>API 1</a:t>
             </a:r>
-            <a:endParaRPr lang="en-US" sz="1200" dirty="0"/>
-          </a:p>
-        </p:txBody>
-      </p:sp>
-      <p:sp>
-        <p:nvSpPr>
-          <p:cNvPr id="81" name="Rechteck 80">
-            <a:extLst>
-              <a:ext uri="{FF2B5EF4-FFF2-40B4-BE49-F238E27FC236}">
-                <a16:creationId xmlns:a16="http://schemas.microsoft.com/office/drawing/2014/main" id="{1EC83C5C-D222-423E-BF4E-17132D2DCCA7}"/>
+            <a:endParaRPr lang="en-US" sz="1000" dirty="0"/>
+          </a:p>
+        </p:txBody>
+      </p:sp>
+      <p:sp>
+        <p:nvSpPr>
+          <p:cNvPr id="94" name="Rechteck 93">
+            <a:extLst>
+              <a:ext uri="{FF2B5EF4-FFF2-40B4-BE49-F238E27FC236}">
+                <a16:creationId xmlns:a16="http://schemas.microsoft.com/office/drawing/2014/main" id="{25CC5DCB-4BF1-4BF3-92BF-FBA4A3125414}"/>
               </a:ext>
             </a:extLst>
           </p:cNvPr>
@@ -4874,12 +4824,1022 @@
         </p:nvSpPr>
         <p:spPr>
           <a:xfrm>
-            <a:off x="3681612" y="2733068"/>
-            <a:ext cx="506870" cy="276999"/>
+            <a:off x="6474937" y="2407375"/>
+            <a:ext cx="1634013" cy="266700"/>
           </a:xfrm>
           <a:prstGeom prst="rect">
             <a:avLst/>
           </a:prstGeom>
+          <a:ln>
+            <a:solidFill>
+              <a:schemeClr val="bg1">
+                <a:lumMod val="50000"/>
+              </a:schemeClr>
+            </a:solidFill>
+          </a:ln>
+        </p:spPr>
+        <p:style>
+          <a:lnRef idx="2">
+            <a:schemeClr val="dk1"/>
+          </a:lnRef>
+          <a:fillRef idx="1">
+            <a:schemeClr val="lt1"/>
+          </a:fillRef>
+          <a:effectRef idx="0">
+            <a:schemeClr val="dk1"/>
+          </a:effectRef>
+          <a:fontRef idx="minor">
+            <a:schemeClr val="dk1"/>
+          </a:fontRef>
+        </p:style>
+        <p:txBody>
+          <a:bodyPr rtlCol="0" anchor="ctr"/>
+          <a:lstStyle/>
+          <a:p>
+            <a:pPr algn="ctr"/>
+            <a:r>
+              <a:rPr lang="de-DE" sz="1200" dirty="0"/>
+              <a:t>API 1 Workflow</a:t>
+            </a:r>
+            <a:endParaRPr lang="en-US" sz="1200" dirty="0"/>
+          </a:p>
+        </p:txBody>
+      </p:sp>
+      <p:pic>
+        <p:nvPicPr>
+          <p:cNvPr id="96" name="Grafik 95">
+            <a:extLst>
+              <a:ext uri="{FF2B5EF4-FFF2-40B4-BE49-F238E27FC236}">
+                <a16:creationId xmlns:a16="http://schemas.microsoft.com/office/drawing/2014/main" id="{7322426A-998D-4907-B604-59A8DA32C791}"/>
+              </a:ext>
+            </a:extLst>
+          </p:cNvPr>
+          <p:cNvPicPr>
+            <a:picLocks noChangeAspect="1"/>
+          </p:cNvPicPr>
+          <p:nvPr/>
+        </p:nvPicPr>
+        <p:blipFill>
+          <a:blip r:embed="rId11">
+            <a:extLst>
+              <a:ext uri="{28A0092B-C50C-407E-A947-70E740481C1C}">
+                <a14:useLocalDpi xmlns:a14="http://schemas.microsoft.com/office/drawing/2010/main" val="0"/>
+              </a:ext>
+            </a:extLst>
+          </a:blip>
+          <a:stretch>
+            <a:fillRect/>
+          </a:stretch>
+        </p:blipFill>
+        <p:spPr>
+          <a:xfrm>
+            <a:off x="6576648" y="2464525"/>
+            <a:ext cx="138573" cy="152400"/>
+          </a:xfrm>
+          <a:prstGeom prst="rect">
+            <a:avLst/>
+          </a:prstGeom>
+        </p:spPr>
+      </p:pic>
+      <p:sp>
+        <p:nvSpPr>
+          <p:cNvPr id="97" name="Rechteck 96">
+            <a:extLst>
+              <a:ext uri="{FF2B5EF4-FFF2-40B4-BE49-F238E27FC236}">
+                <a16:creationId xmlns:a16="http://schemas.microsoft.com/office/drawing/2014/main" id="{6CE12EC8-0B46-4466-88BC-4AE4B5F01C06}"/>
+              </a:ext>
+            </a:extLst>
+          </p:cNvPr>
+          <p:cNvSpPr/>
+          <p:nvPr/>
+        </p:nvSpPr>
+        <p:spPr>
+          <a:xfrm>
+            <a:off x="6474937" y="2750442"/>
+            <a:ext cx="1634013" cy="266700"/>
+          </a:xfrm>
+          <a:prstGeom prst="rect">
+            <a:avLst/>
+          </a:prstGeom>
+          <a:ln>
+            <a:solidFill>
+              <a:schemeClr val="bg1">
+                <a:lumMod val="50000"/>
+              </a:schemeClr>
+            </a:solidFill>
+          </a:ln>
+        </p:spPr>
+        <p:style>
+          <a:lnRef idx="2">
+            <a:schemeClr val="dk1"/>
+          </a:lnRef>
+          <a:fillRef idx="1">
+            <a:schemeClr val="lt1"/>
+          </a:fillRef>
+          <a:effectRef idx="0">
+            <a:schemeClr val="dk1"/>
+          </a:effectRef>
+          <a:fontRef idx="minor">
+            <a:schemeClr val="dk1"/>
+          </a:fontRef>
+        </p:style>
+        <p:txBody>
+          <a:bodyPr rtlCol="0" anchor="ctr"/>
+          <a:lstStyle/>
+          <a:p>
+            <a:pPr algn="ctr"/>
+            <a:r>
+              <a:rPr lang="de-DE" sz="1200" dirty="0"/>
+              <a:t>API 2 Workflow</a:t>
+            </a:r>
+            <a:endParaRPr lang="en-US" sz="1200" dirty="0"/>
+          </a:p>
+        </p:txBody>
+      </p:sp>
+      <p:sp>
+        <p:nvSpPr>
+          <p:cNvPr id="99" name="Rechteck 98">
+            <a:extLst>
+              <a:ext uri="{FF2B5EF4-FFF2-40B4-BE49-F238E27FC236}">
+                <a16:creationId xmlns:a16="http://schemas.microsoft.com/office/drawing/2014/main" id="{86A46DD5-2F63-4311-A80A-B9208D50FF92}"/>
+              </a:ext>
+            </a:extLst>
+          </p:cNvPr>
+          <p:cNvSpPr/>
+          <p:nvPr/>
+        </p:nvSpPr>
+        <p:spPr>
+          <a:xfrm>
+            <a:off x="6474937" y="3427832"/>
+            <a:ext cx="1634013" cy="266700"/>
+          </a:xfrm>
+          <a:prstGeom prst="rect">
+            <a:avLst/>
+          </a:prstGeom>
+          <a:ln>
+            <a:solidFill>
+              <a:schemeClr val="bg1">
+                <a:lumMod val="50000"/>
+              </a:schemeClr>
+            </a:solidFill>
+          </a:ln>
+        </p:spPr>
+        <p:style>
+          <a:lnRef idx="2">
+            <a:schemeClr val="dk1"/>
+          </a:lnRef>
+          <a:fillRef idx="1">
+            <a:schemeClr val="lt1"/>
+          </a:fillRef>
+          <a:effectRef idx="0">
+            <a:schemeClr val="dk1"/>
+          </a:effectRef>
+          <a:fontRef idx="minor">
+            <a:schemeClr val="dk1"/>
+          </a:fontRef>
+        </p:style>
+        <p:txBody>
+          <a:bodyPr rtlCol="0" anchor="ctr"/>
+          <a:lstStyle/>
+          <a:p>
+            <a:pPr algn="ctr"/>
+            <a:r>
+              <a:rPr lang="de-DE" sz="1200" dirty="0"/>
+              <a:t>API 3 Workflow</a:t>
+            </a:r>
+            <a:endParaRPr lang="en-US" sz="1200" dirty="0"/>
+          </a:p>
+        </p:txBody>
+      </p:sp>
+      <p:sp>
+        <p:nvSpPr>
+          <p:cNvPr id="101" name="Rechteck 100">
+            <a:extLst>
+              <a:ext uri="{FF2B5EF4-FFF2-40B4-BE49-F238E27FC236}">
+                <a16:creationId xmlns:a16="http://schemas.microsoft.com/office/drawing/2014/main" id="{9DCECF58-B5AE-4325-9FA2-9C0CD0E79336}"/>
+              </a:ext>
+            </a:extLst>
+          </p:cNvPr>
+          <p:cNvSpPr/>
+          <p:nvPr/>
+        </p:nvSpPr>
+        <p:spPr>
+          <a:xfrm>
+            <a:off x="6474937" y="3770899"/>
+            <a:ext cx="1634013" cy="266700"/>
+          </a:xfrm>
+          <a:prstGeom prst="rect">
+            <a:avLst/>
+          </a:prstGeom>
+          <a:ln>
+            <a:solidFill>
+              <a:schemeClr val="bg1">
+                <a:lumMod val="50000"/>
+              </a:schemeClr>
+            </a:solidFill>
+          </a:ln>
+        </p:spPr>
+        <p:style>
+          <a:lnRef idx="2">
+            <a:schemeClr val="dk1"/>
+          </a:lnRef>
+          <a:fillRef idx="1">
+            <a:schemeClr val="lt1"/>
+          </a:fillRef>
+          <a:effectRef idx="0">
+            <a:schemeClr val="dk1"/>
+          </a:effectRef>
+          <a:fontRef idx="minor">
+            <a:schemeClr val="dk1"/>
+          </a:fontRef>
+        </p:style>
+        <p:txBody>
+          <a:bodyPr rtlCol="0" anchor="ctr"/>
+          <a:lstStyle/>
+          <a:p>
+            <a:pPr algn="ctr"/>
+            <a:r>
+              <a:rPr lang="de-DE" sz="1200" dirty="0"/>
+              <a:t>API 4 Workflow</a:t>
+            </a:r>
+            <a:endParaRPr lang="en-US" sz="1200" dirty="0"/>
+          </a:p>
+        </p:txBody>
+      </p:sp>
+      <p:sp>
+        <p:nvSpPr>
+          <p:cNvPr id="103" name="Rechteck 102">
+            <a:extLst>
+              <a:ext uri="{FF2B5EF4-FFF2-40B4-BE49-F238E27FC236}">
+                <a16:creationId xmlns:a16="http://schemas.microsoft.com/office/drawing/2014/main" id="{CA9452DD-C2CB-4B49-82FF-9125FD7C2CA5}"/>
+              </a:ext>
+            </a:extLst>
+          </p:cNvPr>
+          <p:cNvSpPr/>
+          <p:nvPr/>
+        </p:nvSpPr>
+        <p:spPr>
+          <a:xfrm>
+            <a:off x="6474937" y="4495691"/>
+            <a:ext cx="1634013" cy="266700"/>
+          </a:xfrm>
+          <a:prstGeom prst="rect">
+            <a:avLst/>
+          </a:prstGeom>
+          <a:ln>
+            <a:solidFill>
+              <a:schemeClr val="bg1">
+                <a:lumMod val="50000"/>
+              </a:schemeClr>
+            </a:solidFill>
+          </a:ln>
+        </p:spPr>
+        <p:style>
+          <a:lnRef idx="2">
+            <a:schemeClr val="dk1"/>
+          </a:lnRef>
+          <a:fillRef idx="1">
+            <a:schemeClr val="lt1"/>
+          </a:fillRef>
+          <a:effectRef idx="0">
+            <a:schemeClr val="dk1"/>
+          </a:effectRef>
+          <a:fontRef idx="minor">
+            <a:schemeClr val="dk1"/>
+          </a:fontRef>
+        </p:style>
+        <p:txBody>
+          <a:bodyPr rtlCol="0" anchor="ctr"/>
+          <a:lstStyle/>
+          <a:p>
+            <a:pPr algn="ctr"/>
+            <a:r>
+              <a:rPr lang="de-DE" sz="1200" dirty="0"/>
+              <a:t>API 5 Workflow</a:t>
+            </a:r>
+            <a:endParaRPr lang="en-US" sz="1200" dirty="0"/>
+          </a:p>
+        </p:txBody>
+      </p:sp>
+      <p:pic>
+        <p:nvPicPr>
+          <p:cNvPr id="106" name="Grafik 105">
+            <a:extLst>
+              <a:ext uri="{FF2B5EF4-FFF2-40B4-BE49-F238E27FC236}">
+                <a16:creationId xmlns:a16="http://schemas.microsoft.com/office/drawing/2014/main" id="{A88A1D86-1DD6-42E5-AB9A-8FD762C88F7E}"/>
+              </a:ext>
+            </a:extLst>
+          </p:cNvPr>
+          <p:cNvPicPr>
+            <a:picLocks noChangeAspect="1"/>
+          </p:cNvPicPr>
+          <p:nvPr/>
+        </p:nvPicPr>
+        <p:blipFill>
+          <a:blip r:embed="rId12">
+            <a:extLst>
+              <a:ext uri="{28A0092B-C50C-407E-A947-70E740481C1C}">
+                <a14:useLocalDpi xmlns:a14="http://schemas.microsoft.com/office/drawing/2010/main" val="0"/>
+              </a:ext>
+            </a:extLst>
+          </a:blip>
+          <a:stretch>
+            <a:fillRect/>
+          </a:stretch>
+        </p:blipFill>
+        <p:spPr>
+          <a:xfrm>
+            <a:off x="6576648" y="2826726"/>
+            <a:ext cx="152400" cy="152400"/>
+          </a:xfrm>
+          <a:prstGeom prst="rect">
+            <a:avLst/>
+          </a:prstGeom>
+        </p:spPr>
+      </p:pic>
+      <p:pic>
+        <p:nvPicPr>
+          <p:cNvPr id="108" name="Grafik 107">
+            <a:extLst>
+              <a:ext uri="{FF2B5EF4-FFF2-40B4-BE49-F238E27FC236}">
+                <a16:creationId xmlns:a16="http://schemas.microsoft.com/office/drawing/2014/main" id="{43B468D7-49C6-4360-8B4B-B8390A021A96}"/>
+              </a:ext>
+            </a:extLst>
+          </p:cNvPr>
+          <p:cNvPicPr>
+            <a:picLocks noChangeAspect="1"/>
+          </p:cNvPicPr>
+          <p:nvPr/>
+        </p:nvPicPr>
+        <p:blipFill>
+          <a:blip r:embed="rId13">
+            <a:extLst>
+              <a:ext uri="{28A0092B-C50C-407E-A947-70E740481C1C}">
+                <a14:useLocalDpi xmlns:a14="http://schemas.microsoft.com/office/drawing/2010/main" val="0"/>
+              </a:ext>
+            </a:extLst>
+          </a:blip>
+          <a:stretch>
+            <a:fillRect/>
+          </a:stretch>
+        </p:blipFill>
+        <p:spPr>
+          <a:xfrm>
+            <a:off x="6576648" y="3484982"/>
+            <a:ext cx="152400" cy="152400"/>
+          </a:xfrm>
+          <a:prstGeom prst="rect">
+            <a:avLst/>
+          </a:prstGeom>
+        </p:spPr>
+      </p:pic>
+      <p:pic>
+        <p:nvPicPr>
+          <p:cNvPr id="109" name="Grafik 108">
+            <a:extLst>
+              <a:ext uri="{FF2B5EF4-FFF2-40B4-BE49-F238E27FC236}">
+                <a16:creationId xmlns:a16="http://schemas.microsoft.com/office/drawing/2014/main" id="{52D84E20-E906-4DED-932B-93A03F3DC596}"/>
+              </a:ext>
+            </a:extLst>
+          </p:cNvPr>
+          <p:cNvPicPr>
+            <a:picLocks noChangeAspect="1"/>
+          </p:cNvPicPr>
+          <p:nvPr/>
+        </p:nvPicPr>
+        <p:blipFill>
+          <a:blip r:embed="rId13">
+            <a:extLst>
+              <a:ext uri="{28A0092B-C50C-407E-A947-70E740481C1C}">
+                <a14:useLocalDpi xmlns:a14="http://schemas.microsoft.com/office/drawing/2010/main" val="0"/>
+              </a:ext>
+            </a:extLst>
+          </a:blip>
+          <a:stretch>
+            <a:fillRect/>
+          </a:stretch>
+        </p:blipFill>
+        <p:spPr>
+          <a:xfrm>
+            <a:off x="6576648" y="4551469"/>
+            <a:ext cx="152400" cy="152400"/>
+          </a:xfrm>
+          <a:prstGeom prst="rect">
+            <a:avLst/>
+          </a:prstGeom>
+        </p:spPr>
+      </p:pic>
+      <p:pic>
+        <p:nvPicPr>
+          <p:cNvPr id="111" name="Grafik 110">
+            <a:extLst>
+              <a:ext uri="{FF2B5EF4-FFF2-40B4-BE49-F238E27FC236}">
+                <a16:creationId xmlns:a16="http://schemas.microsoft.com/office/drawing/2014/main" id="{94348309-C94E-475B-9766-9973B94C0D79}"/>
+              </a:ext>
+            </a:extLst>
+          </p:cNvPr>
+          <p:cNvPicPr>
+            <a:picLocks noChangeAspect="1"/>
+          </p:cNvPicPr>
+          <p:nvPr/>
+        </p:nvPicPr>
+        <p:blipFill>
+          <a:blip r:embed="rId14">
+            <a:extLst>
+              <a:ext uri="{28A0092B-C50C-407E-A947-70E740481C1C}">
+                <a14:useLocalDpi xmlns:a14="http://schemas.microsoft.com/office/drawing/2010/main" val="0"/>
+              </a:ext>
+            </a:extLst>
+          </a:blip>
+          <a:stretch>
+            <a:fillRect/>
+          </a:stretch>
+        </p:blipFill>
+        <p:spPr>
+          <a:xfrm>
+            <a:off x="6569734" y="3828049"/>
+            <a:ext cx="152400" cy="152400"/>
+          </a:xfrm>
+          <a:prstGeom prst="rect">
+            <a:avLst/>
+          </a:prstGeom>
+        </p:spPr>
+      </p:pic>
+      <p:sp>
+        <p:nvSpPr>
+          <p:cNvPr id="114" name="Pfeil: nach rechts 113">
+            <a:extLst>
+              <a:ext uri="{FF2B5EF4-FFF2-40B4-BE49-F238E27FC236}">
+                <a16:creationId xmlns:a16="http://schemas.microsoft.com/office/drawing/2014/main" id="{B726F505-4348-4E6B-92A0-448E254D840D}"/>
+              </a:ext>
+            </a:extLst>
+          </p:cNvPr>
+          <p:cNvSpPr/>
+          <p:nvPr/>
+        </p:nvSpPr>
+        <p:spPr>
+          <a:xfrm>
+            <a:off x="8365486" y="2407375"/>
+            <a:ext cx="442054" cy="252481"/>
+          </a:xfrm>
+          <a:prstGeom prst="rightArrow">
+            <a:avLst>
+              <a:gd name="adj1" fmla="val 50433"/>
+              <a:gd name="adj2" fmla="val 47533"/>
+            </a:avLst>
+          </a:prstGeom>
+        </p:spPr>
+        <p:style>
+          <a:lnRef idx="2">
+            <a:schemeClr val="dk1">
+              <a:shade val="50000"/>
+            </a:schemeClr>
+          </a:lnRef>
+          <a:fillRef idx="1">
+            <a:schemeClr val="dk1"/>
+          </a:fillRef>
+          <a:effectRef idx="0">
+            <a:schemeClr val="dk1"/>
+          </a:effectRef>
+          <a:fontRef idx="minor">
+            <a:schemeClr val="lt1"/>
+          </a:fontRef>
+        </p:style>
+        <p:txBody>
+          <a:bodyPr rtlCol="0" anchor="ctr"/>
+          <a:lstStyle/>
+          <a:p>
+            <a:pPr algn="ctr"/>
+            <a:endParaRPr lang="en-US"/>
+          </a:p>
+        </p:txBody>
+      </p:sp>
+      <p:sp>
+        <p:nvSpPr>
+          <p:cNvPr id="115" name="Pfeil: nach rechts 114">
+            <a:extLst>
+              <a:ext uri="{FF2B5EF4-FFF2-40B4-BE49-F238E27FC236}">
+                <a16:creationId xmlns:a16="http://schemas.microsoft.com/office/drawing/2014/main" id="{E1610D32-9A47-4C90-829F-762D9A76B420}"/>
+              </a:ext>
+            </a:extLst>
+          </p:cNvPr>
+          <p:cNvSpPr/>
+          <p:nvPr/>
+        </p:nvSpPr>
+        <p:spPr>
+          <a:xfrm>
+            <a:off x="8365486" y="2748383"/>
+            <a:ext cx="442054" cy="252481"/>
+          </a:xfrm>
+          <a:prstGeom prst="rightArrow">
+            <a:avLst>
+              <a:gd name="adj1" fmla="val 50433"/>
+              <a:gd name="adj2" fmla="val 47533"/>
+            </a:avLst>
+          </a:prstGeom>
+        </p:spPr>
+        <p:style>
+          <a:lnRef idx="2">
+            <a:schemeClr val="dk1">
+              <a:shade val="50000"/>
+            </a:schemeClr>
+          </a:lnRef>
+          <a:fillRef idx="1">
+            <a:schemeClr val="dk1"/>
+          </a:fillRef>
+          <a:effectRef idx="0">
+            <a:schemeClr val="dk1"/>
+          </a:effectRef>
+          <a:fontRef idx="minor">
+            <a:schemeClr val="lt1"/>
+          </a:fontRef>
+        </p:style>
+        <p:txBody>
+          <a:bodyPr rtlCol="0" anchor="ctr"/>
+          <a:lstStyle/>
+          <a:p>
+            <a:pPr algn="ctr"/>
+            <a:endParaRPr lang="en-US"/>
+          </a:p>
+        </p:txBody>
+      </p:sp>
+      <p:sp>
+        <p:nvSpPr>
+          <p:cNvPr id="116" name="Pfeil: nach rechts 115">
+            <a:extLst>
+              <a:ext uri="{FF2B5EF4-FFF2-40B4-BE49-F238E27FC236}">
+                <a16:creationId xmlns:a16="http://schemas.microsoft.com/office/drawing/2014/main" id="{1EA9A92B-9C42-454B-A8A9-14CF4E3FC921}"/>
+              </a:ext>
+            </a:extLst>
+          </p:cNvPr>
+          <p:cNvSpPr/>
+          <p:nvPr/>
+        </p:nvSpPr>
+        <p:spPr>
+          <a:xfrm>
+            <a:off x="8365486" y="3429891"/>
+            <a:ext cx="442054" cy="252481"/>
+          </a:xfrm>
+          <a:prstGeom prst="rightArrow">
+            <a:avLst>
+              <a:gd name="adj1" fmla="val 50433"/>
+              <a:gd name="adj2" fmla="val 47533"/>
+            </a:avLst>
+          </a:prstGeom>
+        </p:spPr>
+        <p:style>
+          <a:lnRef idx="2">
+            <a:schemeClr val="dk1">
+              <a:shade val="50000"/>
+            </a:schemeClr>
+          </a:lnRef>
+          <a:fillRef idx="1">
+            <a:schemeClr val="dk1"/>
+          </a:fillRef>
+          <a:effectRef idx="0">
+            <a:schemeClr val="dk1"/>
+          </a:effectRef>
+          <a:fontRef idx="minor">
+            <a:schemeClr val="lt1"/>
+          </a:fontRef>
+        </p:style>
+        <p:txBody>
+          <a:bodyPr rtlCol="0" anchor="ctr"/>
+          <a:lstStyle/>
+          <a:p>
+            <a:pPr algn="ctr"/>
+            <a:endParaRPr lang="en-US"/>
+          </a:p>
+        </p:txBody>
+      </p:sp>
+      <p:sp>
+        <p:nvSpPr>
+          <p:cNvPr id="117" name="Pfeil: nach rechts 116">
+            <a:extLst>
+              <a:ext uri="{FF2B5EF4-FFF2-40B4-BE49-F238E27FC236}">
+                <a16:creationId xmlns:a16="http://schemas.microsoft.com/office/drawing/2014/main" id="{5D71DE64-9FF2-47E9-B61D-9645CE9EF167}"/>
+              </a:ext>
+            </a:extLst>
+          </p:cNvPr>
+          <p:cNvSpPr/>
+          <p:nvPr/>
+        </p:nvSpPr>
+        <p:spPr>
+          <a:xfrm>
+            <a:off x="8365486" y="3770899"/>
+            <a:ext cx="442054" cy="252481"/>
+          </a:xfrm>
+          <a:prstGeom prst="rightArrow">
+            <a:avLst>
+              <a:gd name="adj1" fmla="val 50433"/>
+              <a:gd name="adj2" fmla="val 47533"/>
+            </a:avLst>
+          </a:prstGeom>
+        </p:spPr>
+        <p:style>
+          <a:lnRef idx="2">
+            <a:schemeClr val="dk1">
+              <a:shade val="50000"/>
+            </a:schemeClr>
+          </a:lnRef>
+          <a:fillRef idx="1">
+            <a:schemeClr val="dk1"/>
+          </a:fillRef>
+          <a:effectRef idx="0">
+            <a:schemeClr val="dk1"/>
+          </a:effectRef>
+          <a:fontRef idx="minor">
+            <a:schemeClr val="lt1"/>
+          </a:fontRef>
+        </p:style>
+        <p:txBody>
+          <a:bodyPr rtlCol="0" anchor="ctr"/>
+          <a:lstStyle/>
+          <a:p>
+            <a:pPr algn="ctr"/>
+            <a:endParaRPr lang="en-US"/>
+          </a:p>
+        </p:txBody>
+      </p:sp>
+      <p:sp>
+        <p:nvSpPr>
+          <p:cNvPr id="118" name="Pfeil: nach rechts 117">
+            <a:extLst>
+              <a:ext uri="{FF2B5EF4-FFF2-40B4-BE49-F238E27FC236}">
+                <a16:creationId xmlns:a16="http://schemas.microsoft.com/office/drawing/2014/main" id="{D6738871-40FD-476C-81A7-888E9AF8D6F4}"/>
+              </a:ext>
+            </a:extLst>
+          </p:cNvPr>
+          <p:cNvSpPr/>
+          <p:nvPr/>
+        </p:nvSpPr>
+        <p:spPr>
+          <a:xfrm>
+            <a:off x="8362034" y="4501429"/>
+            <a:ext cx="442054" cy="252481"/>
+          </a:xfrm>
+          <a:prstGeom prst="rightArrow">
+            <a:avLst>
+              <a:gd name="adj1" fmla="val 50433"/>
+              <a:gd name="adj2" fmla="val 47533"/>
+            </a:avLst>
+          </a:prstGeom>
+        </p:spPr>
+        <p:style>
+          <a:lnRef idx="2">
+            <a:schemeClr val="dk1">
+              <a:shade val="50000"/>
+            </a:schemeClr>
+          </a:lnRef>
+          <a:fillRef idx="1">
+            <a:schemeClr val="dk1"/>
+          </a:fillRef>
+          <a:effectRef idx="0">
+            <a:schemeClr val="dk1"/>
+          </a:effectRef>
+          <a:fontRef idx="minor">
+            <a:schemeClr val="lt1"/>
+          </a:fontRef>
+        </p:style>
+        <p:txBody>
+          <a:bodyPr rtlCol="0" anchor="ctr"/>
+          <a:lstStyle/>
+          <a:p>
+            <a:pPr algn="ctr"/>
+            <a:endParaRPr lang="en-US"/>
+          </a:p>
+        </p:txBody>
+      </p:sp>
+      <p:sp>
+        <p:nvSpPr>
+          <p:cNvPr id="119" name="Rechteck 118">
+            <a:extLst>
+              <a:ext uri="{FF2B5EF4-FFF2-40B4-BE49-F238E27FC236}">
+                <a16:creationId xmlns:a16="http://schemas.microsoft.com/office/drawing/2014/main" id="{E0A642E4-F141-4A5D-BF5D-D7B2ADD2CBBB}"/>
+              </a:ext>
+            </a:extLst>
+          </p:cNvPr>
+          <p:cNvSpPr/>
+          <p:nvPr/>
+        </p:nvSpPr>
+        <p:spPr>
+          <a:xfrm>
+            <a:off x="9068717" y="2407375"/>
+            <a:ext cx="1634013" cy="266700"/>
+          </a:xfrm>
+          <a:prstGeom prst="rect">
+            <a:avLst/>
+          </a:prstGeom>
+          <a:ln>
+            <a:solidFill>
+              <a:schemeClr val="bg1">
+                <a:lumMod val="50000"/>
+              </a:schemeClr>
+            </a:solidFill>
+          </a:ln>
+        </p:spPr>
+        <p:style>
+          <a:lnRef idx="2">
+            <a:schemeClr val="dk1"/>
+          </a:lnRef>
+          <a:fillRef idx="1">
+            <a:schemeClr val="lt1"/>
+          </a:fillRef>
+          <a:effectRef idx="0">
+            <a:schemeClr val="dk1"/>
+          </a:effectRef>
+          <a:fontRef idx="minor">
+            <a:schemeClr val="dk1"/>
+          </a:fontRef>
+        </p:style>
+        <p:txBody>
+          <a:bodyPr rtlCol="0" anchor="ctr"/>
+          <a:lstStyle/>
+          <a:p>
+            <a:pPr algn="ctr"/>
+            <a:r>
+              <a:rPr lang="de-DE" sz="1200" dirty="0"/>
+              <a:t>API 1</a:t>
+            </a:r>
+            <a:endParaRPr lang="en-US" sz="1200" dirty="0"/>
+          </a:p>
+        </p:txBody>
+      </p:sp>
+      <p:sp>
+        <p:nvSpPr>
+          <p:cNvPr id="121" name="Rechteck 120">
+            <a:extLst>
+              <a:ext uri="{FF2B5EF4-FFF2-40B4-BE49-F238E27FC236}">
+                <a16:creationId xmlns:a16="http://schemas.microsoft.com/office/drawing/2014/main" id="{B2B09ACB-10A9-4CF6-82A1-9ABED4E9DD0F}"/>
+              </a:ext>
+            </a:extLst>
+          </p:cNvPr>
+          <p:cNvSpPr/>
+          <p:nvPr/>
+        </p:nvSpPr>
+        <p:spPr>
+          <a:xfrm>
+            <a:off x="9068717" y="2750442"/>
+            <a:ext cx="1634013" cy="266700"/>
+          </a:xfrm>
+          <a:prstGeom prst="rect">
+            <a:avLst/>
+          </a:prstGeom>
+          <a:ln>
+            <a:solidFill>
+              <a:schemeClr val="bg1">
+                <a:lumMod val="50000"/>
+              </a:schemeClr>
+            </a:solidFill>
+          </a:ln>
+        </p:spPr>
+        <p:style>
+          <a:lnRef idx="2">
+            <a:schemeClr val="dk1"/>
+          </a:lnRef>
+          <a:fillRef idx="1">
+            <a:schemeClr val="lt1"/>
+          </a:fillRef>
+          <a:effectRef idx="0">
+            <a:schemeClr val="dk1"/>
+          </a:effectRef>
+          <a:fontRef idx="minor">
+            <a:schemeClr val="dk1"/>
+          </a:fontRef>
+        </p:style>
+        <p:txBody>
+          <a:bodyPr rtlCol="0" anchor="ctr"/>
+          <a:lstStyle/>
+          <a:p>
+            <a:pPr algn="ctr"/>
+            <a:r>
+              <a:rPr lang="de-DE" sz="1200" dirty="0"/>
+              <a:t>API 2</a:t>
+            </a:r>
+            <a:endParaRPr lang="en-US" sz="1200" dirty="0"/>
+          </a:p>
+        </p:txBody>
+      </p:sp>
+      <p:sp>
+        <p:nvSpPr>
+          <p:cNvPr id="122" name="Rechteck 121">
+            <a:extLst>
+              <a:ext uri="{FF2B5EF4-FFF2-40B4-BE49-F238E27FC236}">
+                <a16:creationId xmlns:a16="http://schemas.microsoft.com/office/drawing/2014/main" id="{AFA43947-A2BE-4710-AA46-3FC43DC24FF9}"/>
+              </a:ext>
+            </a:extLst>
+          </p:cNvPr>
+          <p:cNvSpPr/>
+          <p:nvPr/>
+        </p:nvSpPr>
+        <p:spPr>
+          <a:xfrm>
+            <a:off x="9068717" y="3427832"/>
+            <a:ext cx="1634013" cy="266700"/>
+          </a:xfrm>
+          <a:prstGeom prst="rect">
+            <a:avLst/>
+          </a:prstGeom>
+          <a:ln>
+            <a:solidFill>
+              <a:schemeClr val="bg1">
+                <a:lumMod val="50000"/>
+              </a:schemeClr>
+            </a:solidFill>
+          </a:ln>
+        </p:spPr>
+        <p:style>
+          <a:lnRef idx="2">
+            <a:schemeClr val="dk1"/>
+          </a:lnRef>
+          <a:fillRef idx="1">
+            <a:schemeClr val="lt1"/>
+          </a:fillRef>
+          <a:effectRef idx="0">
+            <a:schemeClr val="dk1"/>
+          </a:effectRef>
+          <a:fontRef idx="minor">
+            <a:schemeClr val="dk1"/>
+          </a:fontRef>
+        </p:style>
+        <p:txBody>
+          <a:bodyPr rtlCol="0" anchor="ctr"/>
+          <a:lstStyle/>
+          <a:p>
+            <a:pPr algn="ctr"/>
+            <a:r>
+              <a:rPr lang="de-DE" sz="1200" dirty="0"/>
+              <a:t>API 3</a:t>
+            </a:r>
+            <a:endParaRPr lang="en-US" sz="1200" dirty="0"/>
+          </a:p>
+        </p:txBody>
+      </p:sp>
+      <p:sp>
+        <p:nvSpPr>
+          <p:cNvPr id="123" name="Rechteck 122">
+            <a:extLst>
+              <a:ext uri="{FF2B5EF4-FFF2-40B4-BE49-F238E27FC236}">
+                <a16:creationId xmlns:a16="http://schemas.microsoft.com/office/drawing/2014/main" id="{3520C675-3801-4219-AFD6-8F661F2F084F}"/>
+              </a:ext>
+            </a:extLst>
+          </p:cNvPr>
+          <p:cNvSpPr/>
+          <p:nvPr/>
+        </p:nvSpPr>
+        <p:spPr>
+          <a:xfrm>
+            <a:off x="9068717" y="3770899"/>
+            <a:ext cx="1634013" cy="266700"/>
+          </a:xfrm>
+          <a:prstGeom prst="rect">
+            <a:avLst/>
+          </a:prstGeom>
+          <a:ln>
+            <a:solidFill>
+              <a:schemeClr val="bg1">
+                <a:lumMod val="50000"/>
+              </a:schemeClr>
+            </a:solidFill>
+          </a:ln>
+        </p:spPr>
+        <p:style>
+          <a:lnRef idx="2">
+            <a:schemeClr val="dk1"/>
+          </a:lnRef>
+          <a:fillRef idx="1">
+            <a:schemeClr val="lt1"/>
+          </a:fillRef>
+          <a:effectRef idx="0">
+            <a:schemeClr val="dk1"/>
+          </a:effectRef>
+          <a:fontRef idx="minor">
+            <a:schemeClr val="dk1"/>
+          </a:fontRef>
+        </p:style>
+        <p:txBody>
+          <a:bodyPr rtlCol="0" anchor="ctr"/>
+          <a:lstStyle/>
+          <a:p>
+            <a:pPr algn="ctr"/>
+            <a:r>
+              <a:rPr lang="de-DE" sz="1200" dirty="0"/>
+              <a:t>API 4</a:t>
+            </a:r>
+            <a:endParaRPr lang="en-US" sz="1200" dirty="0"/>
+          </a:p>
+        </p:txBody>
+      </p:sp>
+      <p:sp>
+        <p:nvSpPr>
+          <p:cNvPr id="124" name="Rechteck 123">
+            <a:extLst>
+              <a:ext uri="{FF2B5EF4-FFF2-40B4-BE49-F238E27FC236}">
+                <a16:creationId xmlns:a16="http://schemas.microsoft.com/office/drawing/2014/main" id="{2CF8DA8E-E2AA-4918-ACDB-111976DF5B1C}"/>
+              </a:ext>
+            </a:extLst>
+          </p:cNvPr>
+          <p:cNvSpPr/>
+          <p:nvPr/>
+        </p:nvSpPr>
+        <p:spPr>
+          <a:xfrm>
+            <a:off x="9068717" y="4495691"/>
+            <a:ext cx="1634013" cy="266700"/>
+          </a:xfrm>
+          <a:prstGeom prst="rect">
+            <a:avLst/>
+          </a:prstGeom>
+          <a:ln>
+            <a:solidFill>
+              <a:schemeClr val="bg1">
+                <a:lumMod val="50000"/>
+              </a:schemeClr>
+            </a:solidFill>
+          </a:ln>
+        </p:spPr>
+        <p:style>
+          <a:lnRef idx="2">
+            <a:schemeClr val="dk1"/>
+          </a:lnRef>
+          <a:fillRef idx="1">
+            <a:schemeClr val="lt1"/>
+          </a:fillRef>
+          <a:effectRef idx="0">
+            <a:schemeClr val="dk1"/>
+          </a:effectRef>
+          <a:fontRef idx="minor">
+            <a:schemeClr val="dk1"/>
+          </a:fontRef>
+        </p:style>
+        <p:txBody>
+          <a:bodyPr rtlCol="0" anchor="ctr"/>
+          <a:lstStyle/>
+          <a:p>
+            <a:pPr algn="ctr"/>
+            <a:r>
+              <a:rPr lang="de-DE" sz="1200" dirty="0"/>
+              <a:t>API 5</a:t>
+            </a:r>
+            <a:endParaRPr lang="en-US" sz="1200" dirty="0"/>
+          </a:p>
+        </p:txBody>
+      </p:sp>
+      <p:pic>
+        <p:nvPicPr>
+          <p:cNvPr id="130" name="Grafik 129" descr="Ein Bild, das Text, Schild enthält.&#10;&#10;Automatisch generierte Beschreibung">
+            <a:extLst>
+              <a:ext uri="{FF2B5EF4-FFF2-40B4-BE49-F238E27FC236}">
+                <a16:creationId xmlns:a16="http://schemas.microsoft.com/office/drawing/2014/main" id="{C2986809-8258-4023-8334-08E7EC0C28E7}"/>
+              </a:ext>
+            </a:extLst>
+          </p:cNvPr>
+          <p:cNvPicPr>
+            <a:picLocks noChangeAspect="1"/>
+          </p:cNvPicPr>
+          <p:nvPr/>
+        </p:nvPicPr>
+        <p:blipFill rotWithShape="1">
+          <a:blip r:embed="rId15">
+            <a:extLst>
+              <a:ext uri="{28A0092B-C50C-407E-A947-70E740481C1C}">
+                <a14:useLocalDpi xmlns:a14="http://schemas.microsoft.com/office/drawing/2010/main" val="0"/>
+              </a:ext>
+            </a:extLst>
+          </a:blip>
+          <a:srcRect l="22835" t="14535" r="24895" b="38647"/>
+          <a:stretch/>
+        </p:blipFill>
+        <p:spPr>
+          <a:xfrm>
+            <a:off x="8993800" y="1600421"/>
+            <a:ext cx="374632" cy="362111"/>
+          </a:xfrm>
+          <a:prstGeom prst="rect">
+            <a:avLst/>
+          </a:prstGeom>
+        </p:spPr>
+      </p:pic>
+      <p:sp>
+        <p:nvSpPr>
+          <p:cNvPr id="131" name="Rechteck 130">
+            <a:extLst>
+              <a:ext uri="{FF2B5EF4-FFF2-40B4-BE49-F238E27FC236}">
+                <a16:creationId xmlns:a16="http://schemas.microsoft.com/office/drawing/2014/main" id="{02F5F502-8AD2-4D83-AE68-4C24420367F7}"/>
+              </a:ext>
+            </a:extLst>
+          </p:cNvPr>
+          <p:cNvSpPr/>
+          <p:nvPr/>
+        </p:nvSpPr>
+        <p:spPr>
+          <a:xfrm>
+            <a:off x="3879732" y="2734044"/>
+            <a:ext cx="1614545" cy="253916"/>
+          </a:xfrm>
+          <a:prstGeom prst="rect">
+            <a:avLst/>
+          </a:prstGeom>
         </p:spPr>
         <p:txBody>
           <a:bodyPr wrap="none">
@@ -4889,63 +5849,31 @@
           <a:p>
             <a:pPr algn="ctr"/>
             <a:r>
-              <a:rPr lang="de-DE" sz="1200" dirty="0"/>
-              <a:t>API 2</a:t>
-            </a:r>
-            <a:endParaRPr lang="en-US" sz="1200" dirty="0"/>
-          </a:p>
-        </p:txBody>
-      </p:sp>
-      <p:sp>
-        <p:nvSpPr>
-          <p:cNvPr id="82" name="Rechteck 81">
-            <a:extLst>
-              <a:ext uri="{FF2B5EF4-FFF2-40B4-BE49-F238E27FC236}">
-                <a16:creationId xmlns:a16="http://schemas.microsoft.com/office/drawing/2014/main" id="{0125B474-8827-4729-8CDE-E7B87BD87CA3}"/>
-              </a:ext>
-            </a:extLst>
-          </p:cNvPr>
-          <p:cNvSpPr/>
-          <p:nvPr/>
-        </p:nvSpPr>
-        <p:spPr>
-          <a:xfrm>
-            <a:off x="4333114" y="3413377"/>
-            <a:ext cx="1008033" cy="276999"/>
-          </a:xfrm>
-          <a:prstGeom prst="rect">
-            <a:avLst/>
-          </a:prstGeom>
-        </p:spPr>
-        <p:txBody>
-          <a:bodyPr wrap="none">
-            <a:spAutoFit/>
-          </a:bodyPr>
-          <a:lstStyle/>
-          <a:p>
-            <a:pPr algn="ctr"/>
-            <a:r>
-              <a:rPr lang="de-DE" sz="1200" dirty="0"/>
-              <a:t>+ {</a:t>
-            </a:r>
-            <a:r>
-              <a:rPr lang="de-DE" sz="1200" dirty="0" err="1"/>
-              <a:t>api-config</a:t>
-            </a:r>
-            <a:r>
-              <a:rPr lang="de-DE" sz="1200" dirty="0"/>
-              <a:t>}</a:t>
-            </a:r>
-            <a:endParaRPr lang="en-US" sz="1200" dirty="0"/>
+              <a:rPr lang="de-DE" sz="1050" dirty="0"/>
+              <a:t>+ API-</a:t>
+            </a:r>
+            <a:r>
+              <a:rPr lang="de-DE" sz="1050" dirty="0" err="1"/>
+              <a:t>Config</a:t>
+            </a:r>
+            <a:r>
+              <a:rPr lang="de-DE" sz="1050" dirty="0"/>
+              <a:t> &amp; </a:t>
+            </a:r>
+            <a:r>
+              <a:rPr lang="de-DE" sz="1050" dirty="0" err="1"/>
+              <a:t>Jenkinsfile</a:t>
+            </a:r>
+            <a:endParaRPr lang="en-US" sz="1050" dirty="0"/>
           </a:p>
         </p:txBody>
       </p:sp>
       <p:pic>
         <p:nvPicPr>
-          <p:cNvPr id="83" name="Grafik 82" descr="Ein Bild, das schwarz enthält.&#10;&#10;Automatisch generierte Beschreibung">
-            <a:extLst>
-              <a:ext uri="{FF2B5EF4-FFF2-40B4-BE49-F238E27FC236}">
-                <a16:creationId xmlns:a16="http://schemas.microsoft.com/office/drawing/2014/main" id="{CA7E6324-925F-4435-AE6F-04F4DADC86C9}"/>
+          <p:cNvPr id="132" name="Grafik 131" descr="Ein Bild, das schwarz enthält.&#10;&#10;Automatisch generierte Beschreibung">
+            <a:extLst>
+              <a:ext uri="{FF2B5EF4-FFF2-40B4-BE49-F238E27FC236}">
+                <a16:creationId xmlns:a16="http://schemas.microsoft.com/office/drawing/2014/main" id="{B4A91919-D8D3-433B-A0A1-D3FCAE50727C}"/>
               </a:ext>
             </a:extLst>
           </p:cNvPr>
@@ -4968,7 +5896,7 @@
         </p:blipFill>
         <p:spPr>
           <a:xfrm>
-            <a:off x="4103570" y="3413377"/>
+            <a:off x="3671400" y="2721550"/>
             <a:ext cx="304635" cy="298193"/>
           </a:xfrm>
           <a:prstGeom prst="rect">
@@ -4978,10 +5906,10 @@
       </p:pic>
       <p:sp>
         <p:nvSpPr>
-          <p:cNvPr id="84" name="Rechteck 83">
-            <a:extLst>
-              <a:ext uri="{FF2B5EF4-FFF2-40B4-BE49-F238E27FC236}">
-                <a16:creationId xmlns:a16="http://schemas.microsoft.com/office/drawing/2014/main" id="{205B06AB-B4E4-4989-9FBD-63E0F999E0B4}"/>
+          <p:cNvPr id="133" name="Rechteck 132">
+            <a:extLst>
+              <a:ext uri="{FF2B5EF4-FFF2-40B4-BE49-F238E27FC236}">
+                <a16:creationId xmlns:a16="http://schemas.microsoft.com/office/drawing/2014/main" id="{E2BD0CEA-405A-422A-A1A3-5FBD46511C48}"/>
               </a:ext>
             </a:extLst>
           </p:cNvPr>
@@ -4990,8 +5918,8 @@
         </p:nvSpPr>
         <p:spPr>
           <a:xfrm>
-            <a:off x="4333114" y="3728253"/>
-            <a:ext cx="1008033" cy="276999"/>
+            <a:off x="3294331" y="2750727"/>
+            <a:ext cx="450765" cy="246221"/>
           </a:xfrm>
           <a:prstGeom prst="rect">
             <a:avLst/>
@@ -5005,27 +5933,67 @@
           <a:p>
             <a:pPr algn="ctr"/>
             <a:r>
-              <a:rPr lang="de-DE" sz="1200" dirty="0"/>
-              <a:t>+ {</a:t>
-            </a:r>
-            <a:r>
-              <a:rPr lang="de-DE" sz="1200" dirty="0" err="1"/>
-              <a:t>api-config</a:t>
-            </a:r>
-            <a:r>
-              <a:rPr lang="de-DE" sz="1200" dirty="0"/>
-              <a:t>}</a:t>
-            </a:r>
-            <a:endParaRPr lang="en-US" sz="1200" dirty="0"/>
+              <a:rPr lang="de-DE" sz="1000" dirty="0"/>
+              <a:t>API 2</a:t>
+            </a:r>
+            <a:endParaRPr lang="en-US" sz="1000" dirty="0"/>
+          </a:p>
+        </p:txBody>
+      </p:sp>
+      <p:sp>
+        <p:nvSpPr>
+          <p:cNvPr id="134" name="Rechteck 133">
+            <a:extLst>
+              <a:ext uri="{FF2B5EF4-FFF2-40B4-BE49-F238E27FC236}">
+                <a16:creationId xmlns:a16="http://schemas.microsoft.com/office/drawing/2014/main" id="{EEBB35A5-C476-43FE-8ECD-C309845853BA}"/>
+              </a:ext>
+            </a:extLst>
+          </p:cNvPr>
+          <p:cNvSpPr/>
+          <p:nvPr/>
+        </p:nvSpPr>
+        <p:spPr>
+          <a:xfrm>
+            <a:off x="3881158" y="3445544"/>
+            <a:ext cx="1614545" cy="253916"/>
+          </a:xfrm>
+          <a:prstGeom prst="rect">
+            <a:avLst/>
+          </a:prstGeom>
+        </p:spPr>
+        <p:txBody>
+          <a:bodyPr wrap="none">
+            <a:spAutoFit/>
+          </a:bodyPr>
+          <a:lstStyle/>
+          <a:p>
+            <a:pPr algn="ctr"/>
+            <a:r>
+              <a:rPr lang="de-DE" sz="1050" dirty="0"/>
+              <a:t>+ API-</a:t>
+            </a:r>
+            <a:r>
+              <a:rPr lang="de-DE" sz="1050" dirty="0" err="1"/>
+              <a:t>Config</a:t>
+            </a:r>
+            <a:r>
+              <a:rPr lang="de-DE" sz="1050" dirty="0"/>
+              <a:t> &amp; </a:t>
+            </a:r>
+            <a:r>
+              <a:rPr lang="de-DE" sz="1050" dirty="0" err="1"/>
+              <a:t>Jenkinsfile</a:t>
+            </a:r>
+            <a:endParaRPr lang="en-US" sz="1050" dirty="0"/>
           </a:p>
         </p:txBody>
       </p:sp>
       <p:pic>
         <p:nvPicPr>
-          <p:cNvPr id="85" name="Grafik 84" descr="Ein Bild, das schwarz enthält.&#10;&#10;Automatisch generierte Beschreibung">
-            <a:extLst>
-              <a:ext uri="{FF2B5EF4-FFF2-40B4-BE49-F238E27FC236}">
-                <a16:creationId xmlns:a16="http://schemas.microsoft.com/office/drawing/2014/main" id="{7B028028-3000-4C1C-B7F1-2078D1D4F82E}"/>
+          <p:cNvPr id="135" name="Grafik 134" descr="Ein Bild, das schwarz enthält.&#10;&#10;Automatisch generierte Beschreibung">
+            <a:extLst>
+              <a:ext uri="{FF2B5EF4-FFF2-40B4-BE49-F238E27FC236}">
+                <a16:creationId xmlns:a16="http://schemas.microsoft.com/office/drawing/2014/main" id="{F871B7D7-862C-4A3B-80B9-3E6E65E4ED53}"/>
               </a:ext>
             </a:extLst>
           </p:cNvPr>
@@ -5048,7 +6016,7 @@
         </p:blipFill>
         <p:spPr>
           <a:xfrm>
-            <a:off x="4103570" y="3728253"/>
+            <a:off x="3672826" y="3433050"/>
             <a:ext cx="304635" cy="298193"/>
           </a:xfrm>
           <a:prstGeom prst="rect">
@@ -5058,10 +6026,10 @@
       </p:pic>
       <p:sp>
         <p:nvSpPr>
-          <p:cNvPr id="86" name="Rechteck 85">
-            <a:extLst>
-              <a:ext uri="{FF2B5EF4-FFF2-40B4-BE49-F238E27FC236}">
-                <a16:creationId xmlns:a16="http://schemas.microsoft.com/office/drawing/2014/main" id="{DD3B1870-9998-40B3-8A86-58B61F321E80}"/>
+          <p:cNvPr id="136" name="Rechteck 135">
+            <a:extLst>
+              <a:ext uri="{FF2B5EF4-FFF2-40B4-BE49-F238E27FC236}">
+                <a16:creationId xmlns:a16="http://schemas.microsoft.com/office/drawing/2014/main" id="{D4F39247-1719-4C82-B105-F8F7E276BB7B}"/>
               </a:ext>
             </a:extLst>
           </p:cNvPr>
@@ -5070,8 +6038,8 @@
         </p:nvSpPr>
         <p:spPr>
           <a:xfrm>
-            <a:off x="3682169" y="3430060"/>
-            <a:ext cx="506870" cy="276999"/>
+            <a:off x="3295757" y="3462227"/>
+            <a:ext cx="450765" cy="246221"/>
           </a:xfrm>
           <a:prstGeom prst="rect">
             <a:avLst/>
@@ -5085,19 +6053,19 @@
           <a:p>
             <a:pPr algn="ctr"/>
             <a:r>
-              <a:rPr lang="de-DE" sz="1200" dirty="0"/>
+              <a:rPr lang="de-DE" sz="1000" dirty="0"/>
               <a:t>API 3</a:t>
             </a:r>
-            <a:endParaRPr lang="en-US" sz="1200" dirty="0"/>
-          </a:p>
-        </p:txBody>
-      </p:sp>
-      <p:sp>
-        <p:nvSpPr>
-          <p:cNvPr id="87" name="Rechteck 86">
-            <a:extLst>
-              <a:ext uri="{FF2B5EF4-FFF2-40B4-BE49-F238E27FC236}">
-                <a16:creationId xmlns:a16="http://schemas.microsoft.com/office/drawing/2014/main" id="{7AD9F641-72BA-4EE9-A2B0-6F5DA6970A37}"/>
+            <a:endParaRPr lang="en-US" sz="1000" dirty="0"/>
+          </a:p>
+        </p:txBody>
+      </p:sp>
+      <p:sp>
+        <p:nvSpPr>
+          <p:cNvPr id="137" name="Rechteck 136">
+            <a:extLst>
+              <a:ext uri="{FF2B5EF4-FFF2-40B4-BE49-F238E27FC236}">
+                <a16:creationId xmlns:a16="http://schemas.microsoft.com/office/drawing/2014/main" id="{21327323-5E07-4B9D-8E5C-40D55D0DAD2A}"/>
               </a:ext>
             </a:extLst>
           </p:cNvPr>
@@ -5106,8 +6074,8 @@
         </p:nvSpPr>
         <p:spPr>
           <a:xfrm>
-            <a:off x="3682169" y="3735793"/>
-            <a:ext cx="506870" cy="276999"/>
+            <a:off x="3886795" y="3768936"/>
+            <a:ext cx="1614545" cy="253916"/>
           </a:xfrm>
           <a:prstGeom prst="rect">
             <a:avLst/>
@@ -5121,63 +6089,31 @@
           <a:p>
             <a:pPr algn="ctr"/>
             <a:r>
-              <a:rPr lang="de-DE" sz="1200" dirty="0"/>
-              <a:t>API 4</a:t>
-            </a:r>
-            <a:endParaRPr lang="en-US" sz="1200" dirty="0"/>
-          </a:p>
-        </p:txBody>
-      </p:sp>
-      <p:sp>
-        <p:nvSpPr>
-          <p:cNvPr id="88" name="Rechteck 87">
-            <a:extLst>
-              <a:ext uri="{FF2B5EF4-FFF2-40B4-BE49-F238E27FC236}">
-                <a16:creationId xmlns:a16="http://schemas.microsoft.com/office/drawing/2014/main" id="{6D114F29-4B51-41ED-97F9-7C15322952AA}"/>
-              </a:ext>
-            </a:extLst>
-          </p:cNvPr>
-          <p:cNvSpPr/>
-          <p:nvPr/>
-        </p:nvSpPr>
-        <p:spPr>
-          <a:xfrm>
-            <a:off x="4332557" y="4495691"/>
-            <a:ext cx="1008033" cy="276999"/>
-          </a:xfrm>
-          <a:prstGeom prst="rect">
-            <a:avLst/>
-          </a:prstGeom>
-        </p:spPr>
-        <p:txBody>
-          <a:bodyPr wrap="none">
-            <a:spAutoFit/>
-          </a:bodyPr>
-          <a:lstStyle/>
-          <a:p>
-            <a:pPr algn="ctr"/>
-            <a:r>
-              <a:rPr lang="de-DE" sz="1200" dirty="0"/>
-              <a:t>+ {</a:t>
-            </a:r>
-            <a:r>
-              <a:rPr lang="de-DE" sz="1200" dirty="0" err="1"/>
-              <a:t>api-config</a:t>
-            </a:r>
-            <a:r>
-              <a:rPr lang="de-DE" sz="1200" dirty="0"/>
-              <a:t>}</a:t>
-            </a:r>
-            <a:endParaRPr lang="en-US" sz="1200" dirty="0"/>
+              <a:rPr lang="de-DE" sz="1050" dirty="0"/>
+              <a:t>+ API-</a:t>
+            </a:r>
+            <a:r>
+              <a:rPr lang="de-DE" sz="1050" dirty="0" err="1"/>
+              <a:t>Config</a:t>
+            </a:r>
+            <a:r>
+              <a:rPr lang="de-DE" sz="1050" dirty="0"/>
+              <a:t> &amp; </a:t>
+            </a:r>
+            <a:r>
+              <a:rPr lang="de-DE" sz="1050" dirty="0" err="1"/>
+              <a:t>Jenkinsfile</a:t>
+            </a:r>
+            <a:endParaRPr lang="en-US" sz="1050" dirty="0"/>
           </a:p>
         </p:txBody>
       </p:sp>
       <p:pic>
         <p:nvPicPr>
-          <p:cNvPr id="89" name="Grafik 88" descr="Ein Bild, das schwarz enthält.&#10;&#10;Automatisch generierte Beschreibung">
-            <a:extLst>
-              <a:ext uri="{FF2B5EF4-FFF2-40B4-BE49-F238E27FC236}">
-                <a16:creationId xmlns:a16="http://schemas.microsoft.com/office/drawing/2014/main" id="{57C82554-FB45-4169-8279-6970F22E1D85}"/>
+          <p:cNvPr id="138" name="Grafik 137" descr="Ein Bild, das schwarz enthält.&#10;&#10;Automatisch generierte Beschreibung">
+            <a:extLst>
+              <a:ext uri="{FF2B5EF4-FFF2-40B4-BE49-F238E27FC236}">
+                <a16:creationId xmlns:a16="http://schemas.microsoft.com/office/drawing/2014/main" id="{BEB23742-8C28-4FC5-A2BD-A28E045069BD}"/>
               </a:ext>
             </a:extLst>
           </p:cNvPr>
@@ -5200,7 +6136,7 @@
         </p:blipFill>
         <p:spPr>
           <a:xfrm>
-            <a:off x="4103013" y="4495691"/>
+            <a:off x="3678463" y="3756442"/>
             <a:ext cx="304635" cy="298193"/>
           </a:xfrm>
           <a:prstGeom prst="rect">
@@ -5210,10 +6146,10 @@
       </p:pic>
       <p:sp>
         <p:nvSpPr>
-          <p:cNvPr id="90" name="Rechteck 89">
-            <a:extLst>
-              <a:ext uri="{FF2B5EF4-FFF2-40B4-BE49-F238E27FC236}">
-                <a16:creationId xmlns:a16="http://schemas.microsoft.com/office/drawing/2014/main" id="{BD62CA49-B974-4385-AA15-25CC7F885427}"/>
+          <p:cNvPr id="139" name="Rechteck 138">
+            <a:extLst>
+              <a:ext uri="{FF2B5EF4-FFF2-40B4-BE49-F238E27FC236}">
+                <a16:creationId xmlns:a16="http://schemas.microsoft.com/office/drawing/2014/main" id="{4797CE0E-352D-4847-BECF-FFFC9A136F5B}"/>
               </a:ext>
             </a:extLst>
           </p:cNvPr>
@@ -5222,8 +6158,8 @@
         </p:nvSpPr>
         <p:spPr>
           <a:xfrm>
-            <a:off x="4332557" y="4810567"/>
-            <a:ext cx="1008033" cy="276999"/>
+            <a:off x="3301394" y="3785619"/>
+            <a:ext cx="450765" cy="246221"/>
           </a:xfrm>
           <a:prstGeom prst="rect">
             <a:avLst/>
@@ -5237,27 +6173,67 @@
           <a:p>
             <a:pPr algn="ctr"/>
             <a:r>
-              <a:rPr lang="de-DE" sz="1200" dirty="0"/>
-              <a:t>+ {</a:t>
-            </a:r>
-            <a:r>
-              <a:rPr lang="de-DE" sz="1200" dirty="0" err="1"/>
-              <a:t>api-config</a:t>
-            </a:r>
-            <a:r>
-              <a:rPr lang="de-DE" sz="1200" dirty="0"/>
-              <a:t>}</a:t>
-            </a:r>
-            <a:endParaRPr lang="en-US" sz="1200" dirty="0"/>
+              <a:rPr lang="de-DE" sz="1000" dirty="0"/>
+              <a:t>API 4</a:t>
+            </a:r>
+            <a:endParaRPr lang="en-US" sz="1000" dirty="0"/>
+          </a:p>
+        </p:txBody>
+      </p:sp>
+      <p:sp>
+        <p:nvSpPr>
+          <p:cNvPr id="140" name="Rechteck 139">
+            <a:extLst>
+              <a:ext uri="{FF2B5EF4-FFF2-40B4-BE49-F238E27FC236}">
+                <a16:creationId xmlns:a16="http://schemas.microsoft.com/office/drawing/2014/main" id="{B5C6526C-09F7-43EB-972B-537E014E7F13}"/>
+              </a:ext>
+            </a:extLst>
+          </p:cNvPr>
+          <p:cNvSpPr/>
+          <p:nvPr/>
+        </p:nvSpPr>
+        <p:spPr>
+          <a:xfrm>
+            <a:off x="3879861" y="4502603"/>
+            <a:ext cx="1614545" cy="253916"/>
+          </a:xfrm>
+          <a:prstGeom prst="rect">
+            <a:avLst/>
+          </a:prstGeom>
+        </p:spPr>
+        <p:txBody>
+          <a:bodyPr wrap="none">
+            <a:spAutoFit/>
+          </a:bodyPr>
+          <a:lstStyle/>
+          <a:p>
+            <a:pPr algn="ctr"/>
+            <a:r>
+              <a:rPr lang="de-DE" sz="1050" dirty="0"/>
+              <a:t>+ API-</a:t>
+            </a:r>
+            <a:r>
+              <a:rPr lang="de-DE" sz="1050" dirty="0" err="1"/>
+              <a:t>Config</a:t>
+            </a:r>
+            <a:r>
+              <a:rPr lang="de-DE" sz="1050" dirty="0"/>
+              <a:t> &amp; </a:t>
+            </a:r>
+            <a:r>
+              <a:rPr lang="de-DE" sz="1050" dirty="0" err="1"/>
+              <a:t>Jenkinsfile</a:t>
+            </a:r>
+            <a:endParaRPr lang="en-US" sz="1050" dirty="0"/>
           </a:p>
         </p:txBody>
       </p:sp>
       <p:pic>
         <p:nvPicPr>
-          <p:cNvPr id="91" name="Grafik 90" descr="Ein Bild, das schwarz enthält.&#10;&#10;Automatisch generierte Beschreibung">
-            <a:extLst>
-              <a:ext uri="{FF2B5EF4-FFF2-40B4-BE49-F238E27FC236}">
-                <a16:creationId xmlns:a16="http://schemas.microsoft.com/office/drawing/2014/main" id="{DC54BE1A-D37B-448F-A9E1-756D7FA74FE1}"/>
+          <p:cNvPr id="141" name="Grafik 140" descr="Ein Bild, das schwarz enthält.&#10;&#10;Automatisch generierte Beschreibung">
+            <a:extLst>
+              <a:ext uri="{FF2B5EF4-FFF2-40B4-BE49-F238E27FC236}">
+                <a16:creationId xmlns:a16="http://schemas.microsoft.com/office/drawing/2014/main" id="{FAD70E91-2F00-407E-8CA2-0A8880AAA07E}"/>
               </a:ext>
             </a:extLst>
           </p:cNvPr>
@@ -5280,7 +6256,7 @@
         </p:blipFill>
         <p:spPr>
           <a:xfrm>
-            <a:off x="4103013" y="4810567"/>
+            <a:off x="3671529" y="4490109"/>
             <a:ext cx="304635" cy="298193"/>
           </a:xfrm>
           <a:prstGeom prst="rect">
@@ -5290,10 +6266,10 @@
       </p:pic>
       <p:sp>
         <p:nvSpPr>
-          <p:cNvPr id="92" name="Rechteck 91">
-            <a:extLst>
-              <a:ext uri="{FF2B5EF4-FFF2-40B4-BE49-F238E27FC236}">
-                <a16:creationId xmlns:a16="http://schemas.microsoft.com/office/drawing/2014/main" id="{A325E5C3-5E69-48DA-90DA-172E0120D206}"/>
+          <p:cNvPr id="142" name="Rechteck 141">
+            <a:extLst>
+              <a:ext uri="{FF2B5EF4-FFF2-40B4-BE49-F238E27FC236}">
+                <a16:creationId xmlns:a16="http://schemas.microsoft.com/office/drawing/2014/main" id="{BCF6C067-1007-4231-9443-A243999A15E5}"/>
               </a:ext>
             </a:extLst>
           </p:cNvPr>
@@ -5302,8 +6278,8 @@
         </p:nvSpPr>
         <p:spPr>
           <a:xfrm>
-            <a:off x="3681612" y="4512374"/>
-            <a:ext cx="506870" cy="276999"/>
+            <a:off x="3294460" y="4519286"/>
+            <a:ext cx="450765" cy="246221"/>
           </a:xfrm>
           <a:prstGeom prst="rect">
             <a:avLst/>
@@ -5317,19 +6293,19 @@
           <a:p>
             <a:pPr algn="ctr"/>
             <a:r>
-              <a:rPr lang="de-DE" sz="1200" dirty="0"/>
+              <a:rPr lang="de-DE" sz="1000" dirty="0"/>
               <a:t>API 5</a:t>
             </a:r>
-            <a:endParaRPr lang="en-US" sz="1200" dirty="0"/>
-          </a:p>
-        </p:txBody>
-      </p:sp>
-      <p:sp>
-        <p:nvSpPr>
-          <p:cNvPr id="93" name="Rechteck 92">
-            <a:extLst>
-              <a:ext uri="{FF2B5EF4-FFF2-40B4-BE49-F238E27FC236}">
-                <a16:creationId xmlns:a16="http://schemas.microsoft.com/office/drawing/2014/main" id="{940198B8-1E8E-45BD-BC74-6FAA52E51B44}"/>
+            <a:endParaRPr lang="en-US" sz="1000" dirty="0"/>
+          </a:p>
+        </p:txBody>
+      </p:sp>
+      <p:sp>
+        <p:nvSpPr>
+          <p:cNvPr id="143" name="Rechteck 142">
+            <a:extLst>
+              <a:ext uri="{FF2B5EF4-FFF2-40B4-BE49-F238E27FC236}">
+                <a16:creationId xmlns:a16="http://schemas.microsoft.com/office/drawing/2014/main" id="{212D4D76-23B3-443A-9188-15966DE5D11C}"/>
               </a:ext>
             </a:extLst>
           </p:cNvPr>
@@ -5338,8 +6314,8 @@
         </p:nvSpPr>
         <p:spPr>
           <a:xfrm>
-            <a:off x="3681612" y="4818107"/>
-            <a:ext cx="506870" cy="276999"/>
+            <a:off x="3904548" y="4825995"/>
+            <a:ext cx="1614545" cy="253916"/>
           </a:xfrm>
           <a:prstGeom prst="rect">
             <a:avLst/>
@@ -5353,19 +6329,67 @@
           <a:p>
             <a:pPr algn="ctr"/>
             <a:r>
-              <a:rPr lang="de-DE" sz="1200" dirty="0"/>
-              <a:t>API 6</a:t>
-            </a:r>
-            <a:endParaRPr lang="en-US" sz="1200" dirty="0"/>
-          </a:p>
-        </p:txBody>
-      </p:sp>
-      <p:sp>
-        <p:nvSpPr>
-          <p:cNvPr id="51" name="Rechteck 50">
-            <a:extLst>
-              <a:ext uri="{FF2B5EF4-FFF2-40B4-BE49-F238E27FC236}">
-                <a16:creationId xmlns:a16="http://schemas.microsoft.com/office/drawing/2014/main" id="{940289E8-A4A5-4FA4-BCFC-FC4192DCB77F}"/>
+              <a:rPr lang="de-DE" sz="1050" dirty="0"/>
+              <a:t>+ API-</a:t>
+            </a:r>
+            <a:r>
+              <a:rPr lang="de-DE" sz="1050" dirty="0" err="1"/>
+              <a:t>Config</a:t>
+            </a:r>
+            <a:r>
+              <a:rPr lang="de-DE" sz="1050" dirty="0"/>
+              <a:t> &amp; </a:t>
+            </a:r>
+            <a:r>
+              <a:rPr lang="de-DE" sz="1050" dirty="0" err="1"/>
+              <a:t>Jenkinsfile</a:t>
+            </a:r>
+            <a:endParaRPr lang="en-US" sz="1050" dirty="0"/>
+          </a:p>
+        </p:txBody>
+      </p:sp>
+      <p:pic>
+        <p:nvPicPr>
+          <p:cNvPr id="144" name="Grafik 143" descr="Ein Bild, das schwarz enthält.&#10;&#10;Automatisch generierte Beschreibung">
+            <a:extLst>
+              <a:ext uri="{FF2B5EF4-FFF2-40B4-BE49-F238E27FC236}">
+                <a16:creationId xmlns:a16="http://schemas.microsoft.com/office/drawing/2014/main" id="{7AF33894-0F27-4C3E-A9D3-BAEBC7C3F1C3}"/>
+              </a:ext>
+            </a:extLst>
+          </p:cNvPr>
+          <p:cNvPicPr>
+            <a:picLocks noChangeAspect="1"/>
+          </p:cNvPicPr>
+          <p:nvPr/>
+        </p:nvPicPr>
+        <p:blipFill>
+          <a:blip r:embed="rId10">
+            <a:extLst>
+              <a:ext uri="{28A0092B-C50C-407E-A947-70E740481C1C}">
+                <a14:useLocalDpi xmlns:a14="http://schemas.microsoft.com/office/drawing/2010/main" val="0"/>
+              </a:ext>
+            </a:extLst>
+          </a:blip>
+          <a:stretch>
+            <a:fillRect/>
+          </a:stretch>
+        </p:blipFill>
+        <p:spPr>
+          <a:xfrm>
+            <a:off x="3696216" y="4813501"/>
+            <a:ext cx="304635" cy="298193"/>
+          </a:xfrm>
+          <a:prstGeom prst="rect">
+            <a:avLst/>
+          </a:prstGeom>
+        </p:spPr>
+      </p:pic>
+      <p:sp>
+        <p:nvSpPr>
+          <p:cNvPr id="145" name="Rechteck 144">
+            <a:extLst>
+              <a:ext uri="{FF2B5EF4-FFF2-40B4-BE49-F238E27FC236}">
+                <a16:creationId xmlns:a16="http://schemas.microsoft.com/office/drawing/2014/main" id="{265154DD-F5BA-4079-9B83-C358EA68B493}"/>
               </a:ext>
             </a:extLst>
           </p:cNvPr>
@@ -5374,8 +6398,44 @@
         </p:nvSpPr>
         <p:spPr>
           <a:xfrm>
-            <a:off x="3654567" y="4993481"/>
-            <a:ext cx="1265096" cy="145257"/>
+            <a:off x="3319147" y="4842678"/>
+            <a:ext cx="450765" cy="246221"/>
+          </a:xfrm>
+          <a:prstGeom prst="rect">
+            <a:avLst/>
+          </a:prstGeom>
+        </p:spPr>
+        <p:txBody>
+          <a:bodyPr wrap="none">
+            <a:spAutoFit/>
+          </a:bodyPr>
+          <a:lstStyle/>
+          <a:p>
+            <a:pPr algn="ctr"/>
+            <a:r>
+              <a:rPr lang="de-DE" sz="1000" dirty="0"/>
+              <a:t>API 6</a:t>
+            </a:r>
+            <a:endParaRPr lang="en-US" sz="1000" dirty="0"/>
+          </a:p>
+        </p:txBody>
+      </p:sp>
+      <p:sp>
+        <p:nvSpPr>
+          <p:cNvPr id="146" name="Rechteck 145">
+            <a:extLst>
+              <a:ext uri="{FF2B5EF4-FFF2-40B4-BE49-F238E27FC236}">
+                <a16:creationId xmlns:a16="http://schemas.microsoft.com/office/drawing/2014/main" id="{CD9B9B2A-6379-4D63-898E-DB459322118E}"/>
+              </a:ext>
+            </a:extLst>
+          </p:cNvPr>
+          <p:cNvSpPr/>
+          <p:nvPr/>
+        </p:nvSpPr>
+        <p:spPr>
+          <a:xfrm>
+            <a:off x="3215974" y="4990894"/>
+            <a:ext cx="2291716" cy="387556"/>
           </a:xfrm>
           <a:prstGeom prst="rect">
             <a:avLst/>
@@ -5412,1016 +6472,6 @@
           </a:p>
         </p:txBody>
       </p:sp>
-      <p:sp>
-        <p:nvSpPr>
-          <p:cNvPr id="94" name="Rechteck 93">
-            <a:extLst>
-              <a:ext uri="{FF2B5EF4-FFF2-40B4-BE49-F238E27FC236}">
-                <a16:creationId xmlns:a16="http://schemas.microsoft.com/office/drawing/2014/main" id="{25CC5DCB-4BF1-4BF3-92BF-FBA4A3125414}"/>
-              </a:ext>
-            </a:extLst>
-          </p:cNvPr>
-          <p:cNvSpPr/>
-          <p:nvPr/>
-        </p:nvSpPr>
-        <p:spPr>
-          <a:xfrm>
-            <a:off x="6474937" y="2407375"/>
-            <a:ext cx="1634013" cy="266700"/>
-          </a:xfrm>
-          <a:prstGeom prst="rect">
-            <a:avLst/>
-          </a:prstGeom>
-          <a:ln>
-            <a:solidFill>
-              <a:schemeClr val="bg1">
-                <a:lumMod val="50000"/>
-              </a:schemeClr>
-            </a:solidFill>
-          </a:ln>
-        </p:spPr>
-        <p:style>
-          <a:lnRef idx="2">
-            <a:schemeClr val="dk1"/>
-          </a:lnRef>
-          <a:fillRef idx="1">
-            <a:schemeClr val="lt1"/>
-          </a:fillRef>
-          <a:effectRef idx="0">
-            <a:schemeClr val="dk1"/>
-          </a:effectRef>
-          <a:fontRef idx="minor">
-            <a:schemeClr val="dk1"/>
-          </a:fontRef>
-        </p:style>
-        <p:txBody>
-          <a:bodyPr rtlCol="0" anchor="ctr"/>
-          <a:lstStyle/>
-          <a:p>
-            <a:pPr algn="ctr"/>
-            <a:r>
-              <a:rPr lang="de-DE" sz="1200" dirty="0"/>
-              <a:t>API 1 Workflow</a:t>
-            </a:r>
-            <a:endParaRPr lang="en-US" sz="1200" dirty="0"/>
-          </a:p>
-        </p:txBody>
-      </p:sp>
-      <p:pic>
-        <p:nvPicPr>
-          <p:cNvPr id="96" name="Grafik 95">
-            <a:extLst>
-              <a:ext uri="{FF2B5EF4-FFF2-40B4-BE49-F238E27FC236}">
-                <a16:creationId xmlns:a16="http://schemas.microsoft.com/office/drawing/2014/main" id="{7322426A-998D-4907-B604-59A8DA32C791}"/>
-              </a:ext>
-            </a:extLst>
-          </p:cNvPr>
-          <p:cNvPicPr>
-            <a:picLocks noChangeAspect="1"/>
-          </p:cNvPicPr>
-          <p:nvPr/>
-        </p:nvPicPr>
-        <p:blipFill>
-          <a:blip r:embed="rId11">
-            <a:extLst>
-              <a:ext uri="{28A0092B-C50C-407E-A947-70E740481C1C}">
-                <a14:useLocalDpi xmlns:a14="http://schemas.microsoft.com/office/drawing/2010/main" val="0"/>
-              </a:ext>
-            </a:extLst>
-          </a:blip>
-          <a:stretch>
-            <a:fillRect/>
-          </a:stretch>
-        </p:blipFill>
-        <p:spPr>
-          <a:xfrm>
-            <a:off x="6576648" y="2464525"/>
-            <a:ext cx="138573" cy="152400"/>
-          </a:xfrm>
-          <a:prstGeom prst="rect">
-            <a:avLst/>
-          </a:prstGeom>
-        </p:spPr>
-      </p:pic>
-      <p:sp>
-        <p:nvSpPr>
-          <p:cNvPr id="97" name="Rechteck 96">
-            <a:extLst>
-              <a:ext uri="{FF2B5EF4-FFF2-40B4-BE49-F238E27FC236}">
-                <a16:creationId xmlns:a16="http://schemas.microsoft.com/office/drawing/2014/main" id="{6CE12EC8-0B46-4466-88BC-4AE4B5F01C06}"/>
-              </a:ext>
-            </a:extLst>
-          </p:cNvPr>
-          <p:cNvSpPr/>
-          <p:nvPr/>
-        </p:nvSpPr>
-        <p:spPr>
-          <a:xfrm>
-            <a:off x="6474937" y="2750442"/>
-            <a:ext cx="1634013" cy="266700"/>
-          </a:xfrm>
-          <a:prstGeom prst="rect">
-            <a:avLst/>
-          </a:prstGeom>
-          <a:ln>
-            <a:solidFill>
-              <a:schemeClr val="bg1">
-                <a:lumMod val="50000"/>
-              </a:schemeClr>
-            </a:solidFill>
-          </a:ln>
-        </p:spPr>
-        <p:style>
-          <a:lnRef idx="2">
-            <a:schemeClr val="dk1"/>
-          </a:lnRef>
-          <a:fillRef idx="1">
-            <a:schemeClr val="lt1"/>
-          </a:fillRef>
-          <a:effectRef idx="0">
-            <a:schemeClr val="dk1"/>
-          </a:effectRef>
-          <a:fontRef idx="minor">
-            <a:schemeClr val="dk1"/>
-          </a:fontRef>
-        </p:style>
-        <p:txBody>
-          <a:bodyPr rtlCol="0" anchor="ctr"/>
-          <a:lstStyle/>
-          <a:p>
-            <a:pPr algn="ctr"/>
-            <a:r>
-              <a:rPr lang="de-DE" sz="1200" dirty="0"/>
-              <a:t>API 2 Workflow</a:t>
-            </a:r>
-            <a:endParaRPr lang="en-US" sz="1200" dirty="0"/>
-          </a:p>
-        </p:txBody>
-      </p:sp>
-      <p:sp>
-        <p:nvSpPr>
-          <p:cNvPr id="99" name="Rechteck 98">
-            <a:extLst>
-              <a:ext uri="{FF2B5EF4-FFF2-40B4-BE49-F238E27FC236}">
-                <a16:creationId xmlns:a16="http://schemas.microsoft.com/office/drawing/2014/main" id="{86A46DD5-2F63-4311-A80A-B9208D50FF92}"/>
-              </a:ext>
-            </a:extLst>
-          </p:cNvPr>
-          <p:cNvSpPr/>
-          <p:nvPr/>
-        </p:nvSpPr>
-        <p:spPr>
-          <a:xfrm>
-            <a:off x="6474937" y="3427832"/>
-            <a:ext cx="1634013" cy="266700"/>
-          </a:xfrm>
-          <a:prstGeom prst="rect">
-            <a:avLst/>
-          </a:prstGeom>
-          <a:ln>
-            <a:solidFill>
-              <a:schemeClr val="bg1">
-                <a:lumMod val="50000"/>
-              </a:schemeClr>
-            </a:solidFill>
-          </a:ln>
-        </p:spPr>
-        <p:style>
-          <a:lnRef idx="2">
-            <a:schemeClr val="dk1"/>
-          </a:lnRef>
-          <a:fillRef idx="1">
-            <a:schemeClr val="lt1"/>
-          </a:fillRef>
-          <a:effectRef idx="0">
-            <a:schemeClr val="dk1"/>
-          </a:effectRef>
-          <a:fontRef idx="minor">
-            <a:schemeClr val="dk1"/>
-          </a:fontRef>
-        </p:style>
-        <p:txBody>
-          <a:bodyPr rtlCol="0" anchor="ctr"/>
-          <a:lstStyle/>
-          <a:p>
-            <a:pPr algn="ctr"/>
-            <a:r>
-              <a:rPr lang="de-DE" sz="1200" dirty="0"/>
-              <a:t>API 3 Workflow</a:t>
-            </a:r>
-            <a:endParaRPr lang="en-US" sz="1200" dirty="0"/>
-          </a:p>
-        </p:txBody>
-      </p:sp>
-      <p:sp>
-        <p:nvSpPr>
-          <p:cNvPr id="101" name="Rechteck 100">
-            <a:extLst>
-              <a:ext uri="{FF2B5EF4-FFF2-40B4-BE49-F238E27FC236}">
-                <a16:creationId xmlns:a16="http://schemas.microsoft.com/office/drawing/2014/main" id="{9DCECF58-B5AE-4325-9FA2-9C0CD0E79336}"/>
-              </a:ext>
-            </a:extLst>
-          </p:cNvPr>
-          <p:cNvSpPr/>
-          <p:nvPr/>
-        </p:nvSpPr>
-        <p:spPr>
-          <a:xfrm>
-            <a:off x="6474937" y="3770899"/>
-            <a:ext cx="1634013" cy="266700"/>
-          </a:xfrm>
-          <a:prstGeom prst="rect">
-            <a:avLst/>
-          </a:prstGeom>
-          <a:ln>
-            <a:solidFill>
-              <a:schemeClr val="bg1">
-                <a:lumMod val="50000"/>
-              </a:schemeClr>
-            </a:solidFill>
-          </a:ln>
-        </p:spPr>
-        <p:style>
-          <a:lnRef idx="2">
-            <a:schemeClr val="dk1"/>
-          </a:lnRef>
-          <a:fillRef idx="1">
-            <a:schemeClr val="lt1"/>
-          </a:fillRef>
-          <a:effectRef idx="0">
-            <a:schemeClr val="dk1"/>
-          </a:effectRef>
-          <a:fontRef idx="minor">
-            <a:schemeClr val="dk1"/>
-          </a:fontRef>
-        </p:style>
-        <p:txBody>
-          <a:bodyPr rtlCol="0" anchor="ctr"/>
-          <a:lstStyle/>
-          <a:p>
-            <a:pPr algn="ctr"/>
-            <a:r>
-              <a:rPr lang="de-DE" sz="1200" dirty="0"/>
-              <a:t>API 4 Workflow</a:t>
-            </a:r>
-            <a:endParaRPr lang="en-US" sz="1200" dirty="0"/>
-          </a:p>
-        </p:txBody>
-      </p:sp>
-      <p:sp>
-        <p:nvSpPr>
-          <p:cNvPr id="103" name="Rechteck 102">
-            <a:extLst>
-              <a:ext uri="{FF2B5EF4-FFF2-40B4-BE49-F238E27FC236}">
-                <a16:creationId xmlns:a16="http://schemas.microsoft.com/office/drawing/2014/main" id="{CA9452DD-C2CB-4B49-82FF-9125FD7C2CA5}"/>
-              </a:ext>
-            </a:extLst>
-          </p:cNvPr>
-          <p:cNvSpPr/>
-          <p:nvPr/>
-        </p:nvSpPr>
-        <p:spPr>
-          <a:xfrm>
-            <a:off x="6474937" y="4495691"/>
-            <a:ext cx="1634013" cy="266700"/>
-          </a:xfrm>
-          <a:prstGeom prst="rect">
-            <a:avLst/>
-          </a:prstGeom>
-          <a:ln>
-            <a:solidFill>
-              <a:schemeClr val="bg1">
-                <a:lumMod val="50000"/>
-              </a:schemeClr>
-            </a:solidFill>
-          </a:ln>
-        </p:spPr>
-        <p:style>
-          <a:lnRef idx="2">
-            <a:schemeClr val="dk1"/>
-          </a:lnRef>
-          <a:fillRef idx="1">
-            <a:schemeClr val="lt1"/>
-          </a:fillRef>
-          <a:effectRef idx="0">
-            <a:schemeClr val="dk1"/>
-          </a:effectRef>
-          <a:fontRef idx="minor">
-            <a:schemeClr val="dk1"/>
-          </a:fontRef>
-        </p:style>
-        <p:txBody>
-          <a:bodyPr rtlCol="0" anchor="ctr"/>
-          <a:lstStyle/>
-          <a:p>
-            <a:pPr algn="ctr"/>
-            <a:r>
-              <a:rPr lang="de-DE" sz="1200" dirty="0"/>
-              <a:t>API 5 Workflow</a:t>
-            </a:r>
-            <a:endParaRPr lang="en-US" sz="1200" dirty="0"/>
-          </a:p>
-        </p:txBody>
-      </p:sp>
-      <p:pic>
-        <p:nvPicPr>
-          <p:cNvPr id="106" name="Grafik 105">
-            <a:extLst>
-              <a:ext uri="{FF2B5EF4-FFF2-40B4-BE49-F238E27FC236}">
-                <a16:creationId xmlns:a16="http://schemas.microsoft.com/office/drawing/2014/main" id="{A88A1D86-1DD6-42E5-AB9A-8FD762C88F7E}"/>
-              </a:ext>
-            </a:extLst>
-          </p:cNvPr>
-          <p:cNvPicPr>
-            <a:picLocks noChangeAspect="1"/>
-          </p:cNvPicPr>
-          <p:nvPr/>
-        </p:nvPicPr>
-        <p:blipFill>
-          <a:blip r:embed="rId12">
-            <a:extLst>
-              <a:ext uri="{28A0092B-C50C-407E-A947-70E740481C1C}">
-                <a14:useLocalDpi xmlns:a14="http://schemas.microsoft.com/office/drawing/2010/main" val="0"/>
-              </a:ext>
-            </a:extLst>
-          </a:blip>
-          <a:stretch>
-            <a:fillRect/>
-          </a:stretch>
-        </p:blipFill>
-        <p:spPr>
-          <a:xfrm>
-            <a:off x="6576648" y="2826726"/>
-            <a:ext cx="152400" cy="152400"/>
-          </a:xfrm>
-          <a:prstGeom prst="rect">
-            <a:avLst/>
-          </a:prstGeom>
-        </p:spPr>
-      </p:pic>
-      <p:pic>
-        <p:nvPicPr>
-          <p:cNvPr id="108" name="Grafik 107">
-            <a:extLst>
-              <a:ext uri="{FF2B5EF4-FFF2-40B4-BE49-F238E27FC236}">
-                <a16:creationId xmlns:a16="http://schemas.microsoft.com/office/drawing/2014/main" id="{43B468D7-49C6-4360-8B4B-B8390A021A96}"/>
-              </a:ext>
-            </a:extLst>
-          </p:cNvPr>
-          <p:cNvPicPr>
-            <a:picLocks noChangeAspect="1"/>
-          </p:cNvPicPr>
-          <p:nvPr/>
-        </p:nvPicPr>
-        <p:blipFill>
-          <a:blip r:embed="rId13">
-            <a:extLst>
-              <a:ext uri="{28A0092B-C50C-407E-A947-70E740481C1C}">
-                <a14:useLocalDpi xmlns:a14="http://schemas.microsoft.com/office/drawing/2010/main" val="0"/>
-              </a:ext>
-            </a:extLst>
-          </a:blip>
-          <a:stretch>
-            <a:fillRect/>
-          </a:stretch>
-        </p:blipFill>
-        <p:spPr>
-          <a:xfrm>
-            <a:off x="6576648" y="3484982"/>
-            <a:ext cx="152400" cy="152400"/>
-          </a:xfrm>
-          <a:prstGeom prst="rect">
-            <a:avLst/>
-          </a:prstGeom>
-        </p:spPr>
-      </p:pic>
-      <p:pic>
-        <p:nvPicPr>
-          <p:cNvPr id="109" name="Grafik 108">
-            <a:extLst>
-              <a:ext uri="{FF2B5EF4-FFF2-40B4-BE49-F238E27FC236}">
-                <a16:creationId xmlns:a16="http://schemas.microsoft.com/office/drawing/2014/main" id="{52D84E20-E906-4DED-932B-93A03F3DC596}"/>
-              </a:ext>
-            </a:extLst>
-          </p:cNvPr>
-          <p:cNvPicPr>
-            <a:picLocks noChangeAspect="1"/>
-          </p:cNvPicPr>
-          <p:nvPr/>
-        </p:nvPicPr>
-        <p:blipFill>
-          <a:blip r:embed="rId13">
-            <a:extLst>
-              <a:ext uri="{28A0092B-C50C-407E-A947-70E740481C1C}">
-                <a14:useLocalDpi xmlns:a14="http://schemas.microsoft.com/office/drawing/2010/main" val="0"/>
-              </a:ext>
-            </a:extLst>
-          </a:blip>
-          <a:stretch>
-            <a:fillRect/>
-          </a:stretch>
-        </p:blipFill>
-        <p:spPr>
-          <a:xfrm>
-            <a:off x="6576648" y="4551469"/>
-            <a:ext cx="152400" cy="152400"/>
-          </a:xfrm>
-          <a:prstGeom prst="rect">
-            <a:avLst/>
-          </a:prstGeom>
-        </p:spPr>
-      </p:pic>
-      <p:pic>
-        <p:nvPicPr>
-          <p:cNvPr id="111" name="Grafik 110">
-            <a:extLst>
-              <a:ext uri="{FF2B5EF4-FFF2-40B4-BE49-F238E27FC236}">
-                <a16:creationId xmlns:a16="http://schemas.microsoft.com/office/drawing/2014/main" id="{94348309-C94E-475B-9766-9973B94C0D79}"/>
-              </a:ext>
-            </a:extLst>
-          </p:cNvPr>
-          <p:cNvPicPr>
-            <a:picLocks noChangeAspect="1"/>
-          </p:cNvPicPr>
-          <p:nvPr/>
-        </p:nvPicPr>
-        <p:blipFill>
-          <a:blip r:embed="rId14">
-            <a:extLst>
-              <a:ext uri="{28A0092B-C50C-407E-A947-70E740481C1C}">
-                <a14:useLocalDpi xmlns:a14="http://schemas.microsoft.com/office/drawing/2010/main" val="0"/>
-              </a:ext>
-            </a:extLst>
-          </a:blip>
-          <a:stretch>
-            <a:fillRect/>
-          </a:stretch>
-        </p:blipFill>
-        <p:spPr>
-          <a:xfrm>
-            <a:off x="6569734" y="3828049"/>
-            <a:ext cx="152400" cy="152400"/>
-          </a:xfrm>
-          <a:prstGeom prst="rect">
-            <a:avLst/>
-          </a:prstGeom>
-        </p:spPr>
-      </p:pic>
-      <p:sp>
-        <p:nvSpPr>
-          <p:cNvPr id="114" name="Pfeil: nach rechts 113">
-            <a:extLst>
-              <a:ext uri="{FF2B5EF4-FFF2-40B4-BE49-F238E27FC236}">
-                <a16:creationId xmlns:a16="http://schemas.microsoft.com/office/drawing/2014/main" id="{B726F505-4348-4E6B-92A0-448E254D840D}"/>
-              </a:ext>
-            </a:extLst>
-          </p:cNvPr>
-          <p:cNvSpPr/>
-          <p:nvPr/>
-        </p:nvSpPr>
-        <p:spPr>
-          <a:xfrm>
-            <a:off x="8365486" y="2407375"/>
-            <a:ext cx="442054" cy="252481"/>
-          </a:xfrm>
-          <a:prstGeom prst="rightArrow">
-            <a:avLst>
-              <a:gd name="adj1" fmla="val 50433"/>
-              <a:gd name="adj2" fmla="val 47533"/>
-            </a:avLst>
-          </a:prstGeom>
-        </p:spPr>
-        <p:style>
-          <a:lnRef idx="2">
-            <a:schemeClr val="dk1">
-              <a:shade val="50000"/>
-            </a:schemeClr>
-          </a:lnRef>
-          <a:fillRef idx="1">
-            <a:schemeClr val="dk1"/>
-          </a:fillRef>
-          <a:effectRef idx="0">
-            <a:schemeClr val="dk1"/>
-          </a:effectRef>
-          <a:fontRef idx="minor">
-            <a:schemeClr val="lt1"/>
-          </a:fontRef>
-        </p:style>
-        <p:txBody>
-          <a:bodyPr rtlCol="0" anchor="ctr"/>
-          <a:lstStyle/>
-          <a:p>
-            <a:pPr algn="ctr"/>
-            <a:endParaRPr lang="en-US"/>
-          </a:p>
-        </p:txBody>
-      </p:sp>
-      <p:sp>
-        <p:nvSpPr>
-          <p:cNvPr id="115" name="Pfeil: nach rechts 114">
-            <a:extLst>
-              <a:ext uri="{FF2B5EF4-FFF2-40B4-BE49-F238E27FC236}">
-                <a16:creationId xmlns:a16="http://schemas.microsoft.com/office/drawing/2014/main" id="{E1610D32-9A47-4C90-829F-762D9A76B420}"/>
-              </a:ext>
-            </a:extLst>
-          </p:cNvPr>
-          <p:cNvSpPr/>
-          <p:nvPr/>
-        </p:nvSpPr>
-        <p:spPr>
-          <a:xfrm>
-            <a:off x="8365486" y="2748383"/>
-            <a:ext cx="442054" cy="252481"/>
-          </a:xfrm>
-          <a:prstGeom prst="rightArrow">
-            <a:avLst>
-              <a:gd name="adj1" fmla="val 50433"/>
-              <a:gd name="adj2" fmla="val 47533"/>
-            </a:avLst>
-          </a:prstGeom>
-        </p:spPr>
-        <p:style>
-          <a:lnRef idx="2">
-            <a:schemeClr val="dk1">
-              <a:shade val="50000"/>
-            </a:schemeClr>
-          </a:lnRef>
-          <a:fillRef idx="1">
-            <a:schemeClr val="dk1"/>
-          </a:fillRef>
-          <a:effectRef idx="0">
-            <a:schemeClr val="dk1"/>
-          </a:effectRef>
-          <a:fontRef idx="minor">
-            <a:schemeClr val="lt1"/>
-          </a:fontRef>
-        </p:style>
-        <p:txBody>
-          <a:bodyPr rtlCol="0" anchor="ctr"/>
-          <a:lstStyle/>
-          <a:p>
-            <a:pPr algn="ctr"/>
-            <a:endParaRPr lang="en-US"/>
-          </a:p>
-        </p:txBody>
-      </p:sp>
-      <p:sp>
-        <p:nvSpPr>
-          <p:cNvPr id="116" name="Pfeil: nach rechts 115">
-            <a:extLst>
-              <a:ext uri="{FF2B5EF4-FFF2-40B4-BE49-F238E27FC236}">
-                <a16:creationId xmlns:a16="http://schemas.microsoft.com/office/drawing/2014/main" id="{1EA9A92B-9C42-454B-A8A9-14CF4E3FC921}"/>
-              </a:ext>
-            </a:extLst>
-          </p:cNvPr>
-          <p:cNvSpPr/>
-          <p:nvPr/>
-        </p:nvSpPr>
-        <p:spPr>
-          <a:xfrm>
-            <a:off x="8365486" y="3429891"/>
-            <a:ext cx="442054" cy="252481"/>
-          </a:xfrm>
-          <a:prstGeom prst="rightArrow">
-            <a:avLst>
-              <a:gd name="adj1" fmla="val 50433"/>
-              <a:gd name="adj2" fmla="val 47533"/>
-            </a:avLst>
-          </a:prstGeom>
-        </p:spPr>
-        <p:style>
-          <a:lnRef idx="2">
-            <a:schemeClr val="dk1">
-              <a:shade val="50000"/>
-            </a:schemeClr>
-          </a:lnRef>
-          <a:fillRef idx="1">
-            <a:schemeClr val="dk1"/>
-          </a:fillRef>
-          <a:effectRef idx="0">
-            <a:schemeClr val="dk1"/>
-          </a:effectRef>
-          <a:fontRef idx="minor">
-            <a:schemeClr val="lt1"/>
-          </a:fontRef>
-        </p:style>
-        <p:txBody>
-          <a:bodyPr rtlCol="0" anchor="ctr"/>
-          <a:lstStyle/>
-          <a:p>
-            <a:pPr algn="ctr"/>
-            <a:endParaRPr lang="en-US"/>
-          </a:p>
-        </p:txBody>
-      </p:sp>
-      <p:sp>
-        <p:nvSpPr>
-          <p:cNvPr id="117" name="Pfeil: nach rechts 116">
-            <a:extLst>
-              <a:ext uri="{FF2B5EF4-FFF2-40B4-BE49-F238E27FC236}">
-                <a16:creationId xmlns:a16="http://schemas.microsoft.com/office/drawing/2014/main" id="{5D71DE64-9FF2-47E9-B61D-9645CE9EF167}"/>
-              </a:ext>
-            </a:extLst>
-          </p:cNvPr>
-          <p:cNvSpPr/>
-          <p:nvPr/>
-        </p:nvSpPr>
-        <p:spPr>
-          <a:xfrm>
-            <a:off x="8365486" y="3770899"/>
-            <a:ext cx="442054" cy="252481"/>
-          </a:xfrm>
-          <a:prstGeom prst="rightArrow">
-            <a:avLst>
-              <a:gd name="adj1" fmla="val 50433"/>
-              <a:gd name="adj2" fmla="val 47533"/>
-            </a:avLst>
-          </a:prstGeom>
-        </p:spPr>
-        <p:style>
-          <a:lnRef idx="2">
-            <a:schemeClr val="dk1">
-              <a:shade val="50000"/>
-            </a:schemeClr>
-          </a:lnRef>
-          <a:fillRef idx="1">
-            <a:schemeClr val="dk1"/>
-          </a:fillRef>
-          <a:effectRef idx="0">
-            <a:schemeClr val="dk1"/>
-          </a:effectRef>
-          <a:fontRef idx="minor">
-            <a:schemeClr val="lt1"/>
-          </a:fontRef>
-        </p:style>
-        <p:txBody>
-          <a:bodyPr rtlCol="0" anchor="ctr"/>
-          <a:lstStyle/>
-          <a:p>
-            <a:pPr algn="ctr"/>
-            <a:endParaRPr lang="en-US"/>
-          </a:p>
-        </p:txBody>
-      </p:sp>
-      <p:sp>
-        <p:nvSpPr>
-          <p:cNvPr id="118" name="Pfeil: nach rechts 117">
-            <a:extLst>
-              <a:ext uri="{FF2B5EF4-FFF2-40B4-BE49-F238E27FC236}">
-                <a16:creationId xmlns:a16="http://schemas.microsoft.com/office/drawing/2014/main" id="{D6738871-40FD-476C-81A7-888E9AF8D6F4}"/>
-              </a:ext>
-            </a:extLst>
-          </p:cNvPr>
-          <p:cNvSpPr/>
-          <p:nvPr/>
-        </p:nvSpPr>
-        <p:spPr>
-          <a:xfrm>
-            <a:off x="8362034" y="4501429"/>
-            <a:ext cx="442054" cy="252481"/>
-          </a:xfrm>
-          <a:prstGeom prst="rightArrow">
-            <a:avLst>
-              <a:gd name="adj1" fmla="val 50433"/>
-              <a:gd name="adj2" fmla="val 47533"/>
-            </a:avLst>
-          </a:prstGeom>
-        </p:spPr>
-        <p:style>
-          <a:lnRef idx="2">
-            <a:schemeClr val="dk1">
-              <a:shade val="50000"/>
-            </a:schemeClr>
-          </a:lnRef>
-          <a:fillRef idx="1">
-            <a:schemeClr val="dk1"/>
-          </a:fillRef>
-          <a:effectRef idx="0">
-            <a:schemeClr val="dk1"/>
-          </a:effectRef>
-          <a:fontRef idx="minor">
-            <a:schemeClr val="lt1"/>
-          </a:fontRef>
-        </p:style>
-        <p:txBody>
-          <a:bodyPr rtlCol="0" anchor="ctr"/>
-          <a:lstStyle/>
-          <a:p>
-            <a:pPr algn="ctr"/>
-            <a:endParaRPr lang="en-US"/>
-          </a:p>
-        </p:txBody>
-      </p:sp>
-      <p:sp>
-        <p:nvSpPr>
-          <p:cNvPr id="119" name="Rechteck 118">
-            <a:extLst>
-              <a:ext uri="{FF2B5EF4-FFF2-40B4-BE49-F238E27FC236}">
-                <a16:creationId xmlns:a16="http://schemas.microsoft.com/office/drawing/2014/main" id="{E0A642E4-F141-4A5D-BF5D-D7B2ADD2CBBB}"/>
-              </a:ext>
-            </a:extLst>
-          </p:cNvPr>
-          <p:cNvSpPr/>
-          <p:nvPr/>
-        </p:nvSpPr>
-        <p:spPr>
-          <a:xfrm>
-            <a:off x="9068717" y="2407375"/>
-            <a:ext cx="1634013" cy="266700"/>
-          </a:xfrm>
-          <a:prstGeom prst="rect">
-            <a:avLst/>
-          </a:prstGeom>
-          <a:ln>
-            <a:solidFill>
-              <a:schemeClr val="bg1">
-                <a:lumMod val="50000"/>
-              </a:schemeClr>
-            </a:solidFill>
-          </a:ln>
-        </p:spPr>
-        <p:style>
-          <a:lnRef idx="2">
-            <a:schemeClr val="dk1"/>
-          </a:lnRef>
-          <a:fillRef idx="1">
-            <a:schemeClr val="lt1"/>
-          </a:fillRef>
-          <a:effectRef idx="0">
-            <a:schemeClr val="dk1"/>
-          </a:effectRef>
-          <a:fontRef idx="minor">
-            <a:schemeClr val="dk1"/>
-          </a:fontRef>
-        </p:style>
-        <p:txBody>
-          <a:bodyPr rtlCol="0" anchor="ctr"/>
-          <a:lstStyle/>
-          <a:p>
-            <a:pPr algn="ctr"/>
-            <a:r>
-              <a:rPr lang="de-DE" sz="1200" dirty="0"/>
-              <a:t>API 1</a:t>
-            </a:r>
-            <a:endParaRPr lang="en-US" sz="1200" dirty="0"/>
-          </a:p>
-        </p:txBody>
-      </p:sp>
-      <p:sp>
-        <p:nvSpPr>
-          <p:cNvPr id="121" name="Rechteck 120">
-            <a:extLst>
-              <a:ext uri="{FF2B5EF4-FFF2-40B4-BE49-F238E27FC236}">
-                <a16:creationId xmlns:a16="http://schemas.microsoft.com/office/drawing/2014/main" id="{B2B09ACB-10A9-4CF6-82A1-9ABED4E9DD0F}"/>
-              </a:ext>
-            </a:extLst>
-          </p:cNvPr>
-          <p:cNvSpPr/>
-          <p:nvPr/>
-        </p:nvSpPr>
-        <p:spPr>
-          <a:xfrm>
-            <a:off x="9068717" y="2750442"/>
-            <a:ext cx="1634013" cy="266700"/>
-          </a:xfrm>
-          <a:prstGeom prst="rect">
-            <a:avLst/>
-          </a:prstGeom>
-          <a:ln>
-            <a:solidFill>
-              <a:schemeClr val="bg1">
-                <a:lumMod val="50000"/>
-              </a:schemeClr>
-            </a:solidFill>
-          </a:ln>
-        </p:spPr>
-        <p:style>
-          <a:lnRef idx="2">
-            <a:schemeClr val="dk1"/>
-          </a:lnRef>
-          <a:fillRef idx="1">
-            <a:schemeClr val="lt1"/>
-          </a:fillRef>
-          <a:effectRef idx="0">
-            <a:schemeClr val="dk1"/>
-          </a:effectRef>
-          <a:fontRef idx="minor">
-            <a:schemeClr val="dk1"/>
-          </a:fontRef>
-        </p:style>
-        <p:txBody>
-          <a:bodyPr rtlCol="0" anchor="ctr"/>
-          <a:lstStyle/>
-          <a:p>
-            <a:pPr algn="ctr"/>
-            <a:r>
-              <a:rPr lang="de-DE" sz="1200" dirty="0"/>
-              <a:t>API 2</a:t>
-            </a:r>
-            <a:endParaRPr lang="en-US" sz="1200" dirty="0"/>
-          </a:p>
-        </p:txBody>
-      </p:sp>
-      <p:sp>
-        <p:nvSpPr>
-          <p:cNvPr id="122" name="Rechteck 121">
-            <a:extLst>
-              <a:ext uri="{FF2B5EF4-FFF2-40B4-BE49-F238E27FC236}">
-                <a16:creationId xmlns:a16="http://schemas.microsoft.com/office/drawing/2014/main" id="{AFA43947-A2BE-4710-AA46-3FC43DC24FF9}"/>
-              </a:ext>
-            </a:extLst>
-          </p:cNvPr>
-          <p:cNvSpPr/>
-          <p:nvPr/>
-        </p:nvSpPr>
-        <p:spPr>
-          <a:xfrm>
-            <a:off x="9068717" y="3427832"/>
-            <a:ext cx="1634013" cy="266700"/>
-          </a:xfrm>
-          <a:prstGeom prst="rect">
-            <a:avLst/>
-          </a:prstGeom>
-          <a:ln>
-            <a:solidFill>
-              <a:schemeClr val="bg1">
-                <a:lumMod val="50000"/>
-              </a:schemeClr>
-            </a:solidFill>
-          </a:ln>
-        </p:spPr>
-        <p:style>
-          <a:lnRef idx="2">
-            <a:schemeClr val="dk1"/>
-          </a:lnRef>
-          <a:fillRef idx="1">
-            <a:schemeClr val="lt1"/>
-          </a:fillRef>
-          <a:effectRef idx="0">
-            <a:schemeClr val="dk1"/>
-          </a:effectRef>
-          <a:fontRef idx="minor">
-            <a:schemeClr val="dk1"/>
-          </a:fontRef>
-        </p:style>
-        <p:txBody>
-          <a:bodyPr rtlCol="0" anchor="ctr"/>
-          <a:lstStyle/>
-          <a:p>
-            <a:pPr algn="ctr"/>
-            <a:r>
-              <a:rPr lang="de-DE" sz="1200" dirty="0"/>
-              <a:t>API 3</a:t>
-            </a:r>
-            <a:endParaRPr lang="en-US" sz="1200" dirty="0"/>
-          </a:p>
-        </p:txBody>
-      </p:sp>
-      <p:sp>
-        <p:nvSpPr>
-          <p:cNvPr id="123" name="Rechteck 122">
-            <a:extLst>
-              <a:ext uri="{FF2B5EF4-FFF2-40B4-BE49-F238E27FC236}">
-                <a16:creationId xmlns:a16="http://schemas.microsoft.com/office/drawing/2014/main" id="{3520C675-3801-4219-AFD6-8F661F2F084F}"/>
-              </a:ext>
-            </a:extLst>
-          </p:cNvPr>
-          <p:cNvSpPr/>
-          <p:nvPr/>
-        </p:nvSpPr>
-        <p:spPr>
-          <a:xfrm>
-            <a:off x="9068717" y="3770899"/>
-            <a:ext cx="1634013" cy="266700"/>
-          </a:xfrm>
-          <a:prstGeom prst="rect">
-            <a:avLst/>
-          </a:prstGeom>
-          <a:ln>
-            <a:solidFill>
-              <a:schemeClr val="bg1">
-                <a:lumMod val="50000"/>
-              </a:schemeClr>
-            </a:solidFill>
-          </a:ln>
-        </p:spPr>
-        <p:style>
-          <a:lnRef idx="2">
-            <a:schemeClr val="dk1"/>
-          </a:lnRef>
-          <a:fillRef idx="1">
-            <a:schemeClr val="lt1"/>
-          </a:fillRef>
-          <a:effectRef idx="0">
-            <a:schemeClr val="dk1"/>
-          </a:effectRef>
-          <a:fontRef idx="minor">
-            <a:schemeClr val="dk1"/>
-          </a:fontRef>
-        </p:style>
-        <p:txBody>
-          <a:bodyPr rtlCol="0" anchor="ctr"/>
-          <a:lstStyle/>
-          <a:p>
-            <a:pPr algn="ctr"/>
-            <a:r>
-              <a:rPr lang="de-DE" sz="1200" dirty="0"/>
-              <a:t>API 4</a:t>
-            </a:r>
-            <a:endParaRPr lang="en-US" sz="1200" dirty="0"/>
-          </a:p>
-        </p:txBody>
-      </p:sp>
-      <p:sp>
-        <p:nvSpPr>
-          <p:cNvPr id="124" name="Rechteck 123">
-            <a:extLst>
-              <a:ext uri="{FF2B5EF4-FFF2-40B4-BE49-F238E27FC236}">
-                <a16:creationId xmlns:a16="http://schemas.microsoft.com/office/drawing/2014/main" id="{2CF8DA8E-E2AA-4918-ACDB-111976DF5B1C}"/>
-              </a:ext>
-            </a:extLst>
-          </p:cNvPr>
-          <p:cNvSpPr/>
-          <p:nvPr/>
-        </p:nvSpPr>
-        <p:spPr>
-          <a:xfrm>
-            <a:off x="9068717" y="4495691"/>
-            <a:ext cx="1634013" cy="266700"/>
-          </a:xfrm>
-          <a:prstGeom prst="rect">
-            <a:avLst/>
-          </a:prstGeom>
-          <a:ln>
-            <a:solidFill>
-              <a:schemeClr val="bg1">
-                <a:lumMod val="50000"/>
-              </a:schemeClr>
-            </a:solidFill>
-          </a:ln>
-        </p:spPr>
-        <p:style>
-          <a:lnRef idx="2">
-            <a:schemeClr val="dk1"/>
-          </a:lnRef>
-          <a:fillRef idx="1">
-            <a:schemeClr val="lt1"/>
-          </a:fillRef>
-          <a:effectRef idx="0">
-            <a:schemeClr val="dk1"/>
-          </a:effectRef>
-          <a:fontRef idx="minor">
-            <a:schemeClr val="dk1"/>
-          </a:fontRef>
-        </p:style>
-        <p:txBody>
-          <a:bodyPr rtlCol="0" anchor="ctr"/>
-          <a:lstStyle/>
-          <a:p>
-            <a:pPr algn="ctr"/>
-            <a:r>
-              <a:rPr lang="de-DE" sz="1200" dirty="0"/>
-              <a:t>API 5</a:t>
-            </a:r>
-            <a:endParaRPr lang="en-US" sz="1200" dirty="0"/>
-          </a:p>
-        </p:txBody>
-      </p:sp>
-      <p:pic>
-        <p:nvPicPr>
-          <p:cNvPr id="130" name="Grafik 129" descr="Ein Bild, das Text, Schild enthält.&#10;&#10;Automatisch generierte Beschreibung">
-            <a:extLst>
-              <a:ext uri="{FF2B5EF4-FFF2-40B4-BE49-F238E27FC236}">
-                <a16:creationId xmlns:a16="http://schemas.microsoft.com/office/drawing/2014/main" id="{C2986809-8258-4023-8334-08E7EC0C28E7}"/>
-              </a:ext>
-            </a:extLst>
-          </p:cNvPr>
-          <p:cNvPicPr>
-            <a:picLocks noChangeAspect="1"/>
-          </p:cNvPicPr>
-          <p:nvPr/>
-        </p:nvPicPr>
-        <p:blipFill rotWithShape="1">
-          <a:blip r:embed="rId15">
-            <a:extLst>
-              <a:ext uri="{28A0092B-C50C-407E-A947-70E740481C1C}">
-                <a14:useLocalDpi xmlns:a14="http://schemas.microsoft.com/office/drawing/2010/main" val="0"/>
-              </a:ext>
-            </a:extLst>
-          </a:blip>
-          <a:srcRect l="22835" t="14535" r="24895" b="38647"/>
-          <a:stretch/>
-        </p:blipFill>
-        <p:spPr>
-          <a:xfrm>
-            <a:off x="8993800" y="1600421"/>
-            <a:ext cx="374632" cy="362111"/>
-          </a:xfrm>
-          <a:prstGeom prst="rect">
-            <a:avLst/>
-          </a:prstGeom>
-        </p:spPr>
-      </p:pic>
     </p:spTree>
     <p:extLst>
       <p:ext uri="{BB962C8B-B14F-4D97-AF65-F5344CB8AC3E}">

--- a/misc/documentation/Images.pptx
+++ b/misc/documentation/Images.pptx
@@ -6,6 +6,7 @@
   </p:sldMasterIdLst>
   <p:sldIdLst>
     <p:sldId id="256" r:id="rId2"/>
+    <p:sldId id="257" r:id="rId3"/>
   </p:sldIdLst>
   <p:sldSz cx="12192000" cy="6858000"/>
   <p:notesSz cx="6858000" cy="9144000"/>
@@ -6485,6 +6486,652 @@
 </p:sld>
 </file>
 
+<file path=ppt/slides/slide2.xml><?xml version="1.0" encoding="utf-8"?>
+<p:sld xmlns:a="http://schemas.openxmlformats.org/drawingml/2006/main" xmlns:r="http://schemas.openxmlformats.org/officeDocument/2006/relationships" xmlns:p="http://schemas.openxmlformats.org/presentationml/2006/main">
+  <p:cSld>
+    <p:spTree>
+      <p:nvGrpSpPr>
+        <p:cNvPr id="1" name=""/>
+        <p:cNvGrpSpPr/>
+        <p:nvPr/>
+      </p:nvGrpSpPr>
+      <p:grpSpPr>
+        <a:xfrm>
+          <a:off x="0" y="0"/>
+          <a:ext cx="0" cy="0"/>
+          <a:chOff x="0" y="0"/>
+          <a:chExt cx="0" cy="0"/>
+        </a:xfrm>
+      </p:grpSpPr>
+      <p:pic>
+        <p:nvPicPr>
+          <p:cNvPr id="2" name="Grafik 1">
+            <a:extLst>
+              <a:ext uri="{FF2B5EF4-FFF2-40B4-BE49-F238E27FC236}">
+                <a16:creationId xmlns:a16="http://schemas.microsoft.com/office/drawing/2014/main" id="{D67EA459-0455-463A-829E-8DAB4C2EAD4D}"/>
+              </a:ext>
+            </a:extLst>
+          </p:cNvPr>
+          <p:cNvPicPr>
+            <a:picLocks noChangeAspect="1"/>
+          </p:cNvPicPr>
+          <p:nvPr/>
+        </p:nvPicPr>
+        <p:blipFill>
+          <a:blip r:embed="rId2"/>
+          <a:stretch>
+            <a:fillRect/>
+          </a:stretch>
+        </p:blipFill>
+        <p:spPr>
+          <a:xfrm>
+            <a:off x="1733231" y="628280"/>
+            <a:ext cx="4572638" cy="5296639"/>
+          </a:xfrm>
+          <a:prstGeom prst="rect">
+            <a:avLst/>
+          </a:prstGeom>
+        </p:spPr>
+      </p:pic>
+      <p:sp>
+        <p:nvSpPr>
+          <p:cNvPr id="3" name="Textfeld 2">
+            <a:extLst>
+              <a:ext uri="{FF2B5EF4-FFF2-40B4-BE49-F238E27FC236}">
+                <a16:creationId xmlns:a16="http://schemas.microsoft.com/office/drawing/2014/main" id="{78CEA542-0BDE-42C7-873F-8020E597C40D}"/>
+              </a:ext>
+            </a:extLst>
+          </p:cNvPr>
+          <p:cNvSpPr txBox="1"/>
+          <p:nvPr/>
+        </p:nvSpPr>
+        <p:spPr>
+          <a:xfrm>
+            <a:off x="4076700" y="768437"/>
+            <a:ext cx="2063750" cy="430887"/>
+          </a:xfrm>
+          <a:prstGeom prst="rect">
+            <a:avLst/>
+          </a:prstGeom>
+          <a:noFill/>
+          <a:ln>
+            <a:solidFill>
+              <a:srgbClr val="FFFF00"/>
+            </a:solidFill>
+          </a:ln>
+        </p:spPr>
+        <p:txBody>
+          <a:bodyPr wrap="square" rtlCol="0">
+            <a:spAutoFit/>
+          </a:bodyPr>
+          <a:lstStyle/>
+          <a:p>
+            <a:r>
+              <a:rPr lang="de-DE" sz="1100" dirty="0">
+                <a:solidFill>
+                  <a:srgbClr val="FFFF00"/>
+                </a:solidFill>
+              </a:rPr>
+              <a:t>Project </a:t>
+            </a:r>
+            <a:r>
+              <a:rPr lang="de-DE" sz="1100" dirty="0" err="1">
+                <a:solidFill>
+                  <a:srgbClr val="FFFF00"/>
+                </a:solidFill>
+              </a:rPr>
+              <a:t>with</a:t>
+            </a:r>
+            <a:r>
+              <a:rPr lang="de-DE" sz="1100" dirty="0">
+                <a:solidFill>
+                  <a:srgbClr val="FFFF00"/>
+                </a:solidFill>
+              </a:rPr>
+              <a:t> </a:t>
+            </a:r>
+            <a:r>
+              <a:rPr lang="de-DE" sz="1100" dirty="0" err="1">
+                <a:solidFill>
+                  <a:srgbClr val="FFFF00"/>
+                </a:solidFill>
+              </a:rPr>
+              <a:t>dedicated</a:t>
+            </a:r>
+            <a:r>
+              <a:rPr lang="de-DE" sz="1100" dirty="0">
+                <a:solidFill>
+                  <a:srgbClr val="FFFF00"/>
+                </a:solidFill>
+              </a:rPr>
+              <a:t> </a:t>
+            </a:r>
+            <a:r>
+              <a:rPr lang="de-DE" sz="1100" dirty="0" err="1">
+                <a:solidFill>
+                  <a:srgbClr val="FFFF00"/>
+                </a:solidFill>
+              </a:rPr>
+              <a:t>folder</a:t>
+            </a:r>
+            <a:r>
+              <a:rPr lang="de-DE" sz="1100" dirty="0">
+                <a:solidFill>
+                  <a:srgbClr val="FFFF00"/>
+                </a:solidFill>
+              </a:rPr>
+              <a:t> </a:t>
+            </a:r>
+            <a:r>
+              <a:rPr lang="de-DE" sz="1100" dirty="0" err="1">
+                <a:solidFill>
+                  <a:srgbClr val="FFFF00"/>
+                </a:solidFill>
+              </a:rPr>
+              <a:t>for</a:t>
+            </a:r>
+            <a:r>
+              <a:rPr lang="de-DE" sz="1100" dirty="0">
+                <a:solidFill>
+                  <a:srgbClr val="FFFF00"/>
+                </a:solidFill>
+              </a:rPr>
+              <a:t> </a:t>
+            </a:r>
+            <a:r>
+              <a:rPr lang="de-DE" sz="1100" dirty="0" err="1">
+                <a:solidFill>
+                  <a:srgbClr val="FFFF00"/>
+                </a:solidFill>
+              </a:rPr>
+              <a:t>the</a:t>
+            </a:r>
+            <a:r>
+              <a:rPr lang="de-DE" sz="1100" dirty="0">
+                <a:solidFill>
+                  <a:srgbClr val="FFFF00"/>
+                </a:solidFill>
+              </a:rPr>
+              <a:t> API-</a:t>
+            </a:r>
+            <a:r>
+              <a:rPr lang="de-DE" sz="1100" dirty="0" err="1">
+                <a:solidFill>
+                  <a:srgbClr val="FFFF00"/>
+                </a:solidFill>
+              </a:rPr>
+              <a:t>Configuration</a:t>
+            </a:r>
+            <a:endParaRPr lang="en-US" sz="1100" dirty="0">
+              <a:solidFill>
+                <a:srgbClr val="FFFF00"/>
+              </a:solidFill>
+            </a:endParaRPr>
+          </a:p>
+        </p:txBody>
+      </p:sp>
+      <p:cxnSp>
+        <p:nvCxnSpPr>
+          <p:cNvPr id="5" name="Gerade Verbindung mit Pfeil 4">
+            <a:extLst>
+              <a:ext uri="{FF2B5EF4-FFF2-40B4-BE49-F238E27FC236}">
+                <a16:creationId xmlns:a16="http://schemas.microsoft.com/office/drawing/2014/main" id="{6288DA65-A1C9-4ECC-9279-E6839672DC44}"/>
+              </a:ext>
+            </a:extLst>
+          </p:cNvPr>
+          <p:cNvCxnSpPr>
+            <a:cxnSpLocks/>
+            <a:stCxn id="3" idx="1"/>
+          </p:cNvCxnSpPr>
+          <p:nvPr/>
+        </p:nvCxnSpPr>
+        <p:spPr>
+          <a:xfrm flipH="1" flipV="1">
+            <a:off x="2844800" y="965200"/>
+            <a:ext cx="1231900" cy="18681"/>
+          </a:xfrm>
+          <a:prstGeom prst="straightConnector1">
+            <a:avLst/>
+          </a:prstGeom>
+          <a:ln>
+            <a:solidFill>
+              <a:srgbClr val="FFFF00"/>
+            </a:solidFill>
+            <a:tailEnd type="triangle"/>
+          </a:ln>
+        </p:spPr>
+        <p:style>
+          <a:lnRef idx="1">
+            <a:schemeClr val="accent1"/>
+          </a:lnRef>
+          <a:fillRef idx="0">
+            <a:schemeClr val="accent1"/>
+          </a:fillRef>
+          <a:effectRef idx="0">
+            <a:schemeClr val="accent1"/>
+          </a:effectRef>
+          <a:fontRef idx="minor">
+            <a:schemeClr val="tx1"/>
+          </a:fontRef>
+        </p:style>
+      </p:cxnSp>
+      <p:sp>
+        <p:nvSpPr>
+          <p:cNvPr id="7" name="Textfeld 6">
+            <a:extLst>
+              <a:ext uri="{FF2B5EF4-FFF2-40B4-BE49-F238E27FC236}">
+                <a16:creationId xmlns:a16="http://schemas.microsoft.com/office/drawing/2014/main" id="{5762624E-546C-4539-B895-607599C799EA}"/>
+              </a:ext>
+            </a:extLst>
+          </p:cNvPr>
+          <p:cNvSpPr txBox="1"/>
+          <p:nvPr/>
+        </p:nvSpPr>
+        <p:spPr>
+          <a:xfrm>
+            <a:off x="4032250" y="2387687"/>
+            <a:ext cx="2063750" cy="430887"/>
+          </a:xfrm>
+          <a:prstGeom prst="rect">
+            <a:avLst/>
+          </a:prstGeom>
+          <a:noFill/>
+          <a:ln>
+            <a:solidFill>
+              <a:srgbClr val="FFFF00"/>
+            </a:solidFill>
+          </a:ln>
+        </p:spPr>
+        <p:txBody>
+          <a:bodyPr wrap="square" rtlCol="0">
+            <a:spAutoFit/>
+          </a:bodyPr>
+          <a:lstStyle/>
+          <a:p>
+            <a:r>
+              <a:rPr lang="de-DE" sz="1100" dirty="0">
+                <a:solidFill>
+                  <a:srgbClr val="FFFF00"/>
+                </a:solidFill>
+              </a:rPr>
+              <a:t>Very </a:t>
+            </a:r>
+            <a:r>
+              <a:rPr lang="de-DE" sz="1100" dirty="0" err="1">
+                <a:solidFill>
+                  <a:srgbClr val="FFFF00"/>
+                </a:solidFill>
+              </a:rPr>
+              <a:t>likely</a:t>
+            </a:r>
+            <a:r>
+              <a:rPr lang="de-DE" sz="1100" dirty="0">
+                <a:solidFill>
+                  <a:srgbClr val="FFFF00"/>
+                </a:solidFill>
+              </a:rPr>
+              <a:t> a </a:t>
+            </a:r>
+            <a:r>
+              <a:rPr lang="de-DE" sz="1100" dirty="0" err="1">
+                <a:solidFill>
+                  <a:srgbClr val="FFFF00"/>
+                </a:solidFill>
+              </a:rPr>
+              <a:t>project</a:t>
+            </a:r>
+            <a:r>
+              <a:rPr lang="de-DE" sz="1100" dirty="0">
+                <a:solidFill>
+                  <a:srgbClr val="FFFF00"/>
+                </a:solidFill>
+              </a:rPr>
+              <a:t> </a:t>
+            </a:r>
+            <a:r>
+              <a:rPr lang="de-DE" sz="1100" dirty="0" err="1">
+                <a:solidFill>
+                  <a:srgbClr val="FFFF00"/>
+                </a:solidFill>
+              </a:rPr>
+              <a:t>may</a:t>
+            </a:r>
+            <a:r>
+              <a:rPr lang="de-DE" sz="1100" dirty="0">
+                <a:solidFill>
+                  <a:srgbClr val="FFFF00"/>
+                </a:solidFill>
+              </a:rPr>
+              <a:t> also </a:t>
+            </a:r>
+            <a:r>
+              <a:rPr lang="de-DE" sz="1100" dirty="0" err="1">
+                <a:solidFill>
+                  <a:srgbClr val="FFFF00"/>
+                </a:solidFill>
+              </a:rPr>
+              <a:t>contain</a:t>
+            </a:r>
+            <a:r>
+              <a:rPr lang="de-DE" sz="1100" dirty="0">
+                <a:solidFill>
+                  <a:srgbClr val="FFFF00"/>
+                </a:solidFill>
+              </a:rPr>
+              <a:t> </a:t>
+            </a:r>
+            <a:r>
+              <a:rPr lang="de-DE" sz="1100" dirty="0" err="1">
+                <a:solidFill>
+                  <a:srgbClr val="FFFF00"/>
+                </a:solidFill>
+              </a:rPr>
+              <a:t>sources</a:t>
+            </a:r>
+            <a:r>
+              <a:rPr lang="de-DE" sz="1100" dirty="0">
+                <a:solidFill>
+                  <a:srgbClr val="FFFF00"/>
+                </a:solidFill>
+              </a:rPr>
+              <a:t>, </a:t>
+            </a:r>
+            <a:r>
+              <a:rPr lang="de-DE" sz="1100" dirty="0" err="1">
+                <a:solidFill>
+                  <a:srgbClr val="FFFF00"/>
+                </a:solidFill>
+              </a:rPr>
+              <a:t>tools</a:t>
+            </a:r>
+            <a:r>
+              <a:rPr lang="de-DE" sz="1100" dirty="0">
+                <a:solidFill>
+                  <a:srgbClr val="FFFF00"/>
+                </a:solidFill>
+              </a:rPr>
+              <a:t>, etc.</a:t>
+            </a:r>
+            <a:endParaRPr lang="en-US" sz="1100" dirty="0">
+              <a:solidFill>
+                <a:srgbClr val="FFFF00"/>
+              </a:solidFill>
+            </a:endParaRPr>
+          </a:p>
+        </p:txBody>
+      </p:sp>
+      <p:cxnSp>
+        <p:nvCxnSpPr>
+          <p:cNvPr id="8" name="Gerade Verbindung mit Pfeil 7">
+            <a:extLst>
+              <a:ext uri="{FF2B5EF4-FFF2-40B4-BE49-F238E27FC236}">
+                <a16:creationId xmlns:a16="http://schemas.microsoft.com/office/drawing/2014/main" id="{44745234-73EA-4A30-B7D7-37CCCD835D60}"/>
+              </a:ext>
+            </a:extLst>
+          </p:cNvPr>
+          <p:cNvCxnSpPr>
+            <a:cxnSpLocks/>
+            <a:stCxn id="7" idx="1"/>
+          </p:cNvCxnSpPr>
+          <p:nvPr/>
+        </p:nvCxnSpPr>
+        <p:spPr>
+          <a:xfrm flipH="1">
+            <a:off x="2597150" y="2603131"/>
+            <a:ext cx="1435100" cy="152769"/>
+          </a:xfrm>
+          <a:prstGeom prst="straightConnector1">
+            <a:avLst/>
+          </a:prstGeom>
+          <a:ln>
+            <a:solidFill>
+              <a:srgbClr val="FFFF00"/>
+            </a:solidFill>
+            <a:tailEnd type="triangle"/>
+          </a:ln>
+        </p:spPr>
+        <p:style>
+          <a:lnRef idx="1">
+            <a:schemeClr val="accent1"/>
+          </a:lnRef>
+          <a:fillRef idx="0">
+            <a:schemeClr val="accent1"/>
+          </a:fillRef>
+          <a:effectRef idx="0">
+            <a:schemeClr val="accent1"/>
+          </a:effectRef>
+          <a:fontRef idx="minor">
+            <a:schemeClr val="tx1"/>
+          </a:fontRef>
+        </p:style>
+      </p:cxnSp>
+      <p:sp>
+        <p:nvSpPr>
+          <p:cNvPr id="13" name="Textfeld 12">
+            <a:extLst>
+              <a:ext uri="{FF2B5EF4-FFF2-40B4-BE49-F238E27FC236}">
+                <a16:creationId xmlns:a16="http://schemas.microsoft.com/office/drawing/2014/main" id="{D2654EC4-7FA1-4C73-BF29-B680D84B83E4}"/>
+              </a:ext>
+            </a:extLst>
+          </p:cNvPr>
+          <p:cNvSpPr txBox="1"/>
+          <p:nvPr/>
+        </p:nvSpPr>
+        <p:spPr>
+          <a:xfrm>
+            <a:off x="4032250" y="3623904"/>
+            <a:ext cx="2063750" cy="769441"/>
+          </a:xfrm>
+          <a:prstGeom prst="rect">
+            <a:avLst/>
+          </a:prstGeom>
+          <a:noFill/>
+          <a:ln>
+            <a:solidFill>
+              <a:srgbClr val="FFFF00"/>
+            </a:solidFill>
+          </a:ln>
+        </p:spPr>
+        <p:txBody>
+          <a:bodyPr wrap="square" rtlCol="0">
+            <a:spAutoFit/>
+          </a:bodyPr>
+          <a:lstStyle/>
+          <a:p>
+            <a:r>
+              <a:rPr lang="de-DE" sz="1100" dirty="0" err="1">
+                <a:solidFill>
+                  <a:srgbClr val="FFFF00"/>
+                </a:solidFill>
+              </a:rPr>
+              <a:t>Or</a:t>
+            </a:r>
+            <a:r>
+              <a:rPr lang="de-DE" sz="1100" dirty="0">
+                <a:solidFill>
+                  <a:srgbClr val="FFFF00"/>
+                </a:solidFill>
+              </a:rPr>
+              <a:t> a </a:t>
+            </a:r>
+            <a:r>
+              <a:rPr lang="de-DE" sz="1100" dirty="0" err="1">
+                <a:solidFill>
+                  <a:srgbClr val="FFFF00"/>
+                </a:solidFill>
+              </a:rPr>
+              <a:t>project</a:t>
+            </a:r>
+            <a:r>
+              <a:rPr lang="de-DE" sz="1100" dirty="0">
+                <a:solidFill>
+                  <a:srgbClr val="FFFF00"/>
+                </a:solidFill>
+              </a:rPr>
+              <a:t> just </a:t>
+            </a:r>
+            <a:r>
+              <a:rPr lang="de-DE" sz="1100" dirty="0" err="1">
+                <a:solidFill>
+                  <a:srgbClr val="FFFF00"/>
+                </a:solidFill>
+              </a:rPr>
+              <a:t>containing</a:t>
+            </a:r>
+            <a:r>
+              <a:rPr lang="de-DE" sz="1100" dirty="0">
+                <a:solidFill>
+                  <a:srgbClr val="FFFF00"/>
+                </a:solidFill>
+              </a:rPr>
+              <a:t> </a:t>
+            </a:r>
+            <a:r>
+              <a:rPr lang="de-DE" sz="1100" dirty="0" err="1">
+                <a:solidFill>
+                  <a:srgbClr val="FFFF00"/>
+                </a:solidFill>
+              </a:rPr>
+              <a:t>the</a:t>
+            </a:r>
+            <a:r>
+              <a:rPr lang="de-DE" sz="1100" dirty="0">
+                <a:solidFill>
+                  <a:srgbClr val="FFFF00"/>
+                </a:solidFill>
+              </a:rPr>
+              <a:t> API-Definition. </a:t>
+            </a:r>
+            <a:r>
+              <a:rPr lang="de-DE" sz="1100" dirty="0" err="1">
+                <a:solidFill>
+                  <a:srgbClr val="FFFF00"/>
+                </a:solidFill>
+              </a:rPr>
+              <a:t>For</a:t>
+            </a:r>
+            <a:r>
+              <a:rPr lang="de-DE" sz="1100" dirty="0">
+                <a:solidFill>
+                  <a:srgbClr val="FFFF00"/>
+                </a:solidFill>
+              </a:rPr>
+              <a:t> </a:t>
+            </a:r>
+            <a:r>
+              <a:rPr lang="de-DE" sz="1100" dirty="0" err="1">
+                <a:solidFill>
+                  <a:srgbClr val="FFFF00"/>
+                </a:solidFill>
+              </a:rPr>
+              <a:t>instance</a:t>
+            </a:r>
+            <a:r>
+              <a:rPr lang="de-DE" sz="1100" dirty="0">
+                <a:solidFill>
+                  <a:srgbClr val="FFFF00"/>
+                </a:solidFill>
+              </a:rPr>
+              <a:t> </a:t>
+            </a:r>
+            <a:r>
+              <a:rPr lang="de-DE" sz="1100" dirty="0" err="1">
+                <a:solidFill>
+                  <a:srgbClr val="FFFF00"/>
+                </a:solidFill>
+              </a:rPr>
+              <a:t>when</a:t>
+            </a:r>
+            <a:r>
+              <a:rPr lang="de-DE" sz="1100" dirty="0">
+                <a:solidFill>
+                  <a:srgbClr val="FFFF00"/>
+                </a:solidFill>
+              </a:rPr>
+              <a:t> </a:t>
+            </a:r>
+            <a:r>
+              <a:rPr lang="de-DE" sz="1100" dirty="0" err="1">
+                <a:solidFill>
+                  <a:srgbClr val="FFFF00"/>
+                </a:solidFill>
+              </a:rPr>
+              <a:t>registering</a:t>
+            </a:r>
+            <a:r>
+              <a:rPr lang="de-DE" sz="1100" dirty="0">
+                <a:solidFill>
+                  <a:srgbClr val="FFFF00"/>
+                </a:solidFill>
+              </a:rPr>
+              <a:t> a Cloud-Service-API.</a:t>
+            </a:r>
+            <a:endParaRPr lang="en-US" sz="1100" dirty="0">
+              <a:solidFill>
+                <a:srgbClr val="FFFF00"/>
+              </a:solidFill>
+            </a:endParaRPr>
+          </a:p>
+        </p:txBody>
+      </p:sp>
+      <p:cxnSp>
+        <p:nvCxnSpPr>
+          <p:cNvPr id="14" name="Gerade Verbindung mit Pfeil 13">
+            <a:extLst>
+              <a:ext uri="{FF2B5EF4-FFF2-40B4-BE49-F238E27FC236}">
+                <a16:creationId xmlns:a16="http://schemas.microsoft.com/office/drawing/2014/main" id="{399E4864-A6BE-45EB-8967-97D78E723713}"/>
+              </a:ext>
+            </a:extLst>
+          </p:cNvPr>
+          <p:cNvCxnSpPr>
+            <a:cxnSpLocks/>
+            <a:stCxn id="13" idx="1"/>
+          </p:cNvCxnSpPr>
+          <p:nvPr/>
+        </p:nvCxnSpPr>
+        <p:spPr>
+          <a:xfrm flipH="1" flipV="1">
+            <a:off x="2717800" y="3680970"/>
+            <a:ext cx="1314450" cy="327655"/>
+          </a:xfrm>
+          <a:prstGeom prst="straightConnector1">
+            <a:avLst/>
+          </a:prstGeom>
+          <a:ln>
+            <a:solidFill>
+              <a:srgbClr val="FFFF00"/>
+            </a:solidFill>
+            <a:tailEnd type="triangle"/>
+          </a:ln>
+        </p:spPr>
+        <p:style>
+          <a:lnRef idx="1">
+            <a:schemeClr val="accent1"/>
+          </a:lnRef>
+          <a:fillRef idx="0">
+            <a:schemeClr val="accent1"/>
+          </a:fillRef>
+          <a:effectRef idx="0">
+            <a:schemeClr val="accent1"/>
+          </a:effectRef>
+          <a:fontRef idx="minor">
+            <a:schemeClr val="tx1"/>
+          </a:fontRef>
+        </p:style>
+      </p:cxnSp>
+    </p:spTree>
+    <p:extLst>
+      <p:ext uri="{BB962C8B-B14F-4D97-AF65-F5344CB8AC3E}">
+        <p14:creationId xmlns:p14="http://schemas.microsoft.com/office/powerpoint/2010/main" val="1647269632"/>
+      </p:ext>
+    </p:extLst>
+  </p:cSld>
+  <p:clrMapOvr>
+    <a:masterClrMapping/>
+  </p:clrMapOvr>
+</p:sld>
+</file>
+
 <file path=ppt/theme/theme1.xml><?xml version="1.0" encoding="utf-8"?>
 <a:theme xmlns:a="http://schemas.openxmlformats.org/drawingml/2006/main" name="Office">
   <a:themeElements>

--- a/misc/documentation/Images.pptx
+++ b/misc/documentation/Images.pptx
@@ -7,6 +7,7 @@
   <p:sldIdLst>
     <p:sldId id="256" r:id="rId2"/>
     <p:sldId id="257" r:id="rId3"/>
+    <p:sldId id="258" r:id="rId4"/>
   </p:sldIdLst>
   <p:sldSz cx="12192000" cy="6858000"/>
   <p:notesSz cx="6858000" cy="9144000"/>
@@ -7132,6 +7133,167 @@
 </p:sld>
 </file>
 
+<file path=ppt/slides/slide3.xml><?xml version="1.0" encoding="utf-8"?>
+<p:sld xmlns:a="http://schemas.openxmlformats.org/drawingml/2006/main" xmlns:r="http://schemas.openxmlformats.org/officeDocument/2006/relationships" xmlns:p="http://schemas.openxmlformats.org/presentationml/2006/main">
+  <p:cSld>
+    <p:spTree>
+      <p:nvGrpSpPr>
+        <p:cNvPr id="1" name=""/>
+        <p:cNvGrpSpPr/>
+        <p:nvPr/>
+      </p:nvGrpSpPr>
+      <p:grpSpPr>
+        <a:xfrm>
+          <a:off x="0" y="0"/>
+          <a:ext cx="0" cy="0"/>
+          <a:chOff x="0" y="0"/>
+          <a:chExt cx="0" cy="0"/>
+        </a:xfrm>
+      </p:grpSpPr>
+      <p:pic>
+        <p:nvPicPr>
+          <p:cNvPr id="3" name="Grafik 2" descr="Ein Bild, das Screenshot enthält.&#10;&#10;Automatisch generierte Beschreibung">
+            <a:extLst>
+              <a:ext uri="{FF2B5EF4-FFF2-40B4-BE49-F238E27FC236}">
+                <a16:creationId xmlns:a16="http://schemas.microsoft.com/office/drawing/2014/main" id="{786883EF-887C-4F6D-B1D9-EC98A11E49E1}"/>
+              </a:ext>
+            </a:extLst>
+          </p:cNvPr>
+          <p:cNvPicPr>
+            <a:picLocks noChangeAspect="1"/>
+          </p:cNvPicPr>
+          <p:nvPr/>
+        </p:nvPicPr>
+        <p:blipFill rotWithShape="1">
+          <a:blip r:embed="rId2">
+            <a:extLst>
+              <a:ext uri="{28A0092B-C50C-407E-A947-70E740481C1C}">
+                <a14:useLocalDpi xmlns:a14="http://schemas.microsoft.com/office/drawing/2010/main" val="0"/>
+              </a:ext>
+            </a:extLst>
+          </a:blip>
+          <a:srcRect r="20514"/>
+          <a:stretch/>
+        </p:blipFill>
+        <p:spPr>
+          <a:xfrm>
+            <a:off x="5197553" y="2106507"/>
+            <a:ext cx="4879124" cy="2644986"/>
+          </a:xfrm>
+          <a:prstGeom prst="rect">
+            <a:avLst/>
+          </a:prstGeom>
+          <a:effectLst>
+            <a:outerShdw blurRad="50800" dist="38100" dir="2700000" algn="tl" rotWithShape="0">
+              <a:prstClr val="black">
+                <a:alpha val="40000"/>
+              </a:prstClr>
+            </a:outerShdw>
+          </a:effectLst>
+        </p:spPr>
+      </p:pic>
+      <p:pic>
+        <p:nvPicPr>
+          <p:cNvPr id="5" name="Grafik 4" descr="Ein Bild, das Screenshot enthält.&#10;&#10;Automatisch generierte Beschreibung">
+            <a:extLst>
+              <a:ext uri="{FF2B5EF4-FFF2-40B4-BE49-F238E27FC236}">
+                <a16:creationId xmlns:a16="http://schemas.microsoft.com/office/drawing/2014/main" id="{EA11573E-9090-4692-96B4-2849355F497F}"/>
+              </a:ext>
+            </a:extLst>
+          </p:cNvPr>
+          <p:cNvPicPr>
+            <a:picLocks noChangeAspect="1"/>
+          </p:cNvPicPr>
+          <p:nvPr/>
+        </p:nvPicPr>
+        <p:blipFill>
+          <a:blip r:embed="rId3">
+            <a:extLst>
+              <a:ext uri="{28A0092B-C50C-407E-A947-70E740481C1C}">
+                <a14:useLocalDpi xmlns:a14="http://schemas.microsoft.com/office/drawing/2010/main" val="0"/>
+              </a:ext>
+            </a:extLst>
+          </a:blip>
+          <a:stretch>
+            <a:fillRect/>
+          </a:stretch>
+        </p:blipFill>
+        <p:spPr>
+          <a:xfrm>
+            <a:off x="1580956" y="2042919"/>
+            <a:ext cx="2781688" cy="2772162"/>
+          </a:xfrm>
+          <a:prstGeom prst="rect">
+            <a:avLst/>
+          </a:prstGeom>
+          <a:effectLst>
+            <a:outerShdw blurRad="50800" dist="38100" dir="2700000" algn="tl" rotWithShape="0">
+              <a:prstClr val="black">
+                <a:alpha val="40000"/>
+              </a:prstClr>
+            </a:outerShdw>
+          </a:effectLst>
+        </p:spPr>
+      </p:pic>
+      <p:sp>
+        <p:nvSpPr>
+          <p:cNvPr id="6" name="Pfeil: nach rechts 5">
+            <a:extLst>
+              <a:ext uri="{FF2B5EF4-FFF2-40B4-BE49-F238E27FC236}">
+                <a16:creationId xmlns:a16="http://schemas.microsoft.com/office/drawing/2014/main" id="{CBDF72FE-F7B9-44E6-8FF4-61E8B60563B8}"/>
+              </a:ext>
+            </a:extLst>
+          </p:cNvPr>
+          <p:cNvSpPr/>
+          <p:nvPr/>
+        </p:nvSpPr>
+        <p:spPr>
+          <a:xfrm>
+            <a:off x="4572000" y="3175000"/>
+            <a:ext cx="495300" cy="406400"/>
+          </a:xfrm>
+          <a:prstGeom prst="rightArrow">
+            <a:avLst/>
+          </a:prstGeom>
+        </p:spPr>
+        <p:style>
+          <a:lnRef idx="2">
+            <a:schemeClr val="dk1">
+              <a:shade val="50000"/>
+            </a:schemeClr>
+          </a:lnRef>
+          <a:fillRef idx="1">
+            <a:schemeClr val="dk1"/>
+          </a:fillRef>
+          <a:effectRef idx="0">
+            <a:schemeClr val="dk1"/>
+          </a:effectRef>
+          <a:fontRef idx="minor">
+            <a:schemeClr val="lt1"/>
+          </a:fontRef>
+        </p:style>
+        <p:txBody>
+          <a:bodyPr rtlCol="0" anchor="ctr"/>
+          <a:lstStyle/>
+          <a:p>
+            <a:pPr algn="ctr"/>
+            <a:endParaRPr lang="en-US"/>
+          </a:p>
+        </p:txBody>
+      </p:sp>
+    </p:spTree>
+    <p:extLst>
+      <p:ext uri="{BB962C8B-B14F-4D97-AF65-F5344CB8AC3E}">
+        <p14:creationId xmlns:p14="http://schemas.microsoft.com/office/powerpoint/2010/main" val="366806138"/>
+      </p:ext>
+    </p:extLst>
+  </p:cSld>
+  <p:clrMapOvr>
+    <a:masterClrMapping/>
+  </p:clrMapOvr>
+</p:sld>
+</file>
+
 <file path=ppt/theme/theme1.xml><?xml version="1.0" encoding="utf-8"?>
 <a:theme xmlns:a="http://schemas.openxmlformats.org/drawingml/2006/main" name="Office">
   <a:themeElements>

--- a/misc/documentation/Images.pptx
+++ b/misc/documentation/Images.pptx
@@ -8,6 +8,8 @@
     <p:sldId id="256" r:id="rId2"/>
     <p:sldId id="257" r:id="rId3"/>
     <p:sldId id="258" r:id="rId4"/>
+    <p:sldId id="259" r:id="rId5"/>
+    <p:sldId id="260" r:id="rId6"/>
   </p:sldIdLst>
   <p:sldSz cx="12192000" cy="6858000"/>
   <p:notesSz cx="6858000" cy="9144000"/>
@@ -106,6 +108,11 @@
       </a:defRPr>
     </a:lvl9pPr>
   </p:defaultTextStyle>
+  <p:extLst>
+    <p:ext uri="{EFAFB233-063F-42B5-8137-9DF3F51BA10A}">
+      <p15:sldGuideLst xmlns:p15="http://schemas.microsoft.com/office/powerpoint/2012/main"/>
+    </p:ext>
+  </p:extLst>
 </p:presentation>
 </file>
 
@@ -284,7 +291,7 @@
           <a:p>
             <a:fld id="{7E78D3F4-14DB-4445-AF65-DFCCFB7F5AFF}" type="datetimeFigureOut">
               <a:rPr lang="en-US" smtClean="0"/>
-              <a:t>3/24/2020</a:t>
+              <a:t>3/25/2020</a:t>
             </a:fld>
             <a:endParaRPr lang="en-US"/>
           </a:p>
@@ -484,7 +491,7 @@
           <a:p>
             <a:fld id="{7E78D3F4-14DB-4445-AF65-DFCCFB7F5AFF}" type="datetimeFigureOut">
               <a:rPr lang="en-US" smtClean="0"/>
-              <a:t>3/24/2020</a:t>
+              <a:t>3/25/2020</a:t>
             </a:fld>
             <a:endParaRPr lang="en-US"/>
           </a:p>
@@ -694,7 +701,7 @@
           <a:p>
             <a:fld id="{7E78D3F4-14DB-4445-AF65-DFCCFB7F5AFF}" type="datetimeFigureOut">
               <a:rPr lang="en-US" smtClean="0"/>
-              <a:t>3/24/2020</a:t>
+              <a:t>3/25/2020</a:t>
             </a:fld>
             <a:endParaRPr lang="en-US"/>
           </a:p>
@@ -894,7 +901,7 @@
           <a:p>
             <a:fld id="{7E78D3F4-14DB-4445-AF65-DFCCFB7F5AFF}" type="datetimeFigureOut">
               <a:rPr lang="en-US" smtClean="0"/>
-              <a:t>3/24/2020</a:t>
+              <a:t>3/25/2020</a:t>
             </a:fld>
             <a:endParaRPr lang="en-US"/>
           </a:p>
@@ -1170,7 +1177,7 @@
           <a:p>
             <a:fld id="{7E78D3F4-14DB-4445-AF65-DFCCFB7F5AFF}" type="datetimeFigureOut">
               <a:rPr lang="en-US" smtClean="0"/>
-              <a:t>3/24/2020</a:t>
+              <a:t>3/25/2020</a:t>
             </a:fld>
             <a:endParaRPr lang="en-US"/>
           </a:p>
@@ -1438,7 +1445,7 @@
           <a:p>
             <a:fld id="{7E78D3F4-14DB-4445-AF65-DFCCFB7F5AFF}" type="datetimeFigureOut">
               <a:rPr lang="en-US" smtClean="0"/>
-              <a:t>3/24/2020</a:t>
+              <a:t>3/25/2020</a:t>
             </a:fld>
             <a:endParaRPr lang="en-US"/>
           </a:p>
@@ -1853,7 +1860,7 @@
           <a:p>
             <a:fld id="{7E78D3F4-14DB-4445-AF65-DFCCFB7F5AFF}" type="datetimeFigureOut">
               <a:rPr lang="en-US" smtClean="0"/>
-              <a:t>3/24/2020</a:t>
+              <a:t>3/25/2020</a:t>
             </a:fld>
             <a:endParaRPr lang="en-US"/>
           </a:p>
@@ -1995,7 +2002,7 @@
           <a:p>
             <a:fld id="{7E78D3F4-14DB-4445-AF65-DFCCFB7F5AFF}" type="datetimeFigureOut">
               <a:rPr lang="en-US" smtClean="0"/>
-              <a:t>3/24/2020</a:t>
+              <a:t>3/25/2020</a:t>
             </a:fld>
             <a:endParaRPr lang="en-US"/>
           </a:p>
@@ -2108,7 +2115,7 @@
           <a:p>
             <a:fld id="{7E78D3F4-14DB-4445-AF65-DFCCFB7F5AFF}" type="datetimeFigureOut">
               <a:rPr lang="en-US" smtClean="0"/>
-              <a:t>3/24/2020</a:t>
+              <a:t>3/25/2020</a:t>
             </a:fld>
             <a:endParaRPr lang="en-US"/>
           </a:p>
@@ -2421,7 +2428,7 @@
           <a:p>
             <a:fld id="{7E78D3F4-14DB-4445-AF65-DFCCFB7F5AFF}" type="datetimeFigureOut">
               <a:rPr lang="en-US" smtClean="0"/>
-              <a:t>3/24/2020</a:t>
+              <a:t>3/25/2020</a:t>
             </a:fld>
             <a:endParaRPr lang="en-US"/>
           </a:p>
@@ -2710,7 +2717,7 @@
           <a:p>
             <a:fld id="{7E78D3F4-14DB-4445-AF65-DFCCFB7F5AFF}" type="datetimeFigureOut">
               <a:rPr lang="en-US" smtClean="0"/>
-              <a:t>3/24/2020</a:t>
+              <a:t>3/25/2020</a:t>
             </a:fld>
             <a:endParaRPr lang="en-US"/>
           </a:p>
@@ -2953,7 +2960,7 @@
           <a:p>
             <a:fld id="{7E78D3F4-14DB-4445-AF65-DFCCFB7F5AFF}" type="datetimeFigureOut">
               <a:rPr lang="en-US" smtClean="0"/>
-              <a:t>3/24/2020</a:t>
+              <a:t>3/25/2020</a:t>
             </a:fld>
             <a:endParaRPr lang="en-US"/>
           </a:p>
@@ -6474,6 +6481,57 @@
           </a:p>
         </p:txBody>
       </p:sp>
+      <p:sp>
+        <p:nvSpPr>
+          <p:cNvPr id="2" name="Rechteck 1">
+            <a:extLst>
+              <a:ext uri="{FF2B5EF4-FFF2-40B4-BE49-F238E27FC236}">
+                <a16:creationId xmlns:a16="http://schemas.microsoft.com/office/drawing/2014/main" id="{A1B956E7-8894-42CA-9DB3-F520C7CD113B}"/>
+              </a:ext>
+            </a:extLst>
+          </p:cNvPr>
+          <p:cNvSpPr/>
+          <p:nvPr/>
+        </p:nvSpPr>
+        <p:spPr>
+          <a:xfrm>
+            <a:off x="3199779" y="1996335"/>
+            <a:ext cx="946093" cy="261610"/>
+          </a:xfrm>
+          <a:prstGeom prst="rect">
+            <a:avLst/>
+          </a:prstGeom>
+        </p:spPr>
+        <p:txBody>
+          <a:bodyPr wrap="none">
+            <a:spAutoFit/>
+          </a:bodyPr>
+          <a:lstStyle/>
+          <a:p>
+            <a:r>
+              <a:rPr lang="de-DE" sz="1050" dirty="0">
+                <a:solidFill>
+                  <a:srgbClr val="C00000"/>
+                </a:solidFill>
+              </a:rPr>
+              <a:t>Team/</a:t>
+            </a:r>
+            <a:r>
+              <a:rPr lang="de-DE" sz="1050" dirty="0" err="1">
+                <a:solidFill>
+                  <a:srgbClr val="C00000"/>
+                </a:solidFill>
+              </a:rPr>
+              <a:t>Owner</a:t>
+            </a:r>
+            <a:endParaRPr lang="en-US" sz="1050" dirty="0">
+              <a:solidFill>
+                <a:srgbClr val="C00000"/>
+              </a:solidFill>
+            </a:endParaRPr>
+          </a:p>
+        </p:txBody>
+      </p:sp>
     </p:spTree>
     <p:extLst>
       <p:ext uri="{BB962C8B-B14F-4D97-AF65-F5344CB8AC3E}">
@@ -7285,6 +7343,3271 @@
     <p:extLst>
       <p:ext uri="{BB962C8B-B14F-4D97-AF65-F5344CB8AC3E}">
         <p14:creationId xmlns:p14="http://schemas.microsoft.com/office/powerpoint/2010/main" val="366806138"/>
+      </p:ext>
+    </p:extLst>
+  </p:cSld>
+  <p:clrMapOvr>
+    <a:masterClrMapping/>
+  </p:clrMapOvr>
+</p:sld>
+</file>
+
+<file path=ppt/slides/slide4.xml><?xml version="1.0" encoding="utf-8"?>
+<p:sld xmlns:a="http://schemas.openxmlformats.org/drawingml/2006/main" xmlns:r="http://schemas.openxmlformats.org/officeDocument/2006/relationships" xmlns:p="http://schemas.openxmlformats.org/presentationml/2006/main">
+  <p:cSld>
+    <p:spTree>
+      <p:nvGrpSpPr>
+        <p:cNvPr id="1" name=""/>
+        <p:cNvGrpSpPr/>
+        <p:nvPr/>
+      </p:nvGrpSpPr>
+      <p:grpSpPr>
+        <a:xfrm>
+          <a:off x="0" y="0"/>
+          <a:ext cx="0" cy="0"/>
+          <a:chOff x="0" y="0"/>
+          <a:chExt cx="0" cy="0"/>
+        </a:xfrm>
+      </p:grpSpPr>
+      <p:sp>
+        <p:nvSpPr>
+          <p:cNvPr id="2" name="Rechteck: abgerundete Ecken 1">
+            <a:extLst>
+              <a:ext uri="{FF2B5EF4-FFF2-40B4-BE49-F238E27FC236}">
+                <a16:creationId xmlns:a16="http://schemas.microsoft.com/office/drawing/2014/main" id="{C0C9BD85-5D44-4DCD-8185-479251691FA9}"/>
+              </a:ext>
+            </a:extLst>
+          </p:cNvPr>
+          <p:cNvSpPr/>
+          <p:nvPr/>
+        </p:nvSpPr>
+        <p:spPr>
+          <a:xfrm>
+            <a:off x="4806082" y="1057958"/>
+            <a:ext cx="1750595" cy="1396952"/>
+          </a:xfrm>
+          <a:prstGeom prst="roundRect">
+            <a:avLst>
+              <a:gd name="adj" fmla="val 3952"/>
+            </a:avLst>
+          </a:prstGeom>
+          <a:solidFill>
+            <a:srgbClr val="F2F2F2"/>
+          </a:solidFill>
+          <a:ln w="22225"/>
+        </p:spPr>
+        <p:style>
+          <a:lnRef idx="1">
+            <a:schemeClr val="dk1"/>
+          </a:lnRef>
+          <a:fillRef idx="2">
+            <a:schemeClr val="dk1"/>
+          </a:fillRef>
+          <a:effectRef idx="1">
+            <a:schemeClr val="dk1"/>
+          </a:effectRef>
+          <a:fontRef idx="minor">
+            <a:schemeClr val="dk1"/>
+          </a:fontRef>
+        </p:style>
+        <p:txBody>
+          <a:bodyPr rtlCol="0" anchor="t"/>
+          <a:lstStyle/>
+          <a:p>
+            <a:pPr algn="r"/>
+            <a:r>
+              <a:rPr lang="de-DE" sz="1400" b="1" dirty="0"/>
+              <a:t>SNAPSHOT</a:t>
+            </a:r>
+            <a:br>
+              <a:rPr lang="de-DE" sz="1400" b="1" dirty="0"/>
+            </a:br>
+            <a:r>
+              <a:rPr lang="de-DE" sz="1400" b="1" dirty="0"/>
+              <a:t>Repository</a:t>
+            </a:r>
+            <a:endParaRPr lang="en-US" sz="1600" dirty="0"/>
+          </a:p>
+        </p:txBody>
+      </p:sp>
+      <p:pic>
+        <p:nvPicPr>
+          <p:cNvPr id="4" name="Grafik 3" descr="Ein Bild, das Objekt, Uhr, Raum enthält.&#10;&#10;Automatisch generierte Beschreibung">
+            <a:extLst>
+              <a:ext uri="{FF2B5EF4-FFF2-40B4-BE49-F238E27FC236}">
+                <a16:creationId xmlns:a16="http://schemas.microsoft.com/office/drawing/2014/main" id="{099C7238-2A5A-4E00-866D-FED605FB0F80}"/>
+              </a:ext>
+            </a:extLst>
+          </p:cNvPr>
+          <p:cNvPicPr>
+            <a:picLocks noChangeAspect="1"/>
+          </p:cNvPicPr>
+          <p:nvPr/>
+        </p:nvPicPr>
+        <p:blipFill>
+          <a:blip r:embed="rId2">
+            <a:extLst>
+              <a:ext uri="{28A0092B-C50C-407E-A947-70E740481C1C}">
+                <a14:useLocalDpi xmlns:a14="http://schemas.microsoft.com/office/drawing/2010/main" val="0"/>
+              </a:ext>
+            </a:extLst>
+          </a:blip>
+          <a:stretch>
+            <a:fillRect/>
+          </a:stretch>
+        </p:blipFill>
+        <p:spPr>
+          <a:xfrm>
+            <a:off x="4876420" y="1141797"/>
+            <a:ext cx="304801" cy="304801"/>
+          </a:xfrm>
+          <a:prstGeom prst="rect">
+            <a:avLst/>
+          </a:prstGeom>
+        </p:spPr>
+      </p:pic>
+      <p:pic>
+        <p:nvPicPr>
+          <p:cNvPr id="6" name="Grafik 5" descr="Ein Bild, das Zeichnung enthält.&#10;&#10;Automatisch generierte Beschreibung">
+            <a:extLst>
+              <a:ext uri="{FF2B5EF4-FFF2-40B4-BE49-F238E27FC236}">
+                <a16:creationId xmlns:a16="http://schemas.microsoft.com/office/drawing/2014/main" id="{5694D1B4-FA52-4853-B1C6-07A2FF7735AA}"/>
+              </a:ext>
+            </a:extLst>
+          </p:cNvPr>
+          <p:cNvPicPr>
+            <a:picLocks noChangeAspect="1"/>
+          </p:cNvPicPr>
+          <p:nvPr/>
+        </p:nvPicPr>
+        <p:blipFill>
+          <a:blip r:embed="rId3">
+            <a:extLst>
+              <a:ext uri="{28A0092B-C50C-407E-A947-70E740481C1C}">
+                <a14:useLocalDpi xmlns:a14="http://schemas.microsoft.com/office/drawing/2010/main" val="0"/>
+              </a:ext>
+            </a:extLst>
+          </a:blip>
+          <a:stretch>
+            <a:fillRect/>
+          </a:stretch>
+        </p:blipFill>
+        <p:spPr>
+          <a:xfrm>
+            <a:off x="5251559" y="1141797"/>
+            <a:ext cx="273192" cy="304801"/>
+          </a:xfrm>
+          <a:prstGeom prst="rect">
+            <a:avLst/>
+          </a:prstGeom>
+        </p:spPr>
+      </p:pic>
+      <p:sp>
+        <p:nvSpPr>
+          <p:cNvPr id="7" name="Rechteck: abgerundete Ecken 6">
+            <a:extLst>
+              <a:ext uri="{FF2B5EF4-FFF2-40B4-BE49-F238E27FC236}">
+                <a16:creationId xmlns:a16="http://schemas.microsoft.com/office/drawing/2014/main" id="{F6FD61F2-9AC5-4715-BBF0-992F8BFD348B}"/>
+              </a:ext>
+            </a:extLst>
+          </p:cNvPr>
+          <p:cNvSpPr/>
+          <p:nvPr/>
+        </p:nvSpPr>
+        <p:spPr>
+          <a:xfrm>
+            <a:off x="4806082" y="2880408"/>
+            <a:ext cx="1750595" cy="1396952"/>
+          </a:xfrm>
+          <a:prstGeom prst="roundRect">
+            <a:avLst>
+              <a:gd name="adj" fmla="val 3952"/>
+            </a:avLst>
+          </a:prstGeom>
+          <a:solidFill>
+            <a:srgbClr val="F2F2F2"/>
+          </a:solidFill>
+          <a:ln w="22225"/>
+        </p:spPr>
+        <p:style>
+          <a:lnRef idx="1">
+            <a:schemeClr val="dk1"/>
+          </a:lnRef>
+          <a:fillRef idx="2">
+            <a:schemeClr val="dk1"/>
+          </a:fillRef>
+          <a:effectRef idx="1">
+            <a:schemeClr val="dk1"/>
+          </a:effectRef>
+          <a:fontRef idx="minor">
+            <a:schemeClr val="dk1"/>
+          </a:fontRef>
+        </p:style>
+        <p:txBody>
+          <a:bodyPr rtlCol="0" anchor="t"/>
+          <a:lstStyle/>
+          <a:p>
+            <a:pPr algn="r"/>
+            <a:r>
+              <a:rPr lang="de-DE" sz="1400" b="1" dirty="0"/>
+              <a:t>Stage: DEV</a:t>
+            </a:r>
+          </a:p>
+          <a:p>
+            <a:pPr algn="r"/>
+            <a:r>
+              <a:rPr lang="de-DE" sz="1400" b="1" dirty="0"/>
+              <a:t>API-Management</a:t>
+            </a:r>
+            <a:endParaRPr lang="en-US" sz="1400" b="1" dirty="0"/>
+          </a:p>
+        </p:txBody>
+      </p:sp>
+      <p:pic>
+        <p:nvPicPr>
+          <p:cNvPr id="13" name="Grafik 12" descr="Ein Bild, das Text, Schild enthält.&#10;&#10;Automatisch generierte Beschreibung">
+            <a:extLst>
+              <a:ext uri="{FF2B5EF4-FFF2-40B4-BE49-F238E27FC236}">
+                <a16:creationId xmlns:a16="http://schemas.microsoft.com/office/drawing/2014/main" id="{F89EEA7B-BD92-4A9D-B4BE-E425A91DB2BA}"/>
+              </a:ext>
+            </a:extLst>
+          </p:cNvPr>
+          <p:cNvPicPr>
+            <a:picLocks noChangeAspect="1"/>
+          </p:cNvPicPr>
+          <p:nvPr/>
+        </p:nvPicPr>
+        <p:blipFill rotWithShape="1">
+          <a:blip r:embed="rId4">
+            <a:extLst>
+              <a:ext uri="{28A0092B-C50C-407E-A947-70E740481C1C}">
+                <a14:useLocalDpi xmlns:a14="http://schemas.microsoft.com/office/drawing/2010/main" val="0"/>
+              </a:ext>
+            </a:extLst>
+          </a:blip>
+          <a:srcRect l="22835" t="14535" r="24895" b="38647"/>
+          <a:stretch/>
+        </p:blipFill>
+        <p:spPr>
+          <a:xfrm>
+            <a:off x="4838761" y="2721879"/>
+            <a:ext cx="352939" cy="362111"/>
+          </a:xfrm>
+          <a:prstGeom prst="rect">
+            <a:avLst/>
+          </a:prstGeom>
+        </p:spPr>
+      </p:pic>
+      <p:sp>
+        <p:nvSpPr>
+          <p:cNvPr id="14" name="Rechteck: abgerundete Ecken 13">
+            <a:extLst>
+              <a:ext uri="{FF2B5EF4-FFF2-40B4-BE49-F238E27FC236}">
+                <a16:creationId xmlns:a16="http://schemas.microsoft.com/office/drawing/2014/main" id="{857FA96E-9BDC-4E2D-9C6E-6A33F2526313}"/>
+              </a:ext>
+            </a:extLst>
+          </p:cNvPr>
+          <p:cNvSpPr/>
+          <p:nvPr/>
+        </p:nvSpPr>
+        <p:spPr>
+          <a:xfrm>
+            <a:off x="2641059" y="1057958"/>
+            <a:ext cx="1750595" cy="2026032"/>
+          </a:xfrm>
+          <a:prstGeom prst="roundRect">
+            <a:avLst>
+              <a:gd name="adj" fmla="val 3952"/>
+            </a:avLst>
+          </a:prstGeom>
+          <a:solidFill>
+            <a:srgbClr val="F2F2F2"/>
+          </a:solidFill>
+          <a:ln w="22225"/>
+        </p:spPr>
+        <p:style>
+          <a:lnRef idx="1">
+            <a:schemeClr val="dk1"/>
+          </a:lnRef>
+          <a:fillRef idx="2">
+            <a:schemeClr val="dk1"/>
+          </a:fillRef>
+          <a:effectRef idx="1">
+            <a:schemeClr val="dk1"/>
+          </a:effectRef>
+          <a:fontRef idx="minor">
+            <a:schemeClr val="dk1"/>
+          </a:fontRef>
+        </p:style>
+        <p:txBody>
+          <a:bodyPr rtlCol="0" anchor="t"/>
+          <a:lstStyle/>
+          <a:p>
+            <a:pPr algn="r"/>
+            <a:r>
+              <a:rPr lang="de-DE" sz="1400" b="1" dirty="0"/>
+              <a:t>Jenkins</a:t>
+            </a:r>
+          </a:p>
+          <a:p>
+            <a:pPr algn="r"/>
+            <a:r>
+              <a:rPr lang="de-DE" sz="1200" dirty="0"/>
+              <a:t>Development </a:t>
+            </a:r>
+            <a:r>
+              <a:rPr lang="de-DE" sz="1200" dirty="0" err="1"/>
+              <a:t>workflow</a:t>
+            </a:r>
+            <a:endParaRPr lang="en-US" sz="1600" dirty="0"/>
+          </a:p>
+        </p:txBody>
+      </p:sp>
+      <p:pic>
+        <p:nvPicPr>
+          <p:cNvPr id="15" name="Grafik 14" descr="Ein Bild, das Raum, Zeichnung enthält.&#10;&#10;Automatisch generierte Beschreibung">
+            <a:extLst>
+              <a:ext uri="{FF2B5EF4-FFF2-40B4-BE49-F238E27FC236}">
+                <a16:creationId xmlns:a16="http://schemas.microsoft.com/office/drawing/2014/main" id="{046C6BBA-D4EF-418F-96A1-40F40867129D}"/>
+              </a:ext>
+            </a:extLst>
+          </p:cNvPr>
+          <p:cNvPicPr>
+            <a:picLocks noChangeAspect="1"/>
+          </p:cNvPicPr>
+          <p:nvPr/>
+        </p:nvPicPr>
+        <p:blipFill rotWithShape="1">
+          <a:blip r:embed="rId5">
+            <a:extLst>
+              <a:ext uri="{28A0092B-C50C-407E-A947-70E740481C1C}">
+                <a14:useLocalDpi xmlns:a14="http://schemas.microsoft.com/office/drawing/2010/main" val="0"/>
+              </a:ext>
+            </a:extLst>
+          </a:blip>
+          <a:srcRect l="35029" t="19605" r="34531" b="19769"/>
+          <a:stretch/>
+        </p:blipFill>
+        <p:spPr>
+          <a:xfrm>
+            <a:off x="2753980" y="863106"/>
+            <a:ext cx="374631" cy="514313"/>
+          </a:xfrm>
+          <a:prstGeom prst="rect">
+            <a:avLst/>
+          </a:prstGeom>
+        </p:spPr>
+      </p:pic>
+      <p:sp>
+        <p:nvSpPr>
+          <p:cNvPr id="16" name="Rechteck 15">
+            <a:extLst>
+              <a:ext uri="{FF2B5EF4-FFF2-40B4-BE49-F238E27FC236}">
+                <a16:creationId xmlns:a16="http://schemas.microsoft.com/office/drawing/2014/main" id="{B5F5D0DD-6B40-437F-BCFD-E753422231ED}"/>
+              </a:ext>
+            </a:extLst>
+          </p:cNvPr>
+          <p:cNvSpPr/>
+          <p:nvPr/>
+        </p:nvSpPr>
+        <p:spPr>
+          <a:xfrm>
+            <a:off x="2700490" y="1706334"/>
+            <a:ext cx="1634013" cy="602850"/>
+          </a:xfrm>
+          <a:prstGeom prst="rect">
+            <a:avLst/>
+          </a:prstGeom>
+          <a:ln>
+            <a:solidFill>
+              <a:schemeClr val="bg1">
+                <a:lumMod val="50000"/>
+              </a:schemeClr>
+            </a:solidFill>
+          </a:ln>
+        </p:spPr>
+        <p:style>
+          <a:lnRef idx="2">
+            <a:schemeClr val="dk1"/>
+          </a:lnRef>
+          <a:fillRef idx="1">
+            <a:schemeClr val="lt1"/>
+          </a:fillRef>
+          <a:effectRef idx="0">
+            <a:schemeClr val="dk1"/>
+          </a:effectRef>
+          <a:fontRef idx="minor">
+            <a:schemeClr val="dk1"/>
+          </a:fontRef>
+        </p:style>
+        <p:txBody>
+          <a:bodyPr rtlCol="0" anchor="ctr"/>
+          <a:lstStyle/>
+          <a:p>
+            <a:pPr algn="r"/>
+            <a:r>
+              <a:rPr lang="de-DE" sz="1100" dirty="0"/>
+              <a:t>Create SNAPSHOT </a:t>
+            </a:r>
+            <a:r>
+              <a:rPr lang="de-DE" sz="1100" dirty="0" err="1"/>
+              <a:t>package</a:t>
+            </a:r>
+            <a:endParaRPr lang="en-US" sz="1100" dirty="0"/>
+          </a:p>
+        </p:txBody>
+      </p:sp>
+      <p:pic>
+        <p:nvPicPr>
+          <p:cNvPr id="17" name="Grafik 16">
+            <a:extLst>
+              <a:ext uri="{FF2B5EF4-FFF2-40B4-BE49-F238E27FC236}">
+                <a16:creationId xmlns:a16="http://schemas.microsoft.com/office/drawing/2014/main" id="{580DAB8B-34B0-4816-8264-FA5940928950}"/>
+              </a:ext>
+            </a:extLst>
+          </p:cNvPr>
+          <p:cNvPicPr>
+            <a:picLocks noChangeAspect="1"/>
+          </p:cNvPicPr>
+          <p:nvPr/>
+        </p:nvPicPr>
+        <p:blipFill>
+          <a:blip r:embed="rId6">
+            <a:extLst>
+              <a:ext uri="{28A0092B-C50C-407E-A947-70E740481C1C}">
+                <a14:useLocalDpi xmlns:a14="http://schemas.microsoft.com/office/drawing/2010/main" val="0"/>
+              </a:ext>
+            </a:extLst>
+          </a:blip>
+          <a:stretch>
+            <a:fillRect/>
+          </a:stretch>
+        </p:blipFill>
+        <p:spPr>
+          <a:xfrm>
+            <a:off x="2766656" y="1928401"/>
+            <a:ext cx="138573" cy="152400"/>
+          </a:xfrm>
+          <a:prstGeom prst="rect">
+            <a:avLst/>
+          </a:prstGeom>
+        </p:spPr>
+      </p:pic>
+      <p:sp>
+        <p:nvSpPr>
+          <p:cNvPr id="26" name="Rechteck 25">
+            <a:extLst>
+              <a:ext uri="{FF2B5EF4-FFF2-40B4-BE49-F238E27FC236}">
+                <a16:creationId xmlns:a16="http://schemas.microsoft.com/office/drawing/2014/main" id="{12DB9A41-3EDB-4176-A46F-F8050BFA49A6}"/>
+              </a:ext>
+            </a:extLst>
+          </p:cNvPr>
+          <p:cNvSpPr/>
+          <p:nvPr/>
+        </p:nvSpPr>
+        <p:spPr>
+          <a:xfrm>
+            <a:off x="4876420" y="1706334"/>
+            <a:ext cx="1634013" cy="602850"/>
+          </a:xfrm>
+          <a:prstGeom prst="rect">
+            <a:avLst/>
+          </a:prstGeom>
+          <a:ln>
+            <a:solidFill>
+              <a:schemeClr val="bg1">
+                <a:lumMod val="50000"/>
+              </a:schemeClr>
+            </a:solidFill>
+          </a:ln>
+        </p:spPr>
+        <p:style>
+          <a:lnRef idx="2">
+            <a:schemeClr val="dk1"/>
+          </a:lnRef>
+          <a:fillRef idx="1">
+            <a:schemeClr val="lt1"/>
+          </a:fillRef>
+          <a:effectRef idx="0">
+            <a:schemeClr val="dk1"/>
+          </a:effectRef>
+          <a:fontRef idx="minor">
+            <a:schemeClr val="dk1"/>
+          </a:fontRef>
+        </p:style>
+        <p:txBody>
+          <a:bodyPr rIns="36000" rtlCol="0" anchor="ctr"/>
+          <a:lstStyle/>
+          <a:p>
+            <a:pPr algn="r"/>
+            <a:r>
+              <a:rPr lang="de-DE" sz="1100" dirty="0"/>
+              <a:t>API1-V1.0-SNAPSHOT</a:t>
+            </a:r>
+            <a:endParaRPr lang="en-US" sz="1100" dirty="0"/>
+          </a:p>
+        </p:txBody>
+      </p:sp>
+      <p:pic>
+        <p:nvPicPr>
+          <p:cNvPr id="30" name="Grafik 29" descr="Ein Bild, das Ziegelstein, Tisch enthält.&#10;&#10;Automatisch generierte Beschreibung">
+            <a:extLst>
+              <a:ext uri="{FF2B5EF4-FFF2-40B4-BE49-F238E27FC236}">
+                <a16:creationId xmlns:a16="http://schemas.microsoft.com/office/drawing/2014/main" id="{D30EBDAB-A406-4D6D-AB07-26264C3878D0}"/>
+              </a:ext>
+            </a:extLst>
+          </p:cNvPr>
+          <p:cNvPicPr>
+            <a:picLocks noChangeAspect="1"/>
+          </p:cNvPicPr>
+          <p:nvPr/>
+        </p:nvPicPr>
+        <p:blipFill>
+          <a:blip r:embed="rId7">
+            <a:extLst>
+              <a:ext uri="{28A0092B-C50C-407E-A947-70E740481C1C}">
+                <a14:useLocalDpi xmlns:a14="http://schemas.microsoft.com/office/drawing/2010/main" val="0"/>
+              </a:ext>
+            </a:extLst>
+          </a:blip>
+          <a:stretch>
+            <a:fillRect/>
+          </a:stretch>
+        </p:blipFill>
+        <p:spPr>
+          <a:xfrm>
+            <a:off x="4955190" y="1930972"/>
+            <a:ext cx="147259" cy="147259"/>
+          </a:xfrm>
+          <a:prstGeom prst="rect">
+            <a:avLst/>
+          </a:prstGeom>
+        </p:spPr>
+      </p:pic>
+      <p:sp>
+        <p:nvSpPr>
+          <p:cNvPr id="31" name="Rechteck: abgerundete Ecken 30">
+            <a:extLst>
+              <a:ext uri="{FF2B5EF4-FFF2-40B4-BE49-F238E27FC236}">
+                <a16:creationId xmlns:a16="http://schemas.microsoft.com/office/drawing/2014/main" id="{10D9B9A4-1654-4BF8-834F-5A38F911A632}"/>
+              </a:ext>
+            </a:extLst>
+          </p:cNvPr>
+          <p:cNvSpPr/>
+          <p:nvPr/>
+        </p:nvSpPr>
+        <p:spPr>
+          <a:xfrm>
+            <a:off x="327660" y="1057910"/>
+            <a:ext cx="1893919" cy="1396952"/>
+          </a:xfrm>
+          <a:prstGeom prst="roundRect">
+            <a:avLst>
+              <a:gd name="adj" fmla="val 3952"/>
+            </a:avLst>
+          </a:prstGeom>
+          <a:solidFill>
+            <a:srgbClr val="F2F2F2"/>
+          </a:solidFill>
+          <a:ln w="22225"/>
+        </p:spPr>
+        <p:style>
+          <a:lnRef idx="1">
+            <a:schemeClr val="dk1"/>
+          </a:lnRef>
+          <a:fillRef idx="2">
+            <a:schemeClr val="dk1"/>
+          </a:fillRef>
+          <a:effectRef idx="1">
+            <a:schemeClr val="dk1"/>
+          </a:effectRef>
+          <a:fontRef idx="minor">
+            <a:schemeClr val="dk1"/>
+          </a:fontRef>
+        </p:style>
+        <p:txBody>
+          <a:bodyPr rtlCol="0" anchor="t"/>
+          <a:lstStyle/>
+          <a:p>
+            <a:pPr algn="r"/>
+            <a:r>
+              <a:rPr lang="de-DE" sz="1400" b="1" dirty="0"/>
+              <a:t>Version Control</a:t>
+            </a:r>
+            <a:br>
+              <a:rPr lang="de-DE" sz="1400" b="1" dirty="0"/>
+            </a:br>
+            <a:r>
+              <a:rPr lang="de-DE" sz="1400" b="1" dirty="0" err="1"/>
+              <a:t>Bitbucket</a:t>
+            </a:r>
+            <a:r>
+              <a:rPr lang="de-DE" sz="1400" b="1" dirty="0"/>
+              <a:t> / GitHub</a:t>
+            </a:r>
+            <a:endParaRPr lang="en-US" sz="1400" b="1" dirty="0"/>
+          </a:p>
+        </p:txBody>
+      </p:sp>
+      <p:pic>
+        <p:nvPicPr>
+          <p:cNvPr id="32" name="Grafik 31">
+            <a:extLst>
+              <a:ext uri="{FF2B5EF4-FFF2-40B4-BE49-F238E27FC236}">
+                <a16:creationId xmlns:a16="http://schemas.microsoft.com/office/drawing/2014/main" id="{7A0B7571-D555-4B87-B5D7-C04F0616A58C}"/>
+              </a:ext>
+            </a:extLst>
+          </p:cNvPr>
+          <p:cNvPicPr>
+            <a:picLocks noChangeAspect="1"/>
+          </p:cNvPicPr>
+          <p:nvPr/>
+        </p:nvPicPr>
+        <p:blipFill>
+          <a:blip r:embed="rId8">
+            <a:extLst>
+              <a:ext uri="{28A0092B-C50C-407E-A947-70E740481C1C}">
+                <a14:useLocalDpi xmlns:a14="http://schemas.microsoft.com/office/drawing/2010/main" val="0"/>
+              </a:ext>
+              <a:ext uri="{96DAC541-7B7A-43D3-8B79-37D633B846F1}">
+                <asvg:svgBlip xmlns:asvg="http://schemas.microsoft.com/office/drawing/2016/SVG/main" r:embed="rId9"/>
+              </a:ext>
+            </a:extLst>
+          </a:blip>
+          <a:stretch>
+            <a:fillRect/>
+          </a:stretch>
+        </p:blipFill>
+        <p:spPr>
+          <a:xfrm>
+            <a:off x="302694" y="921004"/>
+            <a:ext cx="305193" cy="275406"/>
+          </a:xfrm>
+          <a:prstGeom prst="rect">
+            <a:avLst/>
+          </a:prstGeom>
+        </p:spPr>
+      </p:pic>
+      <p:pic>
+        <p:nvPicPr>
+          <p:cNvPr id="33" name="Grafik 32">
+            <a:extLst>
+              <a:ext uri="{FF2B5EF4-FFF2-40B4-BE49-F238E27FC236}">
+                <a16:creationId xmlns:a16="http://schemas.microsoft.com/office/drawing/2014/main" id="{41DB1411-E633-4CBC-9320-787C906A32F0}"/>
+              </a:ext>
+            </a:extLst>
+          </p:cNvPr>
+          <p:cNvPicPr>
+            <a:picLocks noChangeAspect="1"/>
+          </p:cNvPicPr>
+          <p:nvPr/>
+        </p:nvPicPr>
+        <p:blipFill>
+          <a:blip r:embed="rId10">
+            <a:extLst>
+              <a:ext uri="{28A0092B-C50C-407E-A947-70E740481C1C}">
+                <a14:useLocalDpi xmlns:a14="http://schemas.microsoft.com/office/drawing/2010/main" val="0"/>
+              </a:ext>
+            </a:extLst>
+          </a:blip>
+          <a:stretch>
+            <a:fillRect/>
+          </a:stretch>
+        </p:blipFill>
+        <p:spPr>
+          <a:xfrm>
+            <a:off x="664897" y="919410"/>
+            <a:ext cx="276999" cy="276999"/>
+          </a:xfrm>
+          <a:prstGeom prst="rect">
+            <a:avLst/>
+          </a:prstGeom>
+        </p:spPr>
+      </p:pic>
+      <p:sp>
+        <p:nvSpPr>
+          <p:cNvPr id="57" name="Rechteck 56">
+            <a:extLst>
+              <a:ext uri="{FF2B5EF4-FFF2-40B4-BE49-F238E27FC236}">
+                <a16:creationId xmlns:a16="http://schemas.microsoft.com/office/drawing/2014/main" id="{9A70AA03-1ACF-499F-8A6F-153FF21D2E15}"/>
+              </a:ext>
+            </a:extLst>
+          </p:cNvPr>
+          <p:cNvSpPr/>
+          <p:nvPr/>
+        </p:nvSpPr>
+        <p:spPr>
+          <a:xfrm>
+            <a:off x="421807" y="1706334"/>
+            <a:ext cx="1715603" cy="602850"/>
+          </a:xfrm>
+          <a:prstGeom prst="rect">
+            <a:avLst/>
+          </a:prstGeom>
+          <a:ln>
+            <a:solidFill>
+              <a:schemeClr val="bg1">
+                <a:lumMod val="50000"/>
+              </a:schemeClr>
+            </a:solidFill>
+          </a:ln>
+        </p:spPr>
+        <p:style>
+          <a:lnRef idx="2">
+            <a:schemeClr val="dk1"/>
+          </a:lnRef>
+          <a:fillRef idx="1">
+            <a:schemeClr val="lt1"/>
+          </a:fillRef>
+          <a:effectRef idx="0">
+            <a:schemeClr val="dk1"/>
+          </a:effectRef>
+          <a:fontRef idx="minor">
+            <a:schemeClr val="dk1"/>
+          </a:fontRef>
+        </p:style>
+        <p:txBody>
+          <a:bodyPr rtlCol="0" anchor="ctr"/>
+          <a:lstStyle/>
+          <a:p>
+            <a:pPr algn="r"/>
+            <a:r>
+              <a:rPr lang="de-DE" sz="1100" dirty="0"/>
+              <a:t>API 1</a:t>
+            </a:r>
+            <a:br>
+              <a:rPr lang="de-DE" sz="1100" dirty="0"/>
+            </a:br>
+            <a:r>
+              <a:rPr lang="de-DE" sz="1100" dirty="0"/>
+              <a:t>API-</a:t>
+            </a:r>
+            <a:r>
+              <a:rPr lang="de-DE" sz="1100" dirty="0" err="1"/>
+              <a:t>Config</a:t>
+            </a:r>
+            <a:r>
+              <a:rPr lang="de-DE" sz="1100" dirty="0"/>
+              <a:t> &amp; </a:t>
+            </a:r>
+            <a:r>
+              <a:rPr lang="de-DE" sz="1100" dirty="0" err="1"/>
+              <a:t>Jenkinsfile</a:t>
+            </a:r>
+            <a:endParaRPr lang="de-DE" sz="1100" dirty="0"/>
+          </a:p>
+          <a:p>
+            <a:pPr algn="r"/>
+            <a:r>
+              <a:rPr lang="de-DE" sz="1100" dirty="0"/>
+              <a:t>pom.xml</a:t>
+            </a:r>
+            <a:endParaRPr lang="en-US" sz="1100" dirty="0"/>
+          </a:p>
+        </p:txBody>
+      </p:sp>
+      <p:pic>
+        <p:nvPicPr>
+          <p:cNvPr id="35" name="Grafik 34" descr="Ein Bild, das schwarz enthält.&#10;&#10;Automatisch generierte Beschreibung">
+            <a:extLst>
+              <a:ext uri="{FF2B5EF4-FFF2-40B4-BE49-F238E27FC236}">
+                <a16:creationId xmlns:a16="http://schemas.microsoft.com/office/drawing/2014/main" id="{8EA75F08-E5C6-4532-BE36-AA2900617CE0}"/>
+              </a:ext>
+            </a:extLst>
+          </p:cNvPr>
+          <p:cNvPicPr>
+            <a:picLocks noChangeAspect="1"/>
+          </p:cNvPicPr>
+          <p:nvPr/>
+        </p:nvPicPr>
+        <p:blipFill>
+          <a:blip r:embed="rId11">
+            <a:extLst>
+              <a:ext uri="{28A0092B-C50C-407E-A947-70E740481C1C}">
+                <a14:useLocalDpi xmlns:a14="http://schemas.microsoft.com/office/drawing/2010/main" val="0"/>
+              </a:ext>
+            </a:extLst>
+          </a:blip>
+          <a:stretch>
+            <a:fillRect/>
+          </a:stretch>
+        </p:blipFill>
+        <p:spPr>
+          <a:xfrm>
+            <a:off x="455569" y="1757209"/>
+            <a:ext cx="229415" cy="224564"/>
+          </a:xfrm>
+          <a:prstGeom prst="rect">
+            <a:avLst/>
+          </a:prstGeom>
+        </p:spPr>
+      </p:pic>
+      <p:sp>
+        <p:nvSpPr>
+          <p:cNvPr id="60" name="Rechteck: abgerundete Ecken 59">
+            <a:extLst>
+              <a:ext uri="{FF2B5EF4-FFF2-40B4-BE49-F238E27FC236}">
+                <a16:creationId xmlns:a16="http://schemas.microsoft.com/office/drawing/2014/main" id="{4DED1C37-E045-498C-87E2-1A422E5EA747}"/>
+              </a:ext>
+            </a:extLst>
+          </p:cNvPr>
+          <p:cNvSpPr/>
+          <p:nvPr/>
+        </p:nvSpPr>
+        <p:spPr>
+          <a:xfrm>
+            <a:off x="9162779" y="1058733"/>
+            <a:ext cx="1750595" cy="1396952"/>
+          </a:xfrm>
+          <a:prstGeom prst="roundRect">
+            <a:avLst>
+              <a:gd name="adj" fmla="val 3952"/>
+            </a:avLst>
+          </a:prstGeom>
+          <a:solidFill>
+            <a:srgbClr val="F2F2F2"/>
+          </a:solidFill>
+          <a:ln w="22225"/>
+        </p:spPr>
+        <p:style>
+          <a:lnRef idx="1">
+            <a:schemeClr val="dk1"/>
+          </a:lnRef>
+          <a:fillRef idx="2">
+            <a:schemeClr val="dk1"/>
+          </a:fillRef>
+          <a:effectRef idx="1">
+            <a:schemeClr val="dk1"/>
+          </a:effectRef>
+          <a:fontRef idx="minor">
+            <a:schemeClr val="dk1"/>
+          </a:fontRef>
+        </p:style>
+        <p:txBody>
+          <a:bodyPr rtlCol="0" anchor="t"/>
+          <a:lstStyle/>
+          <a:p>
+            <a:pPr algn="r"/>
+            <a:r>
+              <a:rPr lang="de-DE" sz="1400" b="1" dirty="0"/>
+              <a:t>RELEASE</a:t>
+            </a:r>
+            <a:br>
+              <a:rPr lang="de-DE" sz="1400" b="1" dirty="0"/>
+            </a:br>
+            <a:r>
+              <a:rPr lang="de-DE" sz="1400" b="1" dirty="0"/>
+              <a:t>Repository</a:t>
+            </a:r>
+            <a:endParaRPr lang="en-US" sz="1600" dirty="0"/>
+          </a:p>
+        </p:txBody>
+      </p:sp>
+      <p:pic>
+        <p:nvPicPr>
+          <p:cNvPr id="61" name="Grafik 60" descr="Ein Bild, das Objekt, Uhr, Raum enthält.&#10;&#10;Automatisch generierte Beschreibung">
+            <a:extLst>
+              <a:ext uri="{FF2B5EF4-FFF2-40B4-BE49-F238E27FC236}">
+                <a16:creationId xmlns:a16="http://schemas.microsoft.com/office/drawing/2014/main" id="{FB8E292B-2D02-4BF7-A474-B9D20F3509F0}"/>
+              </a:ext>
+            </a:extLst>
+          </p:cNvPr>
+          <p:cNvPicPr>
+            <a:picLocks noChangeAspect="1"/>
+          </p:cNvPicPr>
+          <p:nvPr/>
+        </p:nvPicPr>
+        <p:blipFill>
+          <a:blip r:embed="rId2">
+            <a:extLst>
+              <a:ext uri="{28A0092B-C50C-407E-A947-70E740481C1C}">
+                <a14:useLocalDpi xmlns:a14="http://schemas.microsoft.com/office/drawing/2010/main" val="0"/>
+              </a:ext>
+            </a:extLst>
+          </a:blip>
+          <a:stretch>
+            <a:fillRect/>
+          </a:stretch>
+        </p:blipFill>
+        <p:spPr>
+          <a:xfrm>
+            <a:off x="9239203" y="1142572"/>
+            <a:ext cx="304801" cy="304801"/>
+          </a:xfrm>
+          <a:prstGeom prst="rect">
+            <a:avLst/>
+          </a:prstGeom>
+        </p:spPr>
+      </p:pic>
+      <p:pic>
+        <p:nvPicPr>
+          <p:cNvPr id="62" name="Grafik 61" descr="Ein Bild, das Zeichnung enthält.&#10;&#10;Automatisch generierte Beschreibung">
+            <a:extLst>
+              <a:ext uri="{FF2B5EF4-FFF2-40B4-BE49-F238E27FC236}">
+                <a16:creationId xmlns:a16="http://schemas.microsoft.com/office/drawing/2014/main" id="{C2C3C276-1F86-41C5-A4C7-8C008CA2DBD9}"/>
+              </a:ext>
+            </a:extLst>
+          </p:cNvPr>
+          <p:cNvPicPr>
+            <a:picLocks noChangeAspect="1"/>
+          </p:cNvPicPr>
+          <p:nvPr/>
+        </p:nvPicPr>
+        <p:blipFill>
+          <a:blip r:embed="rId3">
+            <a:extLst>
+              <a:ext uri="{28A0092B-C50C-407E-A947-70E740481C1C}">
+                <a14:useLocalDpi xmlns:a14="http://schemas.microsoft.com/office/drawing/2010/main" val="0"/>
+              </a:ext>
+            </a:extLst>
+          </a:blip>
+          <a:stretch>
+            <a:fillRect/>
+          </a:stretch>
+        </p:blipFill>
+        <p:spPr>
+          <a:xfrm>
+            <a:off x="9614342" y="1142572"/>
+            <a:ext cx="273192" cy="304801"/>
+          </a:xfrm>
+          <a:prstGeom prst="rect">
+            <a:avLst/>
+          </a:prstGeom>
+        </p:spPr>
+      </p:pic>
+      <p:sp>
+        <p:nvSpPr>
+          <p:cNvPr id="63" name="Rechteck 62">
+            <a:extLst>
+              <a:ext uri="{FF2B5EF4-FFF2-40B4-BE49-F238E27FC236}">
+                <a16:creationId xmlns:a16="http://schemas.microsoft.com/office/drawing/2014/main" id="{8ECC9C70-6BA2-4407-A337-A060E4D3798B}"/>
+              </a:ext>
+            </a:extLst>
+          </p:cNvPr>
+          <p:cNvSpPr/>
+          <p:nvPr/>
+        </p:nvSpPr>
+        <p:spPr>
+          <a:xfrm>
+            <a:off x="9239203" y="1707109"/>
+            <a:ext cx="1634013" cy="602850"/>
+          </a:xfrm>
+          <a:prstGeom prst="rect">
+            <a:avLst/>
+          </a:prstGeom>
+          <a:ln>
+            <a:solidFill>
+              <a:schemeClr val="bg1">
+                <a:lumMod val="50000"/>
+              </a:schemeClr>
+            </a:solidFill>
+          </a:ln>
+        </p:spPr>
+        <p:style>
+          <a:lnRef idx="2">
+            <a:schemeClr val="dk1"/>
+          </a:lnRef>
+          <a:fillRef idx="1">
+            <a:schemeClr val="lt1"/>
+          </a:fillRef>
+          <a:effectRef idx="0">
+            <a:schemeClr val="dk1"/>
+          </a:effectRef>
+          <a:fontRef idx="minor">
+            <a:schemeClr val="dk1"/>
+          </a:fontRef>
+        </p:style>
+        <p:txBody>
+          <a:bodyPr rIns="36000" rtlCol="0" anchor="ctr"/>
+          <a:lstStyle/>
+          <a:p>
+            <a:pPr algn="r"/>
+            <a:r>
+              <a:rPr lang="de-DE" sz="1100" dirty="0"/>
+              <a:t>API1-V1.0</a:t>
+            </a:r>
+            <a:endParaRPr lang="en-US" sz="1100" dirty="0"/>
+          </a:p>
+        </p:txBody>
+      </p:sp>
+      <p:pic>
+        <p:nvPicPr>
+          <p:cNvPr id="64" name="Grafik 63" descr="Ein Bild, das Ziegelstein, Tisch enthält.&#10;&#10;Automatisch generierte Beschreibung">
+            <a:extLst>
+              <a:ext uri="{FF2B5EF4-FFF2-40B4-BE49-F238E27FC236}">
+                <a16:creationId xmlns:a16="http://schemas.microsoft.com/office/drawing/2014/main" id="{266C6BB0-E9F3-49EE-A23B-5C6AEE02ED4F}"/>
+              </a:ext>
+            </a:extLst>
+          </p:cNvPr>
+          <p:cNvPicPr>
+            <a:picLocks noChangeAspect="1"/>
+          </p:cNvPicPr>
+          <p:nvPr/>
+        </p:nvPicPr>
+        <p:blipFill>
+          <a:blip r:embed="rId7">
+            <a:extLst>
+              <a:ext uri="{28A0092B-C50C-407E-A947-70E740481C1C}">
+                <a14:useLocalDpi xmlns:a14="http://schemas.microsoft.com/office/drawing/2010/main" val="0"/>
+              </a:ext>
+            </a:extLst>
+          </a:blip>
+          <a:stretch>
+            <a:fillRect/>
+          </a:stretch>
+        </p:blipFill>
+        <p:spPr>
+          <a:xfrm>
+            <a:off x="9317973" y="1931747"/>
+            <a:ext cx="147259" cy="147259"/>
+          </a:xfrm>
+          <a:prstGeom prst="rect">
+            <a:avLst/>
+          </a:prstGeom>
+        </p:spPr>
+      </p:pic>
+      <p:sp>
+        <p:nvSpPr>
+          <p:cNvPr id="65" name="Rechteck: abgerundete Ecken 64">
+            <a:extLst>
+              <a:ext uri="{FF2B5EF4-FFF2-40B4-BE49-F238E27FC236}">
+                <a16:creationId xmlns:a16="http://schemas.microsoft.com/office/drawing/2014/main" id="{C77FED26-966A-4804-99CA-D16909BAB0DD}"/>
+              </a:ext>
+            </a:extLst>
+          </p:cNvPr>
+          <p:cNvSpPr/>
+          <p:nvPr/>
+        </p:nvSpPr>
+        <p:spPr>
+          <a:xfrm>
+            <a:off x="7003784" y="1057910"/>
+            <a:ext cx="1750595" cy="1396952"/>
+          </a:xfrm>
+          <a:prstGeom prst="roundRect">
+            <a:avLst>
+              <a:gd name="adj" fmla="val 3952"/>
+            </a:avLst>
+          </a:prstGeom>
+          <a:solidFill>
+            <a:srgbClr val="F2F2F2"/>
+          </a:solidFill>
+          <a:ln w="22225"/>
+        </p:spPr>
+        <p:style>
+          <a:lnRef idx="1">
+            <a:schemeClr val="dk1"/>
+          </a:lnRef>
+          <a:fillRef idx="2">
+            <a:schemeClr val="dk1"/>
+          </a:fillRef>
+          <a:effectRef idx="1">
+            <a:schemeClr val="dk1"/>
+          </a:effectRef>
+          <a:fontRef idx="minor">
+            <a:schemeClr val="dk1"/>
+          </a:fontRef>
+        </p:style>
+        <p:txBody>
+          <a:bodyPr rtlCol="0" anchor="t"/>
+          <a:lstStyle/>
+          <a:p>
+            <a:pPr algn="r"/>
+            <a:r>
+              <a:rPr lang="de-DE" sz="1400" b="1" dirty="0"/>
+              <a:t>Jenkins</a:t>
+            </a:r>
+          </a:p>
+          <a:p>
+            <a:pPr algn="r"/>
+            <a:r>
+              <a:rPr lang="de-DE" sz="1200" dirty="0"/>
+              <a:t>Release </a:t>
+            </a:r>
+            <a:r>
+              <a:rPr lang="de-DE" sz="1200" dirty="0" err="1"/>
+              <a:t>workflow</a:t>
+            </a:r>
+            <a:endParaRPr lang="en-US" sz="1600" dirty="0"/>
+          </a:p>
+        </p:txBody>
+      </p:sp>
+      <p:sp>
+        <p:nvSpPr>
+          <p:cNvPr id="67" name="Rechteck 66">
+            <a:extLst>
+              <a:ext uri="{FF2B5EF4-FFF2-40B4-BE49-F238E27FC236}">
+                <a16:creationId xmlns:a16="http://schemas.microsoft.com/office/drawing/2014/main" id="{7C93DD7A-7419-41E4-A6F7-71BE041E46E5}"/>
+              </a:ext>
+            </a:extLst>
+          </p:cNvPr>
+          <p:cNvSpPr/>
+          <p:nvPr/>
+        </p:nvSpPr>
+        <p:spPr>
+          <a:xfrm>
+            <a:off x="7063215" y="1706286"/>
+            <a:ext cx="1634013" cy="602850"/>
+          </a:xfrm>
+          <a:prstGeom prst="rect">
+            <a:avLst/>
+          </a:prstGeom>
+          <a:ln>
+            <a:solidFill>
+              <a:schemeClr val="bg1">
+                <a:lumMod val="50000"/>
+              </a:schemeClr>
+            </a:solidFill>
+          </a:ln>
+        </p:spPr>
+        <p:style>
+          <a:lnRef idx="2">
+            <a:schemeClr val="dk1"/>
+          </a:lnRef>
+          <a:fillRef idx="1">
+            <a:schemeClr val="lt1"/>
+          </a:fillRef>
+          <a:effectRef idx="0">
+            <a:schemeClr val="dk1"/>
+          </a:effectRef>
+          <a:fontRef idx="minor">
+            <a:schemeClr val="dk1"/>
+          </a:fontRef>
+        </p:style>
+        <p:txBody>
+          <a:bodyPr rtlCol="0" anchor="ctr"/>
+          <a:lstStyle/>
+          <a:p>
+            <a:pPr algn="r"/>
+            <a:r>
+              <a:rPr lang="de-DE" sz="1100" dirty="0"/>
+              <a:t>Create &amp; Publish </a:t>
+            </a:r>
+          </a:p>
+          <a:p>
+            <a:pPr algn="r"/>
+            <a:r>
+              <a:rPr lang="de-DE" sz="1100" dirty="0"/>
+              <a:t>release</a:t>
+            </a:r>
+            <a:endParaRPr lang="en-US" sz="1100" dirty="0"/>
+          </a:p>
+        </p:txBody>
+      </p:sp>
+      <p:pic>
+        <p:nvPicPr>
+          <p:cNvPr id="68" name="Grafik 67">
+            <a:extLst>
+              <a:ext uri="{FF2B5EF4-FFF2-40B4-BE49-F238E27FC236}">
+                <a16:creationId xmlns:a16="http://schemas.microsoft.com/office/drawing/2014/main" id="{BE296906-1F93-4C84-91EC-8BEF860E0AB7}"/>
+              </a:ext>
+            </a:extLst>
+          </p:cNvPr>
+          <p:cNvPicPr>
+            <a:picLocks noChangeAspect="1"/>
+          </p:cNvPicPr>
+          <p:nvPr/>
+        </p:nvPicPr>
+        <p:blipFill>
+          <a:blip r:embed="rId6">
+            <a:extLst>
+              <a:ext uri="{28A0092B-C50C-407E-A947-70E740481C1C}">
+                <a14:useLocalDpi xmlns:a14="http://schemas.microsoft.com/office/drawing/2010/main" val="0"/>
+              </a:ext>
+            </a:extLst>
+          </a:blip>
+          <a:stretch>
+            <a:fillRect/>
+          </a:stretch>
+        </p:blipFill>
+        <p:spPr>
+          <a:xfrm>
+            <a:off x="7122095" y="1928401"/>
+            <a:ext cx="138573" cy="152400"/>
+          </a:xfrm>
+          <a:prstGeom prst="rect">
+            <a:avLst/>
+          </a:prstGeom>
+        </p:spPr>
+      </p:pic>
+      <p:cxnSp>
+        <p:nvCxnSpPr>
+          <p:cNvPr id="70" name="Gerade Verbindung mit Pfeil 69">
+            <a:extLst>
+              <a:ext uri="{FF2B5EF4-FFF2-40B4-BE49-F238E27FC236}">
+                <a16:creationId xmlns:a16="http://schemas.microsoft.com/office/drawing/2014/main" id="{4F39264B-9734-497A-A0E2-AC04D7B2000F}"/>
+              </a:ext>
+            </a:extLst>
+          </p:cNvPr>
+          <p:cNvCxnSpPr>
+            <a:stCxn id="57" idx="3"/>
+            <a:endCxn id="16" idx="1"/>
+          </p:cNvCxnSpPr>
+          <p:nvPr/>
+        </p:nvCxnSpPr>
+        <p:spPr>
+          <a:xfrm>
+            <a:off x="2137410" y="2007759"/>
+            <a:ext cx="563080" cy="0"/>
+          </a:xfrm>
+          <a:prstGeom prst="straightConnector1">
+            <a:avLst/>
+          </a:prstGeom>
+          <a:ln w="12700">
+            <a:tailEnd type="triangle" w="lg" len="lg"/>
+          </a:ln>
+        </p:spPr>
+        <p:style>
+          <a:lnRef idx="1">
+            <a:schemeClr val="dk1"/>
+          </a:lnRef>
+          <a:fillRef idx="0">
+            <a:schemeClr val="dk1"/>
+          </a:fillRef>
+          <a:effectRef idx="0">
+            <a:schemeClr val="dk1"/>
+          </a:effectRef>
+          <a:fontRef idx="minor">
+            <a:schemeClr val="tx1"/>
+          </a:fontRef>
+        </p:style>
+      </p:cxnSp>
+      <p:cxnSp>
+        <p:nvCxnSpPr>
+          <p:cNvPr id="71" name="Gerade Verbindung mit Pfeil 70">
+            <a:extLst>
+              <a:ext uri="{FF2B5EF4-FFF2-40B4-BE49-F238E27FC236}">
+                <a16:creationId xmlns:a16="http://schemas.microsoft.com/office/drawing/2014/main" id="{2D02E28C-5148-4D62-BEA2-5FB39F30520D}"/>
+              </a:ext>
+            </a:extLst>
+          </p:cNvPr>
+          <p:cNvCxnSpPr>
+            <a:cxnSpLocks/>
+            <a:stCxn id="16" idx="3"/>
+            <a:endCxn id="26" idx="1"/>
+          </p:cNvCxnSpPr>
+          <p:nvPr/>
+        </p:nvCxnSpPr>
+        <p:spPr>
+          <a:xfrm>
+            <a:off x="4334503" y="2007759"/>
+            <a:ext cx="541917" cy="0"/>
+          </a:xfrm>
+          <a:prstGeom prst="straightConnector1">
+            <a:avLst/>
+          </a:prstGeom>
+          <a:ln w="12700">
+            <a:tailEnd type="triangle" w="lg" len="lg"/>
+          </a:ln>
+        </p:spPr>
+        <p:style>
+          <a:lnRef idx="1">
+            <a:schemeClr val="dk1"/>
+          </a:lnRef>
+          <a:fillRef idx="0">
+            <a:schemeClr val="dk1"/>
+          </a:fillRef>
+          <a:effectRef idx="0">
+            <a:schemeClr val="dk1"/>
+          </a:effectRef>
+          <a:fontRef idx="minor">
+            <a:schemeClr val="tx1"/>
+          </a:fontRef>
+        </p:style>
+      </p:cxnSp>
+      <p:sp>
+        <p:nvSpPr>
+          <p:cNvPr id="75" name="Rechteck 74">
+            <a:extLst>
+              <a:ext uri="{FF2B5EF4-FFF2-40B4-BE49-F238E27FC236}">
+                <a16:creationId xmlns:a16="http://schemas.microsoft.com/office/drawing/2014/main" id="{6D1AE90A-6126-42EF-87AD-D2A26CA4AE79}"/>
+              </a:ext>
+            </a:extLst>
+          </p:cNvPr>
+          <p:cNvSpPr/>
+          <p:nvPr/>
+        </p:nvSpPr>
+        <p:spPr>
+          <a:xfrm>
+            <a:off x="2700094" y="2367410"/>
+            <a:ext cx="1634013" cy="602850"/>
+          </a:xfrm>
+          <a:prstGeom prst="rect">
+            <a:avLst/>
+          </a:prstGeom>
+          <a:ln>
+            <a:solidFill>
+              <a:schemeClr val="bg1">
+                <a:lumMod val="50000"/>
+              </a:schemeClr>
+            </a:solidFill>
+          </a:ln>
+        </p:spPr>
+        <p:style>
+          <a:lnRef idx="2">
+            <a:schemeClr val="dk1"/>
+          </a:lnRef>
+          <a:fillRef idx="1">
+            <a:schemeClr val="lt1"/>
+          </a:fillRef>
+          <a:effectRef idx="0">
+            <a:schemeClr val="dk1"/>
+          </a:effectRef>
+          <a:fontRef idx="minor">
+            <a:schemeClr val="dk1"/>
+          </a:fontRef>
+        </p:style>
+        <p:txBody>
+          <a:bodyPr rtlCol="0" anchor="ctr"/>
+          <a:lstStyle/>
+          <a:p>
+            <a:pPr algn="r"/>
+            <a:r>
+              <a:rPr lang="de-DE" sz="1100" dirty="0"/>
+              <a:t>Deploy </a:t>
+            </a:r>
+            <a:r>
+              <a:rPr lang="de-DE" sz="1100" dirty="0" err="1"/>
+              <a:t>package</a:t>
+            </a:r>
+            <a:r>
+              <a:rPr lang="de-DE" sz="1100" dirty="0"/>
+              <a:t> </a:t>
+            </a:r>
+            <a:r>
+              <a:rPr lang="de-DE" sz="1100" dirty="0" err="1"/>
+              <a:t>to</a:t>
+            </a:r>
+            <a:r>
+              <a:rPr lang="de-DE" sz="1100" dirty="0"/>
+              <a:t> </a:t>
+            </a:r>
+            <a:br>
+              <a:rPr lang="de-DE" sz="1100" dirty="0"/>
+            </a:br>
+            <a:r>
+              <a:rPr lang="de-DE" sz="1100" dirty="0"/>
+              <a:t>DEV-Stage</a:t>
+            </a:r>
+            <a:endParaRPr lang="en-US" sz="1100" dirty="0"/>
+          </a:p>
+        </p:txBody>
+      </p:sp>
+      <p:pic>
+        <p:nvPicPr>
+          <p:cNvPr id="76" name="Grafik 75">
+            <a:extLst>
+              <a:ext uri="{FF2B5EF4-FFF2-40B4-BE49-F238E27FC236}">
+                <a16:creationId xmlns:a16="http://schemas.microsoft.com/office/drawing/2014/main" id="{40BACB67-DA59-46ED-A30D-8A8AAE2325A9}"/>
+              </a:ext>
+            </a:extLst>
+          </p:cNvPr>
+          <p:cNvPicPr>
+            <a:picLocks noChangeAspect="1"/>
+          </p:cNvPicPr>
+          <p:nvPr/>
+        </p:nvPicPr>
+        <p:blipFill>
+          <a:blip r:embed="rId6">
+            <a:extLst>
+              <a:ext uri="{28A0092B-C50C-407E-A947-70E740481C1C}">
+                <a14:useLocalDpi xmlns:a14="http://schemas.microsoft.com/office/drawing/2010/main" val="0"/>
+              </a:ext>
+            </a:extLst>
+          </a:blip>
+          <a:stretch>
+            <a:fillRect/>
+          </a:stretch>
+        </p:blipFill>
+        <p:spPr>
+          <a:xfrm>
+            <a:off x="2759888" y="2589477"/>
+            <a:ext cx="138573" cy="152400"/>
+          </a:xfrm>
+          <a:prstGeom prst="rect">
+            <a:avLst/>
+          </a:prstGeom>
+        </p:spPr>
+      </p:pic>
+      <p:pic>
+        <p:nvPicPr>
+          <p:cNvPr id="77" name="Grafik 76" descr="Ein Bild, das Raum, Zeichnung enthält.&#10;&#10;Automatisch generierte Beschreibung">
+            <a:extLst>
+              <a:ext uri="{FF2B5EF4-FFF2-40B4-BE49-F238E27FC236}">
+                <a16:creationId xmlns:a16="http://schemas.microsoft.com/office/drawing/2014/main" id="{C2DDEDAF-A09F-41A2-A0FC-55C92058F5AC}"/>
+              </a:ext>
+            </a:extLst>
+          </p:cNvPr>
+          <p:cNvPicPr>
+            <a:picLocks noChangeAspect="1"/>
+          </p:cNvPicPr>
+          <p:nvPr/>
+        </p:nvPicPr>
+        <p:blipFill rotWithShape="1">
+          <a:blip r:embed="rId5">
+            <a:extLst>
+              <a:ext uri="{28A0092B-C50C-407E-A947-70E740481C1C}">
+                <a14:useLocalDpi xmlns:a14="http://schemas.microsoft.com/office/drawing/2010/main" val="0"/>
+              </a:ext>
+            </a:extLst>
+          </a:blip>
+          <a:srcRect l="35029" t="19605" r="34531" b="19769"/>
+          <a:stretch/>
+        </p:blipFill>
+        <p:spPr>
+          <a:xfrm>
+            <a:off x="7122095" y="863106"/>
+            <a:ext cx="374631" cy="514313"/>
+          </a:xfrm>
+          <a:prstGeom prst="rect">
+            <a:avLst/>
+          </a:prstGeom>
+        </p:spPr>
+      </p:pic>
+      <p:cxnSp>
+        <p:nvCxnSpPr>
+          <p:cNvPr id="78" name="Gerade Verbindung mit Pfeil 77">
+            <a:extLst>
+              <a:ext uri="{FF2B5EF4-FFF2-40B4-BE49-F238E27FC236}">
+                <a16:creationId xmlns:a16="http://schemas.microsoft.com/office/drawing/2014/main" id="{C2AE7621-6B8E-4A87-A6B3-8C9F2A7D3E3D}"/>
+              </a:ext>
+            </a:extLst>
+          </p:cNvPr>
+          <p:cNvCxnSpPr>
+            <a:cxnSpLocks/>
+            <a:stCxn id="67" idx="3"/>
+            <a:endCxn id="63" idx="1"/>
+          </p:cNvCxnSpPr>
+          <p:nvPr/>
+        </p:nvCxnSpPr>
+        <p:spPr>
+          <a:xfrm>
+            <a:off x="8697228" y="2007711"/>
+            <a:ext cx="541975" cy="823"/>
+          </a:xfrm>
+          <a:prstGeom prst="straightConnector1">
+            <a:avLst/>
+          </a:prstGeom>
+          <a:ln w="12700">
+            <a:tailEnd type="triangle" w="lg" len="lg"/>
+          </a:ln>
+        </p:spPr>
+        <p:style>
+          <a:lnRef idx="1">
+            <a:schemeClr val="dk1"/>
+          </a:lnRef>
+          <a:fillRef idx="0">
+            <a:schemeClr val="dk1"/>
+          </a:fillRef>
+          <a:effectRef idx="0">
+            <a:schemeClr val="dk1"/>
+          </a:effectRef>
+          <a:fontRef idx="minor">
+            <a:schemeClr val="tx1"/>
+          </a:fontRef>
+        </p:style>
+      </p:cxnSp>
+      <p:cxnSp>
+        <p:nvCxnSpPr>
+          <p:cNvPr id="81" name="Gerade Verbindung mit Pfeil 80">
+            <a:extLst>
+              <a:ext uri="{FF2B5EF4-FFF2-40B4-BE49-F238E27FC236}">
+                <a16:creationId xmlns:a16="http://schemas.microsoft.com/office/drawing/2014/main" id="{C41025B8-4528-4411-95F3-206F3576EE2D}"/>
+              </a:ext>
+            </a:extLst>
+          </p:cNvPr>
+          <p:cNvCxnSpPr>
+            <a:cxnSpLocks/>
+            <a:stCxn id="75" idx="3"/>
+          </p:cNvCxnSpPr>
+          <p:nvPr/>
+        </p:nvCxnSpPr>
+        <p:spPr>
+          <a:xfrm>
+            <a:off x="4334107" y="2668835"/>
+            <a:ext cx="414428" cy="219387"/>
+          </a:xfrm>
+          <a:prstGeom prst="straightConnector1">
+            <a:avLst/>
+          </a:prstGeom>
+          <a:ln w="12700">
+            <a:tailEnd type="triangle" w="lg" len="lg"/>
+          </a:ln>
+        </p:spPr>
+        <p:style>
+          <a:lnRef idx="1">
+            <a:schemeClr val="dk1"/>
+          </a:lnRef>
+          <a:fillRef idx="0">
+            <a:schemeClr val="dk1"/>
+          </a:fillRef>
+          <a:effectRef idx="0">
+            <a:schemeClr val="dk1"/>
+          </a:effectRef>
+          <a:fontRef idx="minor">
+            <a:schemeClr val="tx1"/>
+          </a:fontRef>
+        </p:style>
+      </p:cxnSp>
+      <p:cxnSp>
+        <p:nvCxnSpPr>
+          <p:cNvPr id="85" name="Gerader Verbinder 84">
+            <a:extLst>
+              <a:ext uri="{FF2B5EF4-FFF2-40B4-BE49-F238E27FC236}">
+                <a16:creationId xmlns:a16="http://schemas.microsoft.com/office/drawing/2014/main" id="{DA5C7AEB-38D5-464F-BEB5-03616042F9D6}"/>
+              </a:ext>
+            </a:extLst>
+          </p:cNvPr>
+          <p:cNvCxnSpPr>
+            <a:cxnSpLocks/>
+          </p:cNvCxnSpPr>
+          <p:nvPr/>
+        </p:nvCxnSpPr>
+        <p:spPr>
+          <a:xfrm>
+            <a:off x="8958580" y="441928"/>
+            <a:ext cx="0" cy="3954812"/>
+          </a:xfrm>
+          <a:prstGeom prst="line">
+            <a:avLst/>
+          </a:prstGeom>
+          <a:ln w="25400">
+            <a:solidFill>
+              <a:srgbClr val="C00000"/>
+            </a:solidFill>
+            <a:prstDash val="dash"/>
+          </a:ln>
+        </p:spPr>
+        <p:style>
+          <a:lnRef idx="1">
+            <a:schemeClr val="accent1"/>
+          </a:lnRef>
+          <a:fillRef idx="0">
+            <a:schemeClr val="accent1"/>
+          </a:fillRef>
+          <a:effectRef idx="0">
+            <a:schemeClr val="accent1"/>
+          </a:effectRef>
+          <a:fontRef idx="minor">
+            <a:schemeClr val="tx1"/>
+          </a:fontRef>
+        </p:style>
+      </p:cxnSp>
+      <p:sp>
+        <p:nvSpPr>
+          <p:cNvPr id="106" name="Textfeld 105">
+            <a:extLst>
+              <a:ext uri="{FF2B5EF4-FFF2-40B4-BE49-F238E27FC236}">
+                <a16:creationId xmlns:a16="http://schemas.microsoft.com/office/drawing/2014/main" id="{8EE6DCA0-0667-4549-8A09-9D50FCDF26CD}"/>
+              </a:ext>
+            </a:extLst>
+          </p:cNvPr>
+          <p:cNvSpPr txBox="1"/>
+          <p:nvPr/>
+        </p:nvSpPr>
+        <p:spPr>
+          <a:xfrm>
+            <a:off x="2766656" y="441928"/>
+            <a:ext cx="3481744" cy="369332"/>
+          </a:xfrm>
+          <a:prstGeom prst="rect">
+            <a:avLst/>
+          </a:prstGeom>
+          <a:noFill/>
+        </p:spPr>
+        <p:txBody>
+          <a:bodyPr wrap="square" rtlCol="0">
+            <a:spAutoFit/>
+          </a:bodyPr>
+          <a:lstStyle/>
+          <a:p>
+            <a:pPr algn="ctr"/>
+            <a:r>
+              <a:rPr lang="de-DE" b="1" dirty="0"/>
+              <a:t>- Stage DEV -</a:t>
+            </a:r>
+            <a:endParaRPr lang="en-US" b="1" dirty="0"/>
+          </a:p>
+        </p:txBody>
+      </p:sp>
+      <p:sp>
+        <p:nvSpPr>
+          <p:cNvPr id="108" name="Textfeld 107">
+            <a:extLst>
+              <a:ext uri="{FF2B5EF4-FFF2-40B4-BE49-F238E27FC236}">
+                <a16:creationId xmlns:a16="http://schemas.microsoft.com/office/drawing/2014/main" id="{0EC004F9-681A-495E-98B0-2566B77C481E}"/>
+              </a:ext>
+            </a:extLst>
+          </p:cNvPr>
+          <p:cNvSpPr txBox="1"/>
+          <p:nvPr/>
+        </p:nvSpPr>
+        <p:spPr>
+          <a:xfrm>
+            <a:off x="9162782" y="441928"/>
+            <a:ext cx="1750592" cy="369332"/>
+          </a:xfrm>
+          <a:prstGeom prst="rect">
+            <a:avLst/>
+          </a:prstGeom>
+          <a:noFill/>
+        </p:spPr>
+        <p:txBody>
+          <a:bodyPr wrap="square" rtlCol="0">
+            <a:spAutoFit/>
+          </a:bodyPr>
+          <a:lstStyle/>
+          <a:p>
+            <a:pPr algn="ctr"/>
+            <a:r>
+              <a:rPr lang="de-DE" b="1" dirty="0"/>
+              <a:t>- Stage PROD -</a:t>
+            </a:r>
+            <a:endParaRPr lang="en-US" b="1" dirty="0"/>
+          </a:p>
+        </p:txBody>
+      </p:sp>
+      <p:cxnSp>
+        <p:nvCxnSpPr>
+          <p:cNvPr id="124" name="Gerade Verbindung mit Pfeil 123">
+            <a:extLst>
+              <a:ext uri="{FF2B5EF4-FFF2-40B4-BE49-F238E27FC236}">
+                <a16:creationId xmlns:a16="http://schemas.microsoft.com/office/drawing/2014/main" id="{8F52EBFC-BD09-43E0-8F0E-4B26A8E1C9E3}"/>
+              </a:ext>
+            </a:extLst>
+          </p:cNvPr>
+          <p:cNvCxnSpPr>
+            <a:cxnSpLocks/>
+            <a:stCxn id="26" idx="3"/>
+            <a:endCxn id="67" idx="1"/>
+          </p:cNvCxnSpPr>
+          <p:nvPr/>
+        </p:nvCxnSpPr>
+        <p:spPr>
+          <a:xfrm flipV="1">
+            <a:off x="6510433" y="2007711"/>
+            <a:ext cx="552782" cy="48"/>
+          </a:xfrm>
+          <a:prstGeom prst="straightConnector1">
+            <a:avLst/>
+          </a:prstGeom>
+          <a:ln w="12700">
+            <a:solidFill>
+              <a:schemeClr val="bg1">
+                <a:lumMod val="75000"/>
+              </a:schemeClr>
+            </a:solidFill>
+            <a:prstDash val="dash"/>
+            <a:tailEnd type="triangle" w="lg" len="lg"/>
+          </a:ln>
+        </p:spPr>
+        <p:style>
+          <a:lnRef idx="1">
+            <a:schemeClr val="dk1"/>
+          </a:lnRef>
+          <a:fillRef idx="0">
+            <a:schemeClr val="dk1"/>
+          </a:fillRef>
+          <a:effectRef idx="0">
+            <a:schemeClr val="dk1"/>
+          </a:effectRef>
+          <a:fontRef idx="minor">
+            <a:schemeClr val="tx1"/>
+          </a:fontRef>
+        </p:style>
+      </p:cxnSp>
+      <p:cxnSp>
+        <p:nvCxnSpPr>
+          <p:cNvPr id="131" name="Verbinder: gewinkelt 130">
+            <a:extLst>
+              <a:ext uri="{FF2B5EF4-FFF2-40B4-BE49-F238E27FC236}">
+                <a16:creationId xmlns:a16="http://schemas.microsoft.com/office/drawing/2014/main" id="{EA70659E-0B83-4DD4-A558-5FA0C166993C}"/>
+              </a:ext>
+            </a:extLst>
+          </p:cNvPr>
+          <p:cNvCxnSpPr>
+            <a:stCxn id="7" idx="1"/>
+            <a:endCxn id="31" idx="2"/>
+          </p:cNvCxnSpPr>
+          <p:nvPr/>
+        </p:nvCxnSpPr>
+        <p:spPr>
+          <a:xfrm rot="10800000">
+            <a:off x="1274620" y="2454862"/>
+            <a:ext cx="3531462" cy="1124022"/>
+          </a:xfrm>
+          <a:prstGeom prst="bentConnector2">
+            <a:avLst/>
+          </a:prstGeom>
+          <a:ln w="12700">
+            <a:prstDash val="dash"/>
+            <a:tailEnd type="triangle" w="lg" len="lg"/>
+          </a:ln>
+        </p:spPr>
+        <p:style>
+          <a:lnRef idx="1">
+            <a:schemeClr val="dk1"/>
+          </a:lnRef>
+          <a:fillRef idx="0">
+            <a:schemeClr val="dk1"/>
+          </a:fillRef>
+          <a:effectRef idx="0">
+            <a:schemeClr val="dk1"/>
+          </a:effectRef>
+          <a:fontRef idx="minor">
+            <a:schemeClr val="tx1"/>
+          </a:fontRef>
+        </p:style>
+      </p:cxnSp>
+      <p:sp>
+        <p:nvSpPr>
+          <p:cNvPr id="132" name="Textfeld 131">
+            <a:extLst>
+              <a:ext uri="{FF2B5EF4-FFF2-40B4-BE49-F238E27FC236}">
+                <a16:creationId xmlns:a16="http://schemas.microsoft.com/office/drawing/2014/main" id="{827121F5-E20A-4B7D-9804-F4C5A95F5D24}"/>
+              </a:ext>
+            </a:extLst>
+          </p:cNvPr>
+          <p:cNvSpPr txBox="1"/>
+          <p:nvPr/>
+        </p:nvSpPr>
+        <p:spPr>
+          <a:xfrm>
+            <a:off x="1962428" y="3329910"/>
+            <a:ext cx="1885601" cy="276999"/>
+          </a:xfrm>
+          <a:prstGeom prst="rect">
+            <a:avLst/>
+          </a:prstGeom>
+          <a:noFill/>
+        </p:spPr>
+        <p:txBody>
+          <a:bodyPr wrap="square" rtlCol="0">
+            <a:spAutoFit/>
+          </a:bodyPr>
+          <a:lstStyle/>
+          <a:p>
+            <a:pPr algn="ctr"/>
+            <a:r>
+              <a:rPr lang="de-DE" sz="1200" dirty="0"/>
+              <a:t>Test API &amp; Repeat</a:t>
+            </a:r>
+            <a:endParaRPr lang="en-US" sz="1200" dirty="0"/>
+          </a:p>
+        </p:txBody>
+      </p:sp>
+      <p:sp>
+        <p:nvSpPr>
+          <p:cNvPr id="134" name="Sprechblase: rechteckig 133">
+            <a:extLst>
+              <a:ext uri="{FF2B5EF4-FFF2-40B4-BE49-F238E27FC236}">
+                <a16:creationId xmlns:a16="http://schemas.microsoft.com/office/drawing/2014/main" id="{2E11F39E-4468-4D5E-ACB7-A327F01D6D8D}"/>
+              </a:ext>
+            </a:extLst>
+          </p:cNvPr>
+          <p:cNvSpPr/>
+          <p:nvPr/>
+        </p:nvSpPr>
+        <p:spPr>
+          <a:xfrm>
+            <a:off x="6856220" y="2880408"/>
+            <a:ext cx="1423768" cy="830485"/>
+          </a:xfrm>
+          <a:prstGeom prst="wedgeRectCallout">
+            <a:avLst>
+              <a:gd name="adj1" fmla="val -54857"/>
+              <a:gd name="adj2" fmla="val -144349"/>
+            </a:avLst>
+          </a:prstGeom>
+        </p:spPr>
+        <p:style>
+          <a:lnRef idx="2">
+            <a:schemeClr val="dk1">
+              <a:shade val="50000"/>
+            </a:schemeClr>
+          </a:lnRef>
+          <a:fillRef idx="1">
+            <a:schemeClr val="dk1"/>
+          </a:fillRef>
+          <a:effectRef idx="0">
+            <a:schemeClr val="dk1"/>
+          </a:effectRef>
+          <a:fontRef idx="minor">
+            <a:schemeClr val="lt1"/>
+          </a:fontRef>
+        </p:style>
+        <p:txBody>
+          <a:bodyPr rtlCol="0" anchor="ctr"/>
+          <a:lstStyle/>
+          <a:p>
+            <a:pPr algn="ctr"/>
+            <a:r>
+              <a:rPr lang="de-DE" sz="1200" dirty="0"/>
+              <a:t>Developer </a:t>
+            </a:r>
+            <a:r>
+              <a:rPr lang="de-DE" sz="1200" dirty="0" err="1"/>
+              <a:t>decides</a:t>
+            </a:r>
+            <a:r>
+              <a:rPr lang="de-DE" sz="1200" dirty="0"/>
+              <a:t> </a:t>
+            </a:r>
+            <a:r>
+              <a:rPr lang="de-DE" sz="1200" dirty="0" err="1"/>
+              <a:t>when</a:t>
+            </a:r>
+            <a:r>
+              <a:rPr lang="de-DE" sz="1200" dirty="0"/>
+              <a:t> </a:t>
+            </a:r>
+            <a:r>
+              <a:rPr lang="de-DE" sz="1200" dirty="0" err="1"/>
+              <a:t>to</a:t>
+            </a:r>
+            <a:r>
+              <a:rPr lang="de-DE" sz="1200" dirty="0"/>
+              <a:t> </a:t>
+            </a:r>
+            <a:r>
+              <a:rPr lang="de-DE" sz="1200" dirty="0" err="1"/>
+              <a:t>create</a:t>
+            </a:r>
+            <a:r>
+              <a:rPr lang="de-DE" sz="1200" dirty="0"/>
+              <a:t> release </a:t>
+            </a:r>
+            <a:r>
+              <a:rPr lang="de-DE" sz="1200" dirty="0" err="1"/>
+              <a:t>package</a:t>
+            </a:r>
+            <a:endParaRPr lang="en-US" sz="1200" dirty="0"/>
+          </a:p>
+        </p:txBody>
+      </p:sp>
+    </p:spTree>
+    <p:extLst>
+      <p:ext uri="{BB962C8B-B14F-4D97-AF65-F5344CB8AC3E}">
+        <p14:creationId xmlns:p14="http://schemas.microsoft.com/office/powerpoint/2010/main" val="2673281375"/>
+      </p:ext>
+    </p:extLst>
+  </p:cSld>
+  <p:clrMapOvr>
+    <a:masterClrMapping/>
+  </p:clrMapOvr>
+</p:sld>
+</file>
+
+<file path=ppt/slides/slide5.xml><?xml version="1.0" encoding="utf-8"?>
+<p:sld xmlns:a="http://schemas.openxmlformats.org/drawingml/2006/main" xmlns:r="http://schemas.openxmlformats.org/officeDocument/2006/relationships" xmlns:p="http://schemas.openxmlformats.org/presentationml/2006/main">
+  <p:cSld>
+    <p:spTree>
+      <p:nvGrpSpPr>
+        <p:cNvPr id="1" name=""/>
+        <p:cNvGrpSpPr/>
+        <p:nvPr/>
+      </p:nvGrpSpPr>
+      <p:grpSpPr>
+        <a:xfrm>
+          <a:off x="0" y="0"/>
+          <a:ext cx="0" cy="0"/>
+          <a:chOff x="0" y="0"/>
+          <a:chExt cx="0" cy="0"/>
+        </a:xfrm>
+      </p:grpSpPr>
+      <p:sp>
+        <p:nvSpPr>
+          <p:cNvPr id="60" name="Rechteck: abgerundete Ecken 59">
+            <a:extLst>
+              <a:ext uri="{FF2B5EF4-FFF2-40B4-BE49-F238E27FC236}">
+                <a16:creationId xmlns:a16="http://schemas.microsoft.com/office/drawing/2014/main" id="{4DED1C37-E045-498C-87E2-1A422E5EA747}"/>
+              </a:ext>
+            </a:extLst>
+          </p:cNvPr>
+          <p:cNvSpPr/>
+          <p:nvPr/>
+        </p:nvSpPr>
+        <p:spPr>
+          <a:xfrm>
+            <a:off x="2502899" y="1058733"/>
+            <a:ext cx="1750595" cy="1396952"/>
+          </a:xfrm>
+          <a:prstGeom prst="roundRect">
+            <a:avLst>
+              <a:gd name="adj" fmla="val 3952"/>
+            </a:avLst>
+          </a:prstGeom>
+          <a:solidFill>
+            <a:srgbClr val="F2F2F2"/>
+          </a:solidFill>
+          <a:ln w="22225"/>
+        </p:spPr>
+        <p:style>
+          <a:lnRef idx="1">
+            <a:schemeClr val="dk1"/>
+          </a:lnRef>
+          <a:fillRef idx="2">
+            <a:schemeClr val="dk1"/>
+          </a:fillRef>
+          <a:effectRef idx="1">
+            <a:schemeClr val="dk1"/>
+          </a:effectRef>
+          <a:fontRef idx="minor">
+            <a:schemeClr val="dk1"/>
+          </a:fontRef>
+        </p:style>
+        <p:txBody>
+          <a:bodyPr rtlCol="0" anchor="t"/>
+          <a:lstStyle/>
+          <a:p>
+            <a:pPr algn="r"/>
+            <a:r>
+              <a:rPr lang="de-DE" sz="1400" b="1" dirty="0"/>
+              <a:t>RELEASE</a:t>
+            </a:r>
+            <a:br>
+              <a:rPr lang="de-DE" sz="1400" b="1" dirty="0"/>
+            </a:br>
+            <a:r>
+              <a:rPr lang="de-DE" sz="1400" b="1" dirty="0"/>
+              <a:t>Repository</a:t>
+            </a:r>
+            <a:endParaRPr lang="en-US" sz="1600" dirty="0"/>
+          </a:p>
+        </p:txBody>
+      </p:sp>
+      <p:pic>
+        <p:nvPicPr>
+          <p:cNvPr id="61" name="Grafik 60" descr="Ein Bild, das Objekt, Uhr, Raum enthält.&#10;&#10;Automatisch generierte Beschreibung">
+            <a:extLst>
+              <a:ext uri="{FF2B5EF4-FFF2-40B4-BE49-F238E27FC236}">
+                <a16:creationId xmlns:a16="http://schemas.microsoft.com/office/drawing/2014/main" id="{FB8E292B-2D02-4BF7-A474-B9D20F3509F0}"/>
+              </a:ext>
+            </a:extLst>
+          </p:cNvPr>
+          <p:cNvPicPr>
+            <a:picLocks noChangeAspect="1"/>
+          </p:cNvPicPr>
+          <p:nvPr/>
+        </p:nvPicPr>
+        <p:blipFill>
+          <a:blip r:embed="rId2">
+            <a:extLst>
+              <a:ext uri="{28A0092B-C50C-407E-A947-70E740481C1C}">
+                <a14:useLocalDpi xmlns:a14="http://schemas.microsoft.com/office/drawing/2010/main" val="0"/>
+              </a:ext>
+            </a:extLst>
+          </a:blip>
+          <a:stretch>
+            <a:fillRect/>
+          </a:stretch>
+        </p:blipFill>
+        <p:spPr>
+          <a:xfrm>
+            <a:off x="2579323" y="1142572"/>
+            <a:ext cx="304801" cy="304801"/>
+          </a:xfrm>
+          <a:prstGeom prst="rect">
+            <a:avLst/>
+          </a:prstGeom>
+        </p:spPr>
+      </p:pic>
+      <p:pic>
+        <p:nvPicPr>
+          <p:cNvPr id="62" name="Grafik 61" descr="Ein Bild, das Zeichnung enthält.&#10;&#10;Automatisch generierte Beschreibung">
+            <a:extLst>
+              <a:ext uri="{FF2B5EF4-FFF2-40B4-BE49-F238E27FC236}">
+                <a16:creationId xmlns:a16="http://schemas.microsoft.com/office/drawing/2014/main" id="{C2C3C276-1F86-41C5-A4C7-8C008CA2DBD9}"/>
+              </a:ext>
+            </a:extLst>
+          </p:cNvPr>
+          <p:cNvPicPr>
+            <a:picLocks noChangeAspect="1"/>
+          </p:cNvPicPr>
+          <p:nvPr/>
+        </p:nvPicPr>
+        <p:blipFill>
+          <a:blip r:embed="rId3">
+            <a:extLst>
+              <a:ext uri="{28A0092B-C50C-407E-A947-70E740481C1C}">
+                <a14:useLocalDpi xmlns:a14="http://schemas.microsoft.com/office/drawing/2010/main" val="0"/>
+              </a:ext>
+            </a:extLst>
+          </a:blip>
+          <a:stretch>
+            <a:fillRect/>
+          </a:stretch>
+        </p:blipFill>
+        <p:spPr>
+          <a:xfrm>
+            <a:off x="2954462" y="1142572"/>
+            <a:ext cx="273192" cy="304801"/>
+          </a:xfrm>
+          <a:prstGeom prst="rect">
+            <a:avLst/>
+          </a:prstGeom>
+        </p:spPr>
+      </p:pic>
+      <p:sp>
+        <p:nvSpPr>
+          <p:cNvPr id="63" name="Rechteck 62">
+            <a:extLst>
+              <a:ext uri="{FF2B5EF4-FFF2-40B4-BE49-F238E27FC236}">
+                <a16:creationId xmlns:a16="http://schemas.microsoft.com/office/drawing/2014/main" id="{8ECC9C70-6BA2-4407-A337-A060E4D3798B}"/>
+              </a:ext>
+            </a:extLst>
+          </p:cNvPr>
+          <p:cNvSpPr/>
+          <p:nvPr/>
+        </p:nvSpPr>
+        <p:spPr>
+          <a:xfrm>
+            <a:off x="2579323" y="1707109"/>
+            <a:ext cx="1634013" cy="602850"/>
+          </a:xfrm>
+          <a:prstGeom prst="rect">
+            <a:avLst/>
+          </a:prstGeom>
+          <a:ln>
+            <a:solidFill>
+              <a:schemeClr val="bg1">
+                <a:lumMod val="50000"/>
+              </a:schemeClr>
+            </a:solidFill>
+          </a:ln>
+        </p:spPr>
+        <p:style>
+          <a:lnRef idx="2">
+            <a:schemeClr val="dk1"/>
+          </a:lnRef>
+          <a:fillRef idx="1">
+            <a:schemeClr val="lt1"/>
+          </a:fillRef>
+          <a:effectRef idx="0">
+            <a:schemeClr val="dk1"/>
+          </a:effectRef>
+          <a:fontRef idx="minor">
+            <a:schemeClr val="dk1"/>
+          </a:fontRef>
+        </p:style>
+        <p:txBody>
+          <a:bodyPr rIns="36000" rtlCol="0" anchor="ctr"/>
+          <a:lstStyle/>
+          <a:p>
+            <a:pPr algn="r"/>
+            <a:r>
+              <a:rPr lang="de-DE" sz="1100" dirty="0"/>
+              <a:t>API1-V1.0</a:t>
+            </a:r>
+            <a:endParaRPr lang="en-US" sz="1100" dirty="0"/>
+          </a:p>
+        </p:txBody>
+      </p:sp>
+      <p:pic>
+        <p:nvPicPr>
+          <p:cNvPr id="64" name="Grafik 63" descr="Ein Bild, das Ziegelstein, Tisch enthält.&#10;&#10;Automatisch generierte Beschreibung">
+            <a:extLst>
+              <a:ext uri="{FF2B5EF4-FFF2-40B4-BE49-F238E27FC236}">
+                <a16:creationId xmlns:a16="http://schemas.microsoft.com/office/drawing/2014/main" id="{266C6BB0-E9F3-49EE-A23B-5C6AEE02ED4F}"/>
+              </a:ext>
+            </a:extLst>
+          </p:cNvPr>
+          <p:cNvPicPr>
+            <a:picLocks noChangeAspect="1"/>
+          </p:cNvPicPr>
+          <p:nvPr/>
+        </p:nvPicPr>
+        <p:blipFill>
+          <a:blip r:embed="rId4">
+            <a:extLst>
+              <a:ext uri="{28A0092B-C50C-407E-A947-70E740481C1C}">
+                <a14:useLocalDpi xmlns:a14="http://schemas.microsoft.com/office/drawing/2010/main" val="0"/>
+              </a:ext>
+            </a:extLst>
+          </a:blip>
+          <a:stretch>
+            <a:fillRect/>
+          </a:stretch>
+        </p:blipFill>
+        <p:spPr>
+          <a:xfrm>
+            <a:off x="2658093" y="1931747"/>
+            <a:ext cx="147259" cy="147259"/>
+          </a:xfrm>
+          <a:prstGeom prst="rect">
+            <a:avLst/>
+          </a:prstGeom>
+        </p:spPr>
+      </p:pic>
+      <p:sp>
+        <p:nvSpPr>
+          <p:cNvPr id="65" name="Rechteck: abgerundete Ecken 64">
+            <a:extLst>
+              <a:ext uri="{FF2B5EF4-FFF2-40B4-BE49-F238E27FC236}">
+                <a16:creationId xmlns:a16="http://schemas.microsoft.com/office/drawing/2014/main" id="{C77FED26-966A-4804-99CA-D16909BAB0DD}"/>
+              </a:ext>
+            </a:extLst>
+          </p:cNvPr>
+          <p:cNvSpPr/>
+          <p:nvPr/>
+        </p:nvSpPr>
+        <p:spPr>
+          <a:xfrm>
+            <a:off x="343904" y="1057910"/>
+            <a:ext cx="1750595" cy="1396952"/>
+          </a:xfrm>
+          <a:prstGeom prst="roundRect">
+            <a:avLst>
+              <a:gd name="adj" fmla="val 3952"/>
+            </a:avLst>
+          </a:prstGeom>
+          <a:solidFill>
+            <a:srgbClr val="F2F2F2"/>
+          </a:solidFill>
+          <a:ln w="22225"/>
+        </p:spPr>
+        <p:style>
+          <a:lnRef idx="1">
+            <a:schemeClr val="dk1"/>
+          </a:lnRef>
+          <a:fillRef idx="2">
+            <a:schemeClr val="dk1"/>
+          </a:fillRef>
+          <a:effectRef idx="1">
+            <a:schemeClr val="dk1"/>
+          </a:effectRef>
+          <a:fontRef idx="minor">
+            <a:schemeClr val="dk1"/>
+          </a:fontRef>
+        </p:style>
+        <p:txBody>
+          <a:bodyPr rtlCol="0" anchor="t"/>
+          <a:lstStyle/>
+          <a:p>
+            <a:pPr algn="r"/>
+            <a:r>
+              <a:rPr lang="de-DE" sz="1400" b="1" dirty="0"/>
+              <a:t>Jenkins</a:t>
+            </a:r>
+          </a:p>
+          <a:p>
+            <a:pPr algn="r"/>
+            <a:r>
+              <a:rPr lang="de-DE" sz="1200" dirty="0"/>
+              <a:t>Release </a:t>
+            </a:r>
+            <a:r>
+              <a:rPr lang="de-DE" sz="1200" dirty="0" err="1"/>
+              <a:t>workflow</a:t>
+            </a:r>
+            <a:endParaRPr lang="en-US" sz="1600" dirty="0"/>
+          </a:p>
+        </p:txBody>
+      </p:sp>
+      <p:sp>
+        <p:nvSpPr>
+          <p:cNvPr id="67" name="Rechteck 66">
+            <a:extLst>
+              <a:ext uri="{FF2B5EF4-FFF2-40B4-BE49-F238E27FC236}">
+                <a16:creationId xmlns:a16="http://schemas.microsoft.com/office/drawing/2014/main" id="{7C93DD7A-7419-41E4-A6F7-71BE041E46E5}"/>
+              </a:ext>
+            </a:extLst>
+          </p:cNvPr>
+          <p:cNvSpPr/>
+          <p:nvPr/>
+        </p:nvSpPr>
+        <p:spPr>
+          <a:xfrm>
+            <a:off x="403335" y="1706286"/>
+            <a:ext cx="1634013" cy="602850"/>
+          </a:xfrm>
+          <a:prstGeom prst="rect">
+            <a:avLst/>
+          </a:prstGeom>
+          <a:ln>
+            <a:solidFill>
+              <a:schemeClr val="bg1">
+                <a:lumMod val="50000"/>
+              </a:schemeClr>
+            </a:solidFill>
+          </a:ln>
+        </p:spPr>
+        <p:style>
+          <a:lnRef idx="2">
+            <a:schemeClr val="dk1"/>
+          </a:lnRef>
+          <a:fillRef idx="1">
+            <a:schemeClr val="lt1"/>
+          </a:fillRef>
+          <a:effectRef idx="0">
+            <a:schemeClr val="dk1"/>
+          </a:effectRef>
+          <a:fontRef idx="minor">
+            <a:schemeClr val="dk1"/>
+          </a:fontRef>
+        </p:style>
+        <p:txBody>
+          <a:bodyPr rtlCol="0" anchor="ctr"/>
+          <a:lstStyle/>
+          <a:p>
+            <a:pPr algn="r"/>
+            <a:r>
+              <a:rPr lang="de-DE" sz="1100" dirty="0"/>
+              <a:t>Create &amp; Publish </a:t>
+            </a:r>
+          </a:p>
+          <a:p>
+            <a:pPr algn="r"/>
+            <a:r>
+              <a:rPr lang="de-DE" sz="1100" dirty="0"/>
+              <a:t>release</a:t>
+            </a:r>
+            <a:endParaRPr lang="en-US" sz="1100" dirty="0"/>
+          </a:p>
+        </p:txBody>
+      </p:sp>
+      <p:pic>
+        <p:nvPicPr>
+          <p:cNvPr id="68" name="Grafik 67">
+            <a:extLst>
+              <a:ext uri="{FF2B5EF4-FFF2-40B4-BE49-F238E27FC236}">
+                <a16:creationId xmlns:a16="http://schemas.microsoft.com/office/drawing/2014/main" id="{BE296906-1F93-4C84-91EC-8BEF860E0AB7}"/>
+              </a:ext>
+            </a:extLst>
+          </p:cNvPr>
+          <p:cNvPicPr>
+            <a:picLocks noChangeAspect="1"/>
+          </p:cNvPicPr>
+          <p:nvPr/>
+        </p:nvPicPr>
+        <p:blipFill>
+          <a:blip r:embed="rId5">
+            <a:extLst>
+              <a:ext uri="{28A0092B-C50C-407E-A947-70E740481C1C}">
+                <a14:useLocalDpi xmlns:a14="http://schemas.microsoft.com/office/drawing/2010/main" val="0"/>
+              </a:ext>
+            </a:extLst>
+          </a:blip>
+          <a:stretch>
+            <a:fillRect/>
+          </a:stretch>
+        </p:blipFill>
+        <p:spPr>
+          <a:xfrm>
+            <a:off x="462215" y="1928401"/>
+            <a:ext cx="138573" cy="152400"/>
+          </a:xfrm>
+          <a:prstGeom prst="rect">
+            <a:avLst/>
+          </a:prstGeom>
+        </p:spPr>
+      </p:pic>
+      <p:pic>
+        <p:nvPicPr>
+          <p:cNvPr id="77" name="Grafik 76" descr="Ein Bild, das Raum, Zeichnung enthält.&#10;&#10;Automatisch generierte Beschreibung">
+            <a:extLst>
+              <a:ext uri="{FF2B5EF4-FFF2-40B4-BE49-F238E27FC236}">
+                <a16:creationId xmlns:a16="http://schemas.microsoft.com/office/drawing/2014/main" id="{C2DDEDAF-A09F-41A2-A0FC-55C92058F5AC}"/>
+              </a:ext>
+            </a:extLst>
+          </p:cNvPr>
+          <p:cNvPicPr>
+            <a:picLocks noChangeAspect="1"/>
+          </p:cNvPicPr>
+          <p:nvPr/>
+        </p:nvPicPr>
+        <p:blipFill rotWithShape="1">
+          <a:blip r:embed="rId6">
+            <a:extLst>
+              <a:ext uri="{28A0092B-C50C-407E-A947-70E740481C1C}">
+                <a14:useLocalDpi xmlns:a14="http://schemas.microsoft.com/office/drawing/2010/main" val="0"/>
+              </a:ext>
+            </a:extLst>
+          </a:blip>
+          <a:srcRect l="35029" t="19605" r="34531" b="19769"/>
+          <a:stretch/>
+        </p:blipFill>
+        <p:spPr>
+          <a:xfrm>
+            <a:off x="462215" y="863106"/>
+            <a:ext cx="374631" cy="514313"/>
+          </a:xfrm>
+          <a:prstGeom prst="rect">
+            <a:avLst/>
+          </a:prstGeom>
+        </p:spPr>
+      </p:pic>
+      <p:cxnSp>
+        <p:nvCxnSpPr>
+          <p:cNvPr id="78" name="Gerade Verbindung mit Pfeil 77">
+            <a:extLst>
+              <a:ext uri="{FF2B5EF4-FFF2-40B4-BE49-F238E27FC236}">
+                <a16:creationId xmlns:a16="http://schemas.microsoft.com/office/drawing/2014/main" id="{C2AE7621-6B8E-4A87-A6B3-8C9F2A7D3E3D}"/>
+              </a:ext>
+            </a:extLst>
+          </p:cNvPr>
+          <p:cNvCxnSpPr>
+            <a:cxnSpLocks/>
+            <a:stCxn id="67" idx="3"/>
+            <a:endCxn id="63" idx="1"/>
+          </p:cNvCxnSpPr>
+          <p:nvPr/>
+        </p:nvCxnSpPr>
+        <p:spPr>
+          <a:xfrm>
+            <a:off x="2037348" y="2007711"/>
+            <a:ext cx="541975" cy="823"/>
+          </a:xfrm>
+          <a:prstGeom prst="straightConnector1">
+            <a:avLst/>
+          </a:prstGeom>
+          <a:ln w="12700">
+            <a:tailEnd type="triangle" w="lg" len="lg"/>
+          </a:ln>
+        </p:spPr>
+        <p:style>
+          <a:lnRef idx="1">
+            <a:schemeClr val="dk1"/>
+          </a:lnRef>
+          <a:fillRef idx="0">
+            <a:schemeClr val="dk1"/>
+          </a:fillRef>
+          <a:effectRef idx="0">
+            <a:schemeClr val="dk1"/>
+          </a:effectRef>
+          <a:fontRef idx="minor">
+            <a:schemeClr val="tx1"/>
+          </a:fontRef>
+        </p:style>
+      </p:cxnSp>
+      <p:cxnSp>
+        <p:nvCxnSpPr>
+          <p:cNvPr id="85" name="Gerader Verbinder 84">
+            <a:extLst>
+              <a:ext uri="{FF2B5EF4-FFF2-40B4-BE49-F238E27FC236}">
+                <a16:creationId xmlns:a16="http://schemas.microsoft.com/office/drawing/2014/main" id="{DA5C7AEB-38D5-464F-BEB5-03616042F9D6}"/>
+              </a:ext>
+            </a:extLst>
+          </p:cNvPr>
+          <p:cNvCxnSpPr>
+            <a:cxnSpLocks/>
+          </p:cNvCxnSpPr>
+          <p:nvPr/>
+        </p:nvCxnSpPr>
+        <p:spPr>
+          <a:xfrm>
+            <a:off x="2298700" y="441928"/>
+            <a:ext cx="0" cy="4031012"/>
+          </a:xfrm>
+          <a:prstGeom prst="line">
+            <a:avLst/>
+          </a:prstGeom>
+          <a:ln w="25400">
+            <a:solidFill>
+              <a:srgbClr val="C00000"/>
+            </a:solidFill>
+            <a:prstDash val="dash"/>
+          </a:ln>
+        </p:spPr>
+        <p:style>
+          <a:lnRef idx="1">
+            <a:schemeClr val="accent1"/>
+          </a:lnRef>
+          <a:fillRef idx="0">
+            <a:schemeClr val="accent1"/>
+          </a:fillRef>
+          <a:effectRef idx="0">
+            <a:schemeClr val="accent1"/>
+          </a:effectRef>
+          <a:fontRef idx="minor">
+            <a:schemeClr val="tx1"/>
+          </a:fontRef>
+        </p:style>
+      </p:cxnSp>
+      <p:sp>
+        <p:nvSpPr>
+          <p:cNvPr id="108" name="Textfeld 107">
+            <a:extLst>
+              <a:ext uri="{FF2B5EF4-FFF2-40B4-BE49-F238E27FC236}">
+                <a16:creationId xmlns:a16="http://schemas.microsoft.com/office/drawing/2014/main" id="{0EC004F9-681A-495E-98B0-2566B77C481E}"/>
+              </a:ext>
+            </a:extLst>
+          </p:cNvPr>
+          <p:cNvSpPr txBox="1"/>
+          <p:nvPr/>
+        </p:nvSpPr>
+        <p:spPr>
+          <a:xfrm>
+            <a:off x="2502902" y="441928"/>
+            <a:ext cx="1750592" cy="369332"/>
+          </a:xfrm>
+          <a:prstGeom prst="rect">
+            <a:avLst/>
+          </a:prstGeom>
+          <a:noFill/>
+        </p:spPr>
+        <p:txBody>
+          <a:bodyPr wrap="square" rtlCol="0">
+            <a:spAutoFit/>
+          </a:bodyPr>
+          <a:lstStyle/>
+          <a:p>
+            <a:pPr algn="ctr"/>
+            <a:r>
+              <a:rPr lang="de-DE" b="1" dirty="0"/>
+              <a:t>- Stage PROD -</a:t>
+            </a:r>
+            <a:endParaRPr lang="en-US" b="1" dirty="0"/>
+          </a:p>
+        </p:txBody>
+      </p:sp>
+      <p:sp>
+        <p:nvSpPr>
+          <p:cNvPr id="3" name="Rechteck 2">
+            <a:extLst>
+              <a:ext uri="{FF2B5EF4-FFF2-40B4-BE49-F238E27FC236}">
+                <a16:creationId xmlns:a16="http://schemas.microsoft.com/office/drawing/2014/main" id="{449335BE-5FC1-49AD-8C63-13DD778E94CB}"/>
+              </a:ext>
+            </a:extLst>
+          </p:cNvPr>
+          <p:cNvSpPr/>
+          <p:nvPr/>
+        </p:nvSpPr>
+        <p:spPr>
+          <a:xfrm>
+            <a:off x="10241280" y="863106"/>
+            <a:ext cx="1950720" cy="5994894"/>
+          </a:xfrm>
+          <a:prstGeom prst="rect">
+            <a:avLst/>
+          </a:prstGeom>
+          <a:gradFill>
+            <a:gsLst>
+              <a:gs pos="0">
+                <a:schemeClr val="accent1">
+                  <a:lumMod val="5000"/>
+                  <a:lumOff val="95000"/>
+                  <a:alpha val="0"/>
+                </a:schemeClr>
+              </a:gs>
+              <a:gs pos="100000">
+                <a:schemeClr val="bg1"/>
+              </a:gs>
+            </a:gsLst>
+            <a:lin ang="2700000" scaled="0"/>
+          </a:gradFill>
+          <a:ln>
+            <a:noFill/>
+          </a:ln>
+        </p:spPr>
+        <p:style>
+          <a:lnRef idx="2">
+            <a:schemeClr val="accent1">
+              <a:shade val="50000"/>
+            </a:schemeClr>
+          </a:lnRef>
+          <a:fillRef idx="1">
+            <a:schemeClr val="accent1"/>
+          </a:fillRef>
+          <a:effectRef idx="0">
+            <a:schemeClr val="accent1"/>
+          </a:effectRef>
+          <a:fontRef idx="minor">
+            <a:schemeClr val="lt1"/>
+          </a:fontRef>
+        </p:style>
+        <p:txBody>
+          <a:bodyPr rtlCol="0" anchor="ctr"/>
+          <a:lstStyle/>
+          <a:p>
+            <a:pPr algn="ctr"/>
+            <a:endParaRPr lang="en-US"/>
+          </a:p>
+        </p:txBody>
+      </p:sp>
+      <p:sp>
+        <p:nvSpPr>
+          <p:cNvPr id="47" name="Rechteck: abgerundete Ecken 46">
+            <a:extLst>
+              <a:ext uri="{FF2B5EF4-FFF2-40B4-BE49-F238E27FC236}">
+                <a16:creationId xmlns:a16="http://schemas.microsoft.com/office/drawing/2014/main" id="{09DA043C-B332-4037-8F51-B0F0AB76198C}"/>
+              </a:ext>
+            </a:extLst>
+          </p:cNvPr>
+          <p:cNvSpPr/>
+          <p:nvPr/>
+        </p:nvSpPr>
+        <p:spPr>
+          <a:xfrm>
+            <a:off x="4934678" y="2870297"/>
+            <a:ext cx="1750595" cy="1396952"/>
+          </a:xfrm>
+          <a:prstGeom prst="roundRect">
+            <a:avLst>
+              <a:gd name="adj" fmla="val 3952"/>
+            </a:avLst>
+          </a:prstGeom>
+          <a:solidFill>
+            <a:srgbClr val="F2F2F2"/>
+          </a:solidFill>
+          <a:ln w="22225"/>
+        </p:spPr>
+        <p:style>
+          <a:lnRef idx="1">
+            <a:schemeClr val="dk1"/>
+          </a:lnRef>
+          <a:fillRef idx="2">
+            <a:schemeClr val="dk1"/>
+          </a:fillRef>
+          <a:effectRef idx="1">
+            <a:schemeClr val="dk1"/>
+          </a:effectRef>
+          <a:fontRef idx="minor">
+            <a:schemeClr val="dk1"/>
+          </a:fontRef>
+        </p:style>
+        <p:txBody>
+          <a:bodyPr rtlCol="0" anchor="t"/>
+          <a:lstStyle/>
+          <a:p>
+            <a:pPr algn="r"/>
+            <a:r>
+              <a:rPr lang="de-DE" sz="1400" b="1" dirty="0"/>
+              <a:t>Stage: PROD</a:t>
+            </a:r>
+          </a:p>
+          <a:p>
+            <a:pPr algn="r"/>
+            <a:r>
+              <a:rPr lang="de-DE" sz="1400" b="1" dirty="0"/>
+              <a:t>API-Management</a:t>
+            </a:r>
+            <a:endParaRPr lang="en-US" sz="1400" b="1" dirty="0"/>
+          </a:p>
+        </p:txBody>
+      </p:sp>
+      <p:pic>
+        <p:nvPicPr>
+          <p:cNvPr id="48" name="Grafik 47" descr="Ein Bild, das Text, Schild enthält.&#10;&#10;Automatisch generierte Beschreibung">
+            <a:extLst>
+              <a:ext uri="{FF2B5EF4-FFF2-40B4-BE49-F238E27FC236}">
+                <a16:creationId xmlns:a16="http://schemas.microsoft.com/office/drawing/2014/main" id="{E1916D1D-6F54-40AF-A9BC-DA0FB7E1E2AC}"/>
+              </a:ext>
+            </a:extLst>
+          </p:cNvPr>
+          <p:cNvPicPr>
+            <a:picLocks noChangeAspect="1"/>
+          </p:cNvPicPr>
+          <p:nvPr/>
+        </p:nvPicPr>
+        <p:blipFill rotWithShape="1">
+          <a:blip r:embed="rId7">
+            <a:extLst>
+              <a:ext uri="{28A0092B-C50C-407E-A947-70E740481C1C}">
+                <a14:useLocalDpi xmlns:a14="http://schemas.microsoft.com/office/drawing/2010/main" val="0"/>
+              </a:ext>
+            </a:extLst>
+          </a:blip>
+          <a:srcRect l="22835" t="14535" r="24895" b="38647"/>
+          <a:stretch/>
+        </p:blipFill>
+        <p:spPr>
+          <a:xfrm>
+            <a:off x="4973443" y="2661668"/>
+            <a:ext cx="352939" cy="362111"/>
+          </a:xfrm>
+          <a:prstGeom prst="rect">
+            <a:avLst/>
+          </a:prstGeom>
+        </p:spPr>
+      </p:pic>
+      <p:sp>
+        <p:nvSpPr>
+          <p:cNvPr id="49" name="Rechteck: abgerundete Ecken 48">
+            <a:extLst>
+              <a:ext uri="{FF2B5EF4-FFF2-40B4-BE49-F238E27FC236}">
+                <a16:creationId xmlns:a16="http://schemas.microsoft.com/office/drawing/2014/main" id="{DDEE120E-4470-4747-BCCE-EB82088C0743}"/>
+              </a:ext>
+            </a:extLst>
+          </p:cNvPr>
+          <p:cNvSpPr/>
+          <p:nvPr/>
+        </p:nvSpPr>
+        <p:spPr>
+          <a:xfrm>
+            <a:off x="2502899" y="2870297"/>
+            <a:ext cx="1750595" cy="1396952"/>
+          </a:xfrm>
+          <a:prstGeom prst="roundRect">
+            <a:avLst>
+              <a:gd name="adj" fmla="val 3952"/>
+            </a:avLst>
+          </a:prstGeom>
+          <a:solidFill>
+            <a:srgbClr val="F2F2F2"/>
+          </a:solidFill>
+          <a:ln w="22225"/>
+        </p:spPr>
+        <p:style>
+          <a:lnRef idx="1">
+            <a:schemeClr val="dk1"/>
+          </a:lnRef>
+          <a:fillRef idx="2">
+            <a:schemeClr val="dk1"/>
+          </a:fillRef>
+          <a:effectRef idx="1">
+            <a:schemeClr val="dk1"/>
+          </a:effectRef>
+          <a:fontRef idx="minor">
+            <a:schemeClr val="dk1"/>
+          </a:fontRef>
+        </p:style>
+        <p:txBody>
+          <a:bodyPr rtlCol="0" anchor="t"/>
+          <a:lstStyle/>
+          <a:p>
+            <a:pPr algn="r"/>
+            <a:r>
+              <a:rPr lang="de-DE" sz="1400" b="1" dirty="0"/>
+              <a:t>Jenkins</a:t>
+            </a:r>
+          </a:p>
+          <a:p>
+            <a:pPr algn="r"/>
+            <a:r>
+              <a:rPr lang="de-DE" sz="1200" dirty="0"/>
+              <a:t>Deploy </a:t>
+            </a:r>
+            <a:r>
+              <a:rPr lang="de-DE" sz="1200" dirty="0" err="1"/>
+              <a:t>workflow</a:t>
+            </a:r>
+            <a:endParaRPr lang="en-US" sz="1600" dirty="0"/>
+          </a:p>
+        </p:txBody>
+      </p:sp>
+      <p:sp>
+        <p:nvSpPr>
+          <p:cNvPr id="50" name="Rechteck 49">
+            <a:extLst>
+              <a:ext uri="{FF2B5EF4-FFF2-40B4-BE49-F238E27FC236}">
+                <a16:creationId xmlns:a16="http://schemas.microsoft.com/office/drawing/2014/main" id="{F5CAE836-B992-479C-AB96-F2A3C6500F84}"/>
+              </a:ext>
+            </a:extLst>
+          </p:cNvPr>
+          <p:cNvSpPr/>
+          <p:nvPr/>
+        </p:nvSpPr>
+        <p:spPr>
+          <a:xfrm>
+            <a:off x="2562330" y="3518673"/>
+            <a:ext cx="1634013" cy="602850"/>
+          </a:xfrm>
+          <a:prstGeom prst="rect">
+            <a:avLst/>
+          </a:prstGeom>
+          <a:ln>
+            <a:solidFill>
+              <a:schemeClr val="bg1">
+                <a:lumMod val="50000"/>
+              </a:schemeClr>
+            </a:solidFill>
+          </a:ln>
+        </p:spPr>
+        <p:style>
+          <a:lnRef idx="2">
+            <a:schemeClr val="dk1"/>
+          </a:lnRef>
+          <a:fillRef idx="1">
+            <a:schemeClr val="lt1"/>
+          </a:fillRef>
+          <a:effectRef idx="0">
+            <a:schemeClr val="dk1"/>
+          </a:effectRef>
+          <a:fontRef idx="minor">
+            <a:schemeClr val="dk1"/>
+          </a:fontRef>
+        </p:style>
+        <p:txBody>
+          <a:bodyPr rtlCol="0" anchor="ctr"/>
+          <a:lstStyle/>
+          <a:p>
+            <a:pPr algn="r"/>
+            <a:r>
+              <a:rPr lang="de-DE" sz="1100" dirty="0"/>
+              <a:t>Deploy API1-V1.0</a:t>
+            </a:r>
+            <a:br>
+              <a:rPr lang="de-DE" sz="1100" dirty="0"/>
+            </a:br>
+            <a:r>
+              <a:rPr lang="de-DE" sz="1100" dirty="0"/>
+              <a:t>Release</a:t>
+            </a:r>
+            <a:endParaRPr lang="en-US" sz="1100" dirty="0"/>
+          </a:p>
+        </p:txBody>
+      </p:sp>
+      <p:pic>
+        <p:nvPicPr>
+          <p:cNvPr id="51" name="Grafik 50">
+            <a:extLst>
+              <a:ext uri="{FF2B5EF4-FFF2-40B4-BE49-F238E27FC236}">
+                <a16:creationId xmlns:a16="http://schemas.microsoft.com/office/drawing/2014/main" id="{F24D715E-EAC8-4227-BAE5-BC278AA84258}"/>
+              </a:ext>
+            </a:extLst>
+          </p:cNvPr>
+          <p:cNvPicPr>
+            <a:picLocks noChangeAspect="1"/>
+          </p:cNvPicPr>
+          <p:nvPr/>
+        </p:nvPicPr>
+        <p:blipFill>
+          <a:blip r:embed="rId5">
+            <a:extLst>
+              <a:ext uri="{28A0092B-C50C-407E-A947-70E740481C1C}">
+                <a14:useLocalDpi xmlns:a14="http://schemas.microsoft.com/office/drawing/2010/main" val="0"/>
+              </a:ext>
+            </a:extLst>
+          </a:blip>
+          <a:stretch>
+            <a:fillRect/>
+          </a:stretch>
+        </p:blipFill>
+        <p:spPr>
+          <a:xfrm>
+            <a:off x="2621210" y="3740788"/>
+            <a:ext cx="138573" cy="152400"/>
+          </a:xfrm>
+          <a:prstGeom prst="rect">
+            <a:avLst/>
+          </a:prstGeom>
+        </p:spPr>
+      </p:pic>
+      <p:pic>
+        <p:nvPicPr>
+          <p:cNvPr id="52" name="Grafik 51" descr="Ein Bild, das Raum, Zeichnung enthält.&#10;&#10;Automatisch generierte Beschreibung">
+            <a:extLst>
+              <a:ext uri="{FF2B5EF4-FFF2-40B4-BE49-F238E27FC236}">
+                <a16:creationId xmlns:a16="http://schemas.microsoft.com/office/drawing/2014/main" id="{15830FF9-9EF0-4192-AFCC-ED130A4AAC0C}"/>
+              </a:ext>
+            </a:extLst>
+          </p:cNvPr>
+          <p:cNvPicPr>
+            <a:picLocks noChangeAspect="1"/>
+          </p:cNvPicPr>
+          <p:nvPr/>
+        </p:nvPicPr>
+        <p:blipFill rotWithShape="1">
+          <a:blip r:embed="rId6">
+            <a:extLst>
+              <a:ext uri="{28A0092B-C50C-407E-A947-70E740481C1C}">
+                <a14:useLocalDpi xmlns:a14="http://schemas.microsoft.com/office/drawing/2010/main" val="0"/>
+              </a:ext>
+            </a:extLst>
+          </a:blip>
+          <a:srcRect l="35029" t="19605" r="34531" b="19769"/>
+          <a:stretch/>
+        </p:blipFill>
+        <p:spPr>
+          <a:xfrm>
+            <a:off x="2621210" y="2675493"/>
+            <a:ext cx="374631" cy="514313"/>
+          </a:xfrm>
+          <a:prstGeom prst="rect">
+            <a:avLst/>
+          </a:prstGeom>
+        </p:spPr>
+      </p:pic>
+      <p:cxnSp>
+        <p:nvCxnSpPr>
+          <p:cNvPr id="53" name="Gerade Verbindung mit Pfeil 52">
+            <a:extLst>
+              <a:ext uri="{FF2B5EF4-FFF2-40B4-BE49-F238E27FC236}">
+                <a16:creationId xmlns:a16="http://schemas.microsoft.com/office/drawing/2014/main" id="{8ED7CB7F-8083-4062-AEE3-5620663CA9B3}"/>
+              </a:ext>
+            </a:extLst>
+          </p:cNvPr>
+          <p:cNvCxnSpPr>
+            <a:cxnSpLocks/>
+            <a:stCxn id="60" idx="2"/>
+            <a:endCxn id="49" idx="0"/>
+          </p:cNvCxnSpPr>
+          <p:nvPr/>
+        </p:nvCxnSpPr>
+        <p:spPr>
+          <a:xfrm>
+            <a:off x="3378197" y="2455685"/>
+            <a:ext cx="0" cy="414612"/>
+          </a:xfrm>
+          <a:prstGeom prst="straightConnector1">
+            <a:avLst/>
+          </a:prstGeom>
+          <a:ln w="12700">
+            <a:tailEnd type="triangle" w="lg" len="lg"/>
+          </a:ln>
+        </p:spPr>
+        <p:style>
+          <a:lnRef idx="1">
+            <a:schemeClr val="dk1"/>
+          </a:lnRef>
+          <a:fillRef idx="0">
+            <a:schemeClr val="dk1"/>
+          </a:fillRef>
+          <a:effectRef idx="0">
+            <a:schemeClr val="dk1"/>
+          </a:effectRef>
+          <a:fontRef idx="minor">
+            <a:schemeClr val="tx1"/>
+          </a:fontRef>
+        </p:style>
+      </p:cxnSp>
+      <p:cxnSp>
+        <p:nvCxnSpPr>
+          <p:cNvPr id="54" name="Gerade Verbindung mit Pfeil 53">
+            <a:extLst>
+              <a:ext uri="{FF2B5EF4-FFF2-40B4-BE49-F238E27FC236}">
+                <a16:creationId xmlns:a16="http://schemas.microsoft.com/office/drawing/2014/main" id="{3B2C03C9-5A30-4A8C-977B-B9DC2196331B}"/>
+              </a:ext>
+            </a:extLst>
+          </p:cNvPr>
+          <p:cNvCxnSpPr>
+            <a:cxnSpLocks/>
+            <a:stCxn id="49" idx="3"/>
+            <a:endCxn id="47" idx="1"/>
+          </p:cNvCxnSpPr>
+          <p:nvPr/>
+        </p:nvCxnSpPr>
+        <p:spPr>
+          <a:xfrm>
+            <a:off x="4253494" y="3568773"/>
+            <a:ext cx="681184" cy="0"/>
+          </a:xfrm>
+          <a:prstGeom prst="straightConnector1">
+            <a:avLst/>
+          </a:prstGeom>
+          <a:ln w="12700">
+            <a:tailEnd type="triangle" w="lg" len="lg"/>
+          </a:ln>
+        </p:spPr>
+        <p:style>
+          <a:lnRef idx="1">
+            <a:schemeClr val="dk1"/>
+          </a:lnRef>
+          <a:fillRef idx="0">
+            <a:schemeClr val="dk1"/>
+          </a:fillRef>
+          <a:effectRef idx="0">
+            <a:schemeClr val="dk1"/>
+          </a:effectRef>
+          <a:fontRef idx="minor">
+            <a:schemeClr val="tx1"/>
+          </a:fontRef>
+        </p:style>
+      </p:cxnSp>
+      <p:sp>
+        <p:nvSpPr>
+          <p:cNvPr id="66" name="Rechteck: abgerundete Ecken 65">
+            <a:extLst>
+              <a:ext uri="{FF2B5EF4-FFF2-40B4-BE49-F238E27FC236}">
+                <a16:creationId xmlns:a16="http://schemas.microsoft.com/office/drawing/2014/main" id="{5EB505FB-761C-4EA1-A000-4541F0F7BB36}"/>
+              </a:ext>
+            </a:extLst>
+          </p:cNvPr>
+          <p:cNvSpPr/>
+          <p:nvPr/>
+        </p:nvSpPr>
+        <p:spPr>
+          <a:xfrm>
+            <a:off x="4791354" y="1072385"/>
+            <a:ext cx="1893919" cy="1396952"/>
+          </a:xfrm>
+          <a:prstGeom prst="roundRect">
+            <a:avLst>
+              <a:gd name="adj" fmla="val 3952"/>
+            </a:avLst>
+          </a:prstGeom>
+          <a:solidFill>
+            <a:srgbClr val="F2F2F2"/>
+          </a:solidFill>
+          <a:ln w="22225"/>
+        </p:spPr>
+        <p:style>
+          <a:lnRef idx="1">
+            <a:schemeClr val="dk1"/>
+          </a:lnRef>
+          <a:fillRef idx="2">
+            <a:schemeClr val="dk1"/>
+          </a:fillRef>
+          <a:effectRef idx="1">
+            <a:schemeClr val="dk1"/>
+          </a:effectRef>
+          <a:fontRef idx="minor">
+            <a:schemeClr val="dk1"/>
+          </a:fontRef>
+        </p:style>
+        <p:txBody>
+          <a:bodyPr rtlCol="0" anchor="t"/>
+          <a:lstStyle/>
+          <a:p>
+            <a:pPr algn="r"/>
+            <a:r>
+              <a:rPr lang="de-DE" sz="1400" b="1" dirty="0"/>
+              <a:t>Version Control</a:t>
+            </a:r>
+            <a:br>
+              <a:rPr lang="de-DE" sz="1400" b="1" dirty="0"/>
+            </a:br>
+            <a:r>
+              <a:rPr lang="de-DE" sz="1400" b="1" dirty="0" err="1"/>
+              <a:t>Bitbucket</a:t>
+            </a:r>
+            <a:r>
+              <a:rPr lang="de-DE" sz="1400" b="1" dirty="0"/>
+              <a:t> / GitHub</a:t>
+            </a:r>
+            <a:endParaRPr lang="en-US" sz="1400" b="1" dirty="0"/>
+          </a:p>
+        </p:txBody>
+      </p:sp>
+      <p:pic>
+        <p:nvPicPr>
+          <p:cNvPr id="69" name="Grafik 68">
+            <a:extLst>
+              <a:ext uri="{FF2B5EF4-FFF2-40B4-BE49-F238E27FC236}">
+                <a16:creationId xmlns:a16="http://schemas.microsoft.com/office/drawing/2014/main" id="{1628B6B5-8E6C-4835-9526-BA406576EC18}"/>
+              </a:ext>
+            </a:extLst>
+          </p:cNvPr>
+          <p:cNvPicPr>
+            <a:picLocks noChangeAspect="1"/>
+          </p:cNvPicPr>
+          <p:nvPr/>
+        </p:nvPicPr>
+        <p:blipFill>
+          <a:blip r:embed="rId8">
+            <a:extLst>
+              <a:ext uri="{28A0092B-C50C-407E-A947-70E740481C1C}">
+                <a14:useLocalDpi xmlns:a14="http://schemas.microsoft.com/office/drawing/2010/main" val="0"/>
+              </a:ext>
+              <a:ext uri="{96DAC541-7B7A-43D3-8B79-37D633B846F1}">
+                <asvg:svgBlip xmlns:asvg="http://schemas.microsoft.com/office/drawing/2016/SVG/main" r:embed="rId9"/>
+              </a:ext>
+            </a:extLst>
+          </a:blip>
+          <a:stretch>
+            <a:fillRect/>
+          </a:stretch>
+        </p:blipFill>
+        <p:spPr>
+          <a:xfrm>
+            <a:off x="4766388" y="935479"/>
+            <a:ext cx="305193" cy="275406"/>
+          </a:xfrm>
+          <a:prstGeom prst="rect">
+            <a:avLst/>
+          </a:prstGeom>
+        </p:spPr>
+      </p:pic>
+      <p:pic>
+        <p:nvPicPr>
+          <p:cNvPr id="72" name="Grafik 71">
+            <a:extLst>
+              <a:ext uri="{FF2B5EF4-FFF2-40B4-BE49-F238E27FC236}">
+                <a16:creationId xmlns:a16="http://schemas.microsoft.com/office/drawing/2014/main" id="{75FA63C3-DA14-4521-BCC4-E0EC2EE02256}"/>
+              </a:ext>
+            </a:extLst>
+          </p:cNvPr>
+          <p:cNvPicPr>
+            <a:picLocks noChangeAspect="1"/>
+          </p:cNvPicPr>
+          <p:nvPr/>
+        </p:nvPicPr>
+        <p:blipFill>
+          <a:blip r:embed="rId10">
+            <a:extLst>
+              <a:ext uri="{28A0092B-C50C-407E-A947-70E740481C1C}">
+                <a14:useLocalDpi xmlns:a14="http://schemas.microsoft.com/office/drawing/2010/main" val="0"/>
+              </a:ext>
+            </a:extLst>
+          </a:blip>
+          <a:stretch>
+            <a:fillRect/>
+          </a:stretch>
+        </p:blipFill>
+        <p:spPr>
+          <a:xfrm>
+            <a:off x="5128591" y="933885"/>
+            <a:ext cx="276999" cy="276999"/>
+          </a:xfrm>
+          <a:prstGeom prst="rect">
+            <a:avLst/>
+          </a:prstGeom>
+        </p:spPr>
+      </p:pic>
+      <p:sp>
+        <p:nvSpPr>
+          <p:cNvPr id="73" name="Rechteck 72">
+            <a:extLst>
+              <a:ext uri="{FF2B5EF4-FFF2-40B4-BE49-F238E27FC236}">
+                <a16:creationId xmlns:a16="http://schemas.microsoft.com/office/drawing/2014/main" id="{B9FB55B7-0792-4565-A71C-3928732CC23E}"/>
+              </a:ext>
+            </a:extLst>
+          </p:cNvPr>
+          <p:cNvSpPr/>
+          <p:nvPr/>
+        </p:nvSpPr>
+        <p:spPr>
+          <a:xfrm>
+            <a:off x="4885501" y="1720809"/>
+            <a:ext cx="1715603" cy="602850"/>
+          </a:xfrm>
+          <a:prstGeom prst="rect">
+            <a:avLst/>
+          </a:prstGeom>
+          <a:ln>
+            <a:solidFill>
+              <a:schemeClr val="bg1">
+                <a:lumMod val="50000"/>
+              </a:schemeClr>
+            </a:solidFill>
+          </a:ln>
+        </p:spPr>
+        <p:style>
+          <a:lnRef idx="2">
+            <a:schemeClr val="dk1"/>
+          </a:lnRef>
+          <a:fillRef idx="1">
+            <a:schemeClr val="lt1"/>
+          </a:fillRef>
+          <a:effectRef idx="0">
+            <a:schemeClr val="dk1"/>
+          </a:effectRef>
+          <a:fontRef idx="minor">
+            <a:schemeClr val="dk1"/>
+          </a:fontRef>
+        </p:style>
+        <p:txBody>
+          <a:bodyPr rtlCol="0" anchor="ctr"/>
+          <a:lstStyle/>
+          <a:p>
+            <a:pPr algn="r"/>
+            <a:r>
+              <a:rPr lang="de-DE" sz="1100" dirty="0"/>
+              <a:t>List </a:t>
+            </a:r>
+            <a:r>
+              <a:rPr lang="de-DE" sz="1100" dirty="0" err="1"/>
+              <a:t>of</a:t>
+            </a:r>
+            <a:r>
+              <a:rPr lang="de-DE" sz="1100" dirty="0"/>
+              <a:t> </a:t>
+            </a:r>
+            <a:r>
+              <a:rPr lang="de-DE" sz="1100" dirty="0" err="1"/>
+              <a:t>Production</a:t>
+            </a:r>
+            <a:r>
+              <a:rPr lang="de-DE" sz="1100" dirty="0"/>
+              <a:t> APIs</a:t>
+            </a:r>
+            <a:br>
+              <a:rPr lang="de-DE" sz="1100" dirty="0"/>
+            </a:br>
+            <a:r>
+              <a:rPr lang="de-DE" sz="1100" dirty="0"/>
+              <a:t>A </a:t>
+            </a:r>
+            <a:r>
+              <a:rPr lang="de-DE" sz="1100" dirty="0" err="1"/>
+              <a:t>folder-structure</a:t>
+            </a:r>
+            <a:r>
+              <a:rPr lang="de-DE" sz="1100" dirty="0"/>
+              <a:t> </a:t>
+            </a:r>
+            <a:r>
+              <a:rPr lang="de-DE" sz="1100" dirty="0" err="1"/>
+              <a:t>for</a:t>
+            </a:r>
+            <a:r>
+              <a:rPr lang="de-DE" sz="1100" dirty="0"/>
+              <a:t> </a:t>
+            </a:r>
+            <a:r>
+              <a:rPr lang="de-DE" sz="1100" dirty="0" err="1"/>
+              <a:t>every</a:t>
+            </a:r>
+            <a:r>
+              <a:rPr lang="de-DE" sz="1100" dirty="0"/>
+              <a:t> API </a:t>
+            </a:r>
+            <a:r>
+              <a:rPr lang="de-DE" sz="1100" dirty="0" err="1"/>
+              <a:t>each</a:t>
+            </a:r>
+            <a:r>
+              <a:rPr lang="de-DE" sz="1100" dirty="0"/>
+              <a:t> </a:t>
+            </a:r>
+            <a:r>
+              <a:rPr lang="de-DE" sz="1100" dirty="0" err="1"/>
+              <a:t>with</a:t>
+            </a:r>
+            <a:r>
+              <a:rPr lang="de-DE" sz="1100" dirty="0"/>
+              <a:t> a POM</a:t>
+            </a:r>
+            <a:endParaRPr lang="en-US" sz="1100" dirty="0"/>
+          </a:p>
+        </p:txBody>
+      </p:sp>
+      <p:pic>
+        <p:nvPicPr>
+          <p:cNvPr id="74" name="Grafik 73" descr="Ein Bild, das schwarz enthält.&#10;&#10;Automatisch generierte Beschreibung">
+            <a:extLst>
+              <a:ext uri="{FF2B5EF4-FFF2-40B4-BE49-F238E27FC236}">
+                <a16:creationId xmlns:a16="http://schemas.microsoft.com/office/drawing/2014/main" id="{20E3D7C7-F5EC-4355-AEC6-2D178B5667C8}"/>
+              </a:ext>
+            </a:extLst>
+          </p:cNvPr>
+          <p:cNvPicPr>
+            <a:picLocks noChangeAspect="1"/>
+          </p:cNvPicPr>
+          <p:nvPr/>
+        </p:nvPicPr>
+        <p:blipFill>
+          <a:blip r:embed="rId11">
+            <a:extLst>
+              <a:ext uri="{28A0092B-C50C-407E-A947-70E740481C1C}">
+                <a14:useLocalDpi xmlns:a14="http://schemas.microsoft.com/office/drawing/2010/main" val="0"/>
+              </a:ext>
+            </a:extLst>
+          </a:blip>
+          <a:stretch>
+            <a:fillRect/>
+          </a:stretch>
+        </p:blipFill>
+        <p:spPr>
+          <a:xfrm>
+            <a:off x="4919263" y="1771684"/>
+            <a:ext cx="229415" cy="224564"/>
+          </a:xfrm>
+          <a:prstGeom prst="rect">
+            <a:avLst/>
+          </a:prstGeom>
+        </p:spPr>
+      </p:pic>
+      <p:cxnSp>
+        <p:nvCxnSpPr>
+          <p:cNvPr id="79" name="Gerade Verbindung mit Pfeil 78">
+            <a:extLst>
+              <a:ext uri="{FF2B5EF4-FFF2-40B4-BE49-F238E27FC236}">
+                <a16:creationId xmlns:a16="http://schemas.microsoft.com/office/drawing/2014/main" id="{67909932-2F62-45DF-B6C4-2E6641556AC5}"/>
+              </a:ext>
+            </a:extLst>
+          </p:cNvPr>
+          <p:cNvCxnSpPr>
+            <a:cxnSpLocks/>
+          </p:cNvCxnSpPr>
+          <p:nvPr/>
+        </p:nvCxnSpPr>
+        <p:spPr>
+          <a:xfrm flipH="1">
+            <a:off x="4259580" y="2461260"/>
+            <a:ext cx="541021" cy="830580"/>
+          </a:xfrm>
+          <a:prstGeom prst="straightConnector1">
+            <a:avLst/>
+          </a:prstGeom>
+          <a:ln w="12700">
+            <a:tailEnd type="triangle" w="lg" len="lg"/>
+          </a:ln>
+        </p:spPr>
+        <p:style>
+          <a:lnRef idx="1">
+            <a:schemeClr val="dk1"/>
+          </a:lnRef>
+          <a:fillRef idx="0">
+            <a:schemeClr val="dk1"/>
+          </a:fillRef>
+          <a:effectRef idx="0">
+            <a:schemeClr val="dk1"/>
+          </a:effectRef>
+          <a:fontRef idx="minor">
+            <a:schemeClr val="tx1"/>
+          </a:fontRef>
+        </p:style>
+      </p:cxnSp>
+      <p:sp>
+        <p:nvSpPr>
+          <p:cNvPr id="23" name="Rechteck 22">
+            <a:extLst>
+              <a:ext uri="{FF2B5EF4-FFF2-40B4-BE49-F238E27FC236}">
+                <a16:creationId xmlns:a16="http://schemas.microsoft.com/office/drawing/2014/main" id="{95D45637-248F-452A-BEBB-F51B30B5F30B}"/>
+              </a:ext>
+            </a:extLst>
+          </p:cNvPr>
+          <p:cNvSpPr/>
+          <p:nvPr/>
+        </p:nvSpPr>
+        <p:spPr>
+          <a:xfrm>
+            <a:off x="303746" y="609600"/>
+            <a:ext cx="1472965" cy="2065893"/>
+          </a:xfrm>
+          <a:prstGeom prst="rect">
+            <a:avLst/>
+          </a:prstGeom>
+          <a:gradFill>
+            <a:gsLst>
+              <a:gs pos="23900">
+                <a:srgbClr val="FFFFFF"/>
+              </a:gs>
+              <a:gs pos="0">
+                <a:srgbClr val="FFFFFF"/>
+              </a:gs>
+              <a:gs pos="100000">
+                <a:schemeClr val="bg1">
+                  <a:alpha val="0"/>
+                </a:schemeClr>
+              </a:gs>
+            </a:gsLst>
+            <a:lin ang="0" scaled="0"/>
+          </a:gradFill>
+          <a:ln>
+            <a:noFill/>
+          </a:ln>
+        </p:spPr>
+        <p:style>
+          <a:lnRef idx="2">
+            <a:schemeClr val="accent1">
+              <a:shade val="50000"/>
+            </a:schemeClr>
+          </a:lnRef>
+          <a:fillRef idx="1">
+            <a:schemeClr val="accent1"/>
+          </a:fillRef>
+          <a:effectRef idx="0">
+            <a:schemeClr val="accent1"/>
+          </a:effectRef>
+          <a:fontRef idx="minor">
+            <a:schemeClr val="lt1"/>
+          </a:fontRef>
+        </p:style>
+        <p:txBody>
+          <a:bodyPr rtlCol="0" anchor="ctr"/>
+          <a:lstStyle/>
+          <a:p>
+            <a:pPr algn="ctr"/>
+            <a:endParaRPr lang="en-US"/>
+          </a:p>
+        </p:txBody>
+      </p:sp>
+    </p:spTree>
+    <p:extLst>
+      <p:ext uri="{BB962C8B-B14F-4D97-AF65-F5344CB8AC3E}">
+        <p14:creationId xmlns:p14="http://schemas.microsoft.com/office/powerpoint/2010/main" val="494686521"/>
       </p:ext>
     </p:extLst>
   </p:cSld>

--- a/misc/documentation/Images.pptx
+++ b/misc/documentation/Images.pptx
@@ -7383,7 +7383,7 @@
         </p:nvSpPr>
         <p:spPr>
           <a:xfrm>
-            <a:off x="4806082" y="1057958"/>
+            <a:off x="4947847" y="1057958"/>
             <a:ext cx="1750595" cy="1396952"/>
           </a:xfrm>
           <a:prstGeom prst="roundRect">
@@ -7458,7 +7458,7 @@
         </p:blipFill>
         <p:spPr>
           <a:xfrm>
-            <a:off x="4876420" y="1141797"/>
+            <a:off x="5018185" y="1141797"/>
             <a:ext cx="304801" cy="304801"/>
           </a:xfrm>
           <a:prstGeom prst="rect">
@@ -7494,7 +7494,7 @@
         </p:blipFill>
         <p:spPr>
           <a:xfrm>
-            <a:off x="5251559" y="1141797"/>
+            <a:off x="5393324" y="1141797"/>
             <a:ext cx="273192" cy="304801"/>
           </a:xfrm>
           <a:prstGeom prst="rect">
@@ -7516,7 +7516,7 @@
         </p:nvSpPr>
         <p:spPr>
           <a:xfrm>
-            <a:off x="4806082" y="2880408"/>
+            <a:off x="4947847" y="2880408"/>
             <a:ext cx="1750595" cy="1396952"/>
           </a:xfrm>
           <a:prstGeom prst="roundRect">
@@ -7590,7 +7590,7 @@
         </p:blipFill>
         <p:spPr>
           <a:xfrm>
-            <a:off x="4838761" y="2721879"/>
+            <a:off x="4980526" y="2721879"/>
             <a:ext cx="352939" cy="362111"/>
           </a:xfrm>
           <a:prstGeom prst="rect">
@@ -7612,7 +7612,7 @@
         </p:nvSpPr>
         <p:spPr>
           <a:xfrm>
-            <a:off x="2641059" y="1057958"/>
+            <a:off x="2921401" y="1057958"/>
             <a:ext cx="1750595" cy="2026032"/>
           </a:xfrm>
           <a:prstGeom prst="roundRect">
@@ -7657,7 +7657,7 @@
             </a:r>
             <a:r>
               <a:rPr lang="de-DE" sz="1200" dirty="0" err="1"/>
-              <a:t>workflow</a:t>
+              <a:t>pipeline</a:t>
             </a:r>
             <a:endParaRPr lang="en-US" sz="1600" dirty="0"/>
           </a:p>
@@ -7690,7 +7690,7 @@
         </p:blipFill>
         <p:spPr>
           <a:xfrm>
-            <a:off x="2753980" y="863106"/>
+            <a:off x="3034322" y="863106"/>
             <a:ext cx="374631" cy="514313"/>
           </a:xfrm>
           <a:prstGeom prst="rect">
@@ -7712,7 +7712,7 @@
         </p:nvSpPr>
         <p:spPr>
           <a:xfrm>
-            <a:off x="2700490" y="1706334"/>
+            <a:off x="2980832" y="1706334"/>
             <a:ext cx="1634013" cy="602850"/>
           </a:xfrm>
           <a:prstGeom prst="rect">
@@ -7785,7 +7785,7 @@
         </p:blipFill>
         <p:spPr>
           <a:xfrm>
-            <a:off x="2766656" y="1928401"/>
+            <a:off x="3046998" y="1928401"/>
             <a:ext cx="138573" cy="152400"/>
           </a:xfrm>
           <a:prstGeom prst="rect">
@@ -7807,7 +7807,7 @@
         </p:nvSpPr>
         <p:spPr>
           <a:xfrm>
-            <a:off x="4876420" y="1706334"/>
+            <a:off x="5018185" y="1706334"/>
             <a:ext cx="1634013" cy="602850"/>
           </a:xfrm>
           <a:prstGeom prst="rect">
@@ -7876,7 +7876,7 @@
         </p:blipFill>
         <p:spPr>
           <a:xfrm>
-            <a:off x="4955190" y="1930972"/>
+            <a:off x="5096955" y="1930972"/>
             <a:ext cx="147259" cy="147259"/>
           </a:xfrm>
           <a:prstGeom prst="rect">
@@ -7898,7 +7898,7 @@
         </p:nvSpPr>
         <p:spPr>
           <a:xfrm>
-            <a:off x="327660" y="1057910"/>
+            <a:off x="790602" y="1057910"/>
             <a:ext cx="1893919" cy="1396952"/>
           </a:xfrm>
           <a:prstGeom prst="roundRect">
@@ -7980,7 +7980,7 @@
         </p:blipFill>
         <p:spPr>
           <a:xfrm>
-            <a:off x="302694" y="921004"/>
+            <a:off x="765636" y="921004"/>
             <a:ext cx="305193" cy="275406"/>
           </a:xfrm>
           <a:prstGeom prst="rect">
@@ -8016,7 +8016,7 @@
         </p:blipFill>
         <p:spPr>
           <a:xfrm>
-            <a:off x="664897" y="919410"/>
+            <a:off x="1127839" y="919410"/>
             <a:ext cx="276999" cy="276999"/>
           </a:xfrm>
           <a:prstGeom prst="rect">
@@ -8038,7 +8038,7 @@
         </p:nvSpPr>
         <p:spPr>
           <a:xfrm>
-            <a:off x="421807" y="1706334"/>
+            <a:off x="884749" y="1706334"/>
             <a:ext cx="1715603" cy="602850"/>
           </a:xfrm>
           <a:prstGeom prst="rect">
@@ -8134,7 +8134,7 @@
         </p:blipFill>
         <p:spPr>
           <a:xfrm>
-            <a:off x="455569" y="1757209"/>
+            <a:off x="918511" y="1757209"/>
             <a:ext cx="229415" cy="224564"/>
           </a:xfrm>
           <a:prstGeom prst="rect">
@@ -8425,7 +8425,7 @@
             </a:r>
             <a:r>
               <a:rPr lang="de-DE" sz="1200" dirty="0" err="1"/>
-              <a:t>workflow</a:t>
+              <a:t>pipeline</a:t>
             </a:r>
             <a:endParaRPr lang="en-US" sz="1600" dirty="0"/>
           </a:p>
@@ -8546,8 +8546,8 @@
         </p:nvCxnSpPr>
         <p:spPr>
           <a:xfrm>
-            <a:off x="2137410" y="2007759"/>
-            <a:ext cx="563080" cy="0"/>
+            <a:off x="2600352" y="2007759"/>
+            <a:ext cx="380480" cy="0"/>
           </a:xfrm>
           <a:prstGeom prst="straightConnector1">
             <a:avLst/>
@@ -8589,8 +8589,8 @@
         </p:nvCxnSpPr>
         <p:spPr>
           <a:xfrm>
-            <a:off x="4334503" y="2007759"/>
-            <a:ext cx="541917" cy="0"/>
+            <a:off x="4614845" y="2007759"/>
+            <a:ext cx="403340" cy="0"/>
           </a:xfrm>
           <a:prstGeom prst="straightConnector1">
             <a:avLst/>
@@ -8628,7 +8628,7 @@
         </p:nvSpPr>
         <p:spPr>
           <a:xfrm>
-            <a:off x="2700094" y="2367410"/>
+            <a:off x="2980436" y="2367410"/>
             <a:ext cx="1634013" cy="602850"/>
           </a:xfrm>
           <a:prstGeom prst="rect">
@@ -8720,7 +8720,7 @@
         </p:blipFill>
         <p:spPr>
           <a:xfrm>
-            <a:off x="2759888" y="2589477"/>
+            <a:off x="3040230" y="2589477"/>
             <a:ext cx="138573" cy="152400"/>
           </a:xfrm>
           <a:prstGeom prst="rect">
@@ -8823,8 +8823,8 @@
         </p:nvCxnSpPr>
         <p:spPr>
           <a:xfrm>
-            <a:off x="4334107" y="2668835"/>
-            <a:ext cx="414428" cy="219387"/>
+            <a:off x="4614449" y="2668835"/>
+            <a:ext cx="357090" cy="233177"/>
           </a:xfrm>
           <a:prstGeom prst="straightConnector1">
             <a:avLst/>
@@ -8943,8 +8943,8 @@
         </p:nvSpPr>
         <p:spPr>
           <a:xfrm>
-            <a:off x="9162782" y="441928"/>
-            <a:ext cx="1750592" cy="369332"/>
+            <a:off x="8895190" y="441928"/>
+            <a:ext cx="2322037" cy="369332"/>
           </a:xfrm>
           <a:prstGeom prst="rect">
             <a:avLst/>
@@ -8960,7 +8960,7 @@
             <a:pPr algn="ctr"/>
             <a:r>
               <a:rPr lang="de-DE" b="1" dirty="0"/>
-              <a:t>- Stage PROD -</a:t>
+              <a:t>- Stage TST, PROD, … -</a:t>
             </a:r>
             <a:endParaRPr lang="en-US" b="1" dirty="0"/>
           </a:p>
@@ -8984,8 +8984,8 @@
         </p:nvCxnSpPr>
         <p:spPr>
           <a:xfrm flipV="1">
-            <a:off x="6510433" y="2007711"/>
-            <a:ext cx="552782" cy="48"/>
+            <a:off x="6652198" y="2007711"/>
+            <a:ext cx="411017" cy="48"/>
           </a:xfrm>
           <a:prstGeom prst="straightConnector1">
             <a:avLst/>
@@ -9032,8 +9032,8 @@
         </p:nvCxnSpPr>
         <p:spPr>
           <a:xfrm rot="10800000">
-            <a:off x="1274620" y="2454862"/>
-            <a:ext cx="3531462" cy="1124022"/>
+            <a:off x="1737563" y="2454862"/>
+            <a:ext cx="3210285" cy="1124022"/>
           </a:xfrm>
           <a:prstGeom prst="bentConnector2">
             <a:avLst/>
@@ -9072,7 +9072,7 @@
         </p:nvSpPr>
         <p:spPr>
           <a:xfrm>
-            <a:off x="1962428" y="3329910"/>
+            <a:off x="2242770" y="3329910"/>
             <a:ext cx="1885601" cy="276999"/>
           </a:xfrm>
           <a:prstGeom prst="rect">
@@ -9737,8 +9737,8 @@
         </p:nvSpPr>
         <p:spPr>
           <a:xfrm>
-            <a:off x="2502902" y="441928"/>
-            <a:ext cx="1750592" cy="369332"/>
+            <a:off x="2502901" y="441928"/>
+            <a:ext cx="4182371" cy="369332"/>
           </a:xfrm>
           <a:prstGeom prst="rect">
             <a:avLst/>
@@ -9754,7 +9754,7 @@
             <a:pPr algn="ctr"/>
             <a:r>
               <a:rPr lang="de-DE" b="1" dirty="0"/>
-              <a:t>- Stage PROD -</a:t>
+              <a:t>- Stage TST, PROD, … -</a:t>
             </a:r>
             <a:endParaRPr lang="en-US" b="1" dirty="0"/>
           </a:p>
@@ -9979,7 +9979,7 @@
             </a:r>
             <a:r>
               <a:rPr lang="de-DE" sz="1200" dirty="0" err="1"/>
-              <a:t>workflow</a:t>
+              <a:t>pipeline</a:t>
             </a:r>
             <a:endParaRPr lang="en-US" sz="1600" dirty="0"/>
           </a:p>

--- a/misc/documentation/Images.pptx
+++ b/misc/documentation/Images.pptx
@@ -6564,10 +6564,10 @@
       </p:grpSpPr>
       <p:pic>
         <p:nvPicPr>
-          <p:cNvPr id="2" name="Grafik 1">
-            <a:extLst>
-              <a:ext uri="{FF2B5EF4-FFF2-40B4-BE49-F238E27FC236}">
-                <a16:creationId xmlns:a16="http://schemas.microsoft.com/office/drawing/2014/main" id="{D67EA459-0455-463A-829E-8DAB4C2EAD4D}"/>
+          <p:cNvPr id="15" name="Grafik 14">
+            <a:extLst>
+              <a:ext uri="{FF2B5EF4-FFF2-40B4-BE49-F238E27FC236}">
+                <a16:creationId xmlns:a16="http://schemas.microsoft.com/office/drawing/2014/main" id="{4FDD2026-3298-4353-9F75-9EE267D53E8C}"/>
               </a:ext>
             </a:extLst>
           </p:cNvPr>
@@ -6584,8 +6584,8 @@
         </p:blipFill>
         <p:spPr>
           <a:xfrm>
-            <a:off x="1733231" y="628280"/>
-            <a:ext cx="4572638" cy="5296639"/>
+            <a:off x="1780801" y="586373"/>
+            <a:ext cx="5353797" cy="5258534"/>
           </a:xfrm>
           <a:prstGeom prst="rect">
             <a:avLst/>
@@ -6606,13 +6606,15 @@
         </p:nvSpPr>
         <p:spPr>
           <a:xfrm>
-            <a:off x="4076700" y="768437"/>
+            <a:off x="3780790" y="794527"/>
             <a:ext cx="2063750" cy="430887"/>
           </a:xfrm>
           <a:prstGeom prst="rect">
             <a:avLst/>
           </a:prstGeom>
-          <a:noFill/>
+          <a:solidFill>
+            <a:srgbClr val="FFFF00"/>
+          </a:solidFill>
           <a:ln>
             <a:solidFill>
               <a:srgbClr val="FFFF00"/>
@@ -6623,109 +6625,60 @@
           <a:bodyPr wrap="square" rtlCol="0">
             <a:spAutoFit/>
           </a:bodyPr>
-          <a:lstStyle/>
-          <a:p>
-            <a:r>
-              <a:rPr lang="de-DE" sz="1100" dirty="0">
-                <a:solidFill>
-                  <a:srgbClr val="FFFF00"/>
-                </a:solidFill>
-              </a:rPr>
+          <a:lstStyle>
+            <a:defPPr>
+              <a:defRPr lang="en-US"/>
+            </a:defPPr>
+            <a:lvl1pPr>
+              <a:defRPr sz="1100"/>
+            </a:lvl1pPr>
+          </a:lstStyle>
+          <a:p>
+            <a:r>
+              <a:rPr lang="de-DE" dirty="0"/>
               <a:t>Project </a:t>
             </a:r>
             <a:r>
-              <a:rPr lang="de-DE" sz="1100" dirty="0" err="1">
-                <a:solidFill>
-                  <a:srgbClr val="FFFF00"/>
-                </a:solidFill>
-              </a:rPr>
+              <a:rPr lang="de-DE" dirty="0" err="1"/>
               <a:t>with</a:t>
             </a:r>
             <a:r>
-              <a:rPr lang="de-DE" sz="1100" dirty="0">
-                <a:solidFill>
-                  <a:srgbClr val="FFFF00"/>
-                </a:solidFill>
-              </a:rPr>
+              <a:rPr lang="de-DE" dirty="0"/>
               <a:t> </a:t>
             </a:r>
             <a:r>
-              <a:rPr lang="de-DE" sz="1100" dirty="0" err="1">
-                <a:solidFill>
-                  <a:srgbClr val="FFFF00"/>
-                </a:solidFill>
-              </a:rPr>
+              <a:rPr lang="de-DE" dirty="0" err="1"/>
               <a:t>dedicated</a:t>
             </a:r>
             <a:r>
-              <a:rPr lang="de-DE" sz="1100" dirty="0">
-                <a:solidFill>
-                  <a:srgbClr val="FFFF00"/>
-                </a:solidFill>
-              </a:rPr>
+              <a:rPr lang="de-DE" dirty="0"/>
               <a:t> </a:t>
             </a:r>
             <a:r>
-              <a:rPr lang="de-DE" sz="1100" dirty="0" err="1">
-                <a:solidFill>
-                  <a:srgbClr val="FFFF00"/>
-                </a:solidFill>
-              </a:rPr>
+              <a:rPr lang="de-DE" dirty="0" err="1"/>
               <a:t>folder</a:t>
             </a:r>
             <a:r>
-              <a:rPr lang="de-DE" sz="1100" dirty="0">
-                <a:solidFill>
-                  <a:srgbClr val="FFFF00"/>
-                </a:solidFill>
-              </a:rPr>
+              <a:rPr lang="de-DE" dirty="0"/>
               <a:t> </a:t>
             </a:r>
             <a:r>
-              <a:rPr lang="de-DE" sz="1100" dirty="0" err="1">
-                <a:solidFill>
-                  <a:srgbClr val="FFFF00"/>
-                </a:solidFill>
-              </a:rPr>
+              <a:rPr lang="de-DE" dirty="0" err="1"/>
               <a:t>for</a:t>
             </a:r>
             <a:r>
-              <a:rPr lang="de-DE" sz="1100" dirty="0">
-                <a:solidFill>
-                  <a:srgbClr val="FFFF00"/>
-                </a:solidFill>
-              </a:rPr>
+              <a:rPr lang="de-DE" dirty="0"/>
               <a:t> </a:t>
             </a:r>
             <a:r>
-              <a:rPr lang="de-DE" sz="1100" dirty="0" err="1">
-                <a:solidFill>
-                  <a:srgbClr val="FFFF00"/>
-                </a:solidFill>
-              </a:rPr>
+              <a:rPr lang="de-DE" err="1"/>
               <a:t>the</a:t>
             </a:r>
             <a:r>
-              <a:rPr lang="de-DE" sz="1100" dirty="0">
-                <a:solidFill>
-                  <a:srgbClr val="FFFF00"/>
-                </a:solidFill>
-              </a:rPr>
-              <a:t> API-</a:t>
-            </a:r>
-            <a:r>
-              <a:rPr lang="de-DE" sz="1100" dirty="0" err="1">
-                <a:solidFill>
-                  <a:srgbClr val="FFFF00"/>
-                </a:solidFill>
-              </a:rPr>
-              <a:t>Configuration</a:t>
-            </a:r>
-            <a:endParaRPr lang="en-US" sz="1100" dirty="0">
-              <a:solidFill>
-                <a:srgbClr val="FFFF00"/>
-              </a:solidFill>
-            </a:endParaRPr>
+              <a:rPr lang="de-DE"/>
+              <a:t> API-Configuration</a:t>
+            </a:r>
+            <a:endParaRPr lang="en-US" dirty="0"/>
           </a:p>
         </p:txBody>
       </p:sp>
@@ -6746,8 +6699,8 @@
         </p:nvCxnSpPr>
         <p:spPr>
           <a:xfrm flipH="1" flipV="1">
-            <a:off x="2844800" y="965200"/>
-            <a:ext cx="1231900" cy="18681"/>
+            <a:off x="2880360" y="952500"/>
+            <a:ext cx="900430" cy="57471"/>
           </a:xfrm>
           <a:prstGeom prst="straightConnector1">
             <a:avLst/>
@@ -6788,13 +6741,15 @@
         </p:nvSpPr>
         <p:spPr>
           <a:xfrm>
-            <a:off x="4032250" y="2387687"/>
-            <a:ext cx="2063750" cy="430887"/>
+            <a:off x="4260850" y="2806609"/>
+            <a:ext cx="1835150" cy="430887"/>
           </a:xfrm>
           <a:prstGeom prst="rect">
             <a:avLst/>
           </a:prstGeom>
-          <a:noFill/>
+          <a:solidFill>
+            <a:srgbClr val="FFFF00"/>
+          </a:solidFill>
           <a:ln>
             <a:solidFill>
               <a:srgbClr val="FFFF00"/>
@@ -6805,117 +6760,72 @@
           <a:bodyPr wrap="square" rtlCol="0">
             <a:spAutoFit/>
           </a:bodyPr>
-          <a:lstStyle/>
-          <a:p>
-            <a:r>
-              <a:rPr lang="de-DE" sz="1100" dirty="0">
-                <a:solidFill>
-                  <a:srgbClr val="FFFF00"/>
-                </a:solidFill>
-              </a:rPr>
+          <a:lstStyle>
+            <a:defPPr>
+              <a:defRPr lang="en-US"/>
+            </a:defPPr>
+            <a:lvl1pPr>
+              <a:defRPr sz="1100"/>
+            </a:lvl1pPr>
+          </a:lstStyle>
+          <a:p>
+            <a:r>
+              <a:rPr lang="de-DE" dirty="0"/>
               <a:t>Very </a:t>
             </a:r>
             <a:r>
-              <a:rPr lang="de-DE" sz="1100" dirty="0" err="1">
-                <a:solidFill>
-                  <a:srgbClr val="FFFF00"/>
-                </a:solidFill>
-              </a:rPr>
+              <a:rPr lang="de-DE" dirty="0" err="1"/>
               <a:t>likely</a:t>
             </a:r>
             <a:r>
-              <a:rPr lang="de-DE" sz="1100" dirty="0">
-                <a:solidFill>
-                  <a:srgbClr val="FFFF00"/>
-                </a:solidFill>
-              </a:rPr>
+              <a:rPr lang="de-DE" dirty="0"/>
               <a:t> a </a:t>
             </a:r>
             <a:r>
-              <a:rPr lang="de-DE" sz="1100" dirty="0" err="1">
-                <a:solidFill>
-                  <a:srgbClr val="FFFF00"/>
-                </a:solidFill>
-              </a:rPr>
+              <a:rPr lang="de-DE" dirty="0" err="1"/>
               <a:t>project</a:t>
             </a:r>
             <a:r>
-              <a:rPr lang="de-DE" sz="1100" dirty="0">
-                <a:solidFill>
-                  <a:srgbClr val="FFFF00"/>
-                </a:solidFill>
-              </a:rPr>
+              <a:rPr lang="de-DE" dirty="0"/>
               <a:t> </a:t>
             </a:r>
             <a:r>
-              <a:rPr lang="de-DE" sz="1100" dirty="0" err="1">
-                <a:solidFill>
-                  <a:srgbClr val="FFFF00"/>
-                </a:solidFill>
-              </a:rPr>
+              <a:rPr lang="de-DE" dirty="0" err="1"/>
               <a:t>may</a:t>
             </a:r>
             <a:r>
-              <a:rPr lang="de-DE" sz="1100" dirty="0">
-                <a:solidFill>
-                  <a:srgbClr val="FFFF00"/>
-                </a:solidFill>
-              </a:rPr>
+              <a:rPr lang="de-DE" dirty="0"/>
               <a:t> also </a:t>
             </a:r>
             <a:r>
-              <a:rPr lang="de-DE" sz="1100" dirty="0" err="1">
-                <a:solidFill>
-                  <a:srgbClr val="FFFF00"/>
-                </a:solidFill>
-              </a:rPr>
+              <a:rPr lang="de-DE" dirty="0" err="1"/>
               <a:t>contain</a:t>
             </a:r>
             <a:r>
-              <a:rPr lang="de-DE" sz="1100" dirty="0">
-                <a:solidFill>
-                  <a:srgbClr val="FFFF00"/>
-                </a:solidFill>
-              </a:rPr>
+              <a:rPr lang="de-DE" dirty="0"/>
               <a:t> </a:t>
             </a:r>
             <a:r>
-              <a:rPr lang="de-DE" sz="1100" dirty="0" err="1">
-                <a:solidFill>
-                  <a:srgbClr val="FFFF00"/>
-                </a:solidFill>
-              </a:rPr>
+              <a:rPr lang="de-DE" dirty="0" err="1"/>
               <a:t>sources</a:t>
             </a:r>
             <a:r>
-              <a:rPr lang="de-DE" sz="1100" dirty="0">
-                <a:solidFill>
-                  <a:srgbClr val="FFFF00"/>
-                </a:solidFill>
-              </a:rPr>
+              <a:rPr lang="de-DE" dirty="0"/>
               <a:t>, </a:t>
             </a:r>
             <a:r>
-              <a:rPr lang="de-DE" sz="1100" dirty="0" err="1">
-                <a:solidFill>
-                  <a:srgbClr val="FFFF00"/>
-                </a:solidFill>
-              </a:rPr>
+              <a:rPr lang="de-DE" dirty="0" err="1"/>
               <a:t>tools</a:t>
             </a:r>
             <a:r>
-              <a:rPr lang="de-DE" sz="1100" dirty="0">
-                <a:solidFill>
-                  <a:srgbClr val="FFFF00"/>
-                </a:solidFill>
-              </a:rPr>
-              <a:t>, etc.</a:t>
-            </a:r>
-            <a:endParaRPr lang="en-US" sz="1100" dirty="0">
-              <a:solidFill>
-                <a:srgbClr val="FFFF00"/>
-              </a:solidFill>
-            </a:endParaRPr>
+              <a:rPr lang="de-DE" dirty="0"/>
+              <a:t>, </a:t>
+            </a:r>
+            <a:r>
+              <a:rPr lang="de-DE"/>
+              <a:t>etc.</a:t>
+            </a:r>
+            <a:endParaRPr lang="en-US" dirty="0"/>
           </a:p>
         </p:txBody>
       </p:sp>
@@ -6936,8 +6846,8 @@
         </p:nvCxnSpPr>
         <p:spPr>
           <a:xfrm flipH="1">
-            <a:off x="2597150" y="2603131"/>
-            <a:ext cx="1435100" cy="152769"/>
+            <a:off x="2506980" y="3022053"/>
+            <a:ext cx="1753870" cy="170258"/>
           </a:xfrm>
           <a:prstGeom prst="straightConnector1">
             <a:avLst/>
@@ -6978,13 +6888,15 @@
         </p:nvSpPr>
         <p:spPr>
           <a:xfrm>
-            <a:off x="4032250" y="3623904"/>
-            <a:ext cx="2063750" cy="769441"/>
+            <a:off x="4131310" y="4218527"/>
+            <a:ext cx="2063750" cy="600164"/>
           </a:xfrm>
           <a:prstGeom prst="rect">
             <a:avLst/>
           </a:prstGeom>
-          <a:noFill/>
+          <a:solidFill>
+            <a:srgbClr val="FFFF00"/>
+          </a:solidFill>
           <a:ln>
             <a:solidFill>
               <a:srgbClr val="FFFF00"/>
@@ -6995,141 +6907,92 @@
           <a:bodyPr wrap="square" rtlCol="0">
             <a:spAutoFit/>
           </a:bodyPr>
-          <a:lstStyle/>
-          <a:p>
-            <a:r>
-              <a:rPr lang="de-DE" sz="1100" dirty="0" err="1">
-                <a:solidFill>
-                  <a:srgbClr val="FFFF00"/>
-                </a:solidFill>
-              </a:rPr>
+          <a:lstStyle>
+            <a:defPPr>
+              <a:defRPr lang="en-US"/>
+            </a:defPPr>
+            <a:lvl1pPr>
+              <a:defRPr sz="1100"/>
+            </a:lvl1pPr>
+          </a:lstStyle>
+          <a:p>
+            <a:r>
+              <a:rPr lang="de-DE" dirty="0" err="1"/>
               <a:t>Or</a:t>
             </a:r>
             <a:r>
-              <a:rPr lang="de-DE" sz="1100" dirty="0">
-                <a:solidFill>
-                  <a:srgbClr val="FFFF00"/>
-                </a:solidFill>
-              </a:rPr>
+              <a:rPr lang="de-DE" dirty="0"/>
+              <a:t> </a:t>
+            </a:r>
+            <a:r>
+              <a:rPr lang="de-DE" dirty="0" err="1"/>
+              <a:t>projects</a:t>
+            </a:r>
+            <a:r>
+              <a:rPr lang="de-DE" dirty="0"/>
+              <a:t> </a:t>
+            </a:r>
+            <a:r>
+              <a:rPr lang="de-DE" dirty="0" err="1"/>
+              <a:t>contain</a:t>
+            </a:r>
+            <a:r>
+              <a:rPr lang="de-DE" dirty="0"/>
+              <a:t> </a:t>
+            </a:r>
+            <a:r>
+              <a:rPr lang="de-DE" dirty="0" err="1"/>
+              <a:t>only</a:t>
+            </a:r>
+            <a:r>
+              <a:rPr lang="de-DE" dirty="0"/>
+              <a:t> </a:t>
+            </a:r>
+            <a:r>
+              <a:rPr lang="de-DE" dirty="0" err="1"/>
+              <a:t>the</a:t>
+            </a:r>
+            <a:r>
+              <a:rPr lang="de-DE" dirty="0"/>
+              <a:t> API-Definition. </a:t>
+            </a:r>
+            <a:r>
+              <a:rPr lang="de-DE" dirty="0" err="1"/>
+              <a:t>For</a:t>
+            </a:r>
+            <a:r>
+              <a:rPr lang="de-DE" dirty="0"/>
+              <a:t> </a:t>
+            </a:r>
+            <a:r>
+              <a:rPr lang="de-DE" dirty="0" err="1"/>
+              <a:t>instance</a:t>
+            </a:r>
+            <a:r>
+              <a:rPr lang="de-DE" dirty="0"/>
+              <a:t> </a:t>
+            </a:r>
+            <a:r>
+              <a:rPr lang="de-DE" dirty="0" err="1"/>
+              <a:t>when</a:t>
+            </a:r>
+            <a:r>
+              <a:rPr lang="de-DE" dirty="0"/>
+              <a:t> </a:t>
+            </a:r>
+            <a:r>
+              <a:rPr lang="de-DE" dirty="0" err="1"/>
+              <a:t>registering</a:t>
+            </a:r>
+            <a:r>
+              <a:rPr lang="de-DE" dirty="0"/>
               <a:t> a </a:t>
             </a:r>
             <a:r>
-              <a:rPr lang="de-DE" sz="1100" dirty="0" err="1">
-                <a:solidFill>
-                  <a:srgbClr val="FFFF00"/>
-                </a:solidFill>
-              </a:rPr>
-              <a:t>project</a:t>
-            </a:r>
-            <a:r>
-              <a:rPr lang="de-DE" sz="1100" dirty="0">
-                <a:solidFill>
-                  <a:srgbClr val="FFFF00"/>
-                </a:solidFill>
-              </a:rPr>
-              <a:t> just </a:t>
-            </a:r>
-            <a:r>
-              <a:rPr lang="de-DE" sz="1100" dirty="0" err="1">
-                <a:solidFill>
-                  <a:srgbClr val="FFFF00"/>
-                </a:solidFill>
-              </a:rPr>
-              <a:t>containing</a:t>
-            </a:r>
-            <a:r>
-              <a:rPr lang="de-DE" sz="1100" dirty="0">
-                <a:solidFill>
-                  <a:srgbClr val="FFFF00"/>
-                </a:solidFill>
-              </a:rPr>
-              <a:t> </a:t>
-            </a:r>
-            <a:r>
-              <a:rPr lang="de-DE" sz="1100" dirty="0" err="1">
-                <a:solidFill>
-                  <a:srgbClr val="FFFF00"/>
-                </a:solidFill>
-              </a:rPr>
-              <a:t>the</a:t>
-            </a:r>
-            <a:r>
-              <a:rPr lang="de-DE" sz="1100" dirty="0">
-                <a:solidFill>
-                  <a:srgbClr val="FFFF00"/>
-                </a:solidFill>
-              </a:rPr>
-              <a:t> API-Definition. </a:t>
-            </a:r>
-            <a:r>
-              <a:rPr lang="de-DE" sz="1100" dirty="0" err="1">
-                <a:solidFill>
-                  <a:srgbClr val="FFFF00"/>
-                </a:solidFill>
-              </a:rPr>
-              <a:t>For</a:t>
-            </a:r>
-            <a:r>
-              <a:rPr lang="de-DE" sz="1100" dirty="0">
-                <a:solidFill>
-                  <a:srgbClr val="FFFF00"/>
-                </a:solidFill>
-              </a:rPr>
-              <a:t> </a:t>
-            </a:r>
-            <a:r>
-              <a:rPr lang="de-DE" sz="1100" dirty="0" err="1">
-                <a:solidFill>
-                  <a:srgbClr val="FFFF00"/>
-                </a:solidFill>
-              </a:rPr>
-              <a:t>instance</a:t>
-            </a:r>
-            <a:r>
-              <a:rPr lang="de-DE" sz="1100" dirty="0">
-                <a:solidFill>
-                  <a:srgbClr val="FFFF00"/>
-                </a:solidFill>
-              </a:rPr>
-              <a:t> </a:t>
-            </a:r>
-            <a:r>
-              <a:rPr lang="de-DE" sz="1100" dirty="0" err="1">
-                <a:solidFill>
-                  <a:srgbClr val="FFFF00"/>
-                </a:solidFill>
-              </a:rPr>
-              <a:t>when</a:t>
-            </a:r>
-            <a:r>
-              <a:rPr lang="de-DE" sz="1100" dirty="0">
-                <a:solidFill>
-                  <a:srgbClr val="FFFF00"/>
-                </a:solidFill>
-              </a:rPr>
-              <a:t> </a:t>
-            </a:r>
-            <a:r>
-              <a:rPr lang="de-DE" sz="1100" dirty="0" err="1">
-                <a:solidFill>
-                  <a:srgbClr val="FFFF00"/>
-                </a:solidFill>
-              </a:rPr>
-              <a:t>registering</a:t>
-            </a:r>
-            <a:r>
-              <a:rPr lang="de-DE" sz="1100" dirty="0">
-                <a:solidFill>
-                  <a:srgbClr val="FFFF00"/>
-                </a:solidFill>
-              </a:rPr>
-              <a:t> a Cloud-Service-API.</a:t>
-            </a:r>
-            <a:endParaRPr lang="en-US" sz="1100" dirty="0">
-              <a:solidFill>
-                <a:srgbClr val="FFFF00"/>
-              </a:solidFill>
-            </a:endParaRPr>
+              <a:rPr lang="de-DE"/>
+              <a:t>Cloud-Service-API.</a:t>
+            </a:r>
+            <a:endParaRPr lang="en-US" dirty="0"/>
           </a:p>
         </p:txBody>
       </p:sp>
@@ -7150,8 +7013,343 @@
         </p:nvCxnSpPr>
         <p:spPr>
           <a:xfrm flipH="1" flipV="1">
-            <a:off x="2717800" y="3680970"/>
-            <a:ext cx="1314450" cy="327655"/>
+            <a:off x="2712720" y="4457700"/>
+            <a:ext cx="1418590" cy="60909"/>
+          </a:xfrm>
+          <a:prstGeom prst="straightConnector1">
+            <a:avLst/>
+          </a:prstGeom>
+          <a:ln>
+            <a:solidFill>
+              <a:srgbClr val="FFFF00"/>
+            </a:solidFill>
+            <a:tailEnd type="triangle"/>
+          </a:ln>
+        </p:spPr>
+        <p:style>
+          <a:lnRef idx="1">
+            <a:schemeClr val="accent1"/>
+          </a:lnRef>
+          <a:fillRef idx="0">
+            <a:schemeClr val="accent1"/>
+          </a:fillRef>
+          <a:effectRef idx="0">
+            <a:schemeClr val="accent1"/>
+          </a:effectRef>
+          <a:fontRef idx="minor">
+            <a:schemeClr val="tx1"/>
+          </a:fontRef>
+        </p:style>
+      </p:cxnSp>
+      <p:sp>
+        <p:nvSpPr>
+          <p:cNvPr id="20" name="Textfeld 19">
+            <a:extLst>
+              <a:ext uri="{FF2B5EF4-FFF2-40B4-BE49-F238E27FC236}">
+                <a16:creationId xmlns:a16="http://schemas.microsoft.com/office/drawing/2014/main" id="{702BAC9E-D57C-4AC1-87D8-9D6A04E26D44}"/>
+              </a:ext>
+            </a:extLst>
+          </p:cNvPr>
+          <p:cNvSpPr txBox="1"/>
+          <p:nvPr/>
+        </p:nvSpPr>
+        <p:spPr>
+          <a:xfrm>
+            <a:off x="4131310" y="1592484"/>
+            <a:ext cx="2200908" cy="600164"/>
+          </a:xfrm>
+          <a:prstGeom prst="rect">
+            <a:avLst/>
+          </a:prstGeom>
+          <a:solidFill>
+            <a:srgbClr val="FFFF00"/>
+          </a:solidFill>
+          <a:ln>
+            <a:solidFill>
+              <a:srgbClr val="FFFF00"/>
+            </a:solidFill>
+          </a:ln>
+        </p:spPr>
+        <p:txBody>
+          <a:bodyPr wrap="square" rtlCol="0">
+            <a:spAutoFit/>
+          </a:bodyPr>
+          <a:lstStyle>
+            <a:defPPr>
+              <a:defRPr lang="en-US"/>
+            </a:defPPr>
+            <a:lvl1pPr>
+              <a:defRPr sz="1100"/>
+            </a:lvl1pPr>
+          </a:lstStyle>
+          <a:p>
+            <a:r>
+              <a:rPr lang="de-DE" dirty="0"/>
+              <a:t>The pom.xml </a:t>
+            </a:r>
+            <a:r>
+              <a:rPr lang="de-DE" dirty="0" err="1"/>
+              <a:t>is</a:t>
+            </a:r>
+            <a:r>
+              <a:rPr lang="de-DE" dirty="0"/>
+              <a:t> </a:t>
+            </a:r>
+            <a:r>
+              <a:rPr lang="de-DE" dirty="0" err="1"/>
+              <a:t>used</a:t>
+            </a:r>
+            <a:r>
+              <a:rPr lang="de-DE" dirty="0"/>
+              <a:t> </a:t>
+            </a:r>
+            <a:r>
+              <a:rPr lang="de-DE" dirty="0" err="1"/>
+              <a:t>by</a:t>
+            </a:r>
+            <a:r>
+              <a:rPr lang="de-DE" dirty="0"/>
+              <a:t> </a:t>
+            </a:r>
+            <a:r>
+              <a:rPr lang="de-DE" dirty="0" err="1"/>
+              <a:t>the</a:t>
+            </a:r>
+            <a:r>
+              <a:rPr lang="de-DE" dirty="0"/>
+              <a:t> Jenkins-Pipeline </a:t>
+            </a:r>
+            <a:r>
+              <a:rPr lang="de-DE" dirty="0" err="1"/>
+              <a:t>to</a:t>
+            </a:r>
+            <a:r>
+              <a:rPr lang="de-DE" dirty="0"/>
+              <a:t> </a:t>
+            </a:r>
+            <a:r>
+              <a:rPr lang="de-DE" dirty="0" err="1"/>
+              <a:t>create</a:t>
+            </a:r>
+            <a:r>
+              <a:rPr lang="de-DE" dirty="0"/>
+              <a:t> </a:t>
+            </a:r>
+            <a:r>
+              <a:rPr lang="de-DE" dirty="0" err="1"/>
+              <a:t>the</a:t>
+            </a:r>
+            <a:r>
+              <a:rPr lang="de-DE" dirty="0"/>
+              <a:t> </a:t>
+            </a:r>
+            <a:r>
+              <a:rPr lang="de-DE" dirty="0" err="1"/>
+              <a:t>package</a:t>
+            </a:r>
+            <a:r>
+              <a:rPr lang="de-DE" dirty="0"/>
+              <a:t> and </a:t>
+            </a:r>
+            <a:r>
+              <a:rPr lang="de-DE" err="1"/>
+              <a:t>call</a:t>
+            </a:r>
+            <a:r>
+              <a:rPr lang="de-DE"/>
+              <a:t> Swagger-Promote</a:t>
+            </a:r>
+            <a:endParaRPr lang="en-US" dirty="0"/>
+          </a:p>
+        </p:txBody>
+      </p:sp>
+      <p:cxnSp>
+        <p:nvCxnSpPr>
+          <p:cNvPr id="21" name="Gerade Verbindung mit Pfeil 20">
+            <a:extLst>
+              <a:ext uri="{FF2B5EF4-FFF2-40B4-BE49-F238E27FC236}">
+                <a16:creationId xmlns:a16="http://schemas.microsoft.com/office/drawing/2014/main" id="{03162913-CF8D-44AB-9FA9-E7BD2FFF25FC}"/>
+              </a:ext>
+            </a:extLst>
+          </p:cNvPr>
+          <p:cNvCxnSpPr>
+            <a:cxnSpLocks/>
+            <a:stCxn id="20" idx="1"/>
+          </p:cNvCxnSpPr>
+          <p:nvPr/>
+        </p:nvCxnSpPr>
+        <p:spPr>
+          <a:xfrm flipH="1">
+            <a:off x="2880360" y="1892566"/>
+            <a:ext cx="1250950" cy="438476"/>
+          </a:xfrm>
+          <a:prstGeom prst="straightConnector1">
+            <a:avLst/>
+          </a:prstGeom>
+          <a:ln>
+            <a:solidFill>
+              <a:srgbClr val="FFFF00"/>
+            </a:solidFill>
+            <a:tailEnd type="triangle"/>
+          </a:ln>
+        </p:spPr>
+        <p:style>
+          <a:lnRef idx="1">
+            <a:schemeClr val="accent1"/>
+          </a:lnRef>
+          <a:fillRef idx="0">
+            <a:schemeClr val="accent1"/>
+          </a:fillRef>
+          <a:effectRef idx="0">
+            <a:schemeClr val="accent1"/>
+          </a:effectRef>
+          <a:fontRef idx="minor">
+            <a:schemeClr val="tx1"/>
+          </a:fontRef>
+        </p:style>
+      </p:cxnSp>
+      <p:sp>
+        <p:nvSpPr>
+          <p:cNvPr id="26" name="Textfeld 25">
+            <a:extLst>
+              <a:ext uri="{FF2B5EF4-FFF2-40B4-BE49-F238E27FC236}">
+                <a16:creationId xmlns:a16="http://schemas.microsoft.com/office/drawing/2014/main" id="{3FB61C5F-553B-412E-82E9-38AAF5CC1D5B}"/>
+              </a:ext>
+            </a:extLst>
+          </p:cNvPr>
+          <p:cNvSpPr txBox="1"/>
+          <p:nvPr/>
+        </p:nvSpPr>
+        <p:spPr>
+          <a:xfrm>
+            <a:off x="4055110" y="3389652"/>
+            <a:ext cx="2200908" cy="600164"/>
+          </a:xfrm>
+          <a:prstGeom prst="rect">
+            <a:avLst/>
+          </a:prstGeom>
+          <a:solidFill>
+            <a:srgbClr val="FFFF00"/>
+          </a:solidFill>
+          <a:ln>
+            <a:solidFill>
+              <a:srgbClr val="FFFF00"/>
+            </a:solidFill>
+          </a:ln>
+        </p:spPr>
+        <p:txBody>
+          <a:bodyPr wrap="square" rtlCol="0">
+            <a:spAutoFit/>
+          </a:bodyPr>
+          <a:lstStyle/>
+          <a:p>
+            <a:r>
+              <a:rPr lang="de-DE" sz="1100" dirty="0"/>
+              <a:t>The </a:t>
+            </a:r>
+            <a:r>
+              <a:rPr lang="de-DE" sz="1100" dirty="0" err="1"/>
+              <a:t>Jenkinsfile</a:t>
+            </a:r>
+            <a:r>
+              <a:rPr lang="de-DE" sz="1100" dirty="0"/>
+              <a:t> </a:t>
+            </a:r>
+            <a:r>
+              <a:rPr lang="de-DE" sz="1100" dirty="0" err="1"/>
+              <a:t>is</a:t>
+            </a:r>
+            <a:r>
+              <a:rPr lang="de-DE" sz="1100" dirty="0"/>
+              <a:t> </a:t>
+            </a:r>
+            <a:r>
+              <a:rPr lang="de-DE" sz="1100" dirty="0" err="1"/>
+              <a:t>used</a:t>
+            </a:r>
+            <a:r>
+              <a:rPr lang="de-DE" sz="1100" dirty="0"/>
+              <a:t> </a:t>
+            </a:r>
+            <a:r>
+              <a:rPr lang="de-DE" sz="1100" dirty="0" err="1"/>
+              <a:t>to</a:t>
+            </a:r>
+            <a:r>
+              <a:rPr lang="de-DE" sz="1100" dirty="0"/>
+              <a:t> </a:t>
+            </a:r>
+            <a:r>
+              <a:rPr lang="de-DE" sz="1100" dirty="0" err="1"/>
+              <a:t>dynamically</a:t>
+            </a:r>
+            <a:r>
+              <a:rPr lang="de-DE" sz="1100" dirty="0"/>
+              <a:t> </a:t>
+            </a:r>
+            <a:r>
+              <a:rPr lang="de-DE" sz="1100" dirty="0" err="1"/>
+              <a:t>create</a:t>
+            </a:r>
+            <a:r>
+              <a:rPr lang="de-DE" sz="1100" dirty="0"/>
+              <a:t> </a:t>
+            </a:r>
+            <a:r>
+              <a:rPr lang="de-DE" sz="1100" dirty="0" err="1"/>
+              <a:t>the</a:t>
+            </a:r>
+            <a:r>
+              <a:rPr lang="de-DE" sz="1100" dirty="0"/>
+              <a:t> Jenkins-Pipeline, </a:t>
+            </a:r>
+            <a:r>
+              <a:rPr lang="de-DE" sz="1100" dirty="0" err="1"/>
+              <a:t>that</a:t>
+            </a:r>
+            <a:r>
+              <a:rPr lang="de-DE" sz="1100" dirty="0"/>
+              <a:t> </a:t>
+            </a:r>
+            <a:r>
+              <a:rPr lang="de-DE" sz="1100" dirty="0" err="1"/>
+              <a:t>is</a:t>
+            </a:r>
+            <a:r>
+              <a:rPr lang="de-DE" sz="1100" dirty="0"/>
+              <a:t> </a:t>
+            </a:r>
+            <a:r>
+              <a:rPr lang="de-DE" sz="1100" dirty="0" err="1"/>
+              <a:t>using</a:t>
+            </a:r>
+            <a:r>
+              <a:rPr lang="de-DE" sz="1100" dirty="0"/>
+              <a:t> Maven.</a:t>
+            </a:r>
+            <a:endParaRPr lang="en-US" sz="1100" dirty="0"/>
+          </a:p>
+        </p:txBody>
+      </p:sp>
+      <p:cxnSp>
+        <p:nvCxnSpPr>
+          <p:cNvPr id="27" name="Gerade Verbindung mit Pfeil 26">
+            <a:extLst>
+              <a:ext uri="{FF2B5EF4-FFF2-40B4-BE49-F238E27FC236}">
+                <a16:creationId xmlns:a16="http://schemas.microsoft.com/office/drawing/2014/main" id="{2C5E2983-3BBD-4F88-9FE1-3898CD103FD2}"/>
+              </a:ext>
+            </a:extLst>
+          </p:cNvPr>
+          <p:cNvCxnSpPr>
+            <a:cxnSpLocks/>
+            <a:stCxn id="26" idx="1"/>
+          </p:cNvCxnSpPr>
+          <p:nvPr/>
+        </p:nvCxnSpPr>
+        <p:spPr>
+          <a:xfrm flipH="1">
+            <a:off x="2880360" y="3689734"/>
+            <a:ext cx="1174750" cy="150746"/>
           </a:xfrm>
           <a:prstGeom prst="straightConnector1">
             <a:avLst/>
@@ -8943,8 +9141,8 @@
         </p:nvSpPr>
         <p:spPr>
           <a:xfrm>
-            <a:off x="8895190" y="441928"/>
-            <a:ext cx="2322037" cy="369332"/>
+            <a:off x="8895191" y="441928"/>
+            <a:ext cx="2018184" cy="369332"/>
           </a:xfrm>
           <a:prstGeom prst="rect">
             <a:avLst/>
@@ -8960,7 +9158,7 @@
             <a:pPr algn="ctr"/>
             <a:r>
               <a:rPr lang="de-DE" b="1" dirty="0"/>
-              <a:t>- Stage TST, PROD, … -</a:t>
+              <a:t>- TST, PROD, … -</a:t>
             </a:r>
             <a:endParaRPr lang="en-US" b="1" dirty="0"/>
           </a:p>

--- a/misc/documentation/Images.pptx
+++ b/misc/documentation/Images.pptx
@@ -6,13 +6,14 @@
     <p:sldMasterId id="2147483660" r:id="rId2"/>
   </p:sldMasterIdLst>
   <p:sldIdLst>
-    <p:sldId id="256" r:id="rId3"/>
-    <p:sldId id="257" r:id="rId4"/>
-    <p:sldId id="258" r:id="rId5"/>
-    <p:sldId id="4881" r:id="rId6"/>
-    <p:sldId id="259" r:id="rId7"/>
-    <p:sldId id="260" r:id="rId8"/>
-    <p:sldId id="261" r:id="rId9"/>
+    <p:sldId id="4893" r:id="rId3"/>
+    <p:sldId id="256" r:id="rId4"/>
+    <p:sldId id="257" r:id="rId5"/>
+    <p:sldId id="258" r:id="rId6"/>
+    <p:sldId id="4881" r:id="rId7"/>
+    <p:sldId id="259" r:id="rId8"/>
+    <p:sldId id="260" r:id="rId9"/>
+    <p:sldId id="261" r:id="rId10"/>
   </p:sldIdLst>
   <p:sldSz cx="12192000" cy="6858000"/>
   <p:notesSz cx="6858000" cy="9144000"/>
@@ -294,7 +295,7 @@
           <a:p>
             <a:fld id="{7E78D3F4-14DB-4445-AF65-DFCCFB7F5AFF}" type="datetimeFigureOut">
               <a:rPr lang="en-US" smtClean="0"/>
-              <a:t>4/2/2020</a:t>
+              <a:t>4/5/2020</a:t>
             </a:fld>
             <a:endParaRPr lang="en-US"/>
           </a:p>
@@ -494,7 +495,7 @@
           <a:p>
             <a:fld id="{7E78D3F4-14DB-4445-AF65-DFCCFB7F5AFF}" type="datetimeFigureOut">
               <a:rPr lang="en-US" smtClean="0"/>
-              <a:t>4/2/2020</a:t>
+              <a:t>4/5/2020</a:t>
             </a:fld>
             <a:endParaRPr lang="en-US"/>
           </a:p>
@@ -704,7 +705,7 @@
           <a:p>
             <a:fld id="{7E78D3F4-14DB-4445-AF65-DFCCFB7F5AFF}" type="datetimeFigureOut">
               <a:rPr lang="en-US" smtClean="0"/>
-              <a:t>4/2/2020</a:t>
+              <a:t>4/5/2020</a:t>
             </a:fld>
             <a:endParaRPr lang="en-US"/>
           </a:p>
@@ -778,6 +779,303 @@
 </file>
 
 <file path=ppt/slideLayouts/slideLayout12.xml><?xml version="1.0" encoding="utf-8"?>
+<p:sldLayout xmlns:a="http://schemas.openxmlformats.org/drawingml/2006/main" xmlns:r="http://schemas.openxmlformats.org/officeDocument/2006/relationships" xmlns:p="http://schemas.openxmlformats.org/presentationml/2006/main" userDrawn="1">
+  <p:cSld name="Cover - opt 1">
+    <p:spTree>
+      <p:nvGrpSpPr>
+        <p:cNvPr id="1" name=""/>
+        <p:cNvGrpSpPr/>
+        <p:nvPr/>
+      </p:nvGrpSpPr>
+      <p:grpSpPr>
+        <a:xfrm>
+          <a:off x="0" y="0"/>
+          <a:ext cx="0" cy="0"/>
+          <a:chOff x="0" y="0"/>
+          <a:chExt cx="0" cy="0"/>
+        </a:xfrm>
+      </p:grpSpPr>
+      <p:pic>
+        <p:nvPicPr>
+          <p:cNvPr id="8" name="Picture 7">
+            <a:extLst>
+              <a:ext uri="{FF2B5EF4-FFF2-40B4-BE49-F238E27FC236}">
+                <a16:creationId xmlns:a16="http://schemas.microsoft.com/office/drawing/2014/main" id="{9693C5AA-FCC7-C74D-B94B-A578E2BDC6DB}"/>
+              </a:ext>
+            </a:extLst>
+          </p:cNvPr>
+          <p:cNvPicPr>
+            <a:picLocks noChangeAspect="1"/>
+          </p:cNvPicPr>
+          <p:nvPr userDrawn="1"/>
+        </p:nvPicPr>
+        <p:blipFill>
+          <a:blip r:embed="rId2">
+            <a:extLst>
+              <a:ext uri="{28A0092B-C50C-407E-A947-70E740481C1C}">
+                <a14:useLocalDpi xmlns:a14="http://schemas.microsoft.com/office/drawing/2010/main" val="0"/>
+              </a:ext>
+            </a:extLst>
+          </a:blip>
+          <a:stretch>
+            <a:fillRect/>
+          </a:stretch>
+        </p:blipFill>
+        <p:spPr>
+          <a:xfrm>
+            <a:off x="1" y="-1"/>
+            <a:ext cx="12279087" cy="6899233"/>
+          </a:xfrm>
+          <a:prstGeom prst="rect">
+            <a:avLst/>
+          </a:prstGeom>
+          <a:noFill/>
+        </p:spPr>
+      </p:pic>
+      <p:sp>
+        <p:nvSpPr>
+          <p:cNvPr id="2" name="Title 1">
+            <a:extLst>
+              <a:ext uri="{FF2B5EF4-FFF2-40B4-BE49-F238E27FC236}">
+                <a16:creationId xmlns:a16="http://schemas.microsoft.com/office/drawing/2014/main" id="{E5A93E3B-76D5-F647-A4CD-BE15F6851860}"/>
+              </a:ext>
+            </a:extLst>
+          </p:cNvPr>
+          <p:cNvSpPr>
+            <a:spLocks noGrp="1"/>
+          </p:cNvSpPr>
+          <p:nvPr>
+            <p:ph type="ctrTitle" hasCustomPrompt="1"/>
+          </p:nvPr>
+        </p:nvSpPr>
+        <p:spPr>
+          <a:xfrm>
+            <a:off x="637857" y="4147580"/>
+            <a:ext cx="9144000" cy="1338821"/>
+          </a:xfrm>
+          <a:prstGeom prst="rect">
+            <a:avLst/>
+          </a:prstGeom>
+        </p:spPr>
+        <p:txBody>
+          <a:bodyPr anchor="t">
+            <a:normAutofit/>
+          </a:bodyPr>
+          <a:lstStyle>
+            <a:lvl1pPr algn="l" rtl="0" fontAlgn="t">
+              <a:defRPr sz="4400" b="1">
+                <a:solidFill>
+                  <a:schemeClr val="bg1"/>
+                </a:solidFill>
+                <a:latin typeface="Roboto" panose="02000000000000000000" pitchFamily="2" charset="0"/>
+                <a:ea typeface="Roboto" panose="02000000000000000000" pitchFamily="2" charset="0"/>
+              </a:defRPr>
+            </a:lvl1pPr>
+          </a:lstStyle>
+          <a:p>
+            <a:r>
+              <a:rPr lang="en-US" dirty="0"/>
+              <a:t>Heading – Cover </a:t>
+            </a:r>
+            <a:br>
+              <a:rPr lang="en-US" dirty="0"/>
+            </a:br>
+            <a:r>
+              <a:rPr lang="en-US" dirty="0"/>
+              <a:t>option 1</a:t>
+            </a:r>
+          </a:p>
+        </p:txBody>
+      </p:sp>
+      <p:sp>
+        <p:nvSpPr>
+          <p:cNvPr id="3" name="Subtitle 2">
+            <a:extLst>
+              <a:ext uri="{FF2B5EF4-FFF2-40B4-BE49-F238E27FC236}">
+                <a16:creationId xmlns:a16="http://schemas.microsoft.com/office/drawing/2014/main" id="{A6E3A0E9-47ED-AF4E-8E9C-F38D6F572336}"/>
+              </a:ext>
+            </a:extLst>
+          </p:cNvPr>
+          <p:cNvSpPr>
+            <a:spLocks noGrp="1"/>
+          </p:cNvSpPr>
+          <p:nvPr>
+            <p:ph type="subTitle" idx="1" hasCustomPrompt="1"/>
+          </p:nvPr>
+        </p:nvSpPr>
+        <p:spPr>
+          <a:xfrm>
+            <a:off x="637857" y="5623501"/>
+            <a:ext cx="9144000" cy="603115"/>
+          </a:xfrm>
+          <a:prstGeom prst="rect">
+            <a:avLst/>
+          </a:prstGeom>
+        </p:spPr>
+        <p:txBody>
+          <a:bodyPr>
+            <a:normAutofit/>
+          </a:bodyPr>
+          <a:lstStyle>
+            <a:lvl1pPr marL="0" indent="0" algn="l">
+              <a:buNone/>
+              <a:defRPr sz="2400" b="1">
+                <a:solidFill>
+                  <a:schemeClr val="bg1"/>
+                </a:solidFill>
+                <a:latin typeface="Roboto" panose="02000000000000000000" pitchFamily="2" charset="0"/>
+                <a:ea typeface="Roboto" panose="02000000000000000000" pitchFamily="2" charset="0"/>
+              </a:defRPr>
+            </a:lvl1pPr>
+            <a:lvl2pPr marL="609570" indent="0" algn="ctr">
+              <a:buNone/>
+              <a:defRPr sz="2667"/>
+            </a:lvl2pPr>
+            <a:lvl3pPr marL="1219140" indent="0" algn="ctr">
+              <a:buNone/>
+              <a:defRPr sz="2400"/>
+            </a:lvl3pPr>
+            <a:lvl4pPr marL="1828709" indent="0" algn="ctr">
+              <a:buNone/>
+              <a:defRPr sz="2133"/>
+            </a:lvl4pPr>
+            <a:lvl5pPr marL="2438278" indent="0" algn="ctr">
+              <a:buNone/>
+              <a:defRPr sz="2133"/>
+            </a:lvl5pPr>
+            <a:lvl6pPr marL="3047848" indent="0" algn="ctr">
+              <a:buNone/>
+              <a:defRPr sz="2133"/>
+            </a:lvl6pPr>
+            <a:lvl7pPr marL="3657418" indent="0" algn="ctr">
+              <a:buNone/>
+              <a:defRPr sz="2133"/>
+            </a:lvl7pPr>
+            <a:lvl8pPr marL="4266987" indent="0" algn="ctr">
+              <a:buNone/>
+              <a:defRPr sz="2133"/>
+            </a:lvl8pPr>
+            <a:lvl9pPr marL="4876557" indent="0" algn="ctr">
+              <a:buNone/>
+              <a:defRPr sz="2133"/>
+            </a:lvl9pPr>
+          </a:lstStyle>
+          <a:p>
+            <a:r>
+              <a:rPr lang="en-US" dirty="0"/>
+              <a:t>Subhead – Dark Background</a:t>
+            </a:r>
+          </a:p>
+        </p:txBody>
+      </p:sp>
+      <p:pic>
+        <p:nvPicPr>
+          <p:cNvPr id="5" name="Picture 4" descr="Axway_logo_horiz_clr_rev_rgb.png">
+            <a:extLst>
+              <a:ext uri="{FF2B5EF4-FFF2-40B4-BE49-F238E27FC236}">
+                <a16:creationId xmlns:a16="http://schemas.microsoft.com/office/drawing/2014/main" id="{B31C1112-8ABD-5C4F-9770-2FF2ABB11475}"/>
+              </a:ext>
+            </a:extLst>
+          </p:cNvPr>
+          <p:cNvPicPr>
+            <a:picLocks noChangeAspect="1"/>
+          </p:cNvPicPr>
+          <p:nvPr userDrawn="1"/>
+        </p:nvPicPr>
+        <p:blipFill>
+          <a:blip r:embed="rId3" cstate="print">
+            <a:extLst>
+              <a:ext uri="{28A0092B-C50C-407E-A947-70E740481C1C}">
+                <a14:useLocalDpi xmlns:a14="http://schemas.microsoft.com/office/drawing/2010/main" val="0"/>
+              </a:ext>
+            </a:extLst>
+          </a:blip>
+          <a:stretch>
+            <a:fillRect/>
+          </a:stretch>
+        </p:blipFill>
+        <p:spPr>
+          <a:xfrm>
+            <a:off x="637858" y="230913"/>
+            <a:ext cx="2295348" cy="1027035"/>
+          </a:xfrm>
+          <a:prstGeom prst="rect">
+            <a:avLst/>
+          </a:prstGeom>
+        </p:spPr>
+      </p:pic>
+      <p:sp>
+        <p:nvSpPr>
+          <p:cNvPr id="4" name="Fußzeilenplatzhalter 3">
+            <a:extLst>
+              <a:ext uri="{FF2B5EF4-FFF2-40B4-BE49-F238E27FC236}">
+                <a16:creationId xmlns:a16="http://schemas.microsoft.com/office/drawing/2014/main" id="{27BED9C0-1BB9-44FC-9475-6F88D7E60AF7}"/>
+              </a:ext>
+            </a:extLst>
+          </p:cNvPr>
+          <p:cNvSpPr>
+            <a:spLocks noGrp="1"/>
+          </p:cNvSpPr>
+          <p:nvPr>
+            <p:ph type="ftr" sz="quarter" idx="10"/>
+          </p:nvPr>
+        </p:nvSpPr>
+        <p:spPr/>
+        <p:txBody>
+          <a:bodyPr/>
+          <a:lstStyle/>
+          <a:p>
+            <a:r>
+              <a:rPr lang="en-US"/>
+              <a:t>© 2019 Axway  |  CONFIDENTIAL</a:t>
+            </a:r>
+            <a:endParaRPr lang="en-US" dirty="0"/>
+          </a:p>
+        </p:txBody>
+      </p:sp>
+      <p:sp>
+        <p:nvSpPr>
+          <p:cNvPr id="6" name="Foliennummernplatzhalter 5">
+            <a:extLst>
+              <a:ext uri="{FF2B5EF4-FFF2-40B4-BE49-F238E27FC236}">
+                <a16:creationId xmlns:a16="http://schemas.microsoft.com/office/drawing/2014/main" id="{DF147647-453E-4B6F-8C17-FB8E83D0DD08}"/>
+              </a:ext>
+            </a:extLst>
+          </p:cNvPr>
+          <p:cNvSpPr>
+            <a:spLocks noGrp="1"/>
+          </p:cNvSpPr>
+          <p:nvPr>
+            <p:ph type="sldNum" sz="quarter" idx="11"/>
+          </p:nvPr>
+        </p:nvSpPr>
+        <p:spPr/>
+        <p:txBody>
+          <a:bodyPr/>
+          <a:lstStyle/>
+          <a:p>
+            <a:fld id="{B4A7B02F-D1CF-D141-9CD8-F45027058C34}" type="slidenum">
+              <a:rPr lang="en-US" smtClean="0"/>
+              <a:t>‹Nr.›</a:t>
+            </a:fld>
+            <a:endParaRPr lang="en-US" dirty="0"/>
+          </a:p>
+        </p:txBody>
+      </p:sp>
+    </p:spTree>
+    <p:extLst>
+      <p:ext uri="{BB962C8B-B14F-4D97-AF65-F5344CB8AC3E}">
+        <p14:creationId xmlns:p14="http://schemas.microsoft.com/office/powerpoint/2010/main" val="1842023009"/>
+      </p:ext>
+    </p:extLst>
+  </p:cSld>
+  <p:clrMapOvr>
+    <a:masterClrMapping/>
+  </p:clrMapOvr>
+</p:sldLayout>
+</file>
+
+<file path=ppt/slideLayouts/slideLayout13.xml><?xml version="1.0" encoding="utf-8"?>
 <p:sldLayout xmlns:a="http://schemas.openxmlformats.org/drawingml/2006/main" xmlns:r="http://schemas.openxmlformats.org/officeDocument/2006/relationships" xmlns:p="http://schemas.openxmlformats.org/presentationml/2006/main" preserve="1" userDrawn="1">
   <p:cSld name="TOC">
     <p:spTree>
@@ -1290,7 +1588,7 @@
 </p:sldLayout>
 </file>
 
-<file path=ppt/slideLayouts/slideLayout13.xml><?xml version="1.0" encoding="utf-8"?>
+<file path=ppt/slideLayouts/slideLayout14.xml><?xml version="1.0" encoding="utf-8"?>
 <p:sldLayout xmlns:a="http://schemas.openxmlformats.org/drawingml/2006/main" xmlns:r="http://schemas.openxmlformats.org/officeDocument/2006/relationships" xmlns:p="http://schemas.openxmlformats.org/presentationml/2006/main" preserve="1" userDrawn="1">
   <p:cSld name="Single column">
     <p:spTree>
@@ -1558,7 +1856,7 @@
 </p:sldLayout>
 </file>
 
-<file path=ppt/slideLayouts/slideLayout14.xml><?xml version="1.0" encoding="utf-8"?>
+<file path=ppt/slideLayouts/slideLayout15.xml><?xml version="1.0" encoding="utf-8"?>
 <p:sldLayout xmlns:a="http://schemas.openxmlformats.org/drawingml/2006/main" xmlns:r="http://schemas.openxmlformats.org/officeDocument/2006/relationships" xmlns:p="http://schemas.openxmlformats.org/presentationml/2006/main" preserve="1" userDrawn="1">
   <p:cSld name="Single column - bullets">
     <p:spTree>
@@ -1797,7 +2095,7 @@
 </p:sldLayout>
 </file>
 
-<file path=ppt/slideLayouts/slideLayout15.xml><?xml version="1.0" encoding="utf-8"?>
+<file path=ppt/slideLayouts/slideLayout16.xml><?xml version="1.0" encoding="utf-8"?>
 <p:sldLayout xmlns:a="http://schemas.openxmlformats.org/drawingml/2006/main" xmlns:r="http://schemas.openxmlformats.org/officeDocument/2006/relationships" xmlns:p="http://schemas.openxmlformats.org/presentationml/2006/main" preserve="1" userDrawn="1">
   <p:cSld name="Single column - quote">
     <p:spTree>
@@ -2151,7 +2449,7 @@
 </p:sldLayout>
 </file>
 
-<file path=ppt/slideLayouts/slideLayout16.xml><?xml version="1.0" encoding="utf-8"?>
+<file path=ppt/slideLayouts/slideLayout17.xml><?xml version="1.0" encoding="utf-8"?>
 <p:sldLayout xmlns:a="http://schemas.openxmlformats.org/drawingml/2006/main" xmlns:r="http://schemas.openxmlformats.org/officeDocument/2006/relationships" xmlns:p="http://schemas.openxmlformats.org/presentationml/2006/main" preserve="1" userDrawn="1">
   <p:cSld name="Two column - opt 1">
     <p:spTree>
@@ -2419,7 +2717,7 @@
 </p:sldLayout>
 </file>
 
-<file path=ppt/slideLayouts/slideLayout17.xml><?xml version="1.0" encoding="utf-8"?>
+<file path=ppt/slideLayouts/slideLayout18.xml><?xml version="1.0" encoding="utf-8"?>
 <p:sldLayout xmlns:a="http://schemas.openxmlformats.org/drawingml/2006/main" xmlns:r="http://schemas.openxmlformats.org/officeDocument/2006/relationships" xmlns:p="http://schemas.openxmlformats.org/presentationml/2006/main" preserve="1" userDrawn="1">
   <p:cSld name="Two column - opt 2">
     <p:spTree>
@@ -2793,7 +3091,7 @@
 </p:sldLayout>
 </file>
 
-<file path=ppt/slideLayouts/slideLayout18.xml><?xml version="1.0" encoding="utf-8"?>
+<file path=ppt/slideLayouts/slideLayout19.xml><?xml version="1.0" encoding="utf-8"?>
 <p:sldLayout xmlns:a="http://schemas.openxmlformats.org/drawingml/2006/main" xmlns:r="http://schemas.openxmlformats.org/officeDocument/2006/relationships" xmlns:p="http://schemas.openxmlformats.org/presentationml/2006/main" preserve="1" userDrawn="1">
   <p:cSld name="1_Two column - opt 3 - No headers">
     <p:spTree>
@@ -3080,687 +3378,6 @@
     <p:extLst>
       <p:ext uri="{BB962C8B-B14F-4D97-AF65-F5344CB8AC3E}">
         <p14:creationId xmlns:p14="http://schemas.microsoft.com/office/powerpoint/2010/main" val="4166837125"/>
-      </p:ext>
-    </p:extLst>
-  </p:cSld>
-  <p:clrMapOvr>
-    <a:masterClrMapping/>
-  </p:clrMapOvr>
-</p:sldLayout>
-</file>
-
-<file path=ppt/slideLayouts/slideLayout19.xml><?xml version="1.0" encoding="utf-8"?>
-<p:sldLayout xmlns:a="http://schemas.openxmlformats.org/drawingml/2006/main" xmlns:r="http://schemas.openxmlformats.org/officeDocument/2006/relationships" xmlns:p="http://schemas.openxmlformats.org/presentationml/2006/main" preserve="1" userDrawn="1">
-  <p:cSld name="Three column - opt 1">
-    <p:spTree>
-      <p:nvGrpSpPr>
-        <p:cNvPr id="1" name=""/>
-        <p:cNvGrpSpPr/>
-        <p:nvPr/>
-      </p:nvGrpSpPr>
-      <p:grpSpPr>
-        <a:xfrm>
-          <a:off x="0" y="0"/>
-          <a:ext cx="0" cy="0"/>
-          <a:chOff x="0" y="0"/>
-          <a:chExt cx="0" cy="0"/>
-        </a:xfrm>
-      </p:grpSpPr>
-      <p:sp>
-        <p:nvSpPr>
-          <p:cNvPr id="24" name="Rectangle 23">
-            <a:extLst>
-              <a:ext uri="{FF2B5EF4-FFF2-40B4-BE49-F238E27FC236}">
-                <a16:creationId xmlns:a16="http://schemas.microsoft.com/office/drawing/2014/main" id="{607BBDFF-75AB-D743-80E2-B60CBE6CA87B}"/>
-              </a:ext>
-            </a:extLst>
-          </p:cNvPr>
-          <p:cNvSpPr/>
-          <p:nvPr userDrawn="1"/>
-        </p:nvSpPr>
-        <p:spPr>
-          <a:xfrm>
-            <a:off x="401487" y="2487536"/>
-            <a:ext cx="3505496" cy="3596187"/>
-          </a:xfrm>
-          <a:prstGeom prst="rect">
-            <a:avLst/>
-          </a:prstGeom>
-          <a:gradFill flip="none" rotWithShape="1">
-            <a:gsLst>
-              <a:gs pos="100000">
-                <a:srgbClr val="6F706E">
-                  <a:alpha val="47000"/>
-                </a:srgbClr>
-              </a:gs>
-              <a:gs pos="0">
-                <a:schemeClr val="bg1">
-                  <a:alpha val="0"/>
-                </a:schemeClr>
-              </a:gs>
-            </a:gsLst>
-            <a:lin ang="16200000" scaled="0"/>
-            <a:tileRect/>
-          </a:gradFill>
-          <a:ln w="28575">
-            <a:noFill/>
-          </a:ln>
-        </p:spPr>
-        <p:style>
-          <a:lnRef idx="2">
-            <a:schemeClr val="accent1">
-              <a:shade val="50000"/>
-            </a:schemeClr>
-          </a:lnRef>
-          <a:fillRef idx="1">
-            <a:schemeClr val="accent1"/>
-          </a:fillRef>
-          <a:effectRef idx="0">
-            <a:schemeClr val="accent1"/>
-          </a:effectRef>
-          <a:fontRef idx="minor">
-            <a:schemeClr val="lt1"/>
-          </a:fontRef>
-        </p:style>
-        <p:txBody>
-          <a:bodyPr lIns="36000" tIns="36000" rIns="36000" bIns="36000" rtlCol="0" anchor="ctr"/>
-          <a:lstStyle/>
-          <a:p>
-            <a:pPr algn="ctr"/>
-            <a:endParaRPr lang="en-US" sz="1351" dirty="0">
-              <a:solidFill>
-                <a:schemeClr val="tx1"/>
-              </a:solidFill>
-            </a:endParaRPr>
-          </a:p>
-        </p:txBody>
-      </p:sp>
-      <p:sp>
-        <p:nvSpPr>
-          <p:cNvPr id="25" name="Rectangle 24">
-            <a:extLst>
-              <a:ext uri="{FF2B5EF4-FFF2-40B4-BE49-F238E27FC236}">
-                <a16:creationId xmlns:a16="http://schemas.microsoft.com/office/drawing/2014/main" id="{721AF8A6-5506-B04A-BE93-197260680133}"/>
-              </a:ext>
-            </a:extLst>
-          </p:cNvPr>
-          <p:cNvSpPr/>
-          <p:nvPr userDrawn="1"/>
-        </p:nvSpPr>
-        <p:spPr>
-          <a:xfrm>
-            <a:off x="4343252" y="2515461"/>
-            <a:ext cx="3505496" cy="3596187"/>
-          </a:xfrm>
-          <a:prstGeom prst="rect">
-            <a:avLst/>
-          </a:prstGeom>
-          <a:gradFill flip="none" rotWithShape="1">
-            <a:gsLst>
-              <a:gs pos="100000">
-                <a:srgbClr val="6F706E">
-                  <a:alpha val="47000"/>
-                </a:srgbClr>
-              </a:gs>
-              <a:gs pos="0">
-                <a:schemeClr val="bg1">
-                  <a:alpha val="0"/>
-                </a:schemeClr>
-              </a:gs>
-            </a:gsLst>
-            <a:lin ang="16200000" scaled="0"/>
-            <a:tileRect/>
-          </a:gradFill>
-          <a:ln w="28575">
-            <a:noFill/>
-          </a:ln>
-        </p:spPr>
-        <p:style>
-          <a:lnRef idx="2">
-            <a:schemeClr val="accent1">
-              <a:shade val="50000"/>
-            </a:schemeClr>
-          </a:lnRef>
-          <a:fillRef idx="1">
-            <a:schemeClr val="accent1"/>
-          </a:fillRef>
-          <a:effectRef idx="0">
-            <a:schemeClr val="accent1"/>
-          </a:effectRef>
-          <a:fontRef idx="minor">
-            <a:schemeClr val="lt1"/>
-          </a:fontRef>
-        </p:style>
-        <p:txBody>
-          <a:bodyPr lIns="36000" tIns="36000" rIns="36000" bIns="36000" rtlCol="0" anchor="ctr"/>
-          <a:lstStyle/>
-          <a:p>
-            <a:pPr algn="ctr"/>
-            <a:endParaRPr lang="en-US" sz="1351" dirty="0">
-              <a:solidFill>
-                <a:schemeClr val="tx1"/>
-              </a:solidFill>
-            </a:endParaRPr>
-          </a:p>
-        </p:txBody>
-      </p:sp>
-      <p:sp>
-        <p:nvSpPr>
-          <p:cNvPr id="26" name="Rectangle 25">
-            <a:extLst>
-              <a:ext uri="{FF2B5EF4-FFF2-40B4-BE49-F238E27FC236}">
-                <a16:creationId xmlns:a16="http://schemas.microsoft.com/office/drawing/2014/main" id="{417CE6A6-49B7-F148-B767-6EBB786E9FE2}"/>
-              </a:ext>
-            </a:extLst>
-          </p:cNvPr>
-          <p:cNvSpPr/>
-          <p:nvPr userDrawn="1"/>
-        </p:nvSpPr>
-        <p:spPr>
-          <a:xfrm>
-            <a:off x="8250033" y="2487535"/>
-            <a:ext cx="3505496" cy="3596187"/>
-          </a:xfrm>
-          <a:prstGeom prst="rect">
-            <a:avLst/>
-          </a:prstGeom>
-          <a:gradFill flip="none" rotWithShape="1">
-            <a:gsLst>
-              <a:gs pos="100000">
-                <a:srgbClr val="6F706E">
-                  <a:alpha val="47000"/>
-                </a:srgbClr>
-              </a:gs>
-              <a:gs pos="0">
-                <a:schemeClr val="bg1">
-                  <a:alpha val="0"/>
-                </a:schemeClr>
-              </a:gs>
-            </a:gsLst>
-            <a:lin ang="16200000" scaled="0"/>
-            <a:tileRect/>
-          </a:gradFill>
-          <a:ln w="28575">
-            <a:noFill/>
-          </a:ln>
-        </p:spPr>
-        <p:style>
-          <a:lnRef idx="2">
-            <a:schemeClr val="accent1">
-              <a:shade val="50000"/>
-            </a:schemeClr>
-          </a:lnRef>
-          <a:fillRef idx="1">
-            <a:schemeClr val="accent1"/>
-          </a:fillRef>
-          <a:effectRef idx="0">
-            <a:schemeClr val="accent1"/>
-          </a:effectRef>
-          <a:fontRef idx="minor">
-            <a:schemeClr val="lt1"/>
-          </a:fontRef>
-        </p:style>
-        <p:txBody>
-          <a:bodyPr lIns="36000" tIns="36000" rIns="36000" bIns="36000" rtlCol="0" anchor="ctr"/>
-          <a:lstStyle/>
-          <a:p>
-            <a:pPr algn="ctr"/>
-            <a:endParaRPr lang="en-US" sz="1351" dirty="0">
-              <a:solidFill>
-                <a:schemeClr val="tx1"/>
-              </a:solidFill>
-            </a:endParaRPr>
-          </a:p>
-        </p:txBody>
-      </p:sp>
-      <p:sp>
-        <p:nvSpPr>
-          <p:cNvPr id="3" name="Content Placeholder 2">
-            <a:extLst>
-              <a:ext uri="{FF2B5EF4-FFF2-40B4-BE49-F238E27FC236}">
-                <a16:creationId xmlns:a16="http://schemas.microsoft.com/office/drawing/2014/main" id="{BEF7B026-47D5-854D-A6CA-B4A2172DA0B7}"/>
-              </a:ext>
-            </a:extLst>
-          </p:cNvPr>
-          <p:cNvSpPr>
-            <a:spLocks noGrp="1"/>
-          </p:cNvSpPr>
-          <p:nvPr>
-            <p:ph sz="half" idx="1" hasCustomPrompt="1"/>
-          </p:nvPr>
-        </p:nvSpPr>
-        <p:spPr>
-          <a:xfrm>
-            <a:off x="646810" y="3526147"/>
-            <a:ext cx="2969820" cy="490063"/>
-          </a:xfrm>
-        </p:spPr>
-        <p:txBody>
-          <a:bodyPr>
-            <a:normAutofit/>
-          </a:bodyPr>
-          <a:lstStyle>
-            <a:lvl1pPr marL="0" indent="0">
-              <a:buNone/>
-              <a:defRPr sz="2000" b="1">
-                <a:solidFill>
-                  <a:srgbClr val="6C1D45"/>
-                </a:solidFill>
-                <a:latin typeface="Roboto" panose="02000000000000000000" pitchFamily="2" charset="0"/>
-                <a:ea typeface="Roboto" panose="02000000000000000000" pitchFamily="2" charset="0"/>
-              </a:defRPr>
-            </a:lvl1pPr>
-            <a:lvl2pPr marL="457189" indent="0">
-              <a:buNone/>
-              <a:defRPr/>
-            </a:lvl2pPr>
-          </a:lstStyle>
-          <a:p>
-            <a:pPr lvl="0"/>
-            <a:r>
-              <a:rPr lang="en-US" dirty="0"/>
-              <a:t>Header</a:t>
-            </a:r>
-          </a:p>
-        </p:txBody>
-      </p:sp>
-      <p:sp>
-        <p:nvSpPr>
-          <p:cNvPr id="4" name="Content Placeholder 3">
-            <a:extLst>
-              <a:ext uri="{FF2B5EF4-FFF2-40B4-BE49-F238E27FC236}">
-                <a16:creationId xmlns:a16="http://schemas.microsoft.com/office/drawing/2014/main" id="{6A202B5C-4051-A243-B86F-7060A75FBBBA}"/>
-              </a:ext>
-            </a:extLst>
-          </p:cNvPr>
-          <p:cNvSpPr>
-            <a:spLocks noGrp="1"/>
-          </p:cNvSpPr>
-          <p:nvPr>
-            <p:ph sz="half" idx="2" hasCustomPrompt="1"/>
-          </p:nvPr>
-        </p:nvSpPr>
-        <p:spPr>
-          <a:xfrm>
-            <a:off x="646808" y="3955595"/>
-            <a:ext cx="2969821" cy="2093076"/>
-          </a:xfrm>
-        </p:spPr>
-        <p:txBody>
-          <a:bodyPr>
-            <a:normAutofit/>
-          </a:bodyPr>
-          <a:lstStyle>
-            <a:lvl1pPr marL="0" indent="0">
-              <a:lnSpc>
-                <a:spcPct val="100000"/>
-              </a:lnSpc>
-              <a:buNone/>
-              <a:defRPr sz="1600">
-                <a:solidFill>
-                  <a:srgbClr val="4A4F54"/>
-                </a:solidFill>
-                <a:latin typeface="Roboto" panose="02000000000000000000" pitchFamily="2" charset="0"/>
-                <a:ea typeface="Roboto" panose="02000000000000000000" pitchFamily="2" charset="0"/>
-              </a:defRPr>
-            </a:lvl1pPr>
-          </a:lstStyle>
-          <a:p>
-            <a:pPr lvl="0"/>
-            <a:r>
-              <a:rPr lang="en-US" dirty="0"/>
-              <a:t>Body copy</a:t>
-            </a:r>
-          </a:p>
-        </p:txBody>
-      </p:sp>
-      <p:sp>
-        <p:nvSpPr>
-          <p:cNvPr id="11" name="Content Placeholder 2">
-            <a:extLst>
-              <a:ext uri="{FF2B5EF4-FFF2-40B4-BE49-F238E27FC236}">
-                <a16:creationId xmlns:a16="http://schemas.microsoft.com/office/drawing/2014/main" id="{E6966633-A2CE-F546-AFDC-831648766CB1}"/>
-              </a:ext>
-            </a:extLst>
-          </p:cNvPr>
-          <p:cNvSpPr>
-            <a:spLocks noGrp="1"/>
-          </p:cNvSpPr>
-          <p:nvPr>
-            <p:ph sz="half" idx="13" hasCustomPrompt="1"/>
-          </p:nvPr>
-        </p:nvSpPr>
-        <p:spPr>
-          <a:xfrm>
-            <a:off x="4580859" y="3526290"/>
-            <a:ext cx="2910692" cy="490063"/>
-          </a:xfrm>
-        </p:spPr>
-        <p:txBody>
-          <a:bodyPr>
-            <a:normAutofit/>
-          </a:bodyPr>
-          <a:lstStyle>
-            <a:lvl1pPr marL="0" indent="0">
-              <a:buNone/>
-              <a:defRPr sz="2000" b="1">
-                <a:solidFill>
-                  <a:srgbClr val="6C1D45"/>
-                </a:solidFill>
-                <a:latin typeface="Roboto" panose="02000000000000000000" pitchFamily="2" charset="0"/>
-                <a:ea typeface="Roboto" panose="02000000000000000000" pitchFamily="2" charset="0"/>
-              </a:defRPr>
-            </a:lvl1pPr>
-            <a:lvl2pPr marL="457189" indent="0">
-              <a:buNone/>
-              <a:defRPr/>
-            </a:lvl2pPr>
-          </a:lstStyle>
-          <a:p>
-            <a:pPr lvl="0"/>
-            <a:r>
-              <a:rPr lang="en-US" dirty="0"/>
-              <a:t>Header</a:t>
-            </a:r>
-          </a:p>
-        </p:txBody>
-      </p:sp>
-      <p:sp>
-        <p:nvSpPr>
-          <p:cNvPr id="12" name="Content Placeholder 3">
-            <a:extLst>
-              <a:ext uri="{FF2B5EF4-FFF2-40B4-BE49-F238E27FC236}">
-                <a16:creationId xmlns:a16="http://schemas.microsoft.com/office/drawing/2014/main" id="{A72A67C2-BA66-E349-9DA2-E14A312DEF76}"/>
-              </a:ext>
-            </a:extLst>
-          </p:cNvPr>
-          <p:cNvSpPr>
-            <a:spLocks noGrp="1"/>
-          </p:cNvSpPr>
-          <p:nvPr>
-            <p:ph sz="half" idx="14" hasCustomPrompt="1"/>
-          </p:nvPr>
-        </p:nvSpPr>
-        <p:spPr>
-          <a:xfrm>
-            <a:off x="4580859" y="4018558"/>
-            <a:ext cx="2910692" cy="2032463"/>
-          </a:xfrm>
-        </p:spPr>
-        <p:txBody>
-          <a:bodyPr>
-            <a:normAutofit/>
-          </a:bodyPr>
-          <a:lstStyle>
-            <a:lvl1pPr marL="0" indent="0">
-              <a:lnSpc>
-                <a:spcPct val="100000"/>
-              </a:lnSpc>
-              <a:buNone/>
-              <a:defRPr sz="1600">
-                <a:solidFill>
-                  <a:srgbClr val="4A4F54"/>
-                </a:solidFill>
-                <a:latin typeface="Roboto" panose="02000000000000000000" pitchFamily="2" charset="0"/>
-                <a:ea typeface="Roboto" panose="02000000000000000000" pitchFamily="2" charset="0"/>
-              </a:defRPr>
-            </a:lvl1pPr>
-          </a:lstStyle>
-          <a:p>
-            <a:pPr lvl="0"/>
-            <a:r>
-              <a:rPr lang="en-US" dirty="0"/>
-              <a:t>Body copy</a:t>
-            </a:r>
-          </a:p>
-        </p:txBody>
-      </p:sp>
-      <p:sp>
-        <p:nvSpPr>
-          <p:cNvPr id="34" name="Content Placeholder 2">
-            <a:extLst>
-              <a:ext uri="{FF2B5EF4-FFF2-40B4-BE49-F238E27FC236}">
-                <a16:creationId xmlns:a16="http://schemas.microsoft.com/office/drawing/2014/main" id="{E18F4A03-E152-A440-B6EA-D80C51AF03E8}"/>
-              </a:ext>
-            </a:extLst>
-          </p:cNvPr>
-          <p:cNvSpPr>
-            <a:spLocks noGrp="1"/>
-          </p:cNvSpPr>
-          <p:nvPr>
-            <p:ph sz="half" idx="15" hasCustomPrompt="1"/>
-          </p:nvPr>
-        </p:nvSpPr>
-        <p:spPr>
-          <a:xfrm>
-            <a:off x="8553093" y="3524085"/>
-            <a:ext cx="2910692" cy="490063"/>
-          </a:xfrm>
-        </p:spPr>
-        <p:txBody>
-          <a:bodyPr>
-            <a:normAutofit/>
-          </a:bodyPr>
-          <a:lstStyle>
-            <a:lvl1pPr marL="0" indent="0">
-              <a:buNone/>
-              <a:defRPr sz="2000" b="1">
-                <a:solidFill>
-                  <a:srgbClr val="6C1D45"/>
-                </a:solidFill>
-                <a:latin typeface="Roboto" panose="02000000000000000000" pitchFamily="2" charset="0"/>
-                <a:ea typeface="Roboto" panose="02000000000000000000" pitchFamily="2" charset="0"/>
-              </a:defRPr>
-            </a:lvl1pPr>
-            <a:lvl2pPr marL="457189" indent="0">
-              <a:buNone/>
-              <a:defRPr/>
-            </a:lvl2pPr>
-          </a:lstStyle>
-          <a:p>
-            <a:pPr lvl="0"/>
-            <a:r>
-              <a:rPr lang="en-US" dirty="0"/>
-              <a:t>Header</a:t>
-            </a:r>
-          </a:p>
-        </p:txBody>
-      </p:sp>
-      <p:sp>
-        <p:nvSpPr>
-          <p:cNvPr id="35" name="Content Placeholder 3">
-            <a:extLst>
-              <a:ext uri="{FF2B5EF4-FFF2-40B4-BE49-F238E27FC236}">
-                <a16:creationId xmlns:a16="http://schemas.microsoft.com/office/drawing/2014/main" id="{6F5F88DC-740E-FB42-9893-8209DCE1605A}"/>
-              </a:ext>
-            </a:extLst>
-          </p:cNvPr>
-          <p:cNvSpPr>
-            <a:spLocks noGrp="1"/>
-          </p:cNvSpPr>
-          <p:nvPr>
-            <p:ph sz="half" idx="16" hasCustomPrompt="1"/>
-          </p:nvPr>
-        </p:nvSpPr>
-        <p:spPr>
-          <a:xfrm>
-            <a:off x="8553091" y="4016353"/>
-            <a:ext cx="2910692" cy="2032463"/>
-          </a:xfrm>
-        </p:spPr>
-        <p:txBody>
-          <a:bodyPr>
-            <a:normAutofit/>
-          </a:bodyPr>
-          <a:lstStyle>
-            <a:lvl1pPr marL="0" indent="0">
-              <a:lnSpc>
-                <a:spcPct val="100000"/>
-              </a:lnSpc>
-              <a:buNone/>
-              <a:defRPr sz="1600">
-                <a:solidFill>
-                  <a:srgbClr val="4A4F54"/>
-                </a:solidFill>
-                <a:latin typeface="Roboto" panose="02000000000000000000" pitchFamily="2" charset="0"/>
-                <a:ea typeface="Roboto" panose="02000000000000000000" pitchFamily="2" charset="0"/>
-              </a:defRPr>
-            </a:lvl1pPr>
-          </a:lstStyle>
-          <a:p>
-            <a:pPr lvl="0"/>
-            <a:r>
-              <a:rPr lang="en-US" dirty="0"/>
-              <a:t>Body copy</a:t>
-            </a:r>
-          </a:p>
-        </p:txBody>
-      </p:sp>
-      <p:sp>
-        <p:nvSpPr>
-          <p:cNvPr id="36" name="TextBox 35">
-            <a:extLst>
-              <a:ext uri="{FF2B5EF4-FFF2-40B4-BE49-F238E27FC236}">
-                <a16:creationId xmlns:a16="http://schemas.microsoft.com/office/drawing/2014/main" id="{27C1975C-3AA1-DA46-AACD-22AA8F7B1777}"/>
-              </a:ext>
-            </a:extLst>
-          </p:cNvPr>
-          <p:cNvSpPr txBox="1"/>
-          <p:nvPr userDrawn="1"/>
-        </p:nvSpPr>
-        <p:spPr>
-          <a:xfrm>
-            <a:off x="339436" y="6314985"/>
-            <a:ext cx="1935413" cy="246221"/>
-          </a:xfrm>
-          <a:prstGeom prst="rect">
-            <a:avLst/>
-          </a:prstGeom>
-          <a:noFill/>
-        </p:spPr>
-        <p:txBody>
-          <a:bodyPr wrap="square" rtlCol="0">
-            <a:spAutoFit/>
-          </a:bodyPr>
-          <a:lstStyle/>
-          <a:p>
-            <a:r>
-              <a:rPr lang="en-US" sz="1000" dirty="0">
-                <a:solidFill>
-                  <a:srgbClr val="D22630"/>
-                </a:solidFill>
-                <a:latin typeface="Roboto" panose="02000000000000000000" pitchFamily="2" charset="0"/>
-                <a:ea typeface="Roboto" panose="02000000000000000000" pitchFamily="2" charset="0"/>
-                <a:cs typeface="Roboto Condensed Light" panose="02000000000000000000" pitchFamily="2" charset="0"/>
-              </a:rPr>
-              <a:t>axway.com</a:t>
-            </a:r>
-          </a:p>
-        </p:txBody>
-      </p:sp>
-      <p:sp>
-        <p:nvSpPr>
-          <p:cNvPr id="29" name="Title 1">
-            <a:extLst>
-              <a:ext uri="{FF2B5EF4-FFF2-40B4-BE49-F238E27FC236}">
-                <a16:creationId xmlns:a16="http://schemas.microsoft.com/office/drawing/2014/main" id="{11A5B5AC-D38C-D14C-90BE-B6E532C20CCD}"/>
-              </a:ext>
-            </a:extLst>
-          </p:cNvPr>
-          <p:cNvSpPr>
-            <a:spLocks noGrp="1"/>
-          </p:cNvSpPr>
-          <p:nvPr>
-            <p:ph type="title" hasCustomPrompt="1"/>
-          </p:nvPr>
-        </p:nvSpPr>
-        <p:spPr>
-          <a:xfrm>
-            <a:off x="339435" y="17927"/>
-            <a:ext cx="11416095" cy="1129556"/>
-          </a:xfrm>
-        </p:spPr>
-        <p:txBody>
-          <a:bodyPr>
-            <a:normAutofit/>
-          </a:bodyPr>
-          <a:lstStyle>
-            <a:lvl1pPr>
-              <a:defRPr sz="3000"/>
-            </a:lvl1pPr>
-          </a:lstStyle>
-          <a:p>
-            <a:r>
-              <a:rPr lang="en-US" dirty="0"/>
-              <a:t>Three column layout — option 1</a:t>
-            </a:r>
-          </a:p>
-        </p:txBody>
-      </p:sp>
-      <p:sp>
-        <p:nvSpPr>
-          <p:cNvPr id="2" name="Fußzeilenplatzhalter 1">
-            <a:extLst>
-              <a:ext uri="{FF2B5EF4-FFF2-40B4-BE49-F238E27FC236}">
-                <a16:creationId xmlns:a16="http://schemas.microsoft.com/office/drawing/2014/main" id="{3FDFD82E-9515-4655-B0C4-0732F39A4630}"/>
-              </a:ext>
-            </a:extLst>
-          </p:cNvPr>
-          <p:cNvSpPr>
-            <a:spLocks noGrp="1"/>
-          </p:cNvSpPr>
-          <p:nvPr>
-            <p:ph type="ftr" sz="quarter" idx="17"/>
-          </p:nvPr>
-        </p:nvSpPr>
-        <p:spPr/>
-        <p:txBody>
-          <a:bodyPr/>
-          <a:lstStyle/>
-          <a:p>
-            <a:pPr algn="r"/>
-            <a:r>
-              <a:rPr lang="en-US"/>
-              <a:t>© 2019 Axway  |  CONFIDENTIAL</a:t>
-            </a:r>
-            <a:endParaRPr lang="en-US" dirty="0"/>
-          </a:p>
-        </p:txBody>
-      </p:sp>
-      <p:sp>
-        <p:nvSpPr>
-          <p:cNvPr id="5" name="Foliennummernplatzhalter 4">
-            <a:extLst>
-              <a:ext uri="{FF2B5EF4-FFF2-40B4-BE49-F238E27FC236}">
-                <a16:creationId xmlns:a16="http://schemas.microsoft.com/office/drawing/2014/main" id="{B35A2780-7112-4F2E-8EBD-B71C661DD339}"/>
-              </a:ext>
-            </a:extLst>
-          </p:cNvPr>
-          <p:cNvSpPr>
-            <a:spLocks noGrp="1"/>
-          </p:cNvSpPr>
-          <p:nvPr>
-            <p:ph type="sldNum" sz="quarter" idx="18"/>
-          </p:nvPr>
-        </p:nvSpPr>
-        <p:spPr/>
-        <p:txBody>
-          <a:bodyPr/>
-          <a:lstStyle/>
-          <a:p>
-            <a:fld id="{D45B42A2-12DC-D04A-88D3-A93CC82DF348}" type="slidenum">
-              <a:rPr lang="en-US" smtClean="0"/>
-              <a:pPr/>
-              <a:t>‹Nr.›</a:t>
-            </a:fld>
-            <a:endParaRPr lang="en-US" dirty="0"/>
-          </a:p>
-        </p:txBody>
-      </p:sp>
-    </p:spTree>
-    <p:extLst>
-      <p:ext uri="{BB962C8B-B14F-4D97-AF65-F5344CB8AC3E}">
-        <p14:creationId xmlns:p14="http://schemas.microsoft.com/office/powerpoint/2010/main" val="2851126"/>
       </p:ext>
     </p:extLst>
   </p:cSld>
@@ -3897,7 +3514,7 @@
           <a:p>
             <a:fld id="{7E78D3F4-14DB-4445-AF65-DFCCFB7F5AFF}" type="datetimeFigureOut">
               <a:rPr lang="en-US" smtClean="0"/>
-              <a:t>4/2/2020</a:t>
+              <a:t>4/5/2020</a:t>
             </a:fld>
             <a:endParaRPr lang="en-US"/>
           </a:p>
@@ -3971,6 +3588,687 @@
 </file>
 
 <file path=ppt/slideLayouts/slideLayout20.xml><?xml version="1.0" encoding="utf-8"?>
+<p:sldLayout xmlns:a="http://schemas.openxmlformats.org/drawingml/2006/main" xmlns:r="http://schemas.openxmlformats.org/officeDocument/2006/relationships" xmlns:p="http://schemas.openxmlformats.org/presentationml/2006/main" preserve="1" userDrawn="1">
+  <p:cSld name="Three column - opt 1">
+    <p:spTree>
+      <p:nvGrpSpPr>
+        <p:cNvPr id="1" name=""/>
+        <p:cNvGrpSpPr/>
+        <p:nvPr/>
+      </p:nvGrpSpPr>
+      <p:grpSpPr>
+        <a:xfrm>
+          <a:off x="0" y="0"/>
+          <a:ext cx="0" cy="0"/>
+          <a:chOff x="0" y="0"/>
+          <a:chExt cx="0" cy="0"/>
+        </a:xfrm>
+      </p:grpSpPr>
+      <p:sp>
+        <p:nvSpPr>
+          <p:cNvPr id="24" name="Rectangle 23">
+            <a:extLst>
+              <a:ext uri="{FF2B5EF4-FFF2-40B4-BE49-F238E27FC236}">
+                <a16:creationId xmlns:a16="http://schemas.microsoft.com/office/drawing/2014/main" id="{607BBDFF-75AB-D743-80E2-B60CBE6CA87B}"/>
+              </a:ext>
+            </a:extLst>
+          </p:cNvPr>
+          <p:cNvSpPr/>
+          <p:nvPr userDrawn="1"/>
+        </p:nvSpPr>
+        <p:spPr>
+          <a:xfrm>
+            <a:off x="401487" y="2487536"/>
+            <a:ext cx="3505496" cy="3596187"/>
+          </a:xfrm>
+          <a:prstGeom prst="rect">
+            <a:avLst/>
+          </a:prstGeom>
+          <a:gradFill flip="none" rotWithShape="1">
+            <a:gsLst>
+              <a:gs pos="100000">
+                <a:srgbClr val="6F706E">
+                  <a:alpha val="47000"/>
+                </a:srgbClr>
+              </a:gs>
+              <a:gs pos="0">
+                <a:schemeClr val="bg1">
+                  <a:alpha val="0"/>
+                </a:schemeClr>
+              </a:gs>
+            </a:gsLst>
+            <a:lin ang="16200000" scaled="0"/>
+            <a:tileRect/>
+          </a:gradFill>
+          <a:ln w="28575">
+            <a:noFill/>
+          </a:ln>
+        </p:spPr>
+        <p:style>
+          <a:lnRef idx="2">
+            <a:schemeClr val="accent1">
+              <a:shade val="50000"/>
+            </a:schemeClr>
+          </a:lnRef>
+          <a:fillRef idx="1">
+            <a:schemeClr val="accent1"/>
+          </a:fillRef>
+          <a:effectRef idx="0">
+            <a:schemeClr val="accent1"/>
+          </a:effectRef>
+          <a:fontRef idx="minor">
+            <a:schemeClr val="lt1"/>
+          </a:fontRef>
+        </p:style>
+        <p:txBody>
+          <a:bodyPr lIns="36000" tIns="36000" rIns="36000" bIns="36000" rtlCol="0" anchor="ctr"/>
+          <a:lstStyle/>
+          <a:p>
+            <a:pPr algn="ctr"/>
+            <a:endParaRPr lang="en-US" sz="1351" dirty="0">
+              <a:solidFill>
+                <a:schemeClr val="tx1"/>
+              </a:solidFill>
+            </a:endParaRPr>
+          </a:p>
+        </p:txBody>
+      </p:sp>
+      <p:sp>
+        <p:nvSpPr>
+          <p:cNvPr id="25" name="Rectangle 24">
+            <a:extLst>
+              <a:ext uri="{FF2B5EF4-FFF2-40B4-BE49-F238E27FC236}">
+                <a16:creationId xmlns:a16="http://schemas.microsoft.com/office/drawing/2014/main" id="{721AF8A6-5506-B04A-BE93-197260680133}"/>
+              </a:ext>
+            </a:extLst>
+          </p:cNvPr>
+          <p:cNvSpPr/>
+          <p:nvPr userDrawn="1"/>
+        </p:nvSpPr>
+        <p:spPr>
+          <a:xfrm>
+            <a:off x="4343252" y="2515461"/>
+            <a:ext cx="3505496" cy="3596187"/>
+          </a:xfrm>
+          <a:prstGeom prst="rect">
+            <a:avLst/>
+          </a:prstGeom>
+          <a:gradFill flip="none" rotWithShape="1">
+            <a:gsLst>
+              <a:gs pos="100000">
+                <a:srgbClr val="6F706E">
+                  <a:alpha val="47000"/>
+                </a:srgbClr>
+              </a:gs>
+              <a:gs pos="0">
+                <a:schemeClr val="bg1">
+                  <a:alpha val="0"/>
+                </a:schemeClr>
+              </a:gs>
+            </a:gsLst>
+            <a:lin ang="16200000" scaled="0"/>
+            <a:tileRect/>
+          </a:gradFill>
+          <a:ln w="28575">
+            <a:noFill/>
+          </a:ln>
+        </p:spPr>
+        <p:style>
+          <a:lnRef idx="2">
+            <a:schemeClr val="accent1">
+              <a:shade val="50000"/>
+            </a:schemeClr>
+          </a:lnRef>
+          <a:fillRef idx="1">
+            <a:schemeClr val="accent1"/>
+          </a:fillRef>
+          <a:effectRef idx="0">
+            <a:schemeClr val="accent1"/>
+          </a:effectRef>
+          <a:fontRef idx="minor">
+            <a:schemeClr val="lt1"/>
+          </a:fontRef>
+        </p:style>
+        <p:txBody>
+          <a:bodyPr lIns="36000" tIns="36000" rIns="36000" bIns="36000" rtlCol="0" anchor="ctr"/>
+          <a:lstStyle/>
+          <a:p>
+            <a:pPr algn="ctr"/>
+            <a:endParaRPr lang="en-US" sz="1351" dirty="0">
+              <a:solidFill>
+                <a:schemeClr val="tx1"/>
+              </a:solidFill>
+            </a:endParaRPr>
+          </a:p>
+        </p:txBody>
+      </p:sp>
+      <p:sp>
+        <p:nvSpPr>
+          <p:cNvPr id="26" name="Rectangle 25">
+            <a:extLst>
+              <a:ext uri="{FF2B5EF4-FFF2-40B4-BE49-F238E27FC236}">
+                <a16:creationId xmlns:a16="http://schemas.microsoft.com/office/drawing/2014/main" id="{417CE6A6-49B7-F148-B767-6EBB786E9FE2}"/>
+              </a:ext>
+            </a:extLst>
+          </p:cNvPr>
+          <p:cNvSpPr/>
+          <p:nvPr userDrawn="1"/>
+        </p:nvSpPr>
+        <p:spPr>
+          <a:xfrm>
+            <a:off x="8250033" y="2487535"/>
+            <a:ext cx="3505496" cy="3596187"/>
+          </a:xfrm>
+          <a:prstGeom prst="rect">
+            <a:avLst/>
+          </a:prstGeom>
+          <a:gradFill flip="none" rotWithShape="1">
+            <a:gsLst>
+              <a:gs pos="100000">
+                <a:srgbClr val="6F706E">
+                  <a:alpha val="47000"/>
+                </a:srgbClr>
+              </a:gs>
+              <a:gs pos="0">
+                <a:schemeClr val="bg1">
+                  <a:alpha val="0"/>
+                </a:schemeClr>
+              </a:gs>
+            </a:gsLst>
+            <a:lin ang="16200000" scaled="0"/>
+            <a:tileRect/>
+          </a:gradFill>
+          <a:ln w="28575">
+            <a:noFill/>
+          </a:ln>
+        </p:spPr>
+        <p:style>
+          <a:lnRef idx="2">
+            <a:schemeClr val="accent1">
+              <a:shade val="50000"/>
+            </a:schemeClr>
+          </a:lnRef>
+          <a:fillRef idx="1">
+            <a:schemeClr val="accent1"/>
+          </a:fillRef>
+          <a:effectRef idx="0">
+            <a:schemeClr val="accent1"/>
+          </a:effectRef>
+          <a:fontRef idx="minor">
+            <a:schemeClr val="lt1"/>
+          </a:fontRef>
+        </p:style>
+        <p:txBody>
+          <a:bodyPr lIns="36000" tIns="36000" rIns="36000" bIns="36000" rtlCol="0" anchor="ctr"/>
+          <a:lstStyle/>
+          <a:p>
+            <a:pPr algn="ctr"/>
+            <a:endParaRPr lang="en-US" sz="1351" dirty="0">
+              <a:solidFill>
+                <a:schemeClr val="tx1"/>
+              </a:solidFill>
+            </a:endParaRPr>
+          </a:p>
+        </p:txBody>
+      </p:sp>
+      <p:sp>
+        <p:nvSpPr>
+          <p:cNvPr id="3" name="Content Placeholder 2">
+            <a:extLst>
+              <a:ext uri="{FF2B5EF4-FFF2-40B4-BE49-F238E27FC236}">
+                <a16:creationId xmlns:a16="http://schemas.microsoft.com/office/drawing/2014/main" id="{BEF7B026-47D5-854D-A6CA-B4A2172DA0B7}"/>
+              </a:ext>
+            </a:extLst>
+          </p:cNvPr>
+          <p:cNvSpPr>
+            <a:spLocks noGrp="1"/>
+          </p:cNvSpPr>
+          <p:nvPr>
+            <p:ph sz="half" idx="1" hasCustomPrompt="1"/>
+          </p:nvPr>
+        </p:nvSpPr>
+        <p:spPr>
+          <a:xfrm>
+            <a:off x="646810" y="3526147"/>
+            <a:ext cx="2969820" cy="490063"/>
+          </a:xfrm>
+        </p:spPr>
+        <p:txBody>
+          <a:bodyPr>
+            <a:normAutofit/>
+          </a:bodyPr>
+          <a:lstStyle>
+            <a:lvl1pPr marL="0" indent="0">
+              <a:buNone/>
+              <a:defRPr sz="2000" b="1">
+                <a:solidFill>
+                  <a:srgbClr val="6C1D45"/>
+                </a:solidFill>
+                <a:latin typeface="Roboto" panose="02000000000000000000" pitchFamily="2" charset="0"/>
+                <a:ea typeface="Roboto" panose="02000000000000000000" pitchFamily="2" charset="0"/>
+              </a:defRPr>
+            </a:lvl1pPr>
+            <a:lvl2pPr marL="457189" indent="0">
+              <a:buNone/>
+              <a:defRPr/>
+            </a:lvl2pPr>
+          </a:lstStyle>
+          <a:p>
+            <a:pPr lvl="0"/>
+            <a:r>
+              <a:rPr lang="en-US" dirty="0"/>
+              <a:t>Header</a:t>
+            </a:r>
+          </a:p>
+        </p:txBody>
+      </p:sp>
+      <p:sp>
+        <p:nvSpPr>
+          <p:cNvPr id="4" name="Content Placeholder 3">
+            <a:extLst>
+              <a:ext uri="{FF2B5EF4-FFF2-40B4-BE49-F238E27FC236}">
+                <a16:creationId xmlns:a16="http://schemas.microsoft.com/office/drawing/2014/main" id="{6A202B5C-4051-A243-B86F-7060A75FBBBA}"/>
+              </a:ext>
+            </a:extLst>
+          </p:cNvPr>
+          <p:cNvSpPr>
+            <a:spLocks noGrp="1"/>
+          </p:cNvSpPr>
+          <p:nvPr>
+            <p:ph sz="half" idx="2" hasCustomPrompt="1"/>
+          </p:nvPr>
+        </p:nvSpPr>
+        <p:spPr>
+          <a:xfrm>
+            <a:off x="646808" y="3955595"/>
+            <a:ext cx="2969821" cy="2093076"/>
+          </a:xfrm>
+        </p:spPr>
+        <p:txBody>
+          <a:bodyPr>
+            <a:normAutofit/>
+          </a:bodyPr>
+          <a:lstStyle>
+            <a:lvl1pPr marL="0" indent="0">
+              <a:lnSpc>
+                <a:spcPct val="100000"/>
+              </a:lnSpc>
+              <a:buNone/>
+              <a:defRPr sz="1600">
+                <a:solidFill>
+                  <a:srgbClr val="4A4F54"/>
+                </a:solidFill>
+                <a:latin typeface="Roboto" panose="02000000000000000000" pitchFamily="2" charset="0"/>
+                <a:ea typeface="Roboto" panose="02000000000000000000" pitchFamily="2" charset="0"/>
+              </a:defRPr>
+            </a:lvl1pPr>
+          </a:lstStyle>
+          <a:p>
+            <a:pPr lvl="0"/>
+            <a:r>
+              <a:rPr lang="en-US" dirty="0"/>
+              <a:t>Body copy</a:t>
+            </a:r>
+          </a:p>
+        </p:txBody>
+      </p:sp>
+      <p:sp>
+        <p:nvSpPr>
+          <p:cNvPr id="11" name="Content Placeholder 2">
+            <a:extLst>
+              <a:ext uri="{FF2B5EF4-FFF2-40B4-BE49-F238E27FC236}">
+                <a16:creationId xmlns:a16="http://schemas.microsoft.com/office/drawing/2014/main" id="{E6966633-A2CE-F546-AFDC-831648766CB1}"/>
+              </a:ext>
+            </a:extLst>
+          </p:cNvPr>
+          <p:cNvSpPr>
+            <a:spLocks noGrp="1"/>
+          </p:cNvSpPr>
+          <p:nvPr>
+            <p:ph sz="half" idx="13" hasCustomPrompt="1"/>
+          </p:nvPr>
+        </p:nvSpPr>
+        <p:spPr>
+          <a:xfrm>
+            <a:off x="4580859" y="3526290"/>
+            <a:ext cx="2910692" cy="490063"/>
+          </a:xfrm>
+        </p:spPr>
+        <p:txBody>
+          <a:bodyPr>
+            <a:normAutofit/>
+          </a:bodyPr>
+          <a:lstStyle>
+            <a:lvl1pPr marL="0" indent="0">
+              <a:buNone/>
+              <a:defRPr sz="2000" b="1">
+                <a:solidFill>
+                  <a:srgbClr val="6C1D45"/>
+                </a:solidFill>
+                <a:latin typeface="Roboto" panose="02000000000000000000" pitchFamily="2" charset="0"/>
+                <a:ea typeface="Roboto" panose="02000000000000000000" pitchFamily="2" charset="0"/>
+              </a:defRPr>
+            </a:lvl1pPr>
+            <a:lvl2pPr marL="457189" indent="0">
+              <a:buNone/>
+              <a:defRPr/>
+            </a:lvl2pPr>
+          </a:lstStyle>
+          <a:p>
+            <a:pPr lvl="0"/>
+            <a:r>
+              <a:rPr lang="en-US" dirty="0"/>
+              <a:t>Header</a:t>
+            </a:r>
+          </a:p>
+        </p:txBody>
+      </p:sp>
+      <p:sp>
+        <p:nvSpPr>
+          <p:cNvPr id="12" name="Content Placeholder 3">
+            <a:extLst>
+              <a:ext uri="{FF2B5EF4-FFF2-40B4-BE49-F238E27FC236}">
+                <a16:creationId xmlns:a16="http://schemas.microsoft.com/office/drawing/2014/main" id="{A72A67C2-BA66-E349-9DA2-E14A312DEF76}"/>
+              </a:ext>
+            </a:extLst>
+          </p:cNvPr>
+          <p:cNvSpPr>
+            <a:spLocks noGrp="1"/>
+          </p:cNvSpPr>
+          <p:nvPr>
+            <p:ph sz="half" idx="14" hasCustomPrompt="1"/>
+          </p:nvPr>
+        </p:nvSpPr>
+        <p:spPr>
+          <a:xfrm>
+            <a:off x="4580859" y="4018558"/>
+            <a:ext cx="2910692" cy="2032463"/>
+          </a:xfrm>
+        </p:spPr>
+        <p:txBody>
+          <a:bodyPr>
+            <a:normAutofit/>
+          </a:bodyPr>
+          <a:lstStyle>
+            <a:lvl1pPr marL="0" indent="0">
+              <a:lnSpc>
+                <a:spcPct val="100000"/>
+              </a:lnSpc>
+              <a:buNone/>
+              <a:defRPr sz="1600">
+                <a:solidFill>
+                  <a:srgbClr val="4A4F54"/>
+                </a:solidFill>
+                <a:latin typeface="Roboto" panose="02000000000000000000" pitchFamily="2" charset="0"/>
+                <a:ea typeface="Roboto" panose="02000000000000000000" pitchFamily="2" charset="0"/>
+              </a:defRPr>
+            </a:lvl1pPr>
+          </a:lstStyle>
+          <a:p>
+            <a:pPr lvl="0"/>
+            <a:r>
+              <a:rPr lang="en-US" dirty="0"/>
+              <a:t>Body copy</a:t>
+            </a:r>
+          </a:p>
+        </p:txBody>
+      </p:sp>
+      <p:sp>
+        <p:nvSpPr>
+          <p:cNvPr id="34" name="Content Placeholder 2">
+            <a:extLst>
+              <a:ext uri="{FF2B5EF4-FFF2-40B4-BE49-F238E27FC236}">
+                <a16:creationId xmlns:a16="http://schemas.microsoft.com/office/drawing/2014/main" id="{E18F4A03-E152-A440-B6EA-D80C51AF03E8}"/>
+              </a:ext>
+            </a:extLst>
+          </p:cNvPr>
+          <p:cNvSpPr>
+            <a:spLocks noGrp="1"/>
+          </p:cNvSpPr>
+          <p:nvPr>
+            <p:ph sz="half" idx="15" hasCustomPrompt="1"/>
+          </p:nvPr>
+        </p:nvSpPr>
+        <p:spPr>
+          <a:xfrm>
+            <a:off x="8553093" y="3524085"/>
+            <a:ext cx="2910692" cy="490063"/>
+          </a:xfrm>
+        </p:spPr>
+        <p:txBody>
+          <a:bodyPr>
+            <a:normAutofit/>
+          </a:bodyPr>
+          <a:lstStyle>
+            <a:lvl1pPr marL="0" indent="0">
+              <a:buNone/>
+              <a:defRPr sz="2000" b="1">
+                <a:solidFill>
+                  <a:srgbClr val="6C1D45"/>
+                </a:solidFill>
+                <a:latin typeface="Roboto" panose="02000000000000000000" pitchFamily="2" charset="0"/>
+                <a:ea typeface="Roboto" panose="02000000000000000000" pitchFamily="2" charset="0"/>
+              </a:defRPr>
+            </a:lvl1pPr>
+            <a:lvl2pPr marL="457189" indent="0">
+              <a:buNone/>
+              <a:defRPr/>
+            </a:lvl2pPr>
+          </a:lstStyle>
+          <a:p>
+            <a:pPr lvl="0"/>
+            <a:r>
+              <a:rPr lang="en-US" dirty="0"/>
+              <a:t>Header</a:t>
+            </a:r>
+          </a:p>
+        </p:txBody>
+      </p:sp>
+      <p:sp>
+        <p:nvSpPr>
+          <p:cNvPr id="35" name="Content Placeholder 3">
+            <a:extLst>
+              <a:ext uri="{FF2B5EF4-FFF2-40B4-BE49-F238E27FC236}">
+                <a16:creationId xmlns:a16="http://schemas.microsoft.com/office/drawing/2014/main" id="{6F5F88DC-740E-FB42-9893-8209DCE1605A}"/>
+              </a:ext>
+            </a:extLst>
+          </p:cNvPr>
+          <p:cNvSpPr>
+            <a:spLocks noGrp="1"/>
+          </p:cNvSpPr>
+          <p:nvPr>
+            <p:ph sz="half" idx="16" hasCustomPrompt="1"/>
+          </p:nvPr>
+        </p:nvSpPr>
+        <p:spPr>
+          <a:xfrm>
+            <a:off x="8553091" y="4016353"/>
+            <a:ext cx="2910692" cy="2032463"/>
+          </a:xfrm>
+        </p:spPr>
+        <p:txBody>
+          <a:bodyPr>
+            <a:normAutofit/>
+          </a:bodyPr>
+          <a:lstStyle>
+            <a:lvl1pPr marL="0" indent="0">
+              <a:lnSpc>
+                <a:spcPct val="100000"/>
+              </a:lnSpc>
+              <a:buNone/>
+              <a:defRPr sz="1600">
+                <a:solidFill>
+                  <a:srgbClr val="4A4F54"/>
+                </a:solidFill>
+                <a:latin typeface="Roboto" panose="02000000000000000000" pitchFamily="2" charset="0"/>
+                <a:ea typeface="Roboto" panose="02000000000000000000" pitchFamily="2" charset="0"/>
+              </a:defRPr>
+            </a:lvl1pPr>
+          </a:lstStyle>
+          <a:p>
+            <a:pPr lvl="0"/>
+            <a:r>
+              <a:rPr lang="en-US" dirty="0"/>
+              <a:t>Body copy</a:t>
+            </a:r>
+          </a:p>
+        </p:txBody>
+      </p:sp>
+      <p:sp>
+        <p:nvSpPr>
+          <p:cNvPr id="36" name="TextBox 35">
+            <a:extLst>
+              <a:ext uri="{FF2B5EF4-FFF2-40B4-BE49-F238E27FC236}">
+                <a16:creationId xmlns:a16="http://schemas.microsoft.com/office/drawing/2014/main" id="{27C1975C-3AA1-DA46-AACD-22AA8F7B1777}"/>
+              </a:ext>
+            </a:extLst>
+          </p:cNvPr>
+          <p:cNvSpPr txBox="1"/>
+          <p:nvPr userDrawn="1"/>
+        </p:nvSpPr>
+        <p:spPr>
+          <a:xfrm>
+            <a:off x="339436" y="6314985"/>
+            <a:ext cx="1935413" cy="246221"/>
+          </a:xfrm>
+          <a:prstGeom prst="rect">
+            <a:avLst/>
+          </a:prstGeom>
+          <a:noFill/>
+        </p:spPr>
+        <p:txBody>
+          <a:bodyPr wrap="square" rtlCol="0">
+            <a:spAutoFit/>
+          </a:bodyPr>
+          <a:lstStyle/>
+          <a:p>
+            <a:r>
+              <a:rPr lang="en-US" sz="1000" dirty="0">
+                <a:solidFill>
+                  <a:srgbClr val="D22630"/>
+                </a:solidFill>
+                <a:latin typeface="Roboto" panose="02000000000000000000" pitchFamily="2" charset="0"/>
+                <a:ea typeface="Roboto" panose="02000000000000000000" pitchFamily="2" charset="0"/>
+                <a:cs typeface="Roboto Condensed Light" panose="02000000000000000000" pitchFamily="2" charset="0"/>
+              </a:rPr>
+              <a:t>axway.com</a:t>
+            </a:r>
+          </a:p>
+        </p:txBody>
+      </p:sp>
+      <p:sp>
+        <p:nvSpPr>
+          <p:cNvPr id="29" name="Title 1">
+            <a:extLst>
+              <a:ext uri="{FF2B5EF4-FFF2-40B4-BE49-F238E27FC236}">
+                <a16:creationId xmlns:a16="http://schemas.microsoft.com/office/drawing/2014/main" id="{11A5B5AC-D38C-D14C-90BE-B6E532C20CCD}"/>
+              </a:ext>
+            </a:extLst>
+          </p:cNvPr>
+          <p:cNvSpPr>
+            <a:spLocks noGrp="1"/>
+          </p:cNvSpPr>
+          <p:nvPr>
+            <p:ph type="title" hasCustomPrompt="1"/>
+          </p:nvPr>
+        </p:nvSpPr>
+        <p:spPr>
+          <a:xfrm>
+            <a:off x="339435" y="17927"/>
+            <a:ext cx="11416095" cy="1129556"/>
+          </a:xfrm>
+        </p:spPr>
+        <p:txBody>
+          <a:bodyPr>
+            <a:normAutofit/>
+          </a:bodyPr>
+          <a:lstStyle>
+            <a:lvl1pPr>
+              <a:defRPr sz="3000"/>
+            </a:lvl1pPr>
+          </a:lstStyle>
+          <a:p>
+            <a:r>
+              <a:rPr lang="en-US" dirty="0"/>
+              <a:t>Three column layout — option 1</a:t>
+            </a:r>
+          </a:p>
+        </p:txBody>
+      </p:sp>
+      <p:sp>
+        <p:nvSpPr>
+          <p:cNvPr id="2" name="Fußzeilenplatzhalter 1">
+            <a:extLst>
+              <a:ext uri="{FF2B5EF4-FFF2-40B4-BE49-F238E27FC236}">
+                <a16:creationId xmlns:a16="http://schemas.microsoft.com/office/drawing/2014/main" id="{3FDFD82E-9515-4655-B0C4-0732F39A4630}"/>
+              </a:ext>
+            </a:extLst>
+          </p:cNvPr>
+          <p:cNvSpPr>
+            <a:spLocks noGrp="1"/>
+          </p:cNvSpPr>
+          <p:nvPr>
+            <p:ph type="ftr" sz="quarter" idx="17"/>
+          </p:nvPr>
+        </p:nvSpPr>
+        <p:spPr/>
+        <p:txBody>
+          <a:bodyPr/>
+          <a:lstStyle/>
+          <a:p>
+            <a:pPr algn="r"/>
+            <a:r>
+              <a:rPr lang="en-US"/>
+              <a:t>© 2019 Axway  |  CONFIDENTIAL</a:t>
+            </a:r>
+            <a:endParaRPr lang="en-US" dirty="0"/>
+          </a:p>
+        </p:txBody>
+      </p:sp>
+      <p:sp>
+        <p:nvSpPr>
+          <p:cNvPr id="5" name="Foliennummernplatzhalter 4">
+            <a:extLst>
+              <a:ext uri="{FF2B5EF4-FFF2-40B4-BE49-F238E27FC236}">
+                <a16:creationId xmlns:a16="http://schemas.microsoft.com/office/drawing/2014/main" id="{B35A2780-7112-4F2E-8EBD-B71C661DD339}"/>
+              </a:ext>
+            </a:extLst>
+          </p:cNvPr>
+          <p:cNvSpPr>
+            <a:spLocks noGrp="1"/>
+          </p:cNvSpPr>
+          <p:nvPr>
+            <p:ph type="sldNum" sz="quarter" idx="18"/>
+          </p:nvPr>
+        </p:nvSpPr>
+        <p:spPr/>
+        <p:txBody>
+          <a:bodyPr/>
+          <a:lstStyle/>
+          <a:p>
+            <a:fld id="{D45B42A2-12DC-D04A-88D3-A93CC82DF348}" type="slidenum">
+              <a:rPr lang="en-US" smtClean="0"/>
+              <a:pPr/>
+              <a:t>‹Nr.›</a:t>
+            </a:fld>
+            <a:endParaRPr lang="en-US" dirty="0"/>
+          </a:p>
+        </p:txBody>
+      </p:sp>
+    </p:spTree>
+    <p:extLst>
+      <p:ext uri="{BB962C8B-B14F-4D97-AF65-F5344CB8AC3E}">
+        <p14:creationId xmlns:p14="http://schemas.microsoft.com/office/powerpoint/2010/main" val="2851126"/>
+      </p:ext>
+    </p:extLst>
+  </p:cSld>
+  <p:clrMapOvr>
+    <a:masterClrMapping/>
+  </p:clrMapOvr>
+</p:sldLayout>
+</file>
+
+<file path=ppt/slideLayouts/slideLayout21.xml><?xml version="1.0" encoding="utf-8"?>
 <p:sldLayout xmlns:a="http://schemas.openxmlformats.org/drawingml/2006/main" xmlns:r="http://schemas.openxmlformats.org/officeDocument/2006/relationships" xmlns:p="http://schemas.openxmlformats.org/presentationml/2006/main" preserve="1" userDrawn="1">
   <p:cSld name="Three column - opt 2">
     <p:spTree>
@@ -4654,7 +4952,7 @@
 </p:sldLayout>
 </file>
 
-<file path=ppt/slideLayouts/slideLayout21.xml><?xml version="1.0" encoding="utf-8"?>
+<file path=ppt/slideLayouts/slideLayout22.xml><?xml version="1.0" encoding="utf-8"?>
 <p:sldLayout xmlns:a="http://schemas.openxmlformats.org/drawingml/2006/main" xmlns:r="http://schemas.openxmlformats.org/officeDocument/2006/relationships" xmlns:p="http://schemas.openxmlformats.org/presentationml/2006/main" preserve="1" userDrawn="1">
   <p:cSld name="Four column">
     <p:spTree>
@@ -5229,7 +5527,7 @@
 </p:sldLayout>
 </file>
 
-<file path=ppt/slideLayouts/slideLayout22.xml><?xml version="1.0" encoding="utf-8"?>
+<file path=ppt/slideLayouts/slideLayout23.xml><?xml version="1.0" encoding="utf-8"?>
 <p:sldLayout xmlns:a="http://schemas.openxmlformats.org/drawingml/2006/main" xmlns:r="http://schemas.openxmlformats.org/officeDocument/2006/relationships" xmlns:p="http://schemas.openxmlformats.org/presentationml/2006/main" preserve="1" userDrawn="1">
   <p:cSld name="Custom - 3 graph">
     <p:spTree>
@@ -6799,7 +7097,7 @@
 </p:sldLayout>
 </file>
 
-<file path=ppt/slideLayouts/slideLayout23.xml><?xml version="1.0" encoding="utf-8"?>
+<file path=ppt/slideLayouts/slideLayout24.xml><?xml version="1.0" encoding="utf-8"?>
 <p:sldLayout xmlns:a="http://schemas.openxmlformats.org/drawingml/2006/main" xmlns:r="http://schemas.openxmlformats.org/officeDocument/2006/relationships" xmlns:p="http://schemas.openxmlformats.org/presentationml/2006/main" preserve="1" userDrawn="1">
   <p:cSld name="Blank with header">
     <p:spTree>
@@ -6970,7 +7268,7 @@
 </p:sldLayout>
 </file>
 
-<file path=ppt/slideLayouts/slideLayout24.xml><?xml version="1.0" encoding="utf-8"?>
+<file path=ppt/slideLayouts/slideLayout25.xml><?xml version="1.0" encoding="utf-8"?>
 <p:sldLayout xmlns:a="http://schemas.openxmlformats.org/drawingml/2006/main" xmlns:r="http://schemas.openxmlformats.org/officeDocument/2006/relationships" xmlns:p="http://schemas.openxmlformats.org/presentationml/2006/main" userDrawn="1">
   <p:cSld name="Custom Layout">
     <p:bg>
@@ -7197,7 +7495,7 @@
 </p:sldLayout>
 </file>
 
-<file path=ppt/slideLayouts/slideLayout25.xml><?xml version="1.0" encoding="utf-8"?>
+<file path=ppt/slideLayouts/slideLayout26.xml><?xml version="1.0" encoding="utf-8"?>
 <p:sldLayout xmlns:a="http://schemas.openxmlformats.org/drawingml/2006/main" xmlns:r="http://schemas.openxmlformats.org/officeDocument/2006/relationships" xmlns:p="http://schemas.openxmlformats.org/presentationml/2006/main">
   <p:cSld name="6_Full Background Image">
     <p:spTree>
@@ -7275,7 +7573,7 @@
 </p:sldLayout>
 </file>
 
-<file path=ppt/slideLayouts/slideLayout26.xml><?xml version="1.0" encoding="utf-8"?>
+<file path=ppt/slideLayouts/slideLayout27.xml><?xml version="1.0" encoding="utf-8"?>
 <p:sldLayout xmlns:a="http://schemas.openxmlformats.org/drawingml/2006/main" xmlns:r="http://schemas.openxmlformats.org/officeDocument/2006/relationships" xmlns:p="http://schemas.openxmlformats.org/presentationml/2006/main" userDrawn="1">
   <p:cSld name="Custom - side quote">
     <p:spTree>
@@ -7585,7 +7883,7 @@
 </p:sldLayout>
 </file>
 
-<file path=ppt/slideLayouts/slideLayout27.xml><?xml version="1.0" encoding="utf-8"?>
+<file path=ppt/slideLayouts/slideLayout28.xml><?xml version="1.0" encoding="utf-8"?>
 <p:sldLayout xmlns:a="http://schemas.openxmlformats.org/drawingml/2006/main" xmlns:r="http://schemas.openxmlformats.org/officeDocument/2006/relationships" xmlns:p="http://schemas.openxmlformats.org/presentationml/2006/main" matchingName="Title and Content" type="obj">
   <p:cSld name="Title and Content">
     <p:spTree>
@@ -8051,7 +8349,7 @@
 </p:sldLayout>
 </file>
 
-<file path=ppt/slideLayouts/slideLayout28.xml><?xml version="1.0" encoding="utf-8"?>
+<file path=ppt/slideLayouts/slideLayout29.xml><?xml version="1.0" encoding="utf-8"?>
 <p:sldLayout xmlns:a="http://schemas.openxmlformats.org/drawingml/2006/main" xmlns:r="http://schemas.openxmlformats.org/officeDocument/2006/relationships" xmlns:p="http://schemas.openxmlformats.org/presentationml/2006/main" matchingName="BLANK_e1b8af6285898dca">
   <p:cSld name="BLANK_e1b8af6285898dca">
     <p:spTree>
@@ -8072,303 +8370,6 @@
     <p:extLst>
       <p:ext uri="{BB962C8B-B14F-4D97-AF65-F5344CB8AC3E}">
         <p14:creationId xmlns:p14="http://schemas.microsoft.com/office/powerpoint/2010/main" val="827771713"/>
-      </p:ext>
-    </p:extLst>
-  </p:cSld>
-  <p:clrMapOvr>
-    <a:masterClrMapping/>
-  </p:clrMapOvr>
-</p:sldLayout>
-</file>
-
-<file path=ppt/slideLayouts/slideLayout29.xml><?xml version="1.0" encoding="utf-8"?>
-<p:sldLayout xmlns:a="http://schemas.openxmlformats.org/drawingml/2006/main" xmlns:r="http://schemas.openxmlformats.org/officeDocument/2006/relationships" xmlns:p="http://schemas.openxmlformats.org/presentationml/2006/main" userDrawn="1">
-  <p:cSld name="Cover - opt 1">
-    <p:spTree>
-      <p:nvGrpSpPr>
-        <p:cNvPr id="1" name=""/>
-        <p:cNvGrpSpPr/>
-        <p:nvPr/>
-      </p:nvGrpSpPr>
-      <p:grpSpPr>
-        <a:xfrm>
-          <a:off x="0" y="0"/>
-          <a:ext cx="0" cy="0"/>
-          <a:chOff x="0" y="0"/>
-          <a:chExt cx="0" cy="0"/>
-        </a:xfrm>
-      </p:grpSpPr>
-      <p:pic>
-        <p:nvPicPr>
-          <p:cNvPr id="8" name="Picture 7">
-            <a:extLst>
-              <a:ext uri="{FF2B5EF4-FFF2-40B4-BE49-F238E27FC236}">
-                <a16:creationId xmlns:a16="http://schemas.microsoft.com/office/drawing/2014/main" id="{9693C5AA-FCC7-C74D-B94B-A578E2BDC6DB}"/>
-              </a:ext>
-            </a:extLst>
-          </p:cNvPr>
-          <p:cNvPicPr>
-            <a:picLocks noChangeAspect="1"/>
-          </p:cNvPicPr>
-          <p:nvPr userDrawn="1"/>
-        </p:nvPicPr>
-        <p:blipFill>
-          <a:blip r:embed="rId2">
-            <a:extLst>
-              <a:ext uri="{28A0092B-C50C-407E-A947-70E740481C1C}">
-                <a14:useLocalDpi xmlns:a14="http://schemas.microsoft.com/office/drawing/2010/main" val="0"/>
-              </a:ext>
-            </a:extLst>
-          </a:blip>
-          <a:stretch>
-            <a:fillRect/>
-          </a:stretch>
-        </p:blipFill>
-        <p:spPr>
-          <a:xfrm>
-            <a:off x="1" y="-1"/>
-            <a:ext cx="12279087" cy="6899233"/>
-          </a:xfrm>
-          <a:prstGeom prst="rect">
-            <a:avLst/>
-          </a:prstGeom>
-          <a:noFill/>
-        </p:spPr>
-      </p:pic>
-      <p:sp>
-        <p:nvSpPr>
-          <p:cNvPr id="2" name="Title 1">
-            <a:extLst>
-              <a:ext uri="{FF2B5EF4-FFF2-40B4-BE49-F238E27FC236}">
-                <a16:creationId xmlns:a16="http://schemas.microsoft.com/office/drawing/2014/main" id="{E5A93E3B-76D5-F647-A4CD-BE15F6851860}"/>
-              </a:ext>
-            </a:extLst>
-          </p:cNvPr>
-          <p:cNvSpPr>
-            <a:spLocks noGrp="1"/>
-          </p:cNvSpPr>
-          <p:nvPr>
-            <p:ph type="ctrTitle" hasCustomPrompt="1"/>
-          </p:nvPr>
-        </p:nvSpPr>
-        <p:spPr>
-          <a:xfrm>
-            <a:off x="637857" y="4147580"/>
-            <a:ext cx="9144000" cy="1338821"/>
-          </a:xfrm>
-          <a:prstGeom prst="rect">
-            <a:avLst/>
-          </a:prstGeom>
-        </p:spPr>
-        <p:txBody>
-          <a:bodyPr anchor="t">
-            <a:normAutofit/>
-          </a:bodyPr>
-          <a:lstStyle>
-            <a:lvl1pPr algn="l" rtl="0" fontAlgn="t">
-              <a:defRPr sz="4400" b="1">
-                <a:solidFill>
-                  <a:schemeClr val="bg1"/>
-                </a:solidFill>
-                <a:latin typeface="Roboto" panose="02000000000000000000" pitchFamily="2" charset="0"/>
-                <a:ea typeface="Roboto" panose="02000000000000000000" pitchFamily="2" charset="0"/>
-              </a:defRPr>
-            </a:lvl1pPr>
-          </a:lstStyle>
-          <a:p>
-            <a:r>
-              <a:rPr lang="en-US" dirty="0"/>
-              <a:t>Heading – Cover </a:t>
-            </a:r>
-            <a:br>
-              <a:rPr lang="en-US" dirty="0"/>
-            </a:br>
-            <a:r>
-              <a:rPr lang="en-US" dirty="0"/>
-              <a:t>option 1</a:t>
-            </a:r>
-          </a:p>
-        </p:txBody>
-      </p:sp>
-      <p:sp>
-        <p:nvSpPr>
-          <p:cNvPr id="3" name="Subtitle 2">
-            <a:extLst>
-              <a:ext uri="{FF2B5EF4-FFF2-40B4-BE49-F238E27FC236}">
-                <a16:creationId xmlns:a16="http://schemas.microsoft.com/office/drawing/2014/main" id="{A6E3A0E9-47ED-AF4E-8E9C-F38D6F572336}"/>
-              </a:ext>
-            </a:extLst>
-          </p:cNvPr>
-          <p:cNvSpPr>
-            <a:spLocks noGrp="1"/>
-          </p:cNvSpPr>
-          <p:nvPr>
-            <p:ph type="subTitle" idx="1" hasCustomPrompt="1"/>
-          </p:nvPr>
-        </p:nvSpPr>
-        <p:spPr>
-          <a:xfrm>
-            <a:off x="637857" y="5623501"/>
-            <a:ext cx="9144000" cy="603115"/>
-          </a:xfrm>
-          <a:prstGeom prst="rect">
-            <a:avLst/>
-          </a:prstGeom>
-        </p:spPr>
-        <p:txBody>
-          <a:bodyPr>
-            <a:normAutofit/>
-          </a:bodyPr>
-          <a:lstStyle>
-            <a:lvl1pPr marL="0" indent="0" algn="l">
-              <a:buNone/>
-              <a:defRPr sz="2400" b="1">
-                <a:solidFill>
-                  <a:schemeClr val="bg1"/>
-                </a:solidFill>
-                <a:latin typeface="Roboto" panose="02000000000000000000" pitchFamily="2" charset="0"/>
-                <a:ea typeface="Roboto" panose="02000000000000000000" pitchFamily="2" charset="0"/>
-              </a:defRPr>
-            </a:lvl1pPr>
-            <a:lvl2pPr marL="609570" indent="0" algn="ctr">
-              <a:buNone/>
-              <a:defRPr sz="2667"/>
-            </a:lvl2pPr>
-            <a:lvl3pPr marL="1219140" indent="0" algn="ctr">
-              <a:buNone/>
-              <a:defRPr sz="2400"/>
-            </a:lvl3pPr>
-            <a:lvl4pPr marL="1828709" indent="0" algn="ctr">
-              <a:buNone/>
-              <a:defRPr sz="2133"/>
-            </a:lvl4pPr>
-            <a:lvl5pPr marL="2438278" indent="0" algn="ctr">
-              <a:buNone/>
-              <a:defRPr sz="2133"/>
-            </a:lvl5pPr>
-            <a:lvl6pPr marL="3047848" indent="0" algn="ctr">
-              <a:buNone/>
-              <a:defRPr sz="2133"/>
-            </a:lvl6pPr>
-            <a:lvl7pPr marL="3657418" indent="0" algn="ctr">
-              <a:buNone/>
-              <a:defRPr sz="2133"/>
-            </a:lvl7pPr>
-            <a:lvl8pPr marL="4266987" indent="0" algn="ctr">
-              <a:buNone/>
-              <a:defRPr sz="2133"/>
-            </a:lvl8pPr>
-            <a:lvl9pPr marL="4876557" indent="0" algn="ctr">
-              <a:buNone/>
-              <a:defRPr sz="2133"/>
-            </a:lvl9pPr>
-          </a:lstStyle>
-          <a:p>
-            <a:r>
-              <a:rPr lang="en-US" dirty="0"/>
-              <a:t>Subhead – Dark Background</a:t>
-            </a:r>
-          </a:p>
-        </p:txBody>
-      </p:sp>
-      <p:pic>
-        <p:nvPicPr>
-          <p:cNvPr id="5" name="Picture 4" descr="Axway_logo_horiz_clr_rev_rgb.png">
-            <a:extLst>
-              <a:ext uri="{FF2B5EF4-FFF2-40B4-BE49-F238E27FC236}">
-                <a16:creationId xmlns:a16="http://schemas.microsoft.com/office/drawing/2014/main" id="{B31C1112-8ABD-5C4F-9770-2FF2ABB11475}"/>
-              </a:ext>
-            </a:extLst>
-          </p:cNvPr>
-          <p:cNvPicPr>
-            <a:picLocks noChangeAspect="1"/>
-          </p:cNvPicPr>
-          <p:nvPr userDrawn="1"/>
-        </p:nvPicPr>
-        <p:blipFill>
-          <a:blip r:embed="rId3" cstate="print">
-            <a:extLst>
-              <a:ext uri="{28A0092B-C50C-407E-A947-70E740481C1C}">
-                <a14:useLocalDpi xmlns:a14="http://schemas.microsoft.com/office/drawing/2010/main" val="0"/>
-              </a:ext>
-            </a:extLst>
-          </a:blip>
-          <a:stretch>
-            <a:fillRect/>
-          </a:stretch>
-        </p:blipFill>
-        <p:spPr>
-          <a:xfrm>
-            <a:off x="637858" y="230913"/>
-            <a:ext cx="2295348" cy="1027035"/>
-          </a:xfrm>
-          <a:prstGeom prst="rect">
-            <a:avLst/>
-          </a:prstGeom>
-        </p:spPr>
-      </p:pic>
-      <p:sp>
-        <p:nvSpPr>
-          <p:cNvPr id="4" name="Fußzeilenplatzhalter 3">
-            <a:extLst>
-              <a:ext uri="{FF2B5EF4-FFF2-40B4-BE49-F238E27FC236}">
-                <a16:creationId xmlns:a16="http://schemas.microsoft.com/office/drawing/2014/main" id="{27BED9C0-1BB9-44FC-9475-6F88D7E60AF7}"/>
-              </a:ext>
-            </a:extLst>
-          </p:cNvPr>
-          <p:cNvSpPr>
-            <a:spLocks noGrp="1"/>
-          </p:cNvSpPr>
-          <p:nvPr>
-            <p:ph type="ftr" sz="quarter" idx="10"/>
-          </p:nvPr>
-        </p:nvSpPr>
-        <p:spPr/>
-        <p:txBody>
-          <a:bodyPr/>
-          <a:lstStyle/>
-          <a:p>
-            <a:r>
-              <a:rPr lang="en-US"/>
-              <a:t>© 2019 Axway  |  CONFIDENTIAL</a:t>
-            </a:r>
-            <a:endParaRPr lang="en-US" dirty="0"/>
-          </a:p>
-        </p:txBody>
-      </p:sp>
-      <p:sp>
-        <p:nvSpPr>
-          <p:cNvPr id="6" name="Foliennummernplatzhalter 5">
-            <a:extLst>
-              <a:ext uri="{FF2B5EF4-FFF2-40B4-BE49-F238E27FC236}">
-                <a16:creationId xmlns:a16="http://schemas.microsoft.com/office/drawing/2014/main" id="{DF147647-453E-4B6F-8C17-FB8E83D0DD08}"/>
-              </a:ext>
-            </a:extLst>
-          </p:cNvPr>
-          <p:cNvSpPr>
-            <a:spLocks noGrp="1"/>
-          </p:cNvSpPr>
-          <p:nvPr>
-            <p:ph type="sldNum" sz="quarter" idx="11"/>
-          </p:nvPr>
-        </p:nvSpPr>
-        <p:spPr/>
-        <p:txBody>
-          <a:bodyPr/>
-          <a:lstStyle/>
-          <a:p>
-            <a:fld id="{B4A7B02F-D1CF-D141-9CD8-F45027058C34}" type="slidenum">
-              <a:rPr lang="en-US" smtClean="0"/>
-              <a:t>‹Nr.›</a:t>
-            </a:fld>
-            <a:endParaRPr lang="en-US" dirty="0"/>
-          </a:p>
-        </p:txBody>
-      </p:sp>
-    </p:spTree>
-    <p:extLst>
-      <p:ext uri="{BB962C8B-B14F-4D97-AF65-F5344CB8AC3E}">
-        <p14:creationId xmlns:p14="http://schemas.microsoft.com/office/powerpoint/2010/main" val="3335472088"/>
       </p:ext>
     </p:extLst>
   </p:cSld>
@@ -8581,7 +8582,7 @@
           <a:p>
             <a:fld id="{7E78D3F4-14DB-4445-AF65-DFCCFB7F5AFF}" type="datetimeFigureOut">
               <a:rPr lang="en-US" smtClean="0"/>
-              <a:t>4/2/2020</a:t>
+              <a:t>4/5/2020</a:t>
             </a:fld>
             <a:endParaRPr lang="en-US"/>
           </a:p>
@@ -8645,6 +8646,303 @@
     <p:extLst>
       <p:ext uri="{BB962C8B-B14F-4D97-AF65-F5344CB8AC3E}">
         <p14:creationId xmlns:p14="http://schemas.microsoft.com/office/powerpoint/2010/main" val="2813034234"/>
+      </p:ext>
+    </p:extLst>
+  </p:cSld>
+  <p:clrMapOvr>
+    <a:masterClrMapping/>
+  </p:clrMapOvr>
+</p:sldLayout>
+</file>
+
+<file path=ppt/slideLayouts/slideLayout30.xml><?xml version="1.0" encoding="utf-8"?>
+<p:sldLayout xmlns:a="http://schemas.openxmlformats.org/drawingml/2006/main" xmlns:r="http://schemas.openxmlformats.org/officeDocument/2006/relationships" xmlns:p="http://schemas.openxmlformats.org/presentationml/2006/main" userDrawn="1">
+  <p:cSld name="Cover - opt 1">
+    <p:spTree>
+      <p:nvGrpSpPr>
+        <p:cNvPr id="1" name=""/>
+        <p:cNvGrpSpPr/>
+        <p:nvPr/>
+      </p:nvGrpSpPr>
+      <p:grpSpPr>
+        <a:xfrm>
+          <a:off x="0" y="0"/>
+          <a:ext cx="0" cy="0"/>
+          <a:chOff x="0" y="0"/>
+          <a:chExt cx="0" cy="0"/>
+        </a:xfrm>
+      </p:grpSpPr>
+      <p:pic>
+        <p:nvPicPr>
+          <p:cNvPr id="8" name="Picture 7">
+            <a:extLst>
+              <a:ext uri="{FF2B5EF4-FFF2-40B4-BE49-F238E27FC236}">
+                <a16:creationId xmlns:a16="http://schemas.microsoft.com/office/drawing/2014/main" id="{9693C5AA-FCC7-C74D-B94B-A578E2BDC6DB}"/>
+              </a:ext>
+            </a:extLst>
+          </p:cNvPr>
+          <p:cNvPicPr>
+            <a:picLocks noChangeAspect="1"/>
+          </p:cNvPicPr>
+          <p:nvPr userDrawn="1"/>
+        </p:nvPicPr>
+        <p:blipFill>
+          <a:blip r:embed="rId2">
+            <a:extLst>
+              <a:ext uri="{28A0092B-C50C-407E-A947-70E740481C1C}">
+                <a14:useLocalDpi xmlns:a14="http://schemas.microsoft.com/office/drawing/2010/main" val="0"/>
+              </a:ext>
+            </a:extLst>
+          </a:blip>
+          <a:stretch>
+            <a:fillRect/>
+          </a:stretch>
+        </p:blipFill>
+        <p:spPr>
+          <a:xfrm>
+            <a:off x="1" y="-1"/>
+            <a:ext cx="12279087" cy="6899233"/>
+          </a:xfrm>
+          <a:prstGeom prst="rect">
+            <a:avLst/>
+          </a:prstGeom>
+          <a:noFill/>
+        </p:spPr>
+      </p:pic>
+      <p:sp>
+        <p:nvSpPr>
+          <p:cNvPr id="2" name="Title 1">
+            <a:extLst>
+              <a:ext uri="{FF2B5EF4-FFF2-40B4-BE49-F238E27FC236}">
+                <a16:creationId xmlns:a16="http://schemas.microsoft.com/office/drawing/2014/main" id="{E5A93E3B-76D5-F647-A4CD-BE15F6851860}"/>
+              </a:ext>
+            </a:extLst>
+          </p:cNvPr>
+          <p:cNvSpPr>
+            <a:spLocks noGrp="1"/>
+          </p:cNvSpPr>
+          <p:nvPr>
+            <p:ph type="ctrTitle" hasCustomPrompt="1"/>
+          </p:nvPr>
+        </p:nvSpPr>
+        <p:spPr>
+          <a:xfrm>
+            <a:off x="637857" y="4147580"/>
+            <a:ext cx="9144000" cy="1338821"/>
+          </a:xfrm>
+          <a:prstGeom prst="rect">
+            <a:avLst/>
+          </a:prstGeom>
+        </p:spPr>
+        <p:txBody>
+          <a:bodyPr anchor="t">
+            <a:normAutofit/>
+          </a:bodyPr>
+          <a:lstStyle>
+            <a:lvl1pPr algn="l" rtl="0" fontAlgn="t">
+              <a:defRPr sz="4400" b="1">
+                <a:solidFill>
+                  <a:schemeClr val="bg1"/>
+                </a:solidFill>
+                <a:latin typeface="Roboto" panose="02000000000000000000" pitchFamily="2" charset="0"/>
+                <a:ea typeface="Roboto" panose="02000000000000000000" pitchFamily="2" charset="0"/>
+              </a:defRPr>
+            </a:lvl1pPr>
+          </a:lstStyle>
+          <a:p>
+            <a:r>
+              <a:rPr lang="en-US" dirty="0"/>
+              <a:t>Heading – Cover </a:t>
+            </a:r>
+            <a:br>
+              <a:rPr lang="en-US" dirty="0"/>
+            </a:br>
+            <a:r>
+              <a:rPr lang="en-US" dirty="0"/>
+              <a:t>option 1</a:t>
+            </a:r>
+          </a:p>
+        </p:txBody>
+      </p:sp>
+      <p:sp>
+        <p:nvSpPr>
+          <p:cNvPr id="3" name="Subtitle 2">
+            <a:extLst>
+              <a:ext uri="{FF2B5EF4-FFF2-40B4-BE49-F238E27FC236}">
+                <a16:creationId xmlns:a16="http://schemas.microsoft.com/office/drawing/2014/main" id="{A6E3A0E9-47ED-AF4E-8E9C-F38D6F572336}"/>
+              </a:ext>
+            </a:extLst>
+          </p:cNvPr>
+          <p:cNvSpPr>
+            <a:spLocks noGrp="1"/>
+          </p:cNvSpPr>
+          <p:nvPr>
+            <p:ph type="subTitle" idx="1" hasCustomPrompt="1"/>
+          </p:nvPr>
+        </p:nvSpPr>
+        <p:spPr>
+          <a:xfrm>
+            <a:off x="637857" y="5623501"/>
+            <a:ext cx="9144000" cy="603115"/>
+          </a:xfrm>
+          <a:prstGeom prst="rect">
+            <a:avLst/>
+          </a:prstGeom>
+        </p:spPr>
+        <p:txBody>
+          <a:bodyPr>
+            <a:normAutofit/>
+          </a:bodyPr>
+          <a:lstStyle>
+            <a:lvl1pPr marL="0" indent="0" algn="l">
+              <a:buNone/>
+              <a:defRPr sz="2400" b="1">
+                <a:solidFill>
+                  <a:schemeClr val="bg1"/>
+                </a:solidFill>
+                <a:latin typeface="Roboto" panose="02000000000000000000" pitchFamily="2" charset="0"/>
+                <a:ea typeface="Roboto" panose="02000000000000000000" pitchFamily="2" charset="0"/>
+              </a:defRPr>
+            </a:lvl1pPr>
+            <a:lvl2pPr marL="609570" indent="0" algn="ctr">
+              <a:buNone/>
+              <a:defRPr sz="2667"/>
+            </a:lvl2pPr>
+            <a:lvl3pPr marL="1219140" indent="0" algn="ctr">
+              <a:buNone/>
+              <a:defRPr sz="2400"/>
+            </a:lvl3pPr>
+            <a:lvl4pPr marL="1828709" indent="0" algn="ctr">
+              <a:buNone/>
+              <a:defRPr sz="2133"/>
+            </a:lvl4pPr>
+            <a:lvl5pPr marL="2438278" indent="0" algn="ctr">
+              <a:buNone/>
+              <a:defRPr sz="2133"/>
+            </a:lvl5pPr>
+            <a:lvl6pPr marL="3047848" indent="0" algn="ctr">
+              <a:buNone/>
+              <a:defRPr sz="2133"/>
+            </a:lvl6pPr>
+            <a:lvl7pPr marL="3657418" indent="0" algn="ctr">
+              <a:buNone/>
+              <a:defRPr sz="2133"/>
+            </a:lvl7pPr>
+            <a:lvl8pPr marL="4266987" indent="0" algn="ctr">
+              <a:buNone/>
+              <a:defRPr sz="2133"/>
+            </a:lvl8pPr>
+            <a:lvl9pPr marL="4876557" indent="0" algn="ctr">
+              <a:buNone/>
+              <a:defRPr sz="2133"/>
+            </a:lvl9pPr>
+          </a:lstStyle>
+          <a:p>
+            <a:r>
+              <a:rPr lang="en-US" dirty="0"/>
+              <a:t>Subhead – Dark Background</a:t>
+            </a:r>
+          </a:p>
+        </p:txBody>
+      </p:sp>
+      <p:pic>
+        <p:nvPicPr>
+          <p:cNvPr id="5" name="Picture 4" descr="Axway_logo_horiz_clr_rev_rgb.png">
+            <a:extLst>
+              <a:ext uri="{FF2B5EF4-FFF2-40B4-BE49-F238E27FC236}">
+                <a16:creationId xmlns:a16="http://schemas.microsoft.com/office/drawing/2014/main" id="{B31C1112-8ABD-5C4F-9770-2FF2ABB11475}"/>
+              </a:ext>
+            </a:extLst>
+          </p:cNvPr>
+          <p:cNvPicPr>
+            <a:picLocks noChangeAspect="1"/>
+          </p:cNvPicPr>
+          <p:nvPr userDrawn="1"/>
+        </p:nvPicPr>
+        <p:blipFill>
+          <a:blip r:embed="rId3" cstate="print">
+            <a:extLst>
+              <a:ext uri="{28A0092B-C50C-407E-A947-70E740481C1C}">
+                <a14:useLocalDpi xmlns:a14="http://schemas.microsoft.com/office/drawing/2010/main" val="0"/>
+              </a:ext>
+            </a:extLst>
+          </a:blip>
+          <a:stretch>
+            <a:fillRect/>
+          </a:stretch>
+        </p:blipFill>
+        <p:spPr>
+          <a:xfrm>
+            <a:off x="637858" y="230913"/>
+            <a:ext cx="2295348" cy="1027035"/>
+          </a:xfrm>
+          <a:prstGeom prst="rect">
+            <a:avLst/>
+          </a:prstGeom>
+        </p:spPr>
+      </p:pic>
+      <p:sp>
+        <p:nvSpPr>
+          <p:cNvPr id="4" name="Fußzeilenplatzhalter 3">
+            <a:extLst>
+              <a:ext uri="{FF2B5EF4-FFF2-40B4-BE49-F238E27FC236}">
+                <a16:creationId xmlns:a16="http://schemas.microsoft.com/office/drawing/2014/main" id="{27BED9C0-1BB9-44FC-9475-6F88D7E60AF7}"/>
+              </a:ext>
+            </a:extLst>
+          </p:cNvPr>
+          <p:cNvSpPr>
+            <a:spLocks noGrp="1"/>
+          </p:cNvSpPr>
+          <p:nvPr>
+            <p:ph type="ftr" sz="quarter" idx="10"/>
+          </p:nvPr>
+        </p:nvSpPr>
+        <p:spPr/>
+        <p:txBody>
+          <a:bodyPr/>
+          <a:lstStyle/>
+          <a:p>
+            <a:r>
+              <a:rPr lang="en-US"/>
+              <a:t>© 2019 Axway  |  CONFIDENTIAL</a:t>
+            </a:r>
+            <a:endParaRPr lang="en-US" dirty="0"/>
+          </a:p>
+        </p:txBody>
+      </p:sp>
+      <p:sp>
+        <p:nvSpPr>
+          <p:cNvPr id="6" name="Foliennummernplatzhalter 5">
+            <a:extLst>
+              <a:ext uri="{FF2B5EF4-FFF2-40B4-BE49-F238E27FC236}">
+                <a16:creationId xmlns:a16="http://schemas.microsoft.com/office/drawing/2014/main" id="{DF147647-453E-4B6F-8C17-FB8E83D0DD08}"/>
+              </a:ext>
+            </a:extLst>
+          </p:cNvPr>
+          <p:cNvSpPr>
+            <a:spLocks noGrp="1"/>
+          </p:cNvSpPr>
+          <p:nvPr>
+            <p:ph type="sldNum" sz="quarter" idx="11"/>
+          </p:nvPr>
+        </p:nvSpPr>
+        <p:spPr/>
+        <p:txBody>
+          <a:bodyPr/>
+          <a:lstStyle/>
+          <a:p>
+            <a:fld id="{B4A7B02F-D1CF-D141-9CD8-F45027058C34}" type="slidenum">
+              <a:rPr lang="en-US" smtClean="0"/>
+              <a:t>‹Nr.›</a:t>
+            </a:fld>
+            <a:endParaRPr lang="en-US" dirty="0"/>
+          </a:p>
+        </p:txBody>
+      </p:sp>
+    </p:spTree>
+    <p:extLst>
+      <p:ext uri="{BB962C8B-B14F-4D97-AF65-F5344CB8AC3E}">
+        <p14:creationId xmlns:p14="http://schemas.microsoft.com/office/powerpoint/2010/main" val="3335472088"/>
       </p:ext>
     </p:extLst>
   </p:cSld>
@@ -8849,7 +9147,7 @@
           <a:p>
             <a:fld id="{7E78D3F4-14DB-4445-AF65-DFCCFB7F5AFF}" type="datetimeFigureOut">
               <a:rPr lang="en-US" smtClean="0"/>
-              <a:t>4/2/2020</a:t>
+              <a:t>4/5/2020</a:t>
             </a:fld>
             <a:endParaRPr lang="en-US"/>
           </a:p>
@@ -9264,7 +9562,7 @@
           <a:p>
             <a:fld id="{7E78D3F4-14DB-4445-AF65-DFCCFB7F5AFF}" type="datetimeFigureOut">
               <a:rPr lang="en-US" smtClean="0"/>
-              <a:t>4/2/2020</a:t>
+              <a:t>4/5/2020</a:t>
             </a:fld>
             <a:endParaRPr lang="en-US"/>
           </a:p>
@@ -9406,7 +9704,7 @@
           <a:p>
             <a:fld id="{7E78D3F4-14DB-4445-AF65-DFCCFB7F5AFF}" type="datetimeFigureOut">
               <a:rPr lang="en-US" smtClean="0"/>
-              <a:t>4/2/2020</a:t>
+              <a:t>4/5/2020</a:t>
             </a:fld>
             <a:endParaRPr lang="en-US"/>
           </a:p>
@@ -9519,7 +9817,7 @@
           <a:p>
             <a:fld id="{7E78D3F4-14DB-4445-AF65-DFCCFB7F5AFF}" type="datetimeFigureOut">
               <a:rPr lang="en-US" smtClean="0"/>
-              <a:t>4/2/2020</a:t>
+              <a:t>4/5/2020</a:t>
             </a:fld>
             <a:endParaRPr lang="en-US"/>
           </a:p>
@@ -9832,7 +10130,7 @@
           <a:p>
             <a:fld id="{7E78D3F4-14DB-4445-AF65-DFCCFB7F5AFF}" type="datetimeFigureOut">
               <a:rPr lang="en-US" smtClean="0"/>
-              <a:t>4/2/2020</a:t>
+              <a:t>4/5/2020</a:t>
             </a:fld>
             <a:endParaRPr lang="en-US"/>
           </a:p>
@@ -10121,7 +10419,7 @@
           <a:p>
             <a:fld id="{7E78D3F4-14DB-4445-AF65-DFCCFB7F5AFF}" type="datetimeFigureOut">
               <a:rPr lang="en-US" smtClean="0"/>
-              <a:t>4/2/2020</a:t>
+              <a:t>4/5/2020</a:t>
             </a:fld>
             <a:endParaRPr lang="en-US"/>
           </a:p>
@@ -10364,7 +10662,7 @@
           <a:p>
             <a:fld id="{7E78D3F4-14DB-4445-AF65-DFCCFB7F5AFF}" type="datetimeFigureOut">
               <a:rPr lang="en-US" smtClean="0"/>
-              <a:t>4/2/2020</a:t>
+              <a:t>4/5/2020</a:t>
             </a:fld>
             <a:endParaRPr lang="en-US"/>
           </a:p>
@@ -10480,6 +10778,7 @@
     <p:sldLayoutId id="2147483657" r:id="rId9"/>
     <p:sldLayoutId id="2147483658" r:id="rId10"/>
     <p:sldLayoutId id="2147483659" r:id="rId11"/>
+    <p:sldLayoutId id="2147483679" r:id="rId12"/>
   </p:sldLayoutIdLst>
   <p:txStyles>
     <p:titleStyle>
@@ -11406,6 +11705,118 @@
 </file>
 
 <file path=ppt/slides/slide1.xml><?xml version="1.0" encoding="utf-8"?>
+<p:sld xmlns:a="http://schemas.openxmlformats.org/drawingml/2006/main" xmlns:r="http://schemas.openxmlformats.org/officeDocument/2006/relationships" xmlns:p="http://schemas.openxmlformats.org/presentationml/2006/main" show="0">
+  <p:cSld>
+    <p:spTree>
+      <p:nvGrpSpPr>
+        <p:cNvPr id="1" name=""/>
+        <p:cNvGrpSpPr/>
+        <p:nvPr/>
+      </p:nvGrpSpPr>
+      <p:grpSpPr>
+        <a:xfrm>
+          <a:off x="0" y="0"/>
+          <a:ext cx="0" cy="0"/>
+          <a:chOff x="0" y="0"/>
+          <a:chExt cx="0" cy="0"/>
+        </a:xfrm>
+      </p:grpSpPr>
+      <p:sp>
+        <p:nvSpPr>
+          <p:cNvPr id="6" name="Titel 5">
+            <a:extLst>
+              <a:ext uri="{FF2B5EF4-FFF2-40B4-BE49-F238E27FC236}">
+                <a16:creationId xmlns:a16="http://schemas.microsoft.com/office/drawing/2014/main" id="{CFA5B586-DB7E-4FA6-B650-E648DD93A884}"/>
+              </a:ext>
+            </a:extLst>
+          </p:cNvPr>
+          <p:cNvSpPr>
+            <a:spLocks noGrp="1"/>
+          </p:cNvSpPr>
+          <p:nvPr>
+            <p:ph type="ctrTitle"/>
+          </p:nvPr>
+        </p:nvSpPr>
+        <p:spPr/>
+        <p:txBody>
+          <a:bodyPr>
+            <a:normAutofit/>
+          </a:bodyPr>
+          <a:lstStyle/>
+          <a:p>
+            <a:r>
+              <a:rPr lang="de-DE" dirty="0"/>
+              <a:t>Axway API-Management</a:t>
+            </a:r>
+            <a:endParaRPr lang="en-US" dirty="0"/>
+          </a:p>
+        </p:txBody>
+      </p:sp>
+      <p:sp>
+        <p:nvSpPr>
+          <p:cNvPr id="7" name="Untertitel 6">
+            <a:extLst>
+              <a:ext uri="{FF2B5EF4-FFF2-40B4-BE49-F238E27FC236}">
+                <a16:creationId xmlns:a16="http://schemas.microsoft.com/office/drawing/2014/main" id="{CB4FB379-B010-4728-B694-F04282131D95}"/>
+              </a:ext>
+            </a:extLst>
+          </p:cNvPr>
+          <p:cNvSpPr>
+            <a:spLocks noGrp="1"/>
+          </p:cNvSpPr>
+          <p:nvPr>
+            <p:ph type="subTitle" idx="1"/>
+          </p:nvPr>
+        </p:nvSpPr>
+        <p:spPr/>
+        <p:txBody>
+          <a:bodyPr>
+            <a:normAutofit/>
+          </a:bodyPr>
+          <a:lstStyle/>
+          <a:p>
+            <a:r>
+              <a:rPr lang="de-DE" dirty="0" err="1"/>
+              <a:t>Automate</a:t>
+            </a:r>
+            <a:r>
+              <a:rPr lang="de-DE" dirty="0"/>
+              <a:t> </a:t>
+            </a:r>
+            <a:r>
+              <a:rPr lang="de-DE" dirty="0" err="1"/>
+              <a:t>your</a:t>
+            </a:r>
+            <a:r>
+              <a:rPr lang="de-DE" dirty="0"/>
+              <a:t> APIs </a:t>
+            </a:r>
+            <a:r>
+              <a:rPr lang="de-DE" dirty="0" err="1"/>
+              <a:t>with</a:t>
+            </a:r>
+            <a:r>
+              <a:rPr lang="de-DE" dirty="0"/>
+              <a:t> Jenkins</a:t>
+            </a:r>
+            <a:endParaRPr lang="en-US" dirty="0"/>
+          </a:p>
+        </p:txBody>
+      </p:sp>
+    </p:spTree>
+    <p:extLst>
+      <p:ext uri="{BB962C8B-B14F-4D97-AF65-F5344CB8AC3E}">
+        <p14:creationId xmlns:p14="http://schemas.microsoft.com/office/powerpoint/2010/main" val="1392020286"/>
+      </p:ext>
+    </p:extLst>
+  </p:cSld>
+  <p:clrMapOvr>
+    <a:masterClrMapping/>
+  </p:clrMapOvr>
+</p:sld>
+</file>
+
+<file path=ppt/slides/slide2.xml><?xml version="1.0" encoding="utf-8"?>
 <p:sld xmlns:a="http://schemas.openxmlformats.org/drawingml/2006/main" xmlns:r="http://schemas.openxmlformats.org/officeDocument/2006/relationships" xmlns:p="http://schemas.openxmlformats.org/presentationml/2006/main">
   <p:cSld>
     <p:spTree>
@@ -14590,7 +15001,7 @@
 </p:sld>
 </file>
 
-<file path=ppt/slides/slide2.xml><?xml version="1.0" encoding="utf-8"?>
+<file path=ppt/slides/slide3.xml><?xml version="1.0" encoding="utf-8"?>
 <p:sld xmlns:a="http://schemas.openxmlformats.org/drawingml/2006/main" xmlns:r="http://schemas.openxmlformats.org/officeDocument/2006/relationships" xmlns:p="http://schemas.openxmlformats.org/presentationml/2006/main">
   <p:cSld>
     <p:spTree>
@@ -15434,7 +15845,7 @@
 </p:sld>
 </file>
 
-<file path=ppt/slides/slide3.xml><?xml version="1.0" encoding="utf-8"?>
+<file path=ppt/slides/slide4.xml><?xml version="1.0" encoding="utf-8"?>
 <p:sld xmlns:a="http://schemas.openxmlformats.org/drawingml/2006/main" xmlns:r="http://schemas.openxmlformats.org/officeDocument/2006/relationships" xmlns:p="http://schemas.openxmlformats.org/presentationml/2006/main">
   <p:cSld>
     <p:spTree>
@@ -15595,7 +16006,7 @@
 </p:sld>
 </file>
 
-<file path=ppt/slides/slide4.xml><?xml version="1.0" encoding="utf-8"?>
+<file path=ppt/slides/slide5.xml><?xml version="1.0" encoding="utf-8"?>
 <p:sld xmlns:a="http://schemas.openxmlformats.org/drawingml/2006/main" xmlns:r="http://schemas.openxmlformats.org/officeDocument/2006/relationships" xmlns:p="http://schemas.openxmlformats.org/presentationml/2006/main" show="0">
   <p:cSld>
     <p:spTree>
@@ -15707,2074 +16118,6 @@
     <p:extLst>
       <p:ext uri="{BB962C8B-B14F-4D97-AF65-F5344CB8AC3E}">
         <p14:creationId xmlns:p14="http://schemas.microsoft.com/office/powerpoint/2010/main" val="3355890152"/>
-      </p:ext>
-    </p:extLst>
-  </p:cSld>
-  <p:clrMapOvr>
-    <a:masterClrMapping/>
-  </p:clrMapOvr>
-</p:sld>
-</file>
-
-<file path=ppt/slides/slide5.xml><?xml version="1.0" encoding="utf-8"?>
-<p:sld xmlns:a="http://schemas.openxmlformats.org/drawingml/2006/main" xmlns:r="http://schemas.openxmlformats.org/officeDocument/2006/relationships" xmlns:p="http://schemas.openxmlformats.org/presentationml/2006/main">
-  <p:cSld>
-    <p:spTree>
-      <p:nvGrpSpPr>
-        <p:cNvPr id="1" name=""/>
-        <p:cNvGrpSpPr/>
-        <p:nvPr/>
-      </p:nvGrpSpPr>
-      <p:grpSpPr>
-        <a:xfrm>
-          <a:off x="0" y="0"/>
-          <a:ext cx="0" cy="0"/>
-          <a:chOff x="0" y="0"/>
-          <a:chExt cx="0" cy="0"/>
-        </a:xfrm>
-      </p:grpSpPr>
-      <p:sp>
-        <p:nvSpPr>
-          <p:cNvPr id="2" name="Rechteck: abgerundete Ecken 1">
-            <a:extLst>
-              <a:ext uri="{FF2B5EF4-FFF2-40B4-BE49-F238E27FC236}">
-                <a16:creationId xmlns:a16="http://schemas.microsoft.com/office/drawing/2014/main" id="{C0C9BD85-5D44-4DCD-8185-479251691FA9}"/>
-              </a:ext>
-            </a:extLst>
-          </p:cNvPr>
-          <p:cNvSpPr/>
-          <p:nvPr/>
-        </p:nvSpPr>
-        <p:spPr>
-          <a:xfrm>
-            <a:off x="4947847" y="1847772"/>
-            <a:ext cx="1750595" cy="1396952"/>
-          </a:xfrm>
-          <a:prstGeom prst="roundRect">
-            <a:avLst>
-              <a:gd name="adj" fmla="val 3952"/>
-            </a:avLst>
-          </a:prstGeom>
-          <a:solidFill>
-            <a:srgbClr val="F2F2F2"/>
-          </a:solidFill>
-          <a:ln w="22225"/>
-        </p:spPr>
-        <p:style>
-          <a:lnRef idx="1">
-            <a:schemeClr val="dk1"/>
-          </a:lnRef>
-          <a:fillRef idx="2">
-            <a:schemeClr val="dk1"/>
-          </a:fillRef>
-          <a:effectRef idx="1">
-            <a:schemeClr val="dk1"/>
-          </a:effectRef>
-          <a:fontRef idx="minor">
-            <a:schemeClr val="dk1"/>
-          </a:fontRef>
-        </p:style>
-        <p:txBody>
-          <a:bodyPr rtlCol="0" anchor="t"/>
-          <a:lstStyle/>
-          <a:p>
-            <a:pPr algn="r"/>
-            <a:r>
-              <a:rPr lang="de-DE" sz="1400" b="1" dirty="0"/>
-              <a:t>SNAPSHOT</a:t>
-            </a:r>
-            <a:br>
-              <a:rPr lang="de-DE" sz="1400" b="1" dirty="0"/>
-            </a:br>
-            <a:r>
-              <a:rPr lang="de-DE" sz="1400" b="1" dirty="0"/>
-              <a:t>Repository</a:t>
-            </a:r>
-            <a:endParaRPr lang="en-US" sz="1600" dirty="0"/>
-          </a:p>
-        </p:txBody>
-      </p:sp>
-      <p:pic>
-        <p:nvPicPr>
-          <p:cNvPr id="4" name="Grafik 3" descr="Ein Bild, das Objekt, Uhr, Raum enthält.&#10;&#10;Automatisch generierte Beschreibung">
-            <a:extLst>
-              <a:ext uri="{FF2B5EF4-FFF2-40B4-BE49-F238E27FC236}">
-                <a16:creationId xmlns:a16="http://schemas.microsoft.com/office/drawing/2014/main" id="{099C7238-2A5A-4E00-866D-FED605FB0F80}"/>
-              </a:ext>
-            </a:extLst>
-          </p:cNvPr>
-          <p:cNvPicPr>
-            <a:picLocks noChangeAspect="1"/>
-          </p:cNvPicPr>
-          <p:nvPr/>
-        </p:nvPicPr>
-        <p:blipFill>
-          <a:blip r:embed="rId2">
-            <a:extLst>
-              <a:ext uri="{28A0092B-C50C-407E-A947-70E740481C1C}">
-                <a14:useLocalDpi xmlns:a14="http://schemas.microsoft.com/office/drawing/2010/main" val="0"/>
-              </a:ext>
-            </a:extLst>
-          </a:blip>
-          <a:stretch>
-            <a:fillRect/>
-          </a:stretch>
-        </p:blipFill>
-        <p:spPr>
-          <a:xfrm>
-            <a:off x="5018185" y="1931611"/>
-            <a:ext cx="304801" cy="304801"/>
-          </a:xfrm>
-          <a:prstGeom prst="rect">
-            <a:avLst/>
-          </a:prstGeom>
-        </p:spPr>
-      </p:pic>
-      <p:pic>
-        <p:nvPicPr>
-          <p:cNvPr id="6" name="Grafik 5" descr="Ein Bild, das Zeichnung enthält.&#10;&#10;Automatisch generierte Beschreibung">
-            <a:extLst>
-              <a:ext uri="{FF2B5EF4-FFF2-40B4-BE49-F238E27FC236}">
-                <a16:creationId xmlns:a16="http://schemas.microsoft.com/office/drawing/2014/main" id="{5694D1B4-FA52-4853-B1C6-07A2FF7735AA}"/>
-              </a:ext>
-            </a:extLst>
-          </p:cNvPr>
-          <p:cNvPicPr>
-            <a:picLocks noChangeAspect="1"/>
-          </p:cNvPicPr>
-          <p:nvPr/>
-        </p:nvPicPr>
-        <p:blipFill>
-          <a:blip r:embed="rId3">
-            <a:extLst>
-              <a:ext uri="{28A0092B-C50C-407E-A947-70E740481C1C}">
-                <a14:useLocalDpi xmlns:a14="http://schemas.microsoft.com/office/drawing/2010/main" val="0"/>
-              </a:ext>
-            </a:extLst>
-          </a:blip>
-          <a:stretch>
-            <a:fillRect/>
-          </a:stretch>
-        </p:blipFill>
-        <p:spPr>
-          <a:xfrm>
-            <a:off x="5393324" y="1931611"/>
-            <a:ext cx="273192" cy="304801"/>
-          </a:xfrm>
-          <a:prstGeom prst="rect">
-            <a:avLst/>
-          </a:prstGeom>
-        </p:spPr>
-      </p:pic>
-      <p:sp>
-        <p:nvSpPr>
-          <p:cNvPr id="7" name="Rechteck: abgerundete Ecken 6">
-            <a:extLst>
-              <a:ext uri="{FF2B5EF4-FFF2-40B4-BE49-F238E27FC236}">
-                <a16:creationId xmlns:a16="http://schemas.microsoft.com/office/drawing/2014/main" id="{F6FD61F2-9AC5-4715-BBF0-992F8BFD348B}"/>
-              </a:ext>
-            </a:extLst>
-          </p:cNvPr>
-          <p:cNvSpPr/>
-          <p:nvPr/>
-        </p:nvSpPr>
-        <p:spPr>
-          <a:xfrm>
-            <a:off x="4947847" y="3670222"/>
-            <a:ext cx="1750595" cy="1396952"/>
-          </a:xfrm>
-          <a:prstGeom prst="roundRect">
-            <a:avLst>
-              <a:gd name="adj" fmla="val 3952"/>
-            </a:avLst>
-          </a:prstGeom>
-          <a:solidFill>
-            <a:srgbClr val="F2F2F2"/>
-          </a:solidFill>
-          <a:ln w="22225"/>
-        </p:spPr>
-        <p:style>
-          <a:lnRef idx="1">
-            <a:schemeClr val="dk1"/>
-          </a:lnRef>
-          <a:fillRef idx="2">
-            <a:schemeClr val="dk1"/>
-          </a:fillRef>
-          <a:effectRef idx="1">
-            <a:schemeClr val="dk1"/>
-          </a:effectRef>
-          <a:fontRef idx="minor">
-            <a:schemeClr val="dk1"/>
-          </a:fontRef>
-        </p:style>
-        <p:txBody>
-          <a:bodyPr rtlCol="0" anchor="t"/>
-          <a:lstStyle/>
-          <a:p>
-            <a:pPr algn="r"/>
-            <a:r>
-              <a:rPr lang="de-DE" sz="1400" b="1" dirty="0"/>
-              <a:t>Stage: DEV</a:t>
-            </a:r>
-          </a:p>
-          <a:p>
-            <a:pPr algn="r"/>
-            <a:r>
-              <a:rPr lang="de-DE" sz="1400" b="1" dirty="0"/>
-              <a:t>API-Management</a:t>
-            </a:r>
-            <a:endParaRPr lang="en-US" sz="1400" b="1" dirty="0"/>
-          </a:p>
-        </p:txBody>
-      </p:sp>
-      <p:pic>
-        <p:nvPicPr>
-          <p:cNvPr id="13" name="Grafik 12" descr="Ein Bild, das Text, Schild enthält.&#10;&#10;Automatisch generierte Beschreibung">
-            <a:extLst>
-              <a:ext uri="{FF2B5EF4-FFF2-40B4-BE49-F238E27FC236}">
-                <a16:creationId xmlns:a16="http://schemas.microsoft.com/office/drawing/2014/main" id="{F89EEA7B-BD92-4A9D-B4BE-E425A91DB2BA}"/>
-              </a:ext>
-            </a:extLst>
-          </p:cNvPr>
-          <p:cNvPicPr>
-            <a:picLocks noChangeAspect="1"/>
-          </p:cNvPicPr>
-          <p:nvPr/>
-        </p:nvPicPr>
-        <p:blipFill rotWithShape="1">
-          <a:blip r:embed="rId4">
-            <a:extLst>
-              <a:ext uri="{28A0092B-C50C-407E-A947-70E740481C1C}">
-                <a14:useLocalDpi xmlns:a14="http://schemas.microsoft.com/office/drawing/2010/main" val="0"/>
-              </a:ext>
-            </a:extLst>
-          </a:blip>
-          <a:srcRect l="22835" t="14535" r="24895" b="38647"/>
-          <a:stretch/>
-        </p:blipFill>
-        <p:spPr>
-          <a:xfrm>
-            <a:off x="4980526" y="3511693"/>
-            <a:ext cx="352939" cy="362111"/>
-          </a:xfrm>
-          <a:prstGeom prst="rect">
-            <a:avLst/>
-          </a:prstGeom>
-        </p:spPr>
-      </p:pic>
-      <p:sp>
-        <p:nvSpPr>
-          <p:cNvPr id="14" name="Rechteck: abgerundete Ecken 13">
-            <a:extLst>
-              <a:ext uri="{FF2B5EF4-FFF2-40B4-BE49-F238E27FC236}">
-                <a16:creationId xmlns:a16="http://schemas.microsoft.com/office/drawing/2014/main" id="{857FA96E-9BDC-4E2D-9C6E-6A33F2526313}"/>
-              </a:ext>
-            </a:extLst>
-          </p:cNvPr>
-          <p:cNvSpPr/>
-          <p:nvPr/>
-        </p:nvSpPr>
-        <p:spPr>
-          <a:xfrm>
-            <a:off x="2921401" y="1847772"/>
-            <a:ext cx="1750595" cy="2026032"/>
-          </a:xfrm>
-          <a:prstGeom prst="roundRect">
-            <a:avLst>
-              <a:gd name="adj" fmla="val 3952"/>
-            </a:avLst>
-          </a:prstGeom>
-          <a:solidFill>
-            <a:srgbClr val="F2F2F2"/>
-          </a:solidFill>
-          <a:ln w="22225"/>
-        </p:spPr>
-        <p:style>
-          <a:lnRef idx="1">
-            <a:schemeClr val="dk1"/>
-          </a:lnRef>
-          <a:fillRef idx="2">
-            <a:schemeClr val="dk1"/>
-          </a:fillRef>
-          <a:effectRef idx="1">
-            <a:schemeClr val="dk1"/>
-          </a:effectRef>
-          <a:fontRef idx="minor">
-            <a:schemeClr val="dk1"/>
-          </a:fontRef>
-        </p:style>
-        <p:txBody>
-          <a:bodyPr rtlCol="0" anchor="t"/>
-          <a:lstStyle/>
-          <a:p>
-            <a:pPr algn="r"/>
-            <a:r>
-              <a:rPr lang="de-DE" sz="1400" b="1" dirty="0"/>
-              <a:t>Jenkins</a:t>
-            </a:r>
-          </a:p>
-          <a:p>
-            <a:pPr algn="r"/>
-            <a:r>
-              <a:rPr lang="de-DE" sz="1200" dirty="0"/>
-              <a:t>Development </a:t>
-            </a:r>
-            <a:r>
-              <a:rPr lang="de-DE" sz="1200" dirty="0" err="1"/>
-              <a:t>pipeline</a:t>
-            </a:r>
-            <a:endParaRPr lang="en-US" sz="1600" dirty="0"/>
-          </a:p>
-        </p:txBody>
-      </p:sp>
-      <p:pic>
-        <p:nvPicPr>
-          <p:cNvPr id="15" name="Grafik 14" descr="Ein Bild, das Raum, Zeichnung enthält.&#10;&#10;Automatisch generierte Beschreibung">
-            <a:extLst>
-              <a:ext uri="{FF2B5EF4-FFF2-40B4-BE49-F238E27FC236}">
-                <a16:creationId xmlns:a16="http://schemas.microsoft.com/office/drawing/2014/main" id="{046C6BBA-D4EF-418F-96A1-40F40867129D}"/>
-              </a:ext>
-            </a:extLst>
-          </p:cNvPr>
-          <p:cNvPicPr>
-            <a:picLocks noChangeAspect="1"/>
-          </p:cNvPicPr>
-          <p:nvPr/>
-        </p:nvPicPr>
-        <p:blipFill rotWithShape="1">
-          <a:blip r:embed="rId5">
-            <a:extLst>
-              <a:ext uri="{28A0092B-C50C-407E-A947-70E740481C1C}">
-                <a14:useLocalDpi xmlns:a14="http://schemas.microsoft.com/office/drawing/2010/main" val="0"/>
-              </a:ext>
-            </a:extLst>
-          </a:blip>
-          <a:srcRect l="35029" t="19605" r="34531" b="19769"/>
-          <a:stretch/>
-        </p:blipFill>
-        <p:spPr>
-          <a:xfrm>
-            <a:off x="3034322" y="1652920"/>
-            <a:ext cx="374631" cy="514313"/>
-          </a:xfrm>
-          <a:prstGeom prst="rect">
-            <a:avLst/>
-          </a:prstGeom>
-        </p:spPr>
-      </p:pic>
-      <p:sp>
-        <p:nvSpPr>
-          <p:cNvPr id="16" name="Rechteck 15">
-            <a:extLst>
-              <a:ext uri="{FF2B5EF4-FFF2-40B4-BE49-F238E27FC236}">
-                <a16:creationId xmlns:a16="http://schemas.microsoft.com/office/drawing/2014/main" id="{B5F5D0DD-6B40-437F-BCFD-E753422231ED}"/>
-              </a:ext>
-            </a:extLst>
-          </p:cNvPr>
-          <p:cNvSpPr/>
-          <p:nvPr/>
-        </p:nvSpPr>
-        <p:spPr>
-          <a:xfrm>
-            <a:off x="2980832" y="2496148"/>
-            <a:ext cx="1634013" cy="602850"/>
-          </a:xfrm>
-          <a:prstGeom prst="rect">
-            <a:avLst/>
-          </a:prstGeom>
-          <a:ln>
-            <a:solidFill>
-              <a:schemeClr val="bg1">
-                <a:lumMod val="50000"/>
-              </a:schemeClr>
-            </a:solidFill>
-          </a:ln>
-        </p:spPr>
-        <p:style>
-          <a:lnRef idx="2">
-            <a:schemeClr val="dk1"/>
-          </a:lnRef>
-          <a:fillRef idx="1">
-            <a:schemeClr val="lt1"/>
-          </a:fillRef>
-          <a:effectRef idx="0">
-            <a:schemeClr val="dk1"/>
-          </a:effectRef>
-          <a:fontRef idx="minor">
-            <a:schemeClr val="dk1"/>
-          </a:fontRef>
-        </p:style>
-        <p:txBody>
-          <a:bodyPr rtlCol="0" anchor="ctr"/>
-          <a:lstStyle/>
-          <a:p>
-            <a:pPr algn="r"/>
-            <a:r>
-              <a:rPr lang="de-DE" sz="1100" dirty="0"/>
-              <a:t>Create SNAPSHOT </a:t>
-            </a:r>
-            <a:r>
-              <a:rPr lang="de-DE" sz="1100" dirty="0" err="1"/>
-              <a:t>package</a:t>
-            </a:r>
-            <a:endParaRPr lang="en-US" sz="1100" dirty="0"/>
-          </a:p>
-        </p:txBody>
-      </p:sp>
-      <p:pic>
-        <p:nvPicPr>
-          <p:cNvPr id="17" name="Grafik 16">
-            <a:extLst>
-              <a:ext uri="{FF2B5EF4-FFF2-40B4-BE49-F238E27FC236}">
-                <a16:creationId xmlns:a16="http://schemas.microsoft.com/office/drawing/2014/main" id="{580DAB8B-34B0-4816-8264-FA5940928950}"/>
-              </a:ext>
-            </a:extLst>
-          </p:cNvPr>
-          <p:cNvPicPr>
-            <a:picLocks noChangeAspect="1"/>
-          </p:cNvPicPr>
-          <p:nvPr/>
-        </p:nvPicPr>
-        <p:blipFill>
-          <a:blip r:embed="rId6">
-            <a:extLst>
-              <a:ext uri="{28A0092B-C50C-407E-A947-70E740481C1C}">
-                <a14:useLocalDpi xmlns:a14="http://schemas.microsoft.com/office/drawing/2010/main" val="0"/>
-              </a:ext>
-            </a:extLst>
-          </a:blip>
-          <a:stretch>
-            <a:fillRect/>
-          </a:stretch>
-        </p:blipFill>
-        <p:spPr>
-          <a:xfrm>
-            <a:off x="3046998" y="2718215"/>
-            <a:ext cx="138573" cy="152400"/>
-          </a:xfrm>
-          <a:prstGeom prst="rect">
-            <a:avLst/>
-          </a:prstGeom>
-        </p:spPr>
-      </p:pic>
-      <p:sp>
-        <p:nvSpPr>
-          <p:cNvPr id="26" name="Rechteck 25">
-            <a:extLst>
-              <a:ext uri="{FF2B5EF4-FFF2-40B4-BE49-F238E27FC236}">
-                <a16:creationId xmlns:a16="http://schemas.microsoft.com/office/drawing/2014/main" id="{12DB9A41-3EDB-4176-A46F-F8050BFA49A6}"/>
-              </a:ext>
-            </a:extLst>
-          </p:cNvPr>
-          <p:cNvSpPr/>
-          <p:nvPr/>
-        </p:nvSpPr>
-        <p:spPr>
-          <a:xfrm>
-            <a:off x="5018185" y="2496148"/>
-            <a:ext cx="1634013" cy="602850"/>
-          </a:xfrm>
-          <a:prstGeom prst="rect">
-            <a:avLst/>
-          </a:prstGeom>
-          <a:ln>
-            <a:solidFill>
-              <a:schemeClr val="bg1">
-                <a:lumMod val="50000"/>
-              </a:schemeClr>
-            </a:solidFill>
-          </a:ln>
-        </p:spPr>
-        <p:style>
-          <a:lnRef idx="2">
-            <a:schemeClr val="dk1"/>
-          </a:lnRef>
-          <a:fillRef idx="1">
-            <a:schemeClr val="lt1"/>
-          </a:fillRef>
-          <a:effectRef idx="0">
-            <a:schemeClr val="dk1"/>
-          </a:effectRef>
-          <a:fontRef idx="minor">
-            <a:schemeClr val="dk1"/>
-          </a:fontRef>
-        </p:style>
-        <p:txBody>
-          <a:bodyPr rIns="36000" rtlCol="0" anchor="ctr"/>
-          <a:lstStyle/>
-          <a:p>
-            <a:pPr algn="r"/>
-            <a:r>
-              <a:rPr lang="de-DE" sz="1100" dirty="0"/>
-              <a:t>API1-V1.0-SNAPSHOT</a:t>
-            </a:r>
-            <a:endParaRPr lang="en-US" sz="1100" dirty="0"/>
-          </a:p>
-        </p:txBody>
-      </p:sp>
-      <p:pic>
-        <p:nvPicPr>
-          <p:cNvPr id="30" name="Grafik 29" descr="Ein Bild, das Ziegelstein, Tisch enthält.&#10;&#10;Automatisch generierte Beschreibung">
-            <a:extLst>
-              <a:ext uri="{FF2B5EF4-FFF2-40B4-BE49-F238E27FC236}">
-                <a16:creationId xmlns:a16="http://schemas.microsoft.com/office/drawing/2014/main" id="{D30EBDAB-A406-4D6D-AB07-26264C3878D0}"/>
-              </a:ext>
-            </a:extLst>
-          </p:cNvPr>
-          <p:cNvPicPr>
-            <a:picLocks noChangeAspect="1"/>
-          </p:cNvPicPr>
-          <p:nvPr/>
-        </p:nvPicPr>
-        <p:blipFill>
-          <a:blip r:embed="rId7">
-            <a:extLst>
-              <a:ext uri="{28A0092B-C50C-407E-A947-70E740481C1C}">
-                <a14:useLocalDpi xmlns:a14="http://schemas.microsoft.com/office/drawing/2010/main" val="0"/>
-              </a:ext>
-            </a:extLst>
-          </a:blip>
-          <a:stretch>
-            <a:fillRect/>
-          </a:stretch>
-        </p:blipFill>
-        <p:spPr>
-          <a:xfrm>
-            <a:off x="5096955" y="2720786"/>
-            <a:ext cx="147259" cy="147259"/>
-          </a:xfrm>
-          <a:prstGeom prst="rect">
-            <a:avLst/>
-          </a:prstGeom>
-        </p:spPr>
-      </p:pic>
-      <p:sp>
-        <p:nvSpPr>
-          <p:cNvPr id="31" name="Rechteck: abgerundete Ecken 30">
-            <a:extLst>
-              <a:ext uri="{FF2B5EF4-FFF2-40B4-BE49-F238E27FC236}">
-                <a16:creationId xmlns:a16="http://schemas.microsoft.com/office/drawing/2014/main" id="{10D9B9A4-1654-4BF8-834F-5A38F911A632}"/>
-              </a:ext>
-            </a:extLst>
-          </p:cNvPr>
-          <p:cNvSpPr/>
-          <p:nvPr/>
-        </p:nvSpPr>
-        <p:spPr>
-          <a:xfrm>
-            <a:off x="790602" y="1847724"/>
-            <a:ext cx="1893919" cy="1396952"/>
-          </a:xfrm>
-          <a:prstGeom prst="roundRect">
-            <a:avLst>
-              <a:gd name="adj" fmla="val 3952"/>
-            </a:avLst>
-          </a:prstGeom>
-          <a:solidFill>
-            <a:srgbClr val="F2F2F2"/>
-          </a:solidFill>
-          <a:ln w="22225"/>
-        </p:spPr>
-        <p:style>
-          <a:lnRef idx="1">
-            <a:schemeClr val="dk1"/>
-          </a:lnRef>
-          <a:fillRef idx="2">
-            <a:schemeClr val="dk1"/>
-          </a:fillRef>
-          <a:effectRef idx="1">
-            <a:schemeClr val="dk1"/>
-          </a:effectRef>
-          <a:fontRef idx="minor">
-            <a:schemeClr val="dk1"/>
-          </a:fontRef>
-        </p:style>
-        <p:txBody>
-          <a:bodyPr rtlCol="0" anchor="t"/>
-          <a:lstStyle/>
-          <a:p>
-            <a:pPr algn="r"/>
-            <a:r>
-              <a:rPr lang="de-DE" sz="1400" b="1" dirty="0"/>
-              <a:t>Version Control</a:t>
-            </a:r>
-            <a:br>
-              <a:rPr lang="de-DE" sz="1400" b="1" dirty="0"/>
-            </a:br>
-            <a:r>
-              <a:rPr lang="de-DE" sz="1400" b="1" dirty="0" err="1"/>
-              <a:t>Bitbucket</a:t>
-            </a:r>
-            <a:r>
-              <a:rPr lang="de-DE" sz="1400" b="1" dirty="0"/>
-              <a:t> / GitHub</a:t>
-            </a:r>
-            <a:endParaRPr lang="en-US" sz="1400" b="1" dirty="0"/>
-          </a:p>
-        </p:txBody>
-      </p:sp>
-      <p:pic>
-        <p:nvPicPr>
-          <p:cNvPr id="32" name="Grafik 31">
-            <a:extLst>
-              <a:ext uri="{FF2B5EF4-FFF2-40B4-BE49-F238E27FC236}">
-                <a16:creationId xmlns:a16="http://schemas.microsoft.com/office/drawing/2014/main" id="{7A0B7571-D555-4B87-B5D7-C04F0616A58C}"/>
-              </a:ext>
-            </a:extLst>
-          </p:cNvPr>
-          <p:cNvPicPr>
-            <a:picLocks noChangeAspect="1"/>
-          </p:cNvPicPr>
-          <p:nvPr/>
-        </p:nvPicPr>
-        <p:blipFill>
-          <a:blip r:embed="rId8">
-            <a:extLst>
-              <a:ext uri="{28A0092B-C50C-407E-A947-70E740481C1C}">
-                <a14:useLocalDpi xmlns:a14="http://schemas.microsoft.com/office/drawing/2010/main" val="0"/>
-              </a:ext>
-              <a:ext uri="{96DAC541-7B7A-43D3-8B79-37D633B846F1}">
-                <asvg:svgBlip xmlns:asvg="http://schemas.microsoft.com/office/drawing/2016/SVG/main" r:embed="rId9"/>
-              </a:ext>
-            </a:extLst>
-          </a:blip>
-          <a:stretch>
-            <a:fillRect/>
-          </a:stretch>
-        </p:blipFill>
-        <p:spPr>
-          <a:xfrm>
-            <a:off x="765636" y="1710818"/>
-            <a:ext cx="305193" cy="275406"/>
-          </a:xfrm>
-          <a:prstGeom prst="rect">
-            <a:avLst/>
-          </a:prstGeom>
-        </p:spPr>
-      </p:pic>
-      <p:pic>
-        <p:nvPicPr>
-          <p:cNvPr id="33" name="Grafik 32">
-            <a:extLst>
-              <a:ext uri="{FF2B5EF4-FFF2-40B4-BE49-F238E27FC236}">
-                <a16:creationId xmlns:a16="http://schemas.microsoft.com/office/drawing/2014/main" id="{41DB1411-E633-4CBC-9320-787C906A32F0}"/>
-              </a:ext>
-            </a:extLst>
-          </p:cNvPr>
-          <p:cNvPicPr>
-            <a:picLocks noChangeAspect="1"/>
-          </p:cNvPicPr>
-          <p:nvPr/>
-        </p:nvPicPr>
-        <p:blipFill>
-          <a:blip r:embed="rId10">
-            <a:extLst>
-              <a:ext uri="{28A0092B-C50C-407E-A947-70E740481C1C}">
-                <a14:useLocalDpi xmlns:a14="http://schemas.microsoft.com/office/drawing/2010/main" val="0"/>
-              </a:ext>
-            </a:extLst>
-          </a:blip>
-          <a:stretch>
-            <a:fillRect/>
-          </a:stretch>
-        </p:blipFill>
-        <p:spPr>
-          <a:xfrm>
-            <a:off x="1127839" y="1709224"/>
-            <a:ext cx="276999" cy="276999"/>
-          </a:xfrm>
-          <a:prstGeom prst="rect">
-            <a:avLst/>
-          </a:prstGeom>
-        </p:spPr>
-      </p:pic>
-      <p:sp>
-        <p:nvSpPr>
-          <p:cNvPr id="57" name="Rechteck 56">
-            <a:extLst>
-              <a:ext uri="{FF2B5EF4-FFF2-40B4-BE49-F238E27FC236}">
-                <a16:creationId xmlns:a16="http://schemas.microsoft.com/office/drawing/2014/main" id="{9A70AA03-1ACF-499F-8A6F-153FF21D2E15}"/>
-              </a:ext>
-            </a:extLst>
-          </p:cNvPr>
-          <p:cNvSpPr/>
-          <p:nvPr/>
-        </p:nvSpPr>
-        <p:spPr>
-          <a:xfrm>
-            <a:off x="884749" y="2496148"/>
-            <a:ext cx="1715603" cy="602850"/>
-          </a:xfrm>
-          <a:prstGeom prst="rect">
-            <a:avLst/>
-          </a:prstGeom>
-          <a:ln>
-            <a:solidFill>
-              <a:schemeClr val="bg1">
-                <a:lumMod val="50000"/>
-              </a:schemeClr>
-            </a:solidFill>
-          </a:ln>
-        </p:spPr>
-        <p:style>
-          <a:lnRef idx="2">
-            <a:schemeClr val="dk1"/>
-          </a:lnRef>
-          <a:fillRef idx="1">
-            <a:schemeClr val="lt1"/>
-          </a:fillRef>
-          <a:effectRef idx="0">
-            <a:schemeClr val="dk1"/>
-          </a:effectRef>
-          <a:fontRef idx="minor">
-            <a:schemeClr val="dk1"/>
-          </a:fontRef>
-        </p:style>
-        <p:txBody>
-          <a:bodyPr rtlCol="0" anchor="ctr"/>
-          <a:lstStyle/>
-          <a:p>
-            <a:pPr algn="r"/>
-            <a:r>
-              <a:rPr lang="de-DE" sz="1100" dirty="0"/>
-              <a:t>API 1</a:t>
-            </a:r>
-            <a:br>
-              <a:rPr lang="de-DE" sz="1100" dirty="0"/>
-            </a:br>
-            <a:r>
-              <a:rPr lang="de-DE" sz="1100" dirty="0"/>
-              <a:t>API-</a:t>
-            </a:r>
-            <a:r>
-              <a:rPr lang="de-DE" sz="1100" dirty="0" err="1"/>
-              <a:t>Config</a:t>
-            </a:r>
-            <a:r>
-              <a:rPr lang="de-DE" sz="1100" dirty="0"/>
-              <a:t> &amp; </a:t>
-            </a:r>
-            <a:r>
-              <a:rPr lang="de-DE" sz="1100" dirty="0" err="1"/>
-              <a:t>Jenkinsfile</a:t>
-            </a:r>
-            <a:endParaRPr lang="de-DE" sz="1100" dirty="0"/>
-          </a:p>
-          <a:p>
-            <a:pPr algn="r"/>
-            <a:r>
-              <a:rPr lang="de-DE" sz="1100" dirty="0"/>
-              <a:t>pom.xml</a:t>
-            </a:r>
-            <a:endParaRPr lang="en-US" sz="1100" dirty="0"/>
-          </a:p>
-        </p:txBody>
-      </p:sp>
-      <p:pic>
-        <p:nvPicPr>
-          <p:cNvPr id="35" name="Grafik 34" descr="Ein Bild, das schwarz enthält.&#10;&#10;Automatisch generierte Beschreibung">
-            <a:extLst>
-              <a:ext uri="{FF2B5EF4-FFF2-40B4-BE49-F238E27FC236}">
-                <a16:creationId xmlns:a16="http://schemas.microsoft.com/office/drawing/2014/main" id="{8EA75F08-E5C6-4532-BE36-AA2900617CE0}"/>
-              </a:ext>
-            </a:extLst>
-          </p:cNvPr>
-          <p:cNvPicPr>
-            <a:picLocks noChangeAspect="1"/>
-          </p:cNvPicPr>
-          <p:nvPr/>
-        </p:nvPicPr>
-        <p:blipFill>
-          <a:blip r:embed="rId11">
-            <a:extLst>
-              <a:ext uri="{28A0092B-C50C-407E-A947-70E740481C1C}">
-                <a14:useLocalDpi xmlns:a14="http://schemas.microsoft.com/office/drawing/2010/main" val="0"/>
-              </a:ext>
-            </a:extLst>
-          </a:blip>
-          <a:stretch>
-            <a:fillRect/>
-          </a:stretch>
-        </p:blipFill>
-        <p:spPr>
-          <a:xfrm>
-            <a:off x="918511" y="2547023"/>
-            <a:ext cx="229415" cy="224564"/>
-          </a:xfrm>
-          <a:prstGeom prst="rect">
-            <a:avLst/>
-          </a:prstGeom>
-        </p:spPr>
-      </p:pic>
-      <p:sp>
-        <p:nvSpPr>
-          <p:cNvPr id="60" name="Rechteck: abgerundete Ecken 59">
-            <a:extLst>
-              <a:ext uri="{FF2B5EF4-FFF2-40B4-BE49-F238E27FC236}">
-                <a16:creationId xmlns:a16="http://schemas.microsoft.com/office/drawing/2014/main" id="{4DED1C37-E045-498C-87E2-1A422E5EA747}"/>
-              </a:ext>
-            </a:extLst>
-          </p:cNvPr>
-          <p:cNvSpPr/>
-          <p:nvPr/>
-        </p:nvSpPr>
-        <p:spPr>
-          <a:xfrm>
-            <a:off x="9162779" y="1848547"/>
-            <a:ext cx="1750595" cy="1396952"/>
-          </a:xfrm>
-          <a:prstGeom prst="roundRect">
-            <a:avLst>
-              <a:gd name="adj" fmla="val 3952"/>
-            </a:avLst>
-          </a:prstGeom>
-          <a:solidFill>
-            <a:srgbClr val="F2F2F2"/>
-          </a:solidFill>
-          <a:ln w="22225"/>
-        </p:spPr>
-        <p:style>
-          <a:lnRef idx="1">
-            <a:schemeClr val="dk1"/>
-          </a:lnRef>
-          <a:fillRef idx="2">
-            <a:schemeClr val="dk1"/>
-          </a:fillRef>
-          <a:effectRef idx="1">
-            <a:schemeClr val="dk1"/>
-          </a:effectRef>
-          <a:fontRef idx="minor">
-            <a:schemeClr val="dk1"/>
-          </a:fontRef>
-        </p:style>
-        <p:txBody>
-          <a:bodyPr rtlCol="0" anchor="t"/>
-          <a:lstStyle/>
-          <a:p>
-            <a:pPr algn="r"/>
-            <a:r>
-              <a:rPr lang="de-DE" sz="1400" b="1" dirty="0"/>
-              <a:t>RELEASE</a:t>
-            </a:r>
-            <a:br>
-              <a:rPr lang="de-DE" sz="1400" b="1" dirty="0"/>
-            </a:br>
-            <a:r>
-              <a:rPr lang="de-DE" sz="1400" b="1" dirty="0"/>
-              <a:t>Repository</a:t>
-            </a:r>
-            <a:endParaRPr lang="en-US" sz="1600" dirty="0"/>
-          </a:p>
-        </p:txBody>
-      </p:sp>
-      <p:pic>
-        <p:nvPicPr>
-          <p:cNvPr id="61" name="Grafik 60" descr="Ein Bild, das Objekt, Uhr, Raum enthält.&#10;&#10;Automatisch generierte Beschreibung">
-            <a:extLst>
-              <a:ext uri="{FF2B5EF4-FFF2-40B4-BE49-F238E27FC236}">
-                <a16:creationId xmlns:a16="http://schemas.microsoft.com/office/drawing/2014/main" id="{FB8E292B-2D02-4BF7-A474-B9D20F3509F0}"/>
-              </a:ext>
-            </a:extLst>
-          </p:cNvPr>
-          <p:cNvPicPr>
-            <a:picLocks noChangeAspect="1"/>
-          </p:cNvPicPr>
-          <p:nvPr/>
-        </p:nvPicPr>
-        <p:blipFill>
-          <a:blip r:embed="rId2">
-            <a:extLst>
-              <a:ext uri="{28A0092B-C50C-407E-A947-70E740481C1C}">
-                <a14:useLocalDpi xmlns:a14="http://schemas.microsoft.com/office/drawing/2010/main" val="0"/>
-              </a:ext>
-            </a:extLst>
-          </a:blip>
-          <a:stretch>
-            <a:fillRect/>
-          </a:stretch>
-        </p:blipFill>
-        <p:spPr>
-          <a:xfrm>
-            <a:off x="9239203" y="1932386"/>
-            <a:ext cx="304801" cy="304801"/>
-          </a:xfrm>
-          <a:prstGeom prst="rect">
-            <a:avLst/>
-          </a:prstGeom>
-        </p:spPr>
-      </p:pic>
-      <p:pic>
-        <p:nvPicPr>
-          <p:cNvPr id="62" name="Grafik 61" descr="Ein Bild, das Zeichnung enthält.&#10;&#10;Automatisch generierte Beschreibung">
-            <a:extLst>
-              <a:ext uri="{FF2B5EF4-FFF2-40B4-BE49-F238E27FC236}">
-                <a16:creationId xmlns:a16="http://schemas.microsoft.com/office/drawing/2014/main" id="{C2C3C276-1F86-41C5-A4C7-8C008CA2DBD9}"/>
-              </a:ext>
-            </a:extLst>
-          </p:cNvPr>
-          <p:cNvPicPr>
-            <a:picLocks noChangeAspect="1"/>
-          </p:cNvPicPr>
-          <p:nvPr/>
-        </p:nvPicPr>
-        <p:blipFill>
-          <a:blip r:embed="rId3">
-            <a:extLst>
-              <a:ext uri="{28A0092B-C50C-407E-A947-70E740481C1C}">
-                <a14:useLocalDpi xmlns:a14="http://schemas.microsoft.com/office/drawing/2010/main" val="0"/>
-              </a:ext>
-            </a:extLst>
-          </a:blip>
-          <a:stretch>
-            <a:fillRect/>
-          </a:stretch>
-        </p:blipFill>
-        <p:spPr>
-          <a:xfrm>
-            <a:off x="9614342" y="1932386"/>
-            <a:ext cx="273192" cy="304801"/>
-          </a:xfrm>
-          <a:prstGeom prst="rect">
-            <a:avLst/>
-          </a:prstGeom>
-        </p:spPr>
-      </p:pic>
-      <p:sp>
-        <p:nvSpPr>
-          <p:cNvPr id="63" name="Rechteck 62">
-            <a:extLst>
-              <a:ext uri="{FF2B5EF4-FFF2-40B4-BE49-F238E27FC236}">
-                <a16:creationId xmlns:a16="http://schemas.microsoft.com/office/drawing/2014/main" id="{8ECC9C70-6BA2-4407-A337-A060E4D3798B}"/>
-              </a:ext>
-            </a:extLst>
-          </p:cNvPr>
-          <p:cNvSpPr/>
-          <p:nvPr/>
-        </p:nvSpPr>
-        <p:spPr>
-          <a:xfrm>
-            <a:off x="9239203" y="2496923"/>
-            <a:ext cx="1634013" cy="602850"/>
-          </a:xfrm>
-          <a:prstGeom prst="rect">
-            <a:avLst/>
-          </a:prstGeom>
-          <a:ln>
-            <a:solidFill>
-              <a:schemeClr val="bg1">
-                <a:lumMod val="50000"/>
-              </a:schemeClr>
-            </a:solidFill>
-          </a:ln>
-        </p:spPr>
-        <p:style>
-          <a:lnRef idx="2">
-            <a:schemeClr val="dk1"/>
-          </a:lnRef>
-          <a:fillRef idx="1">
-            <a:schemeClr val="lt1"/>
-          </a:fillRef>
-          <a:effectRef idx="0">
-            <a:schemeClr val="dk1"/>
-          </a:effectRef>
-          <a:fontRef idx="minor">
-            <a:schemeClr val="dk1"/>
-          </a:fontRef>
-        </p:style>
-        <p:txBody>
-          <a:bodyPr rIns="36000" rtlCol="0" anchor="ctr"/>
-          <a:lstStyle/>
-          <a:p>
-            <a:pPr algn="r"/>
-            <a:r>
-              <a:rPr lang="de-DE" sz="1100" dirty="0"/>
-              <a:t>API1-V1.0</a:t>
-            </a:r>
-            <a:endParaRPr lang="en-US" sz="1100" dirty="0"/>
-          </a:p>
-        </p:txBody>
-      </p:sp>
-      <p:pic>
-        <p:nvPicPr>
-          <p:cNvPr id="64" name="Grafik 63" descr="Ein Bild, das Ziegelstein, Tisch enthält.&#10;&#10;Automatisch generierte Beschreibung">
-            <a:extLst>
-              <a:ext uri="{FF2B5EF4-FFF2-40B4-BE49-F238E27FC236}">
-                <a16:creationId xmlns:a16="http://schemas.microsoft.com/office/drawing/2014/main" id="{266C6BB0-E9F3-49EE-A23B-5C6AEE02ED4F}"/>
-              </a:ext>
-            </a:extLst>
-          </p:cNvPr>
-          <p:cNvPicPr>
-            <a:picLocks noChangeAspect="1"/>
-          </p:cNvPicPr>
-          <p:nvPr/>
-        </p:nvPicPr>
-        <p:blipFill>
-          <a:blip r:embed="rId7">
-            <a:extLst>
-              <a:ext uri="{28A0092B-C50C-407E-A947-70E740481C1C}">
-                <a14:useLocalDpi xmlns:a14="http://schemas.microsoft.com/office/drawing/2010/main" val="0"/>
-              </a:ext>
-            </a:extLst>
-          </a:blip>
-          <a:stretch>
-            <a:fillRect/>
-          </a:stretch>
-        </p:blipFill>
-        <p:spPr>
-          <a:xfrm>
-            <a:off x="9317973" y="2721561"/>
-            <a:ext cx="147259" cy="147259"/>
-          </a:xfrm>
-          <a:prstGeom prst="rect">
-            <a:avLst/>
-          </a:prstGeom>
-        </p:spPr>
-      </p:pic>
-      <p:sp>
-        <p:nvSpPr>
-          <p:cNvPr id="65" name="Rechteck: abgerundete Ecken 64">
-            <a:extLst>
-              <a:ext uri="{FF2B5EF4-FFF2-40B4-BE49-F238E27FC236}">
-                <a16:creationId xmlns:a16="http://schemas.microsoft.com/office/drawing/2014/main" id="{C77FED26-966A-4804-99CA-D16909BAB0DD}"/>
-              </a:ext>
-            </a:extLst>
-          </p:cNvPr>
-          <p:cNvSpPr/>
-          <p:nvPr/>
-        </p:nvSpPr>
-        <p:spPr>
-          <a:xfrm>
-            <a:off x="7003784" y="1847724"/>
-            <a:ext cx="1750595" cy="1396952"/>
-          </a:xfrm>
-          <a:prstGeom prst="roundRect">
-            <a:avLst>
-              <a:gd name="adj" fmla="val 3952"/>
-            </a:avLst>
-          </a:prstGeom>
-          <a:solidFill>
-            <a:srgbClr val="F2F2F2"/>
-          </a:solidFill>
-          <a:ln w="22225"/>
-        </p:spPr>
-        <p:style>
-          <a:lnRef idx="1">
-            <a:schemeClr val="dk1"/>
-          </a:lnRef>
-          <a:fillRef idx="2">
-            <a:schemeClr val="dk1"/>
-          </a:fillRef>
-          <a:effectRef idx="1">
-            <a:schemeClr val="dk1"/>
-          </a:effectRef>
-          <a:fontRef idx="minor">
-            <a:schemeClr val="dk1"/>
-          </a:fontRef>
-        </p:style>
-        <p:txBody>
-          <a:bodyPr rtlCol="0" anchor="t"/>
-          <a:lstStyle/>
-          <a:p>
-            <a:pPr algn="r"/>
-            <a:r>
-              <a:rPr lang="de-DE" sz="1400" b="1" dirty="0"/>
-              <a:t>Jenkins</a:t>
-            </a:r>
-          </a:p>
-          <a:p>
-            <a:pPr algn="r"/>
-            <a:r>
-              <a:rPr lang="de-DE" sz="1200" dirty="0"/>
-              <a:t>Release </a:t>
-            </a:r>
-            <a:r>
-              <a:rPr lang="de-DE" sz="1200" dirty="0" err="1"/>
-              <a:t>pipeline</a:t>
-            </a:r>
-            <a:endParaRPr lang="en-US" sz="1600" dirty="0"/>
-          </a:p>
-        </p:txBody>
-      </p:sp>
-      <p:sp>
-        <p:nvSpPr>
-          <p:cNvPr id="67" name="Rechteck 66">
-            <a:extLst>
-              <a:ext uri="{FF2B5EF4-FFF2-40B4-BE49-F238E27FC236}">
-                <a16:creationId xmlns:a16="http://schemas.microsoft.com/office/drawing/2014/main" id="{7C93DD7A-7419-41E4-A6F7-71BE041E46E5}"/>
-              </a:ext>
-            </a:extLst>
-          </p:cNvPr>
-          <p:cNvSpPr/>
-          <p:nvPr/>
-        </p:nvSpPr>
-        <p:spPr>
-          <a:xfrm>
-            <a:off x="7063215" y="2496100"/>
-            <a:ext cx="1634013" cy="602850"/>
-          </a:xfrm>
-          <a:prstGeom prst="rect">
-            <a:avLst/>
-          </a:prstGeom>
-          <a:ln>
-            <a:solidFill>
-              <a:schemeClr val="bg1">
-                <a:lumMod val="50000"/>
-              </a:schemeClr>
-            </a:solidFill>
-          </a:ln>
-        </p:spPr>
-        <p:style>
-          <a:lnRef idx="2">
-            <a:schemeClr val="dk1"/>
-          </a:lnRef>
-          <a:fillRef idx="1">
-            <a:schemeClr val="lt1"/>
-          </a:fillRef>
-          <a:effectRef idx="0">
-            <a:schemeClr val="dk1"/>
-          </a:effectRef>
-          <a:fontRef idx="minor">
-            <a:schemeClr val="dk1"/>
-          </a:fontRef>
-        </p:style>
-        <p:txBody>
-          <a:bodyPr rtlCol="0" anchor="ctr"/>
-          <a:lstStyle/>
-          <a:p>
-            <a:pPr algn="r"/>
-            <a:r>
-              <a:rPr lang="de-DE" sz="1100" dirty="0"/>
-              <a:t>Create &amp; Publish </a:t>
-            </a:r>
-          </a:p>
-          <a:p>
-            <a:pPr algn="r"/>
-            <a:r>
-              <a:rPr lang="de-DE" sz="1100" dirty="0"/>
-              <a:t>release</a:t>
-            </a:r>
-            <a:endParaRPr lang="en-US" sz="1100" dirty="0"/>
-          </a:p>
-        </p:txBody>
-      </p:sp>
-      <p:pic>
-        <p:nvPicPr>
-          <p:cNvPr id="68" name="Grafik 67">
-            <a:extLst>
-              <a:ext uri="{FF2B5EF4-FFF2-40B4-BE49-F238E27FC236}">
-                <a16:creationId xmlns:a16="http://schemas.microsoft.com/office/drawing/2014/main" id="{BE296906-1F93-4C84-91EC-8BEF860E0AB7}"/>
-              </a:ext>
-            </a:extLst>
-          </p:cNvPr>
-          <p:cNvPicPr>
-            <a:picLocks noChangeAspect="1"/>
-          </p:cNvPicPr>
-          <p:nvPr/>
-        </p:nvPicPr>
-        <p:blipFill>
-          <a:blip r:embed="rId6">
-            <a:extLst>
-              <a:ext uri="{28A0092B-C50C-407E-A947-70E740481C1C}">
-                <a14:useLocalDpi xmlns:a14="http://schemas.microsoft.com/office/drawing/2010/main" val="0"/>
-              </a:ext>
-            </a:extLst>
-          </a:blip>
-          <a:stretch>
-            <a:fillRect/>
-          </a:stretch>
-        </p:blipFill>
-        <p:spPr>
-          <a:xfrm>
-            <a:off x="7122095" y="2718215"/>
-            <a:ext cx="138573" cy="152400"/>
-          </a:xfrm>
-          <a:prstGeom prst="rect">
-            <a:avLst/>
-          </a:prstGeom>
-        </p:spPr>
-      </p:pic>
-      <p:cxnSp>
-        <p:nvCxnSpPr>
-          <p:cNvPr id="70" name="Gerade Verbindung mit Pfeil 69">
-            <a:extLst>
-              <a:ext uri="{FF2B5EF4-FFF2-40B4-BE49-F238E27FC236}">
-                <a16:creationId xmlns:a16="http://schemas.microsoft.com/office/drawing/2014/main" id="{4F39264B-9734-497A-A0E2-AC04D7B2000F}"/>
-              </a:ext>
-            </a:extLst>
-          </p:cNvPr>
-          <p:cNvCxnSpPr>
-            <a:stCxn id="57" idx="3"/>
-            <a:endCxn id="16" idx="1"/>
-          </p:cNvCxnSpPr>
-          <p:nvPr/>
-        </p:nvCxnSpPr>
-        <p:spPr>
-          <a:xfrm>
-            <a:off x="2600352" y="2797573"/>
-            <a:ext cx="380480" cy="0"/>
-          </a:xfrm>
-          <a:prstGeom prst="straightConnector1">
-            <a:avLst/>
-          </a:prstGeom>
-          <a:ln w="12700">
-            <a:tailEnd type="triangle" w="lg" len="lg"/>
-          </a:ln>
-        </p:spPr>
-        <p:style>
-          <a:lnRef idx="1">
-            <a:schemeClr val="dk1"/>
-          </a:lnRef>
-          <a:fillRef idx="0">
-            <a:schemeClr val="dk1"/>
-          </a:fillRef>
-          <a:effectRef idx="0">
-            <a:schemeClr val="dk1"/>
-          </a:effectRef>
-          <a:fontRef idx="minor">
-            <a:schemeClr val="tx1"/>
-          </a:fontRef>
-        </p:style>
-      </p:cxnSp>
-      <p:cxnSp>
-        <p:nvCxnSpPr>
-          <p:cNvPr id="71" name="Gerade Verbindung mit Pfeil 70">
-            <a:extLst>
-              <a:ext uri="{FF2B5EF4-FFF2-40B4-BE49-F238E27FC236}">
-                <a16:creationId xmlns:a16="http://schemas.microsoft.com/office/drawing/2014/main" id="{2D02E28C-5148-4D62-BEA2-5FB39F30520D}"/>
-              </a:ext>
-            </a:extLst>
-          </p:cNvPr>
-          <p:cNvCxnSpPr>
-            <a:cxnSpLocks/>
-            <a:stCxn id="16" idx="3"/>
-            <a:endCxn id="26" idx="1"/>
-          </p:cNvCxnSpPr>
-          <p:nvPr/>
-        </p:nvCxnSpPr>
-        <p:spPr>
-          <a:xfrm>
-            <a:off x="4614845" y="2797573"/>
-            <a:ext cx="403340" cy="0"/>
-          </a:xfrm>
-          <a:prstGeom prst="straightConnector1">
-            <a:avLst/>
-          </a:prstGeom>
-          <a:ln w="12700">
-            <a:tailEnd type="triangle" w="lg" len="lg"/>
-          </a:ln>
-        </p:spPr>
-        <p:style>
-          <a:lnRef idx="1">
-            <a:schemeClr val="dk1"/>
-          </a:lnRef>
-          <a:fillRef idx="0">
-            <a:schemeClr val="dk1"/>
-          </a:fillRef>
-          <a:effectRef idx="0">
-            <a:schemeClr val="dk1"/>
-          </a:effectRef>
-          <a:fontRef idx="minor">
-            <a:schemeClr val="tx1"/>
-          </a:fontRef>
-        </p:style>
-      </p:cxnSp>
-      <p:sp>
-        <p:nvSpPr>
-          <p:cNvPr id="75" name="Rechteck 74">
-            <a:extLst>
-              <a:ext uri="{FF2B5EF4-FFF2-40B4-BE49-F238E27FC236}">
-                <a16:creationId xmlns:a16="http://schemas.microsoft.com/office/drawing/2014/main" id="{6D1AE90A-6126-42EF-87AD-D2A26CA4AE79}"/>
-              </a:ext>
-            </a:extLst>
-          </p:cNvPr>
-          <p:cNvSpPr/>
-          <p:nvPr/>
-        </p:nvSpPr>
-        <p:spPr>
-          <a:xfrm>
-            <a:off x="2980436" y="3157224"/>
-            <a:ext cx="1634013" cy="602850"/>
-          </a:xfrm>
-          <a:prstGeom prst="rect">
-            <a:avLst/>
-          </a:prstGeom>
-          <a:ln>
-            <a:solidFill>
-              <a:schemeClr val="bg1">
-                <a:lumMod val="50000"/>
-              </a:schemeClr>
-            </a:solidFill>
-          </a:ln>
-        </p:spPr>
-        <p:style>
-          <a:lnRef idx="2">
-            <a:schemeClr val="dk1"/>
-          </a:lnRef>
-          <a:fillRef idx="1">
-            <a:schemeClr val="lt1"/>
-          </a:fillRef>
-          <a:effectRef idx="0">
-            <a:schemeClr val="dk1"/>
-          </a:effectRef>
-          <a:fontRef idx="minor">
-            <a:schemeClr val="dk1"/>
-          </a:fontRef>
-        </p:style>
-        <p:txBody>
-          <a:bodyPr rtlCol="0" anchor="ctr"/>
-          <a:lstStyle/>
-          <a:p>
-            <a:pPr algn="r"/>
-            <a:r>
-              <a:rPr lang="de-DE" sz="1100" dirty="0"/>
-              <a:t>Deploy </a:t>
-            </a:r>
-            <a:r>
-              <a:rPr lang="de-DE" sz="1100" dirty="0" err="1"/>
-              <a:t>package</a:t>
-            </a:r>
-            <a:r>
-              <a:rPr lang="de-DE" sz="1100" dirty="0"/>
-              <a:t> </a:t>
-            </a:r>
-            <a:r>
-              <a:rPr lang="de-DE" sz="1100" dirty="0" err="1"/>
-              <a:t>to</a:t>
-            </a:r>
-            <a:r>
-              <a:rPr lang="de-DE" sz="1100" dirty="0"/>
-              <a:t> </a:t>
-            </a:r>
-            <a:br>
-              <a:rPr lang="de-DE" sz="1100" dirty="0"/>
-            </a:br>
-            <a:r>
-              <a:rPr lang="de-DE" sz="1100" dirty="0"/>
-              <a:t>DEV-Stage</a:t>
-            </a:r>
-            <a:endParaRPr lang="en-US" sz="1100" dirty="0"/>
-          </a:p>
-        </p:txBody>
-      </p:sp>
-      <p:pic>
-        <p:nvPicPr>
-          <p:cNvPr id="76" name="Grafik 75">
-            <a:extLst>
-              <a:ext uri="{FF2B5EF4-FFF2-40B4-BE49-F238E27FC236}">
-                <a16:creationId xmlns:a16="http://schemas.microsoft.com/office/drawing/2014/main" id="{40BACB67-DA59-46ED-A30D-8A8AAE2325A9}"/>
-              </a:ext>
-            </a:extLst>
-          </p:cNvPr>
-          <p:cNvPicPr>
-            <a:picLocks noChangeAspect="1"/>
-          </p:cNvPicPr>
-          <p:nvPr/>
-        </p:nvPicPr>
-        <p:blipFill>
-          <a:blip r:embed="rId6">
-            <a:extLst>
-              <a:ext uri="{28A0092B-C50C-407E-A947-70E740481C1C}">
-                <a14:useLocalDpi xmlns:a14="http://schemas.microsoft.com/office/drawing/2010/main" val="0"/>
-              </a:ext>
-            </a:extLst>
-          </a:blip>
-          <a:stretch>
-            <a:fillRect/>
-          </a:stretch>
-        </p:blipFill>
-        <p:spPr>
-          <a:xfrm>
-            <a:off x="3040230" y="3379291"/>
-            <a:ext cx="138573" cy="152400"/>
-          </a:xfrm>
-          <a:prstGeom prst="rect">
-            <a:avLst/>
-          </a:prstGeom>
-        </p:spPr>
-      </p:pic>
-      <p:pic>
-        <p:nvPicPr>
-          <p:cNvPr id="77" name="Grafik 76" descr="Ein Bild, das Raum, Zeichnung enthält.&#10;&#10;Automatisch generierte Beschreibung">
-            <a:extLst>
-              <a:ext uri="{FF2B5EF4-FFF2-40B4-BE49-F238E27FC236}">
-                <a16:creationId xmlns:a16="http://schemas.microsoft.com/office/drawing/2014/main" id="{C2DDEDAF-A09F-41A2-A0FC-55C92058F5AC}"/>
-              </a:ext>
-            </a:extLst>
-          </p:cNvPr>
-          <p:cNvPicPr>
-            <a:picLocks noChangeAspect="1"/>
-          </p:cNvPicPr>
-          <p:nvPr/>
-        </p:nvPicPr>
-        <p:blipFill rotWithShape="1">
-          <a:blip r:embed="rId5">
-            <a:extLst>
-              <a:ext uri="{28A0092B-C50C-407E-A947-70E740481C1C}">
-                <a14:useLocalDpi xmlns:a14="http://schemas.microsoft.com/office/drawing/2010/main" val="0"/>
-              </a:ext>
-            </a:extLst>
-          </a:blip>
-          <a:srcRect l="35029" t="19605" r="34531" b="19769"/>
-          <a:stretch/>
-        </p:blipFill>
-        <p:spPr>
-          <a:xfrm>
-            <a:off x="7122095" y="1652920"/>
-            <a:ext cx="374631" cy="514313"/>
-          </a:xfrm>
-          <a:prstGeom prst="rect">
-            <a:avLst/>
-          </a:prstGeom>
-        </p:spPr>
-      </p:pic>
-      <p:cxnSp>
-        <p:nvCxnSpPr>
-          <p:cNvPr id="78" name="Gerade Verbindung mit Pfeil 77">
-            <a:extLst>
-              <a:ext uri="{FF2B5EF4-FFF2-40B4-BE49-F238E27FC236}">
-                <a16:creationId xmlns:a16="http://schemas.microsoft.com/office/drawing/2014/main" id="{C2AE7621-6B8E-4A87-A6B3-8C9F2A7D3E3D}"/>
-              </a:ext>
-            </a:extLst>
-          </p:cNvPr>
-          <p:cNvCxnSpPr>
-            <a:cxnSpLocks/>
-            <a:stCxn id="67" idx="3"/>
-            <a:endCxn id="63" idx="1"/>
-          </p:cNvCxnSpPr>
-          <p:nvPr/>
-        </p:nvCxnSpPr>
-        <p:spPr>
-          <a:xfrm>
-            <a:off x="8697228" y="2797525"/>
-            <a:ext cx="541975" cy="823"/>
-          </a:xfrm>
-          <a:prstGeom prst="straightConnector1">
-            <a:avLst/>
-          </a:prstGeom>
-          <a:ln w="12700">
-            <a:tailEnd type="triangle" w="lg" len="lg"/>
-          </a:ln>
-        </p:spPr>
-        <p:style>
-          <a:lnRef idx="1">
-            <a:schemeClr val="dk1"/>
-          </a:lnRef>
-          <a:fillRef idx="0">
-            <a:schemeClr val="dk1"/>
-          </a:fillRef>
-          <a:effectRef idx="0">
-            <a:schemeClr val="dk1"/>
-          </a:effectRef>
-          <a:fontRef idx="minor">
-            <a:schemeClr val="tx1"/>
-          </a:fontRef>
-        </p:style>
-      </p:cxnSp>
-      <p:cxnSp>
-        <p:nvCxnSpPr>
-          <p:cNvPr id="81" name="Gerade Verbindung mit Pfeil 80">
-            <a:extLst>
-              <a:ext uri="{FF2B5EF4-FFF2-40B4-BE49-F238E27FC236}">
-                <a16:creationId xmlns:a16="http://schemas.microsoft.com/office/drawing/2014/main" id="{C41025B8-4528-4411-95F3-206F3576EE2D}"/>
-              </a:ext>
-            </a:extLst>
-          </p:cNvPr>
-          <p:cNvCxnSpPr>
-            <a:cxnSpLocks/>
-            <a:stCxn id="75" idx="3"/>
-          </p:cNvCxnSpPr>
-          <p:nvPr/>
-        </p:nvCxnSpPr>
-        <p:spPr>
-          <a:xfrm>
-            <a:off x="4614449" y="3458649"/>
-            <a:ext cx="357090" cy="233177"/>
-          </a:xfrm>
-          <a:prstGeom prst="straightConnector1">
-            <a:avLst/>
-          </a:prstGeom>
-          <a:ln w="12700">
-            <a:tailEnd type="triangle" w="lg" len="lg"/>
-          </a:ln>
-        </p:spPr>
-        <p:style>
-          <a:lnRef idx="1">
-            <a:schemeClr val="dk1"/>
-          </a:lnRef>
-          <a:fillRef idx="0">
-            <a:schemeClr val="dk1"/>
-          </a:fillRef>
-          <a:effectRef idx="0">
-            <a:schemeClr val="dk1"/>
-          </a:effectRef>
-          <a:fontRef idx="minor">
-            <a:schemeClr val="tx1"/>
-          </a:fontRef>
-        </p:style>
-      </p:cxnSp>
-      <p:cxnSp>
-        <p:nvCxnSpPr>
-          <p:cNvPr id="85" name="Gerader Verbinder 84">
-            <a:extLst>
-              <a:ext uri="{FF2B5EF4-FFF2-40B4-BE49-F238E27FC236}">
-                <a16:creationId xmlns:a16="http://schemas.microsoft.com/office/drawing/2014/main" id="{DA5C7AEB-38D5-464F-BEB5-03616042F9D6}"/>
-              </a:ext>
-            </a:extLst>
-          </p:cNvPr>
-          <p:cNvCxnSpPr>
-            <a:cxnSpLocks/>
-          </p:cNvCxnSpPr>
-          <p:nvPr/>
-        </p:nvCxnSpPr>
-        <p:spPr>
-          <a:xfrm>
-            <a:off x="8958580" y="441928"/>
-            <a:ext cx="0" cy="5898714"/>
-          </a:xfrm>
-          <a:prstGeom prst="line">
-            <a:avLst/>
-          </a:prstGeom>
-          <a:ln w="25400">
-            <a:solidFill>
-              <a:srgbClr val="C00000"/>
-            </a:solidFill>
-            <a:prstDash val="dash"/>
-          </a:ln>
-        </p:spPr>
-        <p:style>
-          <a:lnRef idx="1">
-            <a:schemeClr val="accent1"/>
-          </a:lnRef>
-          <a:fillRef idx="0">
-            <a:schemeClr val="accent1"/>
-          </a:fillRef>
-          <a:effectRef idx="0">
-            <a:schemeClr val="accent1"/>
-          </a:effectRef>
-          <a:fontRef idx="minor">
-            <a:schemeClr val="tx1"/>
-          </a:fontRef>
-        </p:style>
-      </p:cxnSp>
-      <p:sp>
-        <p:nvSpPr>
-          <p:cNvPr id="106" name="Textfeld 105">
-            <a:extLst>
-              <a:ext uri="{FF2B5EF4-FFF2-40B4-BE49-F238E27FC236}">
-                <a16:creationId xmlns:a16="http://schemas.microsoft.com/office/drawing/2014/main" id="{8EE6DCA0-0667-4549-8A09-9D50FCDF26CD}"/>
-              </a:ext>
-            </a:extLst>
-          </p:cNvPr>
-          <p:cNvSpPr txBox="1"/>
-          <p:nvPr/>
-        </p:nvSpPr>
-        <p:spPr>
-          <a:xfrm>
-            <a:off x="2766656" y="1344297"/>
-            <a:ext cx="3481744" cy="369332"/>
-          </a:xfrm>
-          <a:prstGeom prst="rect">
-            <a:avLst/>
-          </a:prstGeom>
-          <a:noFill/>
-        </p:spPr>
-        <p:txBody>
-          <a:bodyPr wrap="square" rtlCol="0">
-            <a:spAutoFit/>
-          </a:bodyPr>
-          <a:lstStyle/>
-          <a:p>
-            <a:pPr algn="ctr"/>
-            <a:r>
-              <a:rPr lang="de-DE" b="1" dirty="0"/>
-              <a:t>- Stage DEV -</a:t>
-            </a:r>
-            <a:endParaRPr lang="en-US" b="1" dirty="0"/>
-          </a:p>
-        </p:txBody>
-      </p:sp>
-      <p:sp>
-        <p:nvSpPr>
-          <p:cNvPr id="108" name="Textfeld 107">
-            <a:extLst>
-              <a:ext uri="{FF2B5EF4-FFF2-40B4-BE49-F238E27FC236}">
-                <a16:creationId xmlns:a16="http://schemas.microsoft.com/office/drawing/2014/main" id="{0EC004F9-681A-495E-98B0-2566B77C481E}"/>
-              </a:ext>
-            </a:extLst>
-          </p:cNvPr>
-          <p:cNvSpPr txBox="1"/>
-          <p:nvPr/>
-        </p:nvSpPr>
-        <p:spPr>
-          <a:xfrm>
-            <a:off x="8895191" y="1344297"/>
-            <a:ext cx="2018184" cy="369332"/>
-          </a:xfrm>
-          <a:prstGeom prst="rect">
-            <a:avLst/>
-          </a:prstGeom>
-          <a:noFill/>
-        </p:spPr>
-        <p:txBody>
-          <a:bodyPr wrap="square" rtlCol="0">
-            <a:spAutoFit/>
-          </a:bodyPr>
-          <a:lstStyle/>
-          <a:p>
-            <a:pPr algn="ctr"/>
-            <a:r>
-              <a:rPr lang="de-DE" b="1" dirty="0"/>
-              <a:t>- TST, PROD, … -</a:t>
-            </a:r>
-            <a:endParaRPr lang="en-US" b="1" dirty="0"/>
-          </a:p>
-        </p:txBody>
-      </p:sp>
-      <p:cxnSp>
-        <p:nvCxnSpPr>
-          <p:cNvPr id="124" name="Gerade Verbindung mit Pfeil 123">
-            <a:extLst>
-              <a:ext uri="{FF2B5EF4-FFF2-40B4-BE49-F238E27FC236}">
-                <a16:creationId xmlns:a16="http://schemas.microsoft.com/office/drawing/2014/main" id="{8F52EBFC-BD09-43E0-8F0E-4B26A8E1C9E3}"/>
-              </a:ext>
-            </a:extLst>
-          </p:cNvPr>
-          <p:cNvCxnSpPr>
-            <a:cxnSpLocks/>
-            <a:stCxn id="26" idx="3"/>
-            <a:endCxn id="67" idx="1"/>
-          </p:cNvCxnSpPr>
-          <p:nvPr/>
-        </p:nvCxnSpPr>
-        <p:spPr>
-          <a:xfrm flipV="1">
-            <a:off x="6652198" y="2797525"/>
-            <a:ext cx="411017" cy="48"/>
-          </a:xfrm>
-          <a:prstGeom prst="straightConnector1">
-            <a:avLst/>
-          </a:prstGeom>
-          <a:ln w="12700">
-            <a:solidFill>
-              <a:schemeClr val="bg1">
-                <a:lumMod val="75000"/>
-              </a:schemeClr>
-            </a:solidFill>
-            <a:prstDash val="dash"/>
-            <a:tailEnd type="triangle" w="lg" len="lg"/>
-          </a:ln>
-        </p:spPr>
-        <p:style>
-          <a:lnRef idx="1">
-            <a:schemeClr val="dk1"/>
-          </a:lnRef>
-          <a:fillRef idx="0">
-            <a:schemeClr val="dk1"/>
-          </a:fillRef>
-          <a:effectRef idx="0">
-            <a:schemeClr val="dk1"/>
-          </a:effectRef>
-          <a:fontRef idx="minor">
-            <a:schemeClr val="tx1"/>
-          </a:fontRef>
-        </p:style>
-      </p:cxnSp>
-      <p:sp>
-        <p:nvSpPr>
-          <p:cNvPr id="132" name="Textfeld 131">
-            <a:extLst>
-              <a:ext uri="{FF2B5EF4-FFF2-40B4-BE49-F238E27FC236}">
-                <a16:creationId xmlns:a16="http://schemas.microsoft.com/office/drawing/2014/main" id="{827121F5-E20A-4B7D-9804-F4C5A95F5D24}"/>
-              </a:ext>
-            </a:extLst>
-          </p:cNvPr>
-          <p:cNvSpPr txBox="1"/>
-          <p:nvPr/>
-        </p:nvSpPr>
-        <p:spPr>
-          <a:xfrm>
-            <a:off x="2790592" y="4576581"/>
-            <a:ext cx="1885601" cy="461665"/>
-          </a:xfrm>
-          <a:prstGeom prst="rect">
-            <a:avLst/>
-          </a:prstGeom>
-          <a:noFill/>
-        </p:spPr>
-        <p:txBody>
-          <a:bodyPr wrap="square" rtlCol="0">
-            <a:spAutoFit/>
-          </a:bodyPr>
-          <a:lstStyle/>
-          <a:p>
-            <a:pPr algn="ctr"/>
-            <a:r>
-              <a:rPr lang="de-DE" sz="1200" dirty="0" err="1"/>
-              <a:t>api</a:t>
-            </a:r>
-            <a:r>
-              <a:rPr lang="de-DE" sz="1200" dirty="0"/>
-              <a:t>-import CLI</a:t>
-            </a:r>
-            <a:br>
-              <a:rPr lang="de-DE" sz="1200" dirty="0"/>
-            </a:br>
-            <a:r>
-              <a:rPr lang="de-DE" sz="1200" i="1" dirty="0"/>
-              <a:t>Design, Test, … Repeat</a:t>
-            </a:r>
-            <a:endParaRPr lang="en-US" sz="1200" i="1" dirty="0"/>
-          </a:p>
-        </p:txBody>
-      </p:sp>
-      <p:sp>
-        <p:nvSpPr>
-          <p:cNvPr id="134" name="Sprechblase: rechteckig 133">
-            <a:extLst>
-              <a:ext uri="{FF2B5EF4-FFF2-40B4-BE49-F238E27FC236}">
-                <a16:creationId xmlns:a16="http://schemas.microsoft.com/office/drawing/2014/main" id="{2E11F39E-4468-4D5E-ACB7-A327F01D6D8D}"/>
-              </a:ext>
-            </a:extLst>
-          </p:cNvPr>
-          <p:cNvSpPr/>
-          <p:nvPr/>
-        </p:nvSpPr>
-        <p:spPr>
-          <a:xfrm>
-            <a:off x="6856220" y="3670222"/>
-            <a:ext cx="1423768" cy="830485"/>
-          </a:xfrm>
-          <a:prstGeom prst="wedgeRectCallout">
-            <a:avLst>
-              <a:gd name="adj1" fmla="val -54857"/>
-              <a:gd name="adj2" fmla="val -144349"/>
-            </a:avLst>
-          </a:prstGeom>
-        </p:spPr>
-        <p:style>
-          <a:lnRef idx="2">
-            <a:schemeClr val="dk1">
-              <a:shade val="50000"/>
-            </a:schemeClr>
-          </a:lnRef>
-          <a:fillRef idx="1">
-            <a:schemeClr val="dk1"/>
-          </a:fillRef>
-          <a:effectRef idx="0">
-            <a:schemeClr val="dk1"/>
-          </a:effectRef>
-          <a:fontRef idx="minor">
-            <a:schemeClr val="lt1"/>
-          </a:fontRef>
-        </p:style>
-        <p:txBody>
-          <a:bodyPr rtlCol="0" anchor="ctr"/>
-          <a:lstStyle/>
-          <a:p>
-            <a:pPr algn="ctr"/>
-            <a:r>
-              <a:rPr lang="de-DE" sz="1200" dirty="0"/>
-              <a:t>Developer </a:t>
-            </a:r>
-            <a:r>
-              <a:rPr lang="de-DE" sz="1200" dirty="0" err="1"/>
-              <a:t>decides</a:t>
-            </a:r>
-            <a:r>
-              <a:rPr lang="de-DE" sz="1200" dirty="0"/>
-              <a:t> </a:t>
-            </a:r>
-            <a:r>
-              <a:rPr lang="de-DE" sz="1200" dirty="0" err="1"/>
-              <a:t>when</a:t>
-            </a:r>
-            <a:r>
-              <a:rPr lang="de-DE" sz="1200" dirty="0"/>
-              <a:t> </a:t>
-            </a:r>
-            <a:r>
-              <a:rPr lang="de-DE" sz="1200" dirty="0" err="1"/>
-              <a:t>to</a:t>
-            </a:r>
-            <a:r>
-              <a:rPr lang="de-DE" sz="1200" dirty="0"/>
-              <a:t> </a:t>
-            </a:r>
-            <a:r>
-              <a:rPr lang="de-DE" sz="1200" dirty="0" err="1"/>
-              <a:t>create</a:t>
-            </a:r>
-            <a:r>
-              <a:rPr lang="de-DE" sz="1200" dirty="0"/>
-              <a:t> release </a:t>
-            </a:r>
-            <a:r>
-              <a:rPr lang="de-DE" sz="1200" dirty="0" err="1"/>
-              <a:t>package</a:t>
-            </a:r>
-            <a:endParaRPr lang="en-US" sz="1200" dirty="0"/>
-          </a:p>
-        </p:txBody>
-      </p:sp>
-      <p:sp>
-        <p:nvSpPr>
-          <p:cNvPr id="41" name="Rechteck: abgerundete Ecken 40">
-            <a:extLst>
-              <a:ext uri="{FF2B5EF4-FFF2-40B4-BE49-F238E27FC236}">
-                <a16:creationId xmlns:a16="http://schemas.microsoft.com/office/drawing/2014/main" id="{D1FCD3EF-FED7-4077-BCEC-7B59C42581D0}"/>
-              </a:ext>
-            </a:extLst>
-          </p:cNvPr>
-          <p:cNvSpPr/>
-          <p:nvPr/>
-        </p:nvSpPr>
-        <p:spPr>
-          <a:xfrm>
-            <a:off x="784310" y="3907389"/>
-            <a:ext cx="1893919" cy="1396952"/>
-          </a:xfrm>
-          <a:prstGeom prst="roundRect">
-            <a:avLst>
-              <a:gd name="adj" fmla="val 3952"/>
-            </a:avLst>
-          </a:prstGeom>
-          <a:solidFill>
-            <a:srgbClr val="F2F2F2"/>
-          </a:solidFill>
-          <a:ln w="22225"/>
-        </p:spPr>
-        <p:style>
-          <a:lnRef idx="1">
-            <a:schemeClr val="dk1"/>
-          </a:lnRef>
-          <a:fillRef idx="2">
-            <a:schemeClr val="dk1"/>
-          </a:fillRef>
-          <a:effectRef idx="1">
-            <a:schemeClr val="dk1"/>
-          </a:effectRef>
-          <a:fontRef idx="minor">
-            <a:schemeClr val="dk1"/>
-          </a:fontRef>
-        </p:style>
-        <p:txBody>
-          <a:bodyPr rtlCol="0" anchor="t"/>
-          <a:lstStyle/>
-          <a:p>
-            <a:pPr algn="r"/>
-            <a:r>
-              <a:rPr lang="de-DE" sz="1400" b="1" dirty="0"/>
-              <a:t>API-Design</a:t>
-            </a:r>
-            <a:endParaRPr lang="en-US" sz="1400" b="1" dirty="0"/>
-          </a:p>
-        </p:txBody>
-      </p:sp>
-      <p:sp>
-        <p:nvSpPr>
-          <p:cNvPr id="42" name="Textfeld 41">
-            <a:extLst>
-              <a:ext uri="{FF2B5EF4-FFF2-40B4-BE49-F238E27FC236}">
-                <a16:creationId xmlns:a16="http://schemas.microsoft.com/office/drawing/2014/main" id="{F53AE1A7-B917-4766-8472-9255CB7474FA}"/>
-              </a:ext>
-            </a:extLst>
-          </p:cNvPr>
-          <p:cNvSpPr txBox="1"/>
-          <p:nvPr/>
-        </p:nvSpPr>
-        <p:spPr>
-          <a:xfrm>
-            <a:off x="784309" y="4815800"/>
-            <a:ext cx="1903399" cy="523220"/>
-          </a:xfrm>
-          <a:prstGeom prst="rect">
-            <a:avLst/>
-          </a:prstGeom>
-          <a:noFill/>
-        </p:spPr>
-        <p:txBody>
-          <a:bodyPr wrap="square" rtlCol="0">
-            <a:spAutoFit/>
-          </a:bodyPr>
-          <a:lstStyle/>
-          <a:p>
-            <a:pPr algn="ctr"/>
-            <a:r>
-              <a:rPr lang="de-DE" sz="1400" b="1" dirty="0"/>
-              <a:t>OpenAPI</a:t>
-            </a:r>
-            <a:br>
-              <a:rPr lang="de-DE" sz="1400" b="1" dirty="0"/>
-            </a:br>
-            <a:r>
-              <a:rPr lang="de-DE" sz="1400" b="1" dirty="0"/>
-              <a:t>Code-Generator</a:t>
-            </a:r>
-            <a:endParaRPr lang="en-US" sz="1400" b="1" dirty="0"/>
-          </a:p>
-        </p:txBody>
-      </p:sp>
-      <p:pic>
-        <p:nvPicPr>
-          <p:cNvPr id="43" name="Grafik 42" descr="Ein Bild, das Schild, Ende, Essen, Becher enthält.&#10;&#10;Automatisch generierte Beschreibung">
-            <a:extLst>
-              <a:ext uri="{FF2B5EF4-FFF2-40B4-BE49-F238E27FC236}">
-                <a16:creationId xmlns:a16="http://schemas.microsoft.com/office/drawing/2014/main" id="{831D35B6-4435-4352-B578-BD6EC9F072B2}"/>
-              </a:ext>
-            </a:extLst>
-          </p:cNvPr>
-          <p:cNvPicPr>
-            <a:picLocks noChangeAspect="1"/>
-          </p:cNvPicPr>
-          <p:nvPr/>
-        </p:nvPicPr>
-        <p:blipFill>
-          <a:blip r:embed="rId12">
-            <a:extLst>
-              <a:ext uri="{28A0092B-C50C-407E-A947-70E740481C1C}">
-                <a14:useLocalDpi xmlns:a14="http://schemas.microsoft.com/office/drawing/2010/main" val="0"/>
-              </a:ext>
-            </a:extLst>
-          </a:blip>
-          <a:stretch>
-            <a:fillRect/>
-          </a:stretch>
-        </p:blipFill>
-        <p:spPr>
-          <a:xfrm>
-            <a:off x="1099095" y="4162827"/>
-            <a:ext cx="1301450" cy="397535"/>
-          </a:xfrm>
-          <a:prstGeom prst="rect">
-            <a:avLst/>
-          </a:prstGeom>
-        </p:spPr>
-      </p:pic>
-      <p:pic>
-        <p:nvPicPr>
-          <p:cNvPr id="44" name="Grafik 43">
-            <a:extLst>
-              <a:ext uri="{FF2B5EF4-FFF2-40B4-BE49-F238E27FC236}">
-                <a16:creationId xmlns:a16="http://schemas.microsoft.com/office/drawing/2014/main" id="{680F5311-E582-48FF-925C-7AB4731E5775}"/>
-              </a:ext>
-            </a:extLst>
-          </p:cNvPr>
-          <p:cNvPicPr>
-            <a:picLocks noChangeAspect="1"/>
-          </p:cNvPicPr>
-          <p:nvPr/>
-        </p:nvPicPr>
-        <p:blipFill>
-          <a:blip r:embed="rId13">
-            <a:extLst>
-              <a:ext uri="{28A0092B-C50C-407E-A947-70E740481C1C}">
-                <a14:useLocalDpi xmlns:a14="http://schemas.microsoft.com/office/drawing/2010/main" val="0"/>
-              </a:ext>
-            </a:extLst>
-          </a:blip>
-          <a:stretch>
-            <a:fillRect/>
-          </a:stretch>
-        </p:blipFill>
-        <p:spPr>
-          <a:xfrm>
-            <a:off x="1021357" y="4534412"/>
-            <a:ext cx="1456927" cy="368957"/>
-          </a:xfrm>
-          <a:prstGeom prst="rect">
-            <a:avLst/>
-          </a:prstGeom>
-        </p:spPr>
-      </p:pic>
-      <p:cxnSp>
-        <p:nvCxnSpPr>
-          <p:cNvPr id="48" name="Gerade Verbindung mit Pfeil 47">
-            <a:extLst>
-              <a:ext uri="{FF2B5EF4-FFF2-40B4-BE49-F238E27FC236}">
-                <a16:creationId xmlns:a16="http://schemas.microsoft.com/office/drawing/2014/main" id="{9653269B-3E3F-4D2C-A1E7-D49EBD3A4C10}"/>
-              </a:ext>
-            </a:extLst>
-          </p:cNvPr>
-          <p:cNvCxnSpPr>
-            <a:cxnSpLocks/>
-            <a:stCxn id="41" idx="3"/>
-          </p:cNvCxnSpPr>
-          <p:nvPr/>
-        </p:nvCxnSpPr>
-        <p:spPr>
-          <a:xfrm>
-            <a:off x="2678229" y="4605865"/>
-            <a:ext cx="2226497" cy="0"/>
-          </a:xfrm>
-          <a:prstGeom prst="straightConnector1">
-            <a:avLst/>
-          </a:prstGeom>
-          <a:ln w="12700">
-            <a:tailEnd type="triangle" w="lg" len="lg"/>
-          </a:ln>
-        </p:spPr>
-        <p:style>
-          <a:lnRef idx="1">
-            <a:schemeClr val="dk1"/>
-          </a:lnRef>
-          <a:fillRef idx="0">
-            <a:schemeClr val="dk1"/>
-          </a:fillRef>
-          <a:effectRef idx="0">
-            <a:schemeClr val="dk1"/>
-          </a:effectRef>
-          <a:fontRef idx="minor">
-            <a:schemeClr val="tx1"/>
-          </a:fontRef>
-        </p:style>
-      </p:cxnSp>
-      <p:cxnSp>
-        <p:nvCxnSpPr>
-          <p:cNvPr id="51" name="Gerade Verbindung mit Pfeil 50">
-            <a:extLst>
-              <a:ext uri="{FF2B5EF4-FFF2-40B4-BE49-F238E27FC236}">
-                <a16:creationId xmlns:a16="http://schemas.microsoft.com/office/drawing/2014/main" id="{6FF8F007-9CDF-4996-8E7E-6A8EDD9210F5}"/>
-              </a:ext>
-            </a:extLst>
-          </p:cNvPr>
-          <p:cNvCxnSpPr>
-            <a:cxnSpLocks/>
-            <a:stCxn id="41" idx="0"/>
-            <a:endCxn id="31" idx="2"/>
-          </p:cNvCxnSpPr>
-          <p:nvPr/>
-        </p:nvCxnSpPr>
-        <p:spPr>
-          <a:xfrm flipV="1">
-            <a:off x="1731270" y="3244676"/>
-            <a:ext cx="6292" cy="662713"/>
-          </a:xfrm>
-          <a:prstGeom prst="straightConnector1">
-            <a:avLst/>
-          </a:prstGeom>
-          <a:ln w="12700">
-            <a:tailEnd type="triangle" w="lg" len="lg"/>
-          </a:ln>
-        </p:spPr>
-        <p:style>
-          <a:lnRef idx="1">
-            <a:schemeClr val="dk1"/>
-          </a:lnRef>
-          <a:fillRef idx="0">
-            <a:schemeClr val="dk1"/>
-          </a:fillRef>
-          <a:effectRef idx="0">
-            <a:schemeClr val="dk1"/>
-          </a:effectRef>
-          <a:fontRef idx="minor">
-            <a:schemeClr val="tx1"/>
-          </a:fontRef>
-        </p:style>
-      </p:cxnSp>
-    </p:spTree>
-    <p:extLst>
-      <p:ext uri="{BB962C8B-B14F-4D97-AF65-F5344CB8AC3E}">
-        <p14:creationId xmlns:p14="http://schemas.microsoft.com/office/powerpoint/2010/main" val="2673281375"/>
       </p:ext>
     </p:extLst>
   </p:cSld>
@@ -17803,6 +16146,2074 @@
       </p:grpSpPr>
       <p:sp>
         <p:nvSpPr>
+          <p:cNvPr id="2" name="Rechteck: abgerundete Ecken 1">
+            <a:extLst>
+              <a:ext uri="{FF2B5EF4-FFF2-40B4-BE49-F238E27FC236}">
+                <a16:creationId xmlns:a16="http://schemas.microsoft.com/office/drawing/2014/main" id="{C0C9BD85-5D44-4DCD-8185-479251691FA9}"/>
+              </a:ext>
+            </a:extLst>
+          </p:cNvPr>
+          <p:cNvSpPr/>
+          <p:nvPr/>
+        </p:nvSpPr>
+        <p:spPr>
+          <a:xfrm>
+            <a:off x="4947847" y="1847772"/>
+            <a:ext cx="1750595" cy="1396952"/>
+          </a:xfrm>
+          <a:prstGeom prst="roundRect">
+            <a:avLst>
+              <a:gd name="adj" fmla="val 3952"/>
+            </a:avLst>
+          </a:prstGeom>
+          <a:solidFill>
+            <a:srgbClr val="F2F2F2"/>
+          </a:solidFill>
+          <a:ln w="22225"/>
+        </p:spPr>
+        <p:style>
+          <a:lnRef idx="1">
+            <a:schemeClr val="dk1"/>
+          </a:lnRef>
+          <a:fillRef idx="2">
+            <a:schemeClr val="dk1"/>
+          </a:fillRef>
+          <a:effectRef idx="1">
+            <a:schemeClr val="dk1"/>
+          </a:effectRef>
+          <a:fontRef idx="minor">
+            <a:schemeClr val="dk1"/>
+          </a:fontRef>
+        </p:style>
+        <p:txBody>
+          <a:bodyPr rtlCol="0" anchor="t"/>
+          <a:lstStyle/>
+          <a:p>
+            <a:pPr algn="r"/>
+            <a:r>
+              <a:rPr lang="de-DE" sz="1400" b="1" dirty="0"/>
+              <a:t>SNAPSHOT</a:t>
+            </a:r>
+            <a:br>
+              <a:rPr lang="de-DE" sz="1400" b="1" dirty="0"/>
+            </a:br>
+            <a:r>
+              <a:rPr lang="de-DE" sz="1400" b="1" dirty="0"/>
+              <a:t>Repository</a:t>
+            </a:r>
+            <a:endParaRPr lang="en-US" sz="1600" dirty="0"/>
+          </a:p>
+        </p:txBody>
+      </p:sp>
+      <p:pic>
+        <p:nvPicPr>
+          <p:cNvPr id="4" name="Grafik 3" descr="Ein Bild, das Objekt, Uhr, Raum enthält.&#10;&#10;Automatisch generierte Beschreibung">
+            <a:extLst>
+              <a:ext uri="{FF2B5EF4-FFF2-40B4-BE49-F238E27FC236}">
+                <a16:creationId xmlns:a16="http://schemas.microsoft.com/office/drawing/2014/main" id="{099C7238-2A5A-4E00-866D-FED605FB0F80}"/>
+              </a:ext>
+            </a:extLst>
+          </p:cNvPr>
+          <p:cNvPicPr>
+            <a:picLocks noChangeAspect="1"/>
+          </p:cNvPicPr>
+          <p:nvPr/>
+        </p:nvPicPr>
+        <p:blipFill>
+          <a:blip r:embed="rId2">
+            <a:extLst>
+              <a:ext uri="{28A0092B-C50C-407E-A947-70E740481C1C}">
+                <a14:useLocalDpi xmlns:a14="http://schemas.microsoft.com/office/drawing/2010/main" val="0"/>
+              </a:ext>
+            </a:extLst>
+          </a:blip>
+          <a:stretch>
+            <a:fillRect/>
+          </a:stretch>
+        </p:blipFill>
+        <p:spPr>
+          <a:xfrm>
+            <a:off x="5018185" y="1931611"/>
+            <a:ext cx="304801" cy="304801"/>
+          </a:xfrm>
+          <a:prstGeom prst="rect">
+            <a:avLst/>
+          </a:prstGeom>
+        </p:spPr>
+      </p:pic>
+      <p:pic>
+        <p:nvPicPr>
+          <p:cNvPr id="6" name="Grafik 5" descr="Ein Bild, das Zeichnung enthält.&#10;&#10;Automatisch generierte Beschreibung">
+            <a:extLst>
+              <a:ext uri="{FF2B5EF4-FFF2-40B4-BE49-F238E27FC236}">
+                <a16:creationId xmlns:a16="http://schemas.microsoft.com/office/drawing/2014/main" id="{5694D1B4-FA52-4853-B1C6-07A2FF7735AA}"/>
+              </a:ext>
+            </a:extLst>
+          </p:cNvPr>
+          <p:cNvPicPr>
+            <a:picLocks noChangeAspect="1"/>
+          </p:cNvPicPr>
+          <p:nvPr/>
+        </p:nvPicPr>
+        <p:blipFill>
+          <a:blip r:embed="rId3">
+            <a:extLst>
+              <a:ext uri="{28A0092B-C50C-407E-A947-70E740481C1C}">
+                <a14:useLocalDpi xmlns:a14="http://schemas.microsoft.com/office/drawing/2010/main" val="0"/>
+              </a:ext>
+            </a:extLst>
+          </a:blip>
+          <a:stretch>
+            <a:fillRect/>
+          </a:stretch>
+        </p:blipFill>
+        <p:spPr>
+          <a:xfrm>
+            <a:off x="5393324" y="1931611"/>
+            <a:ext cx="273192" cy="304801"/>
+          </a:xfrm>
+          <a:prstGeom prst="rect">
+            <a:avLst/>
+          </a:prstGeom>
+        </p:spPr>
+      </p:pic>
+      <p:sp>
+        <p:nvSpPr>
+          <p:cNvPr id="7" name="Rechteck: abgerundete Ecken 6">
+            <a:extLst>
+              <a:ext uri="{FF2B5EF4-FFF2-40B4-BE49-F238E27FC236}">
+                <a16:creationId xmlns:a16="http://schemas.microsoft.com/office/drawing/2014/main" id="{F6FD61F2-9AC5-4715-BBF0-992F8BFD348B}"/>
+              </a:ext>
+            </a:extLst>
+          </p:cNvPr>
+          <p:cNvSpPr/>
+          <p:nvPr/>
+        </p:nvSpPr>
+        <p:spPr>
+          <a:xfrm>
+            <a:off x="4947847" y="3670222"/>
+            <a:ext cx="1750595" cy="1396952"/>
+          </a:xfrm>
+          <a:prstGeom prst="roundRect">
+            <a:avLst>
+              <a:gd name="adj" fmla="val 3952"/>
+            </a:avLst>
+          </a:prstGeom>
+          <a:solidFill>
+            <a:srgbClr val="F2F2F2"/>
+          </a:solidFill>
+          <a:ln w="22225"/>
+        </p:spPr>
+        <p:style>
+          <a:lnRef idx="1">
+            <a:schemeClr val="dk1"/>
+          </a:lnRef>
+          <a:fillRef idx="2">
+            <a:schemeClr val="dk1"/>
+          </a:fillRef>
+          <a:effectRef idx="1">
+            <a:schemeClr val="dk1"/>
+          </a:effectRef>
+          <a:fontRef idx="minor">
+            <a:schemeClr val="dk1"/>
+          </a:fontRef>
+        </p:style>
+        <p:txBody>
+          <a:bodyPr rtlCol="0" anchor="t"/>
+          <a:lstStyle/>
+          <a:p>
+            <a:pPr algn="r"/>
+            <a:r>
+              <a:rPr lang="de-DE" sz="1400" b="1" dirty="0"/>
+              <a:t>Stage: DEV</a:t>
+            </a:r>
+          </a:p>
+          <a:p>
+            <a:pPr algn="r"/>
+            <a:r>
+              <a:rPr lang="de-DE" sz="1400" b="1" dirty="0"/>
+              <a:t>API-Management</a:t>
+            </a:r>
+            <a:endParaRPr lang="en-US" sz="1400" b="1" dirty="0"/>
+          </a:p>
+        </p:txBody>
+      </p:sp>
+      <p:pic>
+        <p:nvPicPr>
+          <p:cNvPr id="13" name="Grafik 12" descr="Ein Bild, das Text, Schild enthält.&#10;&#10;Automatisch generierte Beschreibung">
+            <a:extLst>
+              <a:ext uri="{FF2B5EF4-FFF2-40B4-BE49-F238E27FC236}">
+                <a16:creationId xmlns:a16="http://schemas.microsoft.com/office/drawing/2014/main" id="{F89EEA7B-BD92-4A9D-B4BE-E425A91DB2BA}"/>
+              </a:ext>
+            </a:extLst>
+          </p:cNvPr>
+          <p:cNvPicPr>
+            <a:picLocks noChangeAspect="1"/>
+          </p:cNvPicPr>
+          <p:nvPr/>
+        </p:nvPicPr>
+        <p:blipFill rotWithShape="1">
+          <a:blip r:embed="rId4">
+            <a:extLst>
+              <a:ext uri="{28A0092B-C50C-407E-A947-70E740481C1C}">
+                <a14:useLocalDpi xmlns:a14="http://schemas.microsoft.com/office/drawing/2010/main" val="0"/>
+              </a:ext>
+            </a:extLst>
+          </a:blip>
+          <a:srcRect l="22835" t="14535" r="24895" b="38647"/>
+          <a:stretch/>
+        </p:blipFill>
+        <p:spPr>
+          <a:xfrm>
+            <a:off x="4980526" y="3511693"/>
+            <a:ext cx="352939" cy="362111"/>
+          </a:xfrm>
+          <a:prstGeom prst="rect">
+            <a:avLst/>
+          </a:prstGeom>
+        </p:spPr>
+      </p:pic>
+      <p:sp>
+        <p:nvSpPr>
+          <p:cNvPr id="14" name="Rechteck: abgerundete Ecken 13">
+            <a:extLst>
+              <a:ext uri="{FF2B5EF4-FFF2-40B4-BE49-F238E27FC236}">
+                <a16:creationId xmlns:a16="http://schemas.microsoft.com/office/drawing/2014/main" id="{857FA96E-9BDC-4E2D-9C6E-6A33F2526313}"/>
+              </a:ext>
+            </a:extLst>
+          </p:cNvPr>
+          <p:cNvSpPr/>
+          <p:nvPr/>
+        </p:nvSpPr>
+        <p:spPr>
+          <a:xfrm>
+            <a:off x="2921401" y="1847772"/>
+            <a:ext cx="1750595" cy="2026032"/>
+          </a:xfrm>
+          <a:prstGeom prst="roundRect">
+            <a:avLst>
+              <a:gd name="adj" fmla="val 3952"/>
+            </a:avLst>
+          </a:prstGeom>
+          <a:solidFill>
+            <a:srgbClr val="F2F2F2"/>
+          </a:solidFill>
+          <a:ln w="22225"/>
+        </p:spPr>
+        <p:style>
+          <a:lnRef idx="1">
+            <a:schemeClr val="dk1"/>
+          </a:lnRef>
+          <a:fillRef idx="2">
+            <a:schemeClr val="dk1"/>
+          </a:fillRef>
+          <a:effectRef idx="1">
+            <a:schemeClr val="dk1"/>
+          </a:effectRef>
+          <a:fontRef idx="minor">
+            <a:schemeClr val="dk1"/>
+          </a:fontRef>
+        </p:style>
+        <p:txBody>
+          <a:bodyPr rtlCol="0" anchor="t"/>
+          <a:lstStyle/>
+          <a:p>
+            <a:pPr algn="r"/>
+            <a:r>
+              <a:rPr lang="de-DE" sz="1400" b="1" dirty="0"/>
+              <a:t>Jenkins</a:t>
+            </a:r>
+          </a:p>
+          <a:p>
+            <a:pPr algn="r"/>
+            <a:r>
+              <a:rPr lang="de-DE" sz="1200" dirty="0"/>
+              <a:t>Development </a:t>
+            </a:r>
+            <a:r>
+              <a:rPr lang="de-DE" sz="1200" dirty="0" err="1"/>
+              <a:t>pipeline</a:t>
+            </a:r>
+            <a:endParaRPr lang="en-US" sz="1600" dirty="0"/>
+          </a:p>
+        </p:txBody>
+      </p:sp>
+      <p:pic>
+        <p:nvPicPr>
+          <p:cNvPr id="15" name="Grafik 14" descr="Ein Bild, das Raum, Zeichnung enthält.&#10;&#10;Automatisch generierte Beschreibung">
+            <a:extLst>
+              <a:ext uri="{FF2B5EF4-FFF2-40B4-BE49-F238E27FC236}">
+                <a16:creationId xmlns:a16="http://schemas.microsoft.com/office/drawing/2014/main" id="{046C6BBA-D4EF-418F-96A1-40F40867129D}"/>
+              </a:ext>
+            </a:extLst>
+          </p:cNvPr>
+          <p:cNvPicPr>
+            <a:picLocks noChangeAspect="1"/>
+          </p:cNvPicPr>
+          <p:nvPr/>
+        </p:nvPicPr>
+        <p:blipFill rotWithShape="1">
+          <a:blip r:embed="rId5">
+            <a:extLst>
+              <a:ext uri="{28A0092B-C50C-407E-A947-70E740481C1C}">
+                <a14:useLocalDpi xmlns:a14="http://schemas.microsoft.com/office/drawing/2010/main" val="0"/>
+              </a:ext>
+            </a:extLst>
+          </a:blip>
+          <a:srcRect l="35029" t="19605" r="34531" b="19769"/>
+          <a:stretch/>
+        </p:blipFill>
+        <p:spPr>
+          <a:xfrm>
+            <a:off x="3034322" y="1652920"/>
+            <a:ext cx="374631" cy="514313"/>
+          </a:xfrm>
+          <a:prstGeom prst="rect">
+            <a:avLst/>
+          </a:prstGeom>
+        </p:spPr>
+      </p:pic>
+      <p:sp>
+        <p:nvSpPr>
+          <p:cNvPr id="16" name="Rechteck 15">
+            <a:extLst>
+              <a:ext uri="{FF2B5EF4-FFF2-40B4-BE49-F238E27FC236}">
+                <a16:creationId xmlns:a16="http://schemas.microsoft.com/office/drawing/2014/main" id="{B5F5D0DD-6B40-437F-BCFD-E753422231ED}"/>
+              </a:ext>
+            </a:extLst>
+          </p:cNvPr>
+          <p:cNvSpPr/>
+          <p:nvPr/>
+        </p:nvSpPr>
+        <p:spPr>
+          <a:xfrm>
+            <a:off x="2980832" y="2496148"/>
+            <a:ext cx="1634013" cy="602850"/>
+          </a:xfrm>
+          <a:prstGeom prst="rect">
+            <a:avLst/>
+          </a:prstGeom>
+          <a:ln>
+            <a:solidFill>
+              <a:schemeClr val="bg1">
+                <a:lumMod val="50000"/>
+              </a:schemeClr>
+            </a:solidFill>
+          </a:ln>
+        </p:spPr>
+        <p:style>
+          <a:lnRef idx="2">
+            <a:schemeClr val="dk1"/>
+          </a:lnRef>
+          <a:fillRef idx="1">
+            <a:schemeClr val="lt1"/>
+          </a:fillRef>
+          <a:effectRef idx="0">
+            <a:schemeClr val="dk1"/>
+          </a:effectRef>
+          <a:fontRef idx="minor">
+            <a:schemeClr val="dk1"/>
+          </a:fontRef>
+        </p:style>
+        <p:txBody>
+          <a:bodyPr rtlCol="0" anchor="ctr"/>
+          <a:lstStyle/>
+          <a:p>
+            <a:pPr algn="r"/>
+            <a:r>
+              <a:rPr lang="de-DE" sz="1100" dirty="0"/>
+              <a:t>Create SNAPSHOT </a:t>
+            </a:r>
+            <a:r>
+              <a:rPr lang="de-DE" sz="1100" dirty="0" err="1"/>
+              <a:t>package</a:t>
+            </a:r>
+            <a:endParaRPr lang="en-US" sz="1100" dirty="0"/>
+          </a:p>
+        </p:txBody>
+      </p:sp>
+      <p:pic>
+        <p:nvPicPr>
+          <p:cNvPr id="17" name="Grafik 16">
+            <a:extLst>
+              <a:ext uri="{FF2B5EF4-FFF2-40B4-BE49-F238E27FC236}">
+                <a16:creationId xmlns:a16="http://schemas.microsoft.com/office/drawing/2014/main" id="{580DAB8B-34B0-4816-8264-FA5940928950}"/>
+              </a:ext>
+            </a:extLst>
+          </p:cNvPr>
+          <p:cNvPicPr>
+            <a:picLocks noChangeAspect="1"/>
+          </p:cNvPicPr>
+          <p:nvPr/>
+        </p:nvPicPr>
+        <p:blipFill>
+          <a:blip r:embed="rId6">
+            <a:extLst>
+              <a:ext uri="{28A0092B-C50C-407E-A947-70E740481C1C}">
+                <a14:useLocalDpi xmlns:a14="http://schemas.microsoft.com/office/drawing/2010/main" val="0"/>
+              </a:ext>
+            </a:extLst>
+          </a:blip>
+          <a:stretch>
+            <a:fillRect/>
+          </a:stretch>
+        </p:blipFill>
+        <p:spPr>
+          <a:xfrm>
+            <a:off x="3046998" y="2718215"/>
+            <a:ext cx="138573" cy="152400"/>
+          </a:xfrm>
+          <a:prstGeom prst="rect">
+            <a:avLst/>
+          </a:prstGeom>
+        </p:spPr>
+      </p:pic>
+      <p:sp>
+        <p:nvSpPr>
+          <p:cNvPr id="26" name="Rechteck 25">
+            <a:extLst>
+              <a:ext uri="{FF2B5EF4-FFF2-40B4-BE49-F238E27FC236}">
+                <a16:creationId xmlns:a16="http://schemas.microsoft.com/office/drawing/2014/main" id="{12DB9A41-3EDB-4176-A46F-F8050BFA49A6}"/>
+              </a:ext>
+            </a:extLst>
+          </p:cNvPr>
+          <p:cNvSpPr/>
+          <p:nvPr/>
+        </p:nvSpPr>
+        <p:spPr>
+          <a:xfrm>
+            <a:off x="5018185" y="2496148"/>
+            <a:ext cx="1634013" cy="602850"/>
+          </a:xfrm>
+          <a:prstGeom prst="rect">
+            <a:avLst/>
+          </a:prstGeom>
+          <a:ln>
+            <a:solidFill>
+              <a:schemeClr val="bg1">
+                <a:lumMod val="50000"/>
+              </a:schemeClr>
+            </a:solidFill>
+          </a:ln>
+        </p:spPr>
+        <p:style>
+          <a:lnRef idx="2">
+            <a:schemeClr val="dk1"/>
+          </a:lnRef>
+          <a:fillRef idx="1">
+            <a:schemeClr val="lt1"/>
+          </a:fillRef>
+          <a:effectRef idx="0">
+            <a:schemeClr val="dk1"/>
+          </a:effectRef>
+          <a:fontRef idx="minor">
+            <a:schemeClr val="dk1"/>
+          </a:fontRef>
+        </p:style>
+        <p:txBody>
+          <a:bodyPr rIns="36000" rtlCol="0" anchor="ctr"/>
+          <a:lstStyle/>
+          <a:p>
+            <a:pPr algn="r"/>
+            <a:r>
+              <a:rPr lang="de-DE" sz="1100" dirty="0"/>
+              <a:t>API1-V1.0-SNAPSHOT</a:t>
+            </a:r>
+            <a:endParaRPr lang="en-US" sz="1100" dirty="0"/>
+          </a:p>
+        </p:txBody>
+      </p:sp>
+      <p:pic>
+        <p:nvPicPr>
+          <p:cNvPr id="30" name="Grafik 29" descr="Ein Bild, das Ziegelstein, Tisch enthält.&#10;&#10;Automatisch generierte Beschreibung">
+            <a:extLst>
+              <a:ext uri="{FF2B5EF4-FFF2-40B4-BE49-F238E27FC236}">
+                <a16:creationId xmlns:a16="http://schemas.microsoft.com/office/drawing/2014/main" id="{D30EBDAB-A406-4D6D-AB07-26264C3878D0}"/>
+              </a:ext>
+            </a:extLst>
+          </p:cNvPr>
+          <p:cNvPicPr>
+            <a:picLocks noChangeAspect="1"/>
+          </p:cNvPicPr>
+          <p:nvPr/>
+        </p:nvPicPr>
+        <p:blipFill>
+          <a:blip r:embed="rId7">
+            <a:extLst>
+              <a:ext uri="{28A0092B-C50C-407E-A947-70E740481C1C}">
+                <a14:useLocalDpi xmlns:a14="http://schemas.microsoft.com/office/drawing/2010/main" val="0"/>
+              </a:ext>
+            </a:extLst>
+          </a:blip>
+          <a:stretch>
+            <a:fillRect/>
+          </a:stretch>
+        </p:blipFill>
+        <p:spPr>
+          <a:xfrm>
+            <a:off x="5096955" y="2720786"/>
+            <a:ext cx="147259" cy="147259"/>
+          </a:xfrm>
+          <a:prstGeom prst="rect">
+            <a:avLst/>
+          </a:prstGeom>
+        </p:spPr>
+      </p:pic>
+      <p:sp>
+        <p:nvSpPr>
+          <p:cNvPr id="31" name="Rechteck: abgerundete Ecken 30">
+            <a:extLst>
+              <a:ext uri="{FF2B5EF4-FFF2-40B4-BE49-F238E27FC236}">
+                <a16:creationId xmlns:a16="http://schemas.microsoft.com/office/drawing/2014/main" id="{10D9B9A4-1654-4BF8-834F-5A38F911A632}"/>
+              </a:ext>
+            </a:extLst>
+          </p:cNvPr>
+          <p:cNvSpPr/>
+          <p:nvPr/>
+        </p:nvSpPr>
+        <p:spPr>
+          <a:xfrm>
+            <a:off x="790602" y="1847724"/>
+            <a:ext cx="1893919" cy="1396952"/>
+          </a:xfrm>
+          <a:prstGeom prst="roundRect">
+            <a:avLst>
+              <a:gd name="adj" fmla="val 3952"/>
+            </a:avLst>
+          </a:prstGeom>
+          <a:solidFill>
+            <a:srgbClr val="F2F2F2"/>
+          </a:solidFill>
+          <a:ln w="22225"/>
+        </p:spPr>
+        <p:style>
+          <a:lnRef idx="1">
+            <a:schemeClr val="dk1"/>
+          </a:lnRef>
+          <a:fillRef idx="2">
+            <a:schemeClr val="dk1"/>
+          </a:fillRef>
+          <a:effectRef idx="1">
+            <a:schemeClr val="dk1"/>
+          </a:effectRef>
+          <a:fontRef idx="minor">
+            <a:schemeClr val="dk1"/>
+          </a:fontRef>
+        </p:style>
+        <p:txBody>
+          <a:bodyPr rtlCol="0" anchor="t"/>
+          <a:lstStyle/>
+          <a:p>
+            <a:pPr algn="r"/>
+            <a:r>
+              <a:rPr lang="de-DE" sz="1400" b="1" dirty="0"/>
+              <a:t>Version Control</a:t>
+            </a:r>
+            <a:br>
+              <a:rPr lang="de-DE" sz="1400" b="1" dirty="0"/>
+            </a:br>
+            <a:r>
+              <a:rPr lang="de-DE" sz="1400" b="1" dirty="0" err="1"/>
+              <a:t>Bitbucket</a:t>
+            </a:r>
+            <a:r>
+              <a:rPr lang="de-DE" sz="1400" b="1" dirty="0"/>
+              <a:t> / GitHub</a:t>
+            </a:r>
+            <a:endParaRPr lang="en-US" sz="1400" b="1" dirty="0"/>
+          </a:p>
+        </p:txBody>
+      </p:sp>
+      <p:pic>
+        <p:nvPicPr>
+          <p:cNvPr id="32" name="Grafik 31">
+            <a:extLst>
+              <a:ext uri="{FF2B5EF4-FFF2-40B4-BE49-F238E27FC236}">
+                <a16:creationId xmlns:a16="http://schemas.microsoft.com/office/drawing/2014/main" id="{7A0B7571-D555-4B87-B5D7-C04F0616A58C}"/>
+              </a:ext>
+            </a:extLst>
+          </p:cNvPr>
+          <p:cNvPicPr>
+            <a:picLocks noChangeAspect="1"/>
+          </p:cNvPicPr>
+          <p:nvPr/>
+        </p:nvPicPr>
+        <p:blipFill>
+          <a:blip r:embed="rId8">
+            <a:extLst>
+              <a:ext uri="{28A0092B-C50C-407E-A947-70E740481C1C}">
+                <a14:useLocalDpi xmlns:a14="http://schemas.microsoft.com/office/drawing/2010/main" val="0"/>
+              </a:ext>
+              <a:ext uri="{96DAC541-7B7A-43D3-8B79-37D633B846F1}">
+                <asvg:svgBlip xmlns:asvg="http://schemas.microsoft.com/office/drawing/2016/SVG/main" r:embed="rId9"/>
+              </a:ext>
+            </a:extLst>
+          </a:blip>
+          <a:stretch>
+            <a:fillRect/>
+          </a:stretch>
+        </p:blipFill>
+        <p:spPr>
+          <a:xfrm>
+            <a:off x="765636" y="1710818"/>
+            <a:ext cx="305193" cy="275406"/>
+          </a:xfrm>
+          <a:prstGeom prst="rect">
+            <a:avLst/>
+          </a:prstGeom>
+        </p:spPr>
+      </p:pic>
+      <p:pic>
+        <p:nvPicPr>
+          <p:cNvPr id="33" name="Grafik 32">
+            <a:extLst>
+              <a:ext uri="{FF2B5EF4-FFF2-40B4-BE49-F238E27FC236}">
+                <a16:creationId xmlns:a16="http://schemas.microsoft.com/office/drawing/2014/main" id="{41DB1411-E633-4CBC-9320-787C906A32F0}"/>
+              </a:ext>
+            </a:extLst>
+          </p:cNvPr>
+          <p:cNvPicPr>
+            <a:picLocks noChangeAspect="1"/>
+          </p:cNvPicPr>
+          <p:nvPr/>
+        </p:nvPicPr>
+        <p:blipFill>
+          <a:blip r:embed="rId10">
+            <a:extLst>
+              <a:ext uri="{28A0092B-C50C-407E-A947-70E740481C1C}">
+                <a14:useLocalDpi xmlns:a14="http://schemas.microsoft.com/office/drawing/2010/main" val="0"/>
+              </a:ext>
+            </a:extLst>
+          </a:blip>
+          <a:stretch>
+            <a:fillRect/>
+          </a:stretch>
+        </p:blipFill>
+        <p:spPr>
+          <a:xfrm>
+            <a:off x="1127839" y="1709224"/>
+            <a:ext cx="276999" cy="276999"/>
+          </a:xfrm>
+          <a:prstGeom prst="rect">
+            <a:avLst/>
+          </a:prstGeom>
+        </p:spPr>
+      </p:pic>
+      <p:sp>
+        <p:nvSpPr>
+          <p:cNvPr id="57" name="Rechteck 56">
+            <a:extLst>
+              <a:ext uri="{FF2B5EF4-FFF2-40B4-BE49-F238E27FC236}">
+                <a16:creationId xmlns:a16="http://schemas.microsoft.com/office/drawing/2014/main" id="{9A70AA03-1ACF-499F-8A6F-153FF21D2E15}"/>
+              </a:ext>
+            </a:extLst>
+          </p:cNvPr>
+          <p:cNvSpPr/>
+          <p:nvPr/>
+        </p:nvSpPr>
+        <p:spPr>
+          <a:xfrm>
+            <a:off x="884749" y="2496148"/>
+            <a:ext cx="1715603" cy="602850"/>
+          </a:xfrm>
+          <a:prstGeom prst="rect">
+            <a:avLst/>
+          </a:prstGeom>
+          <a:ln>
+            <a:solidFill>
+              <a:schemeClr val="bg1">
+                <a:lumMod val="50000"/>
+              </a:schemeClr>
+            </a:solidFill>
+          </a:ln>
+        </p:spPr>
+        <p:style>
+          <a:lnRef idx="2">
+            <a:schemeClr val="dk1"/>
+          </a:lnRef>
+          <a:fillRef idx="1">
+            <a:schemeClr val="lt1"/>
+          </a:fillRef>
+          <a:effectRef idx="0">
+            <a:schemeClr val="dk1"/>
+          </a:effectRef>
+          <a:fontRef idx="minor">
+            <a:schemeClr val="dk1"/>
+          </a:fontRef>
+        </p:style>
+        <p:txBody>
+          <a:bodyPr rtlCol="0" anchor="ctr"/>
+          <a:lstStyle/>
+          <a:p>
+            <a:pPr algn="r"/>
+            <a:r>
+              <a:rPr lang="de-DE" sz="1100" dirty="0"/>
+              <a:t>API 1</a:t>
+            </a:r>
+            <a:br>
+              <a:rPr lang="de-DE" sz="1100" dirty="0"/>
+            </a:br>
+            <a:r>
+              <a:rPr lang="de-DE" sz="1100" dirty="0"/>
+              <a:t>API-</a:t>
+            </a:r>
+            <a:r>
+              <a:rPr lang="de-DE" sz="1100" dirty="0" err="1"/>
+              <a:t>Config</a:t>
+            </a:r>
+            <a:r>
+              <a:rPr lang="de-DE" sz="1100" dirty="0"/>
+              <a:t> &amp; </a:t>
+            </a:r>
+            <a:r>
+              <a:rPr lang="de-DE" sz="1100" dirty="0" err="1"/>
+              <a:t>Jenkinsfile</a:t>
+            </a:r>
+            <a:endParaRPr lang="de-DE" sz="1100" dirty="0"/>
+          </a:p>
+          <a:p>
+            <a:pPr algn="r"/>
+            <a:r>
+              <a:rPr lang="de-DE" sz="1100" dirty="0"/>
+              <a:t>pom.xml</a:t>
+            </a:r>
+            <a:endParaRPr lang="en-US" sz="1100" dirty="0"/>
+          </a:p>
+        </p:txBody>
+      </p:sp>
+      <p:pic>
+        <p:nvPicPr>
+          <p:cNvPr id="35" name="Grafik 34" descr="Ein Bild, das schwarz enthält.&#10;&#10;Automatisch generierte Beschreibung">
+            <a:extLst>
+              <a:ext uri="{FF2B5EF4-FFF2-40B4-BE49-F238E27FC236}">
+                <a16:creationId xmlns:a16="http://schemas.microsoft.com/office/drawing/2014/main" id="{8EA75F08-E5C6-4532-BE36-AA2900617CE0}"/>
+              </a:ext>
+            </a:extLst>
+          </p:cNvPr>
+          <p:cNvPicPr>
+            <a:picLocks noChangeAspect="1"/>
+          </p:cNvPicPr>
+          <p:nvPr/>
+        </p:nvPicPr>
+        <p:blipFill>
+          <a:blip r:embed="rId11">
+            <a:extLst>
+              <a:ext uri="{28A0092B-C50C-407E-A947-70E740481C1C}">
+                <a14:useLocalDpi xmlns:a14="http://schemas.microsoft.com/office/drawing/2010/main" val="0"/>
+              </a:ext>
+            </a:extLst>
+          </a:blip>
+          <a:stretch>
+            <a:fillRect/>
+          </a:stretch>
+        </p:blipFill>
+        <p:spPr>
+          <a:xfrm>
+            <a:off x="918511" y="2547023"/>
+            <a:ext cx="229415" cy="224564"/>
+          </a:xfrm>
+          <a:prstGeom prst="rect">
+            <a:avLst/>
+          </a:prstGeom>
+        </p:spPr>
+      </p:pic>
+      <p:sp>
+        <p:nvSpPr>
+          <p:cNvPr id="60" name="Rechteck: abgerundete Ecken 59">
+            <a:extLst>
+              <a:ext uri="{FF2B5EF4-FFF2-40B4-BE49-F238E27FC236}">
+                <a16:creationId xmlns:a16="http://schemas.microsoft.com/office/drawing/2014/main" id="{4DED1C37-E045-498C-87E2-1A422E5EA747}"/>
+              </a:ext>
+            </a:extLst>
+          </p:cNvPr>
+          <p:cNvSpPr/>
+          <p:nvPr/>
+        </p:nvSpPr>
+        <p:spPr>
+          <a:xfrm>
+            <a:off x="9162779" y="1848547"/>
+            <a:ext cx="1750595" cy="1396952"/>
+          </a:xfrm>
+          <a:prstGeom prst="roundRect">
+            <a:avLst>
+              <a:gd name="adj" fmla="val 3952"/>
+            </a:avLst>
+          </a:prstGeom>
+          <a:solidFill>
+            <a:srgbClr val="F2F2F2"/>
+          </a:solidFill>
+          <a:ln w="22225"/>
+        </p:spPr>
+        <p:style>
+          <a:lnRef idx="1">
+            <a:schemeClr val="dk1"/>
+          </a:lnRef>
+          <a:fillRef idx="2">
+            <a:schemeClr val="dk1"/>
+          </a:fillRef>
+          <a:effectRef idx="1">
+            <a:schemeClr val="dk1"/>
+          </a:effectRef>
+          <a:fontRef idx="minor">
+            <a:schemeClr val="dk1"/>
+          </a:fontRef>
+        </p:style>
+        <p:txBody>
+          <a:bodyPr rtlCol="0" anchor="t"/>
+          <a:lstStyle/>
+          <a:p>
+            <a:pPr algn="r"/>
+            <a:r>
+              <a:rPr lang="de-DE" sz="1400" b="1" dirty="0"/>
+              <a:t>RELEASE</a:t>
+            </a:r>
+            <a:br>
+              <a:rPr lang="de-DE" sz="1400" b="1" dirty="0"/>
+            </a:br>
+            <a:r>
+              <a:rPr lang="de-DE" sz="1400" b="1" dirty="0"/>
+              <a:t>Repository</a:t>
+            </a:r>
+            <a:endParaRPr lang="en-US" sz="1600" dirty="0"/>
+          </a:p>
+        </p:txBody>
+      </p:sp>
+      <p:pic>
+        <p:nvPicPr>
+          <p:cNvPr id="61" name="Grafik 60" descr="Ein Bild, das Objekt, Uhr, Raum enthält.&#10;&#10;Automatisch generierte Beschreibung">
+            <a:extLst>
+              <a:ext uri="{FF2B5EF4-FFF2-40B4-BE49-F238E27FC236}">
+                <a16:creationId xmlns:a16="http://schemas.microsoft.com/office/drawing/2014/main" id="{FB8E292B-2D02-4BF7-A474-B9D20F3509F0}"/>
+              </a:ext>
+            </a:extLst>
+          </p:cNvPr>
+          <p:cNvPicPr>
+            <a:picLocks noChangeAspect="1"/>
+          </p:cNvPicPr>
+          <p:nvPr/>
+        </p:nvPicPr>
+        <p:blipFill>
+          <a:blip r:embed="rId2">
+            <a:extLst>
+              <a:ext uri="{28A0092B-C50C-407E-A947-70E740481C1C}">
+                <a14:useLocalDpi xmlns:a14="http://schemas.microsoft.com/office/drawing/2010/main" val="0"/>
+              </a:ext>
+            </a:extLst>
+          </a:blip>
+          <a:stretch>
+            <a:fillRect/>
+          </a:stretch>
+        </p:blipFill>
+        <p:spPr>
+          <a:xfrm>
+            <a:off x="9239203" y="1932386"/>
+            <a:ext cx="304801" cy="304801"/>
+          </a:xfrm>
+          <a:prstGeom prst="rect">
+            <a:avLst/>
+          </a:prstGeom>
+        </p:spPr>
+      </p:pic>
+      <p:pic>
+        <p:nvPicPr>
+          <p:cNvPr id="62" name="Grafik 61" descr="Ein Bild, das Zeichnung enthält.&#10;&#10;Automatisch generierte Beschreibung">
+            <a:extLst>
+              <a:ext uri="{FF2B5EF4-FFF2-40B4-BE49-F238E27FC236}">
+                <a16:creationId xmlns:a16="http://schemas.microsoft.com/office/drawing/2014/main" id="{C2C3C276-1F86-41C5-A4C7-8C008CA2DBD9}"/>
+              </a:ext>
+            </a:extLst>
+          </p:cNvPr>
+          <p:cNvPicPr>
+            <a:picLocks noChangeAspect="1"/>
+          </p:cNvPicPr>
+          <p:nvPr/>
+        </p:nvPicPr>
+        <p:blipFill>
+          <a:blip r:embed="rId3">
+            <a:extLst>
+              <a:ext uri="{28A0092B-C50C-407E-A947-70E740481C1C}">
+                <a14:useLocalDpi xmlns:a14="http://schemas.microsoft.com/office/drawing/2010/main" val="0"/>
+              </a:ext>
+            </a:extLst>
+          </a:blip>
+          <a:stretch>
+            <a:fillRect/>
+          </a:stretch>
+        </p:blipFill>
+        <p:spPr>
+          <a:xfrm>
+            <a:off x="9614342" y="1932386"/>
+            <a:ext cx="273192" cy="304801"/>
+          </a:xfrm>
+          <a:prstGeom prst="rect">
+            <a:avLst/>
+          </a:prstGeom>
+        </p:spPr>
+      </p:pic>
+      <p:sp>
+        <p:nvSpPr>
+          <p:cNvPr id="63" name="Rechteck 62">
+            <a:extLst>
+              <a:ext uri="{FF2B5EF4-FFF2-40B4-BE49-F238E27FC236}">
+                <a16:creationId xmlns:a16="http://schemas.microsoft.com/office/drawing/2014/main" id="{8ECC9C70-6BA2-4407-A337-A060E4D3798B}"/>
+              </a:ext>
+            </a:extLst>
+          </p:cNvPr>
+          <p:cNvSpPr/>
+          <p:nvPr/>
+        </p:nvSpPr>
+        <p:spPr>
+          <a:xfrm>
+            <a:off x="9239203" y="2496923"/>
+            <a:ext cx="1634013" cy="602850"/>
+          </a:xfrm>
+          <a:prstGeom prst="rect">
+            <a:avLst/>
+          </a:prstGeom>
+          <a:ln>
+            <a:solidFill>
+              <a:schemeClr val="bg1">
+                <a:lumMod val="50000"/>
+              </a:schemeClr>
+            </a:solidFill>
+          </a:ln>
+        </p:spPr>
+        <p:style>
+          <a:lnRef idx="2">
+            <a:schemeClr val="dk1"/>
+          </a:lnRef>
+          <a:fillRef idx="1">
+            <a:schemeClr val="lt1"/>
+          </a:fillRef>
+          <a:effectRef idx="0">
+            <a:schemeClr val="dk1"/>
+          </a:effectRef>
+          <a:fontRef idx="minor">
+            <a:schemeClr val="dk1"/>
+          </a:fontRef>
+        </p:style>
+        <p:txBody>
+          <a:bodyPr rIns="36000" rtlCol="0" anchor="ctr"/>
+          <a:lstStyle/>
+          <a:p>
+            <a:pPr algn="r"/>
+            <a:r>
+              <a:rPr lang="de-DE" sz="1100" dirty="0"/>
+              <a:t>API1-V1.0</a:t>
+            </a:r>
+            <a:endParaRPr lang="en-US" sz="1100" dirty="0"/>
+          </a:p>
+        </p:txBody>
+      </p:sp>
+      <p:pic>
+        <p:nvPicPr>
+          <p:cNvPr id="64" name="Grafik 63" descr="Ein Bild, das Ziegelstein, Tisch enthält.&#10;&#10;Automatisch generierte Beschreibung">
+            <a:extLst>
+              <a:ext uri="{FF2B5EF4-FFF2-40B4-BE49-F238E27FC236}">
+                <a16:creationId xmlns:a16="http://schemas.microsoft.com/office/drawing/2014/main" id="{266C6BB0-E9F3-49EE-A23B-5C6AEE02ED4F}"/>
+              </a:ext>
+            </a:extLst>
+          </p:cNvPr>
+          <p:cNvPicPr>
+            <a:picLocks noChangeAspect="1"/>
+          </p:cNvPicPr>
+          <p:nvPr/>
+        </p:nvPicPr>
+        <p:blipFill>
+          <a:blip r:embed="rId7">
+            <a:extLst>
+              <a:ext uri="{28A0092B-C50C-407E-A947-70E740481C1C}">
+                <a14:useLocalDpi xmlns:a14="http://schemas.microsoft.com/office/drawing/2010/main" val="0"/>
+              </a:ext>
+            </a:extLst>
+          </a:blip>
+          <a:stretch>
+            <a:fillRect/>
+          </a:stretch>
+        </p:blipFill>
+        <p:spPr>
+          <a:xfrm>
+            <a:off x="9317973" y="2721561"/>
+            <a:ext cx="147259" cy="147259"/>
+          </a:xfrm>
+          <a:prstGeom prst="rect">
+            <a:avLst/>
+          </a:prstGeom>
+        </p:spPr>
+      </p:pic>
+      <p:sp>
+        <p:nvSpPr>
+          <p:cNvPr id="65" name="Rechteck: abgerundete Ecken 64">
+            <a:extLst>
+              <a:ext uri="{FF2B5EF4-FFF2-40B4-BE49-F238E27FC236}">
+                <a16:creationId xmlns:a16="http://schemas.microsoft.com/office/drawing/2014/main" id="{C77FED26-966A-4804-99CA-D16909BAB0DD}"/>
+              </a:ext>
+            </a:extLst>
+          </p:cNvPr>
+          <p:cNvSpPr/>
+          <p:nvPr/>
+        </p:nvSpPr>
+        <p:spPr>
+          <a:xfrm>
+            <a:off x="7003784" y="1847724"/>
+            <a:ext cx="1750595" cy="1396952"/>
+          </a:xfrm>
+          <a:prstGeom prst="roundRect">
+            <a:avLst>
+              <a:gd name="adj" fmla="val 3952"/>
+            </a:avLst>
+          </a:prstGeom>
+          <a:solidFill>
+            <a:srgbClr val="F2F2F2"/>
+          </a:solidFill>
+          <a:ln w="22225"/>
+        </p:spPr>
+        <p:style>
+          <a:lnRef idx="1">
+            <a:schemeClr val="dk1"/>
+          </a:lnRef>
+          <a:fillRef idx="2">
+            <a:schemeClr val="dk1"/>
+          </a:fillRef>
+          <a:effectRef idx="1">
+            <a:schemeClr val="dk1"/>
+          </a:effectRef>
+          <a:fontRef idx="minor">
+            <a:schemeClr val="dk1"/>
+          </a:fontRef>
+        </p:style>
+        <p:txBody>
+          <a:bodyPr rtlCol="0" anchor="t"/>
+          <a:lstStyle/>
+          <a:p>
+            <a:pPr algn="r"/>
+            <a:r>
+              <a:rPr lang="de-DE" sz="1400" b="1" dirty="0"/>
+              <a:t>Jenkins</a:t>
+            </a:r>
+          </a:p>
+          <a:p>
+            <a:pPr algn="r"/>
+            <a:r>
+              <a:rPr lang="de-DE" sz="1200" dirty="0"/>
+              <a:t>Release </a:t>
+            </a:r>
+            <a:r>
+              <a:rPr lang="de-DE" sz="1200" dirty="0" err="1"/>
+              <a:t>pipeline</a:t>
+            </a:r>
+            <a:endParaRPr lang="en-US" sz="1600" dirty="0"/>
+          </a:p>
+        </p:txBody>
+      </p:sp>
+      <p:sp>
+        <p:nvSpPr>
+          <p:cNvPr id="67" name="Rechteck 66">
+            <a:extLst>
+              <a:ext uri="{FF2B5EF4-FFF2-40B4-BE49-F238E27FC236}">
+                <a16:creationId xmlns:a16="http://schemas.microsoft.com/office/drawing/2014/main" id="{7C93DD7A-7419-41E4-A6F7-71BE041E46E5}"/>
+              </a:ext>
+            </a:extLst>
+          </p:cNvPr>
+          <p:cNvSpPr/>
+          <p:nvPr/>
+        </p:nvSpPr>
+        <p:spPr>
+          <a:xfrm>
+            <a:off x="7063215" y="2496100"/>
+            <a:ext cx="1634013" cy="602850"/>
+          </a:xfrm>
+          <a:prstGeom prst="rect">
+            <a:avLst/>
+          </a:prstGeom>
+          <a:ln>
+            <a:solidFill>
+              <a:schemeClr val="bg1">
+                <a:lumMod val="50000"/>
+              </a:schemeClr>
+            </a:solidFill>
+          </a:ln>
+        </p:spPr>
+        <p:style>
+          <a:lnRef idx="2">
+            <a:schemeClr val="dk1"/>
+          </a:lnRef>
+          <a:fillRef idx="1">
+            <a:schemeClr val="lt1"/>
+          </a:fillRef>
+          <a:effectRef idx="0">
+            <a:schemeClr val="dk1"/>
+          </a:effectRef>
+          <a:fontRef idx="minor">
+            <a:schemeClr val="dk1"/>
+          </a:fontRef>
+        </p:style>
+        <p:txBody>
+          <a:bodyPr rtlCol="0" anchor="ctr"/>
+          <a:lstStyle/>
+          <a:p>
+            <a:pPr algn="r"/>
+            <a:r>
+              <a:rPr lang="de-DE" sz="1100" dirty="0"/>
+              <a:t>Create &amp; Publish </a:t>
+            </a:r>
+          </a:p>
+          <a:p>
+            <a:pPr algn="r"/>
+            <a:r>
+              <a:rPr lang="de-DE" sz="1100" dirty="0"/>
+              <a:t>release</a:t>
+            </a:r>
+            <a:endParaRPr lang="en-US" sz="1100" dirty="0"/>
+          </a:p>
+        </p:txBody>
+      </p:sp>
+      <p:pic>
+        <p:nvPicPr>
+          <p:cNvPr id="68" name="Grafik 67">
+            <a:extLst>
+              <a:ext uri="{FF2B5EF4-FFF2-40B4-BE49-F238E27FC236}">
+                <a16:creationId xmlns:a16="http://schemas.microsoft.com/office/drawing/2014/main" id="{BE296906-1F93-4C84-91EC-8BEF860E0AB7}"/>
+              </a:ext>
+            </a:extLst>
+          </p:cNvPr>
+          <p:cNvPicPr>
+            <a:picLocks noChangeAspect="1"/>
+          </p:cNvPicPr>
+          <p:nvPr/>
+        </p:nvPicPr>
+        <p:blipFill>
+          <a:blip r:embed="rId6">
+            <a:extLst>
+              <a:ext uri="{28A0092B-C50C-407E-A947-70E740481C1C}">
+                <a14:useLocalDpi xmlns:a14="http://schemas.microsoft.com/office/drawing/2010/main" val="0"/>
+              </a:ext>
+            </a:extLst>
+          </a:blip>
+          <a:stretch>
+            <a:fillRect/>
+          </a:stretch>
+        </p:blipFill>
+        <p:spPr>
+          <a:xfrm>
+            <a:off x="7122095" y="2718215"/>
+            <a:ext cx="138573" cy="152400"/>
+          </a:xfrm>
+          <a:prstGeom prst="rect">
+            <a:avLst/>
+          </a:prstGeom>
+        </p:spPr>
+      </p:pic>
+      <p:cxnSp>
+        <p:nvCxnSpPr>
+          <p:cNvPr id="70" name="Gerade Verbindung mit Pfeil 69">
+            <a:extLst>
+              <a:ext uri="{FF2B5EF4-FFF2-40B4-BE49-F238E27FC236}">
+                <a16:creationId xmlns:a16="http://schemas.microsoft.com/office/drawing/2014/main" id="{4F39264B-9734-497A-A0E2-AC04D7B2000F}"/>
+              </a:ext>
+            </a:extLst>
+          </p:cNvPr>
+          <p:cNvCxnSpPr>
+            <a:stCxn id="57" idx="3"/>
+            <a:endCxn id="16" idx="1"/>
+          </p:cNvCxnSpPr>
+          <p:nvPr/>
+        </p:nvCxnSpPr>
+        <p:spPr>
+          <a:xfrm>
+            <a:off x="2600352" y="2797573"/>
+            <a:ext cx="380480" cy="0"/>
+          </a:xfrm>
+          <a:prstGeom prst="straightConnector1">
+            <a:avLst/>
+          </a:prstGeom>
+          <a:ln w="12700">
+            <a:tailEnd type="triangle" w="lg" len="lg"/>
+          </a:ln>
+        </p:spPr>
+        <p:style>
+          <a:lnRef idx="1">
+            <a:schemeClr val="dk1"/>
+          </a:lnRef>
+          <a:fillRef idx="0">
+            <a:schemeClr val="dk1"/>
+          </a:fillRef>
+          <a:effectRef idx="0">
+            <a:schemeClr val="dk1"/>
+          </a:effectRef>
+          <a:fontRef idx="minor">
+            <a:schemeClr val="tx1"/>
+          </a:fontRef>
+        </p:style>
+      </p:cxnSp>
+      <p:cxnSp>
+        <p:nvCxnSpPr>
+          <p:cNvPr id="71" name="Gerade Verbindung mit Pfeil 70">
+            <a:extLst>
+              <a:ext uri="{FF2B5EF4-FFF2-40B4-BE49-F238E27FC236}">
+                <a16:creationId xmlns:a16="http://schemas.microsoft.com/office/drawing/2014/main" id="{2D02E28C-5148-4D62-BEA2-5FB39F30520D}"/>
+              </a:ext>
+            </a:extLst>
+          </p:cNvPr>
+          <p:cNvCxnSpPr>
+            <a:cxnSpLocks/>
+            <a:stCxn id="16" idx="3"/>
+            <a:endCxn id="26" idx="1"/>
+          </p:cNvCxnSpPr>
+          <p:nvPr/>
+        </p:nvCxnSpPr>
+        <p:spPr>
+          <a:xfrm>
+            <a:off x="4614845" y="2797573"/>
+            <a:ext cx="403340" cy="0"/>
+          </a:xfrm>
+          <a:prstGeom prst="straightConnector1">
+            <a:avLst/>
+          </a:prstGeom>
+          <a:ln w="12700">
+            <a:tailEnd type="triangle" w="lg" len="lg"/>
+          </a:ln>
+        </p:spPr>
+        <p:style>
+          <a:lnRef idx="1">
+            <a:schemeClr val="dk1"/>
+          </a:lnRef>
+          <a:fillRef idx="0">
+            <a:schemeClr val="dk1"/>
+          </a:fillRef>
+          <a:effectRef idx="0">
+            <a:schemeClr val="dk1"/>
+          </a:effectRef>
+          <a:fontRef idx="minor">
+            <a:schemeClr val="tx1"/>
+          </a:fontRef>
+        </p:style>
+      </p:cxnSp>
+      <p:sp>
+        <p:nvSpPr>
+          <p:cNvPr id="75" name="Rechteck 74">
+            <a:extLst>
+              <a:ext uri="{FF2B5EF4-FFF2-40B4-BE49-F238E27FC236}">
+                <a16:creationId xmlns:a16="http://schemas.microsoft.com/office/drawing/2014/main" id="{6D1AE90A-6126-42EF-87AD-D2A26CA4AE79}"/>
+              </a:ext>
+            </a:extLst>
+          </p:cNvPr>
+          <p:cNvSpPr/>
+          <p:nvPr/>
+        </p:nvSpPr>
+        <p:spPr>
+          <a:xfrm>
+            <a:off x="2980436" y="3157224"/>
+            <a:ext cx="1634013" cy="602850"/>
+          </a:xfrm>
+          <a:prstGeom prst="rect">
+            <a:avLst/>
+          </a:prstGeom>
+          <a:ln>
+            <a:solidFill>
+              <a:schemeClr val="bg1">
+                <a:lumMod val="50000"/>
+              </a:schemeClr>
+            </a:solidFill>
+          </a:ln>
+        </p:spPr>
+        <p:style>
+          <a:lnRef idx="2">
+            <a:schemeClr val="dk1"/>
+          </a:lnRef>
+          <a:fillRef idx="1">
+            <a:schemeClr val="lt1"/>
+          </a:fillRef>
+          <a:effectRef idx="0">
+            <a:schemeClr val="dk1"/>
+          </a:effectRef>
+          <a:fontRef idx="minor">
+            <a:schemeClr val="dk1"/>
+          </a:fontRef>
+        </p:style>
+        <p:txBody>
+          <a:bodyPr rtlCol="0" anchor="ctr"/>
+          <a:lstStyle/>
+          <a:p>
+            <a:pPr algn="r"/>
+            <a:r>
+              <a:rPr lang="de-DE" sz="1100" dirty="0"/>
+              <a:t>Deploy </a:t>
+            </a:r>
+            <a:r>
+              <a:rPr lang="de-DE" sz="1100" dirty="0" err="1"/>
+              <a:t>package</a:t>
+            </a:r>
+            <a:r>
+              <a:rPr lang="de-DE" sz="1100" dirty="0"/>
+              <a:t> </a:t>
+            </a:r>
+            <a:r>
+              <a:rPr lang="de-DE" sz="1100" dirty="0" err="1"/>
+              <a:t>to</a:t>
+            </a:r>
+            <a:r>
+              <a:rPr lang="de-DE" sz="1100" dirty="0"/>
+              <a:t> </a:t>
+            </a:r>
+            <a:br>
+              <a:rPr lang="de-DE" sz="1100" dirty="0"/>
+            </a:br>
+            <a:r>
+              <a:rPr lang="de-DE" sz="1100" dirty="0"/>
+              <a:t>DEV-Stage</a:t>
+            </a:r>
+            <a:endParaRPr lang="en-US" sz="1100" dirty="0"/>
+          </a:p>
+        </p:txBody>
+      </p:sp>
+      <p:pic>
+        <p:nvPicPr>
+          <p:cNvPr id="76" name="Grafik 75">
+            <a:extLst>
+              <a:ext uri="{FF2B5EF4-FFF2-40B4-BE49-F238E27FC236}">
+                <a16:creationId xmlns:a16="http://schemas.microsoft.com/office/drawing/2014/main" id="{40BACB67-DA59-46ED-A30D-8A8AAE2325A9}"/>
+              </a:ext>
+            </a:extLst>
+          </p:cNvPr>
+          <p:cNvPicPr>
+            <a:picLocks noChangeAspect="1"/>
+          </p:cNvPicPr>
+          <p:nvPr/>
+        </p:nvPicPr>
+        <p:blipFill>
+          <a:blip r:embed="rId6">
+            <a:extLst>
+              <a:ext uri="{28A0092B-C50C-407E-A947-70E740481C1C}">
+                <a14:useLocalDpi xmlns:a14="http://schemas.microsoft.com/office/drawing/2010/main" val="0"/>
+              </a:ext>
+            </a:extLst>
+          </a:blip>
+          <a:stretch>
+            <a:fillRect/>
+          </a:stretch>
+        </p:blipFill>
+        <p:spPr>
+          <a:xfrm>
+            <a:off x="3040230" y="3379291"/>
+            <a:ext cx="138573" cy="152400"/>
+          </a:xfrm>
+          <a:prstGeom prst="rect">
+            <a:avLst/>
+          </a:prstGeom>
+        </p:spPr>
+      </p:pic>
+      <p:pic>
+        <p:nvPicPr>
+          <p:cNvPr id="77" name="Grafik 76" descr="Ein Bild, das Raum, Zeichnung enthält.&#10;&#10;Automatisch generierte Beschreibung">
+            <a:extLst>
+              <a:ext uri="{FF2B5EF4-FFF2-40B4-BE49-F238E27FC236}">
+                <a16:creationId xmlns:a16="http://schemas.microsoft.com/office/drawing/2014/main" id="{C2DDEDAF-A09F-41A2-A0FC-55C92058F5AC}"/>
+              </a:ext>
+            </a:extLst>
+          </p:cNvPr>
+          <p:cNvPicPr>
+            <a:picLocks noChangeAspect="1"/>
+          </p:cNvPicPr>
+          <p:nvPr/>
+        </p:nvPicPr>
+        <p:blipFill rotWithShape="1">
+          <a:blip r:embed="rId5">
+            <a:extLst>
+              <a:ext uri="{28A0092B-C50C-407E-A947-70E740481C1C}">
+                <a14:useLocalDpi xmlns:a14="http://schemas.microsoft.com/office/drawing/2010/main" val="0"/>
+              </a:ext>
+            </a:extLst>
+          </a:blip>
+          <a:srcRect l="35029" t="19605" r="34531" b="19769"/>
+          <a:stretch/>
+        </p:blipFill>
+        <p:spPr>
+          <a:xfrm>
+            <a:off x="7122095" y="1652920"/>
+            <a:ext cx="374631" cy="514313"/>
+          </a:xfrm>
+          <a:prstGeom prst="rect">
+            <a:avLst/>
+          </a:prstGeom>
+        </p:spPr>
+      </p:pic>
+      <p:cxnSp>
+        <p:nvCxnSpPr>
+          <p:cNvPr id="78" name="Gerade Verbindung mit Pfeil 77">
+            <a:extLst>
+              <a:ext uri="{FF2B5EF4-FFF2-40B4-BE49-F238E27FC236}">
+                <a16:creationId xmlns:a16="http://schemas.microsoft.com/office/drawing/2014/main" id="{C2AE7621-6B8E-4A87-A6B3-8C9F2A7D3E3D}"/>
+              </a:ext>
+            </a:extLst>
+          </p:cNvPr>
+          <p:cNvCxnSpPr>
+            <a:cxnSpLocks/>
+            <a:stCxn id="67" idx="3"/>
+            <a:endCxn id="63" idx="1"/>
+          </p:cNvCxnSpPr>
+          <p:nvPr/>
+        </p:nvCxnSpPr>
+        <p:spPr>
+          <a:xfrm>
+            <a:off x="8697228" y="2797525"/>
+            <a:ext cx="541975" cy="823"/>
+          </a:xfrm>
+          <a:prstGeom prst="straightConnector1">
+            <a:avLst/>
+          </a:prstGeom>
+          <a:ln w="12700">
+            <a:tailEnd type="triangle" w="lg" len="lg"/>
+          </a:ln>
+        </p:spPr>
+        <p:style>
+          <a:lnRef idx="1">
+            <a:schemeClr val="dk1"/>
+          </a:lnRef>
+          <a:fillRef idx="0">
+            <a:schemeClr val="dk1"/>
+          </a:fillRef>
+          <a:effectRef idx="0">
+            <a:schemeClr val="dk1"/>
+          </a:effectRef>
+          <a:fontRef idx="minor">
+            <a:schemeClr val="tx1"/>
+          </a:fontRef>
+        </p:style>
+      </p:cxnSp>
+      <p:cxnSp>
+        <p:nvCxnSpPr>
+          <p:cNvPr id="81" name="Gerade Verbindung mit Pfeil 80">
+            <a:extLst>
+              <a:ext uri="{FF2B5EF4-FFF2-40B4-BE49-F238E27FC236}">
+                <a16:creationId xmlns:a16="http://schemas.microsoft.com/office/drawing/2014/main" id="{C41025B8-4528-4411-95F3-206F3576EE2D}"/>
+              </a:ext>
+            </a:extLst>
+          </p:cNvPr>
+          <p:cNvCxnSpPr>
+            <a:cxnSpLocks/>
+            <a:stCxn id="75" idx="3"/>
+          </p:cNvCxnSpPr>
+          <p:nvPr/>
+        </p:nvCxnSpPr>
+        <p:spPr>
+          <a:xfrm>
+            <a:off x="4614449" y="3458649"/>
+            <a:ext cx="357090" cy="233177"/>
+          </a:xfrm>
+          <a:prstGeom prst="straightConnector1">
+            <a:avLst/>
+          </a:prstGeom>
+          <a:ln w="12700">
+            <a:tailEnd type="triangle" w="lg" len="lg"/>
+          </a:ln>
+        </p:spPr>
+        <p:style>
+          <a:lnRef idx="1">
+            <a:schemeClr val="dk1"/>
+          </a:lnRef>
+          <a:fillRef idx="0">
+            <a:schemeClr val="dk1"/>
+          </a:fillRef>
+          <a:effectRef idx="0">
+            <a:schemeClr val="dk1"/>
+          </a:effectRef>
+          <a:fontRef idx="minor">
+            <a:schemeClr val="tx1"/>
+          </a:fontRef>
+        </p:style>
+      </p:cxnSp>
+      <p:cxnSp>
+        <p:nvCxnSpPr>
+          <p:cNvPr id="85" name="Gerader Verbinder 84">
+            <a:extLst>
+              <a:ext uri="{FF2B5EF4-FFF2-40B4-BE49-F238E27FC236}">
+                <a16:creationId xmlns:a16="http://schemas.microsoft.com/office/drawing/2014/main" id="{DA5C7AEB-38D5-464F-BEB5-03616042F9D6}"/>
+              </a:ext>
+            </a:extLst>
+          </p:cNvPr>
+          <p:cNvCxnSpPr>
+            <a:cxnSpLocks/>
+          </p:cNvCxnSpPr>
+          <p:nvPr/>
+        </p:nvCxnSpPr>
+        <p:spPr>
+          <a:xfrm>
+            <a:off x="8958580" y="441928"/>
+            <a:ext cx="0" cy="5898714"/>
+          </a:xfrm>
+          <a:prstGeom prst="line">
+            <a:avLst/>
+          </a:prstGeom>
+          <a:ln w="25400">
+            <a:solidFill>
+              <a:srgbClr val="C00000"/>
+            </a:solidFill>
+            <a:prstDash val="dash"/>
+          </a:ln>
+        </p:spPr>
+        <p:style>
+          <a:lnRef idx="1">
+            <a:schemeClr val="accent1"/>
+          </a:lnRef>
+          <a:fillRef idx="0">
+            <a:schemeClr val="accent1"/>
+          </a:fillRef>
+          <a:effectRef idx="0">
+            <a:schemeClr val="accent1"/>
+          </a:effectRef>
+          <a:fontRef idx="minor">
+            <a:schemeClr val="tx1"/>
+          </a:fontRef>
+        </p:style>
+      </p:cxnSp>
+      <p:sp>
+        <p:nvSpPr>
+          <p:cNvPr id="106" name="Textfeld 105">
+            <a:extLst>
+              <a:ext uri="{FF2B5EF4-FFF2-40B4-BE49-F238E27FC236}">
+                <a16:creationId xmlns:a16="http://schemas.microsoft.com/office/drawing/2014/main" id="{8EE6DCA0-0667-4549-8A09-9D50FCDF26CD}"/>
+              </a:ext>
+            </a:extLst>
+          </p:cNvPr>
+          <p:cNvSpPr txBox="1"/>
+          <p:nvPr/>
+        </p:nvSpPr>
+        <p:spPr>
+          <a:xfrm>
+            <a:off x="2766656" y="1344297"/>
+            <a:ext cx="3481744" cy="369332"/>
+          </a:xfrm>
+          <a:prstGeom prst="rect">
+            <a:avLst/>
+          </a:prstGeom>
+          <a:noFill/>
+        </p:spPr>
+        <p:txBody>
+          <a:bodyPr wrap="square" rtlCol="0">
+            <a:spAutoFit/>
+          </a:bodyPr>
+          <a:lstStyle/>
+          <a:p>
+            <a:pPr algn="ctr"/>
+            <a:r>
+              <a:rPr lang="de-DE" b="1" dirty="0"/>
+              <a:t>- Stage DEV -</a:t>
+            </a:r>
+            <a:endParaRPr lang="en-US" b="1" dirty="0"/>
+          </a:p>
+        </p:txBody>
+      </p:sp>
+      <p:sp>
+        <p:nvSpPr>
+          <p:cNvPr id="108" name="Textfeld 107">
+            <a:extLst>
+              <a:ext uri="{FF2B5EF4-FFF2-40B4-BE49-F238E27FC236}">
+                <a16:creationId xmlns:a16="http://schemas.microsoft.com/office/drawing/2014/main" id="{0EC004F9-681A-495E-98B0-2566B77C481E}"/>
+              </a:ext>
+            </a:extLst>
+          </p:cNvPr>
+          <p:cNvSpPr txBox="1"/>
+          <p:nvPr/>
+        </p:nvSpPr>
+        <p:spPr>
+          <a:xfrm>
+            <a:off x="8895191" y="1344297"/>
+            <a:ext cx="2018184" cy="369332"/>
+          </a:xfrm>
+          <a:prstGeom prst="rect">
+            <a:avLst/>
+          </a:prstGeom>
+          <a:noFill/>
+        </p:spPr>
+        <p:txBody>
+          <a:bodyPr wrap="square" rtlCol="0">
+            <a:spAutoFit/>
+          </a:bodyPr>
+          <a:lstStyle/>
+          <a:p>
+            <a:pPr algn="ctr"/>
+            <a:r>
+              <a:rPr lang="de-DE" b="1" dirty="0"/>
+              <a:t>- TST, PROD, … -</a:t>
+            </a:r>
+            <a:endParaRPr lang="en-US" b="1" dirty="0"/>
+          </a:p>
+        </p:txBody>
+      </p:sp>
+      <p:cxnSp>
+        <p:nvCxnSpPr>
+          <p:cNvPr id="124" name="Gerade Verbindung mit Pfeil 123">
+            <a:extLst>
+              <a:ext uri="{FF2B5EF4-FFF2-40B4-BE49-F238E27FC236}">
+                <a16:creationId xmlns:a16="http://schemas.microsoft.com/office/drawing/2014/main" id="{8F52EBFC-BD09-43E0-8F0E-4B26A8E1C9E3}"/>
+              </a:ext>
+            </a:extLst>
+          </p:cNvPr>
+          <p:cNvCxnSpPr>
+            <a:cxnSpLocks/>
+            <a:stCxn id="26" idx="3"/>
+            <a:endCxn id="67" idx="1"/>
+          </p:cNvCxnSpPr>
+          <p:nvPr/>
+        </p:nvCxnSpPr>
+        <p:spPr>
+          <a:xfrm flipV="1">
+            <a:off x="6652198" y="2797525"/>
+            <a:ext cx="411017" cy="48"/>
+          </a:xfrm>
+          <a:prstGeom prst="straightConnector1">
+            <a:avLst/>
+          </a:prstGeom>
+          <a:ln w="12700">
+            <a:solidFill>
+              <a:schemeClr val="bg1">
+                <a:lumMod val="75000"/>
+              </a:schemeClr>
+            </a:solidFill>
+            <a:prstDash val="dash"/>
+            <a:tailEnd type="triangle" w="lg" len="lg"/>
+          </a:ln>
+        </p:spPr>
+        <p:style>
+          <a:lnRef idx="1">
+            <a:schemeClr val="dk1"/>
+          </a:lnRef>
+          <a:fillRef idx="0">
+            <a:schemeClr val="dk1"/>
+          </a:fillRef>
+          <a:effectRef idx="0">
+            <a:schemeClr val="dk1"/>
+          </a:effectRef>
+          <a:fontRef idx="minor">
+            <a:schemeClr val="tx1"/>
+          </a:fontRef>
+        </p:style>
+      </p:cxnSp>
+      <p:sp>
+        <p:nvSpPr>
+          <p:cNvPr id="132" name="Textfeld 131">
+            <a:extLst>
+              <a:ext uri="{FF2B5EF4-FFF2-40B4-BE49-F238E27FC236}">
+                <a16:creationId xmlns:a16="http://schemas.microsoft.com/office/drawing/2014/main" id="{827121F5-E20A-4B7D-9804-F4C5A95F5D24}"/>
+              </a:ext>
+            </a:extLst>
+          </p:cNvPr>
+          <p:cNvSpPr txBox="1"/>
+          <p:nvPr/>
+        </p:nvSpPr>
+        <p:spPr>
+          <a:xfrm>
+            <a:off x="2790592" y="4576581"/>
+            <a:ext cx="1885601" cy="461665"/>
+          </a:xfrm>
+          <a:prstGeom prst="rect">
+            <a:avLst/>
+          </a:prstGeom>
+          <a:noFill/>
+        </p:spPr>
+        <p:txBody>
+          <a:bodyPr wrap="square" rtlCol="0">
+            <a:spAutoFit/>
+          </a:bodyPr>
+          <a:lstStyle/>
+          <a:p>
+            <a:pPr algn="ctr"/>
+            <a:r>
+              <a:rPr lang="de-DE" sz="1200" dirty="0" err="1"/>
+              <a:t>api</a:t>
+            </a:r>
+            <a:r>
+              <a:rPr lang="de-DE" sz="1200" dirty="0"/>
+              <a:t>-import CLI</a:t>
+            </a:r>
+            <a:br>
+              <a:rPr lang="de-DE" sz="1200" dirty="0"/>
+            </a:br>
+            <a:r>
+              <a:rPr lang="de-DE" sz="1200" i="1" dirty="0"/>
+              <a:t>Design, Test, … Repeat</a:t>
+            </a:r>
+            <a:endParaRPr lang="en-US" sz="1200" i="1" dirty="0"/>
+          </a:p>
+        </p:txBody>
+      </p:sp>
+      <p:sp>
+        <p:nvSpPr>
+          <p:cNvPr id="134" name="Sprechblase: rechteckig 133">
+            <a:extLst>
+              <a:ext uri="{FF2B5EF4-FFF2-40B4-BE49-F238E27FC236}">
+                <a16:creationId xmlns:a16="http://schemas.microsoft.com/office/drawing/2014/main" id="{2E11F39E-4468-4D5E-ACB7-A327F01D6D8D}"/>
+              </a:ext>
+            </a:extLst>
+          </p:cNvPr>
+          <p:cNvSpPr/>
+          <p:nvPr/>
+        </p:nvSpPr>
+        <p:spPr>
+          <a:xfrm>
+            <a:off x="6856220" y="3670222"/>
+            <a:ext cx="1423768" cy="830485"/>
+          </a:xfrm>
+          <a:prstGeom prst="wedgeRectCallout">
+            <a:avLst>
+              <a:gd name="adj1" fmla="val -54857"/>
+              <a:gd name="adj2" fmla="val -144349"/>
+            </a:avLst>
+          </a:prstGeom>
+        </p:spPr>
+        <p:style>
+          <a:lnRef idx="2">
+            <a:schemeClr val="dk1">
+              <a:shade val="50000"/>
+            </a:schemeClr>
+          </a:lnRef>
+          <a:fillRef idx="1">
+            <a:schemeClr val="dk1"/>
+          </a:fillRef>
+          <a:effectRef idx="0">
+            <a:schemeClr val="dk1"/>
+          </a:effectRef>
+          <a:fontRef idx="minor">
+            <a:schemeClr val="lt1"/>
+          </a:fontRef>
+        </p:style>
+        <p:txBody>
+          <a:bodyPr rtlCol="0" anchor="ctr"/>
+          <a:lstStyle/>
+          <a:p>
+            <a:pPr algn="ctr"/>
+            <a:r>
+              <a:rPr lang="de-DE" sz="1200" dirty="0"/>
+              <a:t>Developer </a:t>
+            </a:r>
+            <a:r>
+              <a:rPr lang="de-DE" sz="1200" dirty="0" err="1"/>
+              <a:t>decides</a:t>
+            </a:r>
+            <a:r>
+              <a:rPr lang="de-DE" sz="1200" dirty="0"/>
+              <a:t> </a:t>
+            </a:r>
+            <a:r>
+              <a:rPr lang="de-DE" sz="1200" dirty="0" err="1"/>
+              <a:t>when</a:t>
+            </a:r>
+            <a:r>
+              <a:rPr lang="de-DE" sz="1200" dirty="0"/>
+              <a:t> </a:t>
+            </a:r>
+            <a:r>
+              <a:rPr lang="de-DE" sz="1200" dirty="0" err="1"/>
+              <a:t>to</a:t>
+            </a:r>
+            <a:r>
+              <a:rPr lang="de-DE" sz="1200" dirty="0"/>
+              <a:t> </a:t>
+            </a:r>
+            <a:r>
+              <a:rPr lang="de-DE" sz="1200" dirty="0" err="1"/>
+              <a:t>create</a:t>
+            </a:r>
+            <a:r>
+              <a:rPr lang="de-DE" sz="1200" dirty="0"/>
+              <a:t> release </a:t>
+            </a:r>
+            <a:r>
+              <a:rPr lang="de-DE" sz="1200" dirty="0" err="1"/>
+              <a:t>package</a:t>
+            </a:r>
+            <a:endParaRPr lang="en-US" sz="1200" dirty="0"/>
+          </a:p>
+        </p:txBody>
+      </p:sp>
+      <p:sp>
+        <p:nvSpPr>
+          <p:cNvPr id="41" name="Rechteck: abgerundete Ecken 40">
+            <a:extLst>
+              <a:ext uri="{FF2B5EF4-FFF2-40B4-BE49-F238E27FC236}">
+                <a16:creationId xmlns:a16="http://schemas.microsoft.com/office/drawing/2014/main" id="{D1FCD3EF-FED7-4077-BCEC-7B59C42581D0}"/>
+              </a:ext>
+            </a:extLst>
+          </p:cNvPr>
+          <p:cNvSpPr/>
+          <p:nvPr/>
+        </p:nvSpPr>
+        <p:spPr>
+          <a:xfrm>
+            <a:off x="784310" y="3907389"/>
+            <a:ext cx="1893919" cy="1396952"/>
+          </a:xfrm>
+          <a:prstGeom prst="roundRect">
+            <a:avLst>
+              <a:gd name="adj" fmla="val 3952"/>
+            </a:avLst>
+          </a:prstGeom>
+          <a:solidFill>
+            <a:srgbClr val="F2F2F2"/>
+          </a:solidFill>
+          <a:ln w="22225"/>
+        </p:spPr>
+        <p:style>
+          <a:lnRef idx="1">
+            <a:schemeClr val="dk1"/>
+          </a:lnRef>
+          <a:fillRef idx="2">
+            <a:schemeClr val="dk1"/>
+          </a:fillRef>
+          <a:effectRef idx="1">
+            <a:schemeClr val="dk1"/>
+          </a:effectRef>
+          <a:fontRef idx="minor">
+            <a:schemeClr val="dk1"/>
+          </a:fontRef>
+        </p:style>
+        <p:txBody>
+          <a:bodyPr rtlCol="0" anchor="t"/>
+          <a:lstStyle/>
+          <a:p>
+            <a:pPr algn="r"/>
+            <a:r>
+              <a:rPr lang="de-DE" sz="1400" b="1" dirty="0"/>
+              <a:t>API-Design</a:t>
+            </a:r>
+            <a:endParaRPr lang="en-US" sz="1400" b="1" dirty="0"/>
+          </a:p>
+        </p:txBody>
+      </p:sp>
+      <p:sp>
+        <p:nvSpPr>
+          <p:cNvPr id="42" name="Textfeld 41">
+            <a:extLst>
+              <a:ext uri="{FF2B5EF4-FFF2-40B4-BE49-F238E27FC236}">
+                <a16:creationId xmlns:a16="http://schemas.microsoft.com/office/drawing/2014/main" id="{F53AE1A7-B917-4766-8472-9255CB7474FA}"/>
+              </a:ext>
+            </a:extLst>
+          </p:cNvPr>
+          <p:cNvSpPr txBox="1"/>
+          <p:nvPr/>
+        </p:nvSpPr>
+        <p:spPr>
+          <a:xfrm>
+            <a:off x="784309" y="4815800"/>
+            <a:ext cx="1903399" cy="523220"/>
+          </a:xfrm>
+          <a:prstGeom prst="rect">
+            <a:avLst/>
+          </a:prstGeom>
+          <a:noFill/>
+        </p:spPr>
+        <p:txBody>
+          <a:bodyPr wrap="square" rtlCol="0">
+            <a:spAutoFit/>
+          </a:bodyPr>
+          <a:lstStyle/>
+          <a:p>
+            <a:pPr algn="ctr"/>
+            <a:r>
+              <a:rPr lang="de-DE" sz="1400" b="1" dirty="0"/>
+              <a:t>OpenAPI</a:t>
+            </a:r>
+            <a:br>
+              <a:rPr lang="de-DE" sz="1400" b="1" dirty="0"/>
+            </a:br>
+            <a:r>
+              <a:rPr lang="de-DE" sz="1400" b="1" dirty="0"/>
+              <a:t>Code-Generator</a:t>
+            </a:r>
+            <a:endParaRPr lang="en-US" sz="1400" b="1" dirty="0"/>
+          </a:p>
+        </p:txBody>
+      </p:sp>
+      <p:pic>
+        <p:nvPicPr>
+          <p:cNvPr id="43" name="Grafik 42" descr="Ein Bild, das Schild, Ende, Essen, Becher enthält.&#10;&#10;Automatisch generierte Beschreibung">
+            <a:extLst>
+              <a:ext uri="{FF2B5EF4-FFF2-40B4-BE49-F238E27FC236}">
+                <a16:creationId xmlns:a16="http://schemas.microsoft.com/office/drawing/2014/main" id="{831D35B6-4435-4352-B578-BD6EC9F072B2}"/>
+              </a:ext>
+            </a:extLst>
+          </p:cNvPr>
+          <p:cNvPicPr>
+            <a:picLocks noChangeAspect="1"/>
+          </p:cNvPicPr>
+          <p:nvPr/>
+        </p:nvPicPr>
+        <p:blipFill>
+          <a:blip r:embed="rId12">
+            <a:extLst>
+              <a:ext uri="{28A0092B-C50C-407E-A947-70E740481C1C}">
+                <a14:useLocalDpi xmlns:a14="http://schemas.microsoft.com/office/drawing/2010/main" val="0"/>
+              </a:ext>
+            </a:extLst>
+          </a:blip>
+          <a:stretch>
+            <a:fillRect/>
+          </a:stretch>
+        </p:blipFill>
+        <p:spPr>
+          <a:xfrm>
+            <a:off x="1099095" y="4162827"/>
+            <a:ext cx="1301450" cy="397535"/>
+          </a:xfrm>
+          <a:prstGeom prst="rect">
+            <a:avLst/>
+          </a:prstGeom>
+        </p:spPr>
+      </p:pic>
+      <p:pic>
+        <p:nvPicPr>
+          <p:cNvPr id="44" name="Grafik 43">
+            <a:extLst>
+              <a:ext uri="{FF2B5EF4-FFF2-40B4-BE49-F238E27FC236}">
+                <a16:creationId xmlns:a16="http://schemas.microsoft.com/office/drawing/2014/main" id="{680F5311-E582-48FF-925C-7AB4731E5775}"/>
+              </a:ext>
+            </a:extLst>
+          </p:cNvPr>
+          <p:cNvPicPr>
+            <a:picLocks noChangeAspect="1"/>
+          </p:cNvPicPr>
+          <p:nvPr/>
+        </p:nvPicPr>
+        <p:blipFill>
+          <a:blip r:embed="rId13">
+            <a:extLst>
+              <a:ext uri="{28A0092B-C50C-407E-A947-70E740481C1C}">
+                <a14:useLocalDpi xmlns:a14="http://schemas.microsoft.com/office/drawing/2010/main" val="0"/>
+              </a:ext>
+            </a:extLst>
+          </a:blip>
+          <a:stretch>
+            <a:fillRect/>
+          </a:stretch>
+        </p:blipFill>
+        <p:spPr>
+          <a:xfrm>
+            <a:off x="1021357" y="4534412"/>
+            <a:ext cx="1456927" cy="368957"/>
+          </a:xfrm>
+          <a:prstGeom prst="rect">
+            <a:avLst/>
+          </a:prstGeom>
+        </p:spPr>
+      </p:pic>
+      <p:cxnSp>
+        <p:nvCxnSpPr>
+          <p:cNvPr id="48" name="Gerade Verbindung mit Pfeil 47">
+            <a:extLst>
+              <a:ext uri="{FF2B5EF4-FFF2-40B4-BE49-F238E27FC236}">
+                <a16:creationId xmlns:a16="http://schemas.microsoft.com/office/drawing/2014/main" id="{9653269B-3E3F-4D2C-A1E7-D49EBD3A4C10}"/>
+              </a:ext>
+            </a:extLst>
+          </p:cNvPr>
+          <p:cNvCxnSpPr>
+            <a:cxnSpLocks/>
+            <a:stCxn id="41" idx="3"/>
+          </p:cNvCxnSpPr>
+          <p:nvPr/>
+        </p:nvCxnSpPr>
+        <p:spPr>
+          <a:xfrm>
+            <a:off x="2678229" y="4605865"/>
+            <a:ext cx="2226497" cy="0"/>
+          </a:xfrm>
+          <a:prstGeom prst="straightConnector1">
+            <a:avLst/>
+          </a:prstGeom>
+          <a:ln w="12700">
+            <a:tailEnd type="triangle" w="lg" len="lg"/>
+          </a:ln>
+        </p:spPr>
+        <p:style>
+          <a:lnRef idx="1">
+            <a:schemeClr val="dk1"/>
+          </a:lnRef>
+          <a:fillRef idx="0">
+            <a:schemeClr val="dk1"/>
+          </a:fillRef>
+          <a:effectRef idx="0">
+            <a:schemeClr val="dk1"/>
+          </a:effectRef>
+          <a:fontRef idx="minor">
+            <a:schemeClr val="tx1"/>
+          </a:fontRef>
+        </p:style>
+      </p:cxnSp>
+      <p:cxnSp>
+        <p:nvCxnSpPr>
+          <p:cNvPr id="51" name="Gerade Verbindung mit Pfeil 50">
+            <a:extLst>
+              <a:ext uri="{FF2B5EF4-FFF2-40B4-BE49-F238E27FC236}">
+                <a16:creationId xmlns:a16="http://schemas.microsoft.com/office/drawing/2014/main" id="{6FF8F007-9CDF-4996-8E7E-6A8EDD9210F5}"/>
+              </a:ext>
+            </a:extLst>
+          </p:cNvPr>
+          <p:cNvCxnSpPr>
+            <a:cxnSpLocks/>
+            <a:stCxn id="41" idx="0"/>
+            <a:endCxn id="31" idx="2"/>
+          </p:cNvCxnSpPr>
+          <p:nvPr/>
+        </p:nvCxnSpPr>
+        <p:spPr>
+          <a:xfrm flipV="1">
+            <a:off x="1731270" y="3244676"/>
+            <a:ext cx="6292" cy="662713"/>
+          </a:xfrm>
+          <a:prstGeom prst="straightConnector1">
+            <a:avLst/>
+          </a:prstGeom>
+          <a:ln w="12700">
+            <a:tailEnd type="triangle" w="lg" len="lg"/>
+          </a:ln>
+        </p:spPr>
+        <p:style>
+          <a:lnRef idx="1">
+            <a:schemeClr val="dk1"/>
+          </a:lnRef>
+          <a:fillRef idx="0">
+            <a:schemeClr val="dk1"/>
+          </a:fillRef>
+          <a:effectRef idx="0">
+            <a:schemeClr val="dk1"/>
+          </a:effectRef>
+          <a:fontRef idx="minor">
+            <a:schemeClr val="tx1"/>
+          </a:fontRef>
+        </p:style>
+      </p:cxnSp>
+    </p:spTree>
+    <p:extLst>
+      <p:ext uri="{BB962C8B-B14F-4D97-AF65-F5344CB8AC3E}">
+        <p14:creationId xmlns:p14="http://schemas.microsoft.com/office/powerpoint/2010/main" val="2673281375"/>
+      </p:ext>
+    </p:extLst>
+  </p:cSld>
+  <p:clrMapOvr>
+    <a:masterClrMapping/>
+  </p:clrMapOvr>
+</p:sld>
+</file>
+
+<file path=ppt/slides/slide7.xml><?xml version="1.0" encoding="utf-8"?>
+<p:sld xmlns:a="http://schemas.openxmlformats.org/drawingml/2006/main" xmlns:r="http://schemas.openxmlformats.org/officeDocument/2006/relationships" xmlns:p="http://schemas.openxmlformats.org/presentationml/2006/main">
+  <p:cSld>
+    <p:spTree>
+      <p:nvGrpSpPr>
+        <p:cNvPr id="1" name=""/>
+        <p:cNvGrpSpPr/>
+        <p:nvPr/>
+      </p:nvGrpSpPr>
+      <p:grpSpPr>
+        <a:xfrm>
+          <a:off x="0" y="0"/>
+          <a:ext cx="0" cy="0"/>
+          <a:chOff x="0" y="0"/>
+          <a:chExt cx="0" cy="0"/>
+        </a:xfrm>
+      </p:grpSpPr>
+      <p:sp>
+        <p:nvSpPr>
           <p:cNvPr id="60" name="Rechteck: abgerundete Ecken 59">
             <a:extLst>
               <a:ext uri="{FF2B5EF4-FFF2-40B4-BE49-F238E27FC236}">
@@ -19204,7 +19615,7 @@
 </p:sld>
 </file>
 
-<file path=ppt/slides/slide7.xml><?xml version="1.0" encoding="utf-8"?>
+<file path=ppt/slides/slide8.xml><?xml version="1.0" encoding="utf-8"?>
 <p:sld xmlns:a="http://schemas.openxmlformats.org/drawingml/2006/main" xmlns:r="http://schemas.openxmlformats.org/officeDocument/2006/relationships" xmlns:p="http://schemas.openxmlformats.org/presentationml/2006/main">
   <p:cSld>
     <p:spTree>

--- a/misc/documentation/Images.pptx
+++ b/misc/documentation/Images.pptx
@@ -13,7 +13,6 @@
     <p:sldId id="4881" r:id="rId7"/>
     <p:sldId id="259" r:id="rId8"/>
     <p:sldId id="260" r:id="rId9"/>
-    <p:sldId id="261" r:id="rId10"/>
   </p:sldIdLst>
   <p:sldSz cx="12192000" cy="6858000"/>
   <p:notesSz cx="6858000" cy="9144000"/>
@@ -295,7 +294,7 @@
           <a:p>
             <a:fld id="{7E78D3F4-14DB-4445-AF65-DFCCFB7F5AFF}" type="datetimeFigureOut">
               <a:rPr lang="en-US" smtClean="0"/>
-              <a:t>4/5/2020</a:t>
+              <a:t>4/14/2020</a:t>
             </a:fld>
             <a:endParaRPr lang="en-US"/>
           </a:p>
@@ -495,7 +494,7 @@
           <a:p>
             <a:fld id="{7E78D3F4-14DB-4445-AF65-DFCCFB7F5AFF}" type="datetimeFigureOut">
               <a:rPr lang="en-US" smtClean="0"/>
-              <a:t>4/5/2020</a:t>
+              <a:t>4/14/2020</a:t>
             </a:fld>
             <a:endParaRPr lang="en-US"/>
           </a:p>
@@ -705,7 +704,7 @@
           <a:p>
             <a:fld id="{7E78D3F4-14DB-4445-AF65-DFCCFB7F5AFF}" type="datetimeFigureOut">
               <a:rPr lang="en-US" smtClean="0"/>
-              <a:t>4/5/2020</a:t>
+              <a:t>4/14/2020</a:t>
             </a:fld>
             <a:endParaRPr lang="en-US"/>
           </a:p>
@@ -3514,7 +3513,7 @@
           <a:p>
             <a:fld id="{7E78D3F4-14DB-4445-AF65-DFCCFB7F5AFF}" type="datetimeFigureOut">
               <a:rPr lang="en-US" smtClean="0"/>
-              <a:t>4/5/2020</a:t>
+              <a:t>4/14/2020</a:t>
             </a:fld>
             <a:endParaRPr lang="en-US"/>
           </a:p>
@@ -8582,7 +8581,7 @@
           <a:p>
             <a:fld id="{7E78D3F4-14DB-4445-AF65-DFCCFB7F5AFF}" type="datetimeFigureOut">
               <a:rPr lang="en-US" smtClean="0"/>
-              <a:t>4/5/2020</a:t>
+              <a:t>4/14/2020</a:t>
             </a:fld>
             <a:endParaRPr lang="en-US"/>
           </a:p>
@@ -9147,7 +9146,7 @@
           <a:p>
             <a:fld id="{7E78D3F4-14DB-4445-AF65-DFCCFB7F5AFF}" type="datetimeFigureOut">
               <a:rPr lang="en-US" smtClean="0"/>
-              <a:t>4/5/2020</a:t>
+              <a:t>4/14/2020</a:t>
             </a:fld>
             <a:endParaRPr lang="en-US"/>
           </a:p>
@@ -9562,7 +9561,7 @@
           <a:p>
             <a:fld id="{7E78D3F4-14DB-4445-AF65-DFCCFB7F5AFF}" type="datetimeFigureOut">
               <a:rPr lang="en-US" smtClean="0"/>
-              <a:t>4/5/2020</a:t>
+              <a:t>4/14/2020</a:t>
             </a:fld>
             <a:endParaRPr lang="en-US"/>
           </a:p>
@@ -9704,7 +9703,7 @@
           <a:p>
             <a:fld id="{7E78D3F4-14DB-4445-AF65-DFCCFB7F5AFF}" type="datetimeFigureOut">
               <a:rPr lang="en-US" smtClean="0"/>
-              <a:t>4/5/2020</a:t>
+              <a:t>4/14/2020</a:t>
             </a:fld>
             <a:endParaRPr lang="en-US"/>
           </a:p>
@@ -9817,7 +9816,7 @@
           <a:p>
             <a:fld id="{7E78D3F4-14DB-4445-AF65-DFCCFB7F5AFF}" type="datetimeFigureOut">
               <a:rPr lang="en-US" smtClean="0"/>
-              <a:t>4/5/2020</a:t>
+              <a:t>4/14/2020</a:t>
             </a:fld>
             <a:endParaRPr lang="en-US"/>
           </a:p>
@@ -10130,7 +10129,7 @@
           <a:p>
             <a:fld id="{7E78D3F4-14DB-4445-AF65-DFCCFB7F5AFF}" type="datetimeFigureOut">
               <a:rPr lang="en-US" smtClean="0"/>
-              <a:t>4/5/2020</a:t>
+              <a:t>4/14/2020</a:t>
             </a:fld>
             <a:endParaRPr lang="en-US"/>
           </a:p>
@@ -10419,7 +10418,7 @@
           <a:p>
             <a:fld id="{7E78D3F4-14DB-4445-AF65-DFCCFB7F5AFF}" type="datetimeFigureOut">
               <a:rPr lang="en-US" smtClean="0"/>
-              <a:t>4/5/2020</a:t>
+              <a:t>4/14/2020</a:t>
             </a:fld>
             <a:endParaRPr lang="en-US"/>
           </a:p>
@@ -10662,7 +10661,7 @@
           <a:p>
             <a:fld id="{7E78D3F4-14DB-4445-AF65-DFCCFB7F5AFF}" type="datetimeFigureOut">
               <a:rPr lang="en-US" smtClean="0"/>
-              <a:t>4/5/2020</a:t>
+              <a:t>4/14/2020</a:t>
             </a:fld>
             <a:endParaRPr lang="en-US"/>
           </a:p>
@@ -19606,1720 +19605,6 @@
     <p:extLst>
       <p:ext uri="{BB962C8B-B14F-4D97-AF65-F5344CB8AC3E}">
         <p14:creationId xmlns:p14="http://schemas.microsoft.com/office/powerpoint/2010/main" val="494686521"/>
-      </p:ext>
-    </p:extLst>
-  </p:cSld>
-  <p:clrMapOvr>
-    <a:masterClrMapping/>
-  </p:clrMapOvr>
-</p:sld>
-</file>
-
-<file path=ppt/slides/slide8.xml><?xml version="1.0" encoding="utf-8"?>
-<p:sld xmlns:a="http://schemas.openxmlformats.org/drawingml/2006/main" xmlns:r="http://schemas.openxmlformats.org/officeDocument/2006/relationships" xmlns:p="http://schemas.openxmlformats.org/presentationml/2006/main">
-  <p:cSld>
-    <p:spTree>
-      <p:nvGrpSpPr>
-        <p:cNvPr id="1" name=""/>
-        <p:cNvGrpSpPr/>
-        <p:nvPr/>
-      </p:nvGrpSpPr>
-      <p:grpSpPr>
-        <a:xfrm>
-          <a:off x="0" y="0"/>
-          <a:ext cx="0" cy="0"/>
-          <a:chOff x="0" y="0"/>
-          <a:chExt cx="0" cy="0"/>
-        </a:xfrm>
-      </p:grpSpPr>
-      <p:sp>
-        <p:nvSpPr>
-          <p:cNvPr id="2" name="Rechteck: abgerundete Ecken 1">
-            <a:extLst>
-              <a:ext uri="{FF2B5EF4-FFF2-40B4-BE49-F238E27FC236}">
-                <a16:creationId xmlns:a16="http://schemas.microsoft.com/office/drawing/2014/main" id="{C0C9BD85-5D44-4DCD-8185-479251691FA9}"/>
-              </a:ext>
-            </a:extLst>
-          </p:cNvPr>
-          <p:cNvSpPr/>
-          <p:nvPr/>
-        </p:nvSpPr>
-        <p:spPr>
-          <a:xfrm>
-            <a:off x="4947847" y="1057958"/>
-            <a:ext cx="1750595" cy="1396952"/>
-          </a:xfrm>
-          <a:prstGeom prst="roundRect">
-            <a:avLst>
-              <a:gd name="adj" fmla="val 3952"/>
-            </a:avLst>
-          </a:prstGeom>
-          <a:solidFill>
-            <a:srgbClr val="F2F2F2"/>
-          </a:solidFill>
-          <a:ln w="22225"/>
-        </p:spPr>
-        <p:style>
-          <a:lnRef idx="1">
-            <a:schemeClr val="dk1"/>
-          </a:lnRef>
-          <a:fillRef idx="2">
-            <a:schemeClr val="dk1"/>
-          </a:fillRef>
-          <a:effectRef idx="1">
-            <a:schemeClr val="dk1"/>
-          </a:effectRef>
-          <a:fontRef idx="minor">
-            <a:schemeClr val="dk1"/>
-          </a:fontRef>
-        </p:style>
-        <p:txBody>
-          <a:bodyPr rtlCol="0" anchor="t"/>
-          <a:lstStyle/>
-          <a:p>
-            <a:pPr algn="r"/>
-            <a:r>
-              <a:rPr lang="de-DE" sz="1400" b="1" dirty="0"/>
-              <a:t>SNAPSHOT</a:t>
-            </a:r>
-            <a:br>
-              <a:rPr lang="de-DE" sz="1400" b="1" dirty="0"/>
-            </a:br>
-            <a:r>
-              <a:rPr lang="de-DE" sz="1400" b="1" dirty="0"/>
-              <a:t>Repository</a:t>
-            </a:r>
-            <a:endParaRPr lang="en-US" sz="1600" dirty="0"/>
-          </a:p>
-        </p:txBody>
-      </p:sp>
-      <p:pic>
-        <p:nvPicPr>
-          <p:cNvPr id="4" name="Grafik 3" descr="Ein Bild, das Objekt, Uhr, Raum enthält.&#10;&#10;Automatisch generierte Beschreibung">
-            <a:extLst>
-              <a:ext uri="{FF2B5EF4-FFF2-40B4-BE49-F238E27FC236}">
-                <a16:creationId xmlns:a16="http://schemas.microsoft.com/office/drawing/2014/main" id="{099C7238-2A5A-4E00-866D-FED605FB0F80}"/>
-              </a:ext>
-            </a:extLst>
-          </p:cNvPr>
-          <p:cNvPicPr>
-            <a:picLocks noChangeAspect="1"/>
-          </p:cNvPicPr>
-          <p:nvPr/>
-        </p:nvPicPr>
-        <p:blipFill>
-          <a:blip r:embed="rId2">
-            <a:extLst>
-              <a:ext uri="{28A0092B-C50C-407E-A947-70E740481C1C}">
-                <a14:useLocalDpi xmlns:a14="http://schemas.microsoft.com/office/drawing/2010/main" val="0"/>
-              </a:ext>
-            </a:extLst>
-          </a:blip>
-          <a:stretch>
-            <a:fillRect/>
-          </a:stretch>
-        </p:blipFill>
-        <p:spPr>
-          <a:xfrm>
-            <a:off x="5018185" y="1141797"/>
-            <a:ext cx="304801" cy="304801"/>
-          </a:xfrm>
-          <a:prstGeom prst="rect">
-            <a:avLst/>
-          </a:prstGeom>
-        </p:spPr>
-      </p:pic>
-      <p:pic>
-        <p:nvPicPr>
-          <p:cNvPr id="6" name="Grafik 5" descr="Ein Bild, das Zeichnung enthält.&#10;&#10;Automatisch generierte Beschreibung">
-            <a:extLst>
-              <a:ext uri="{FF2B5EF4-FFF2-40B4-BE49-F238E27FC236}">
-                <a16:creationId xmlns:a16="http://schemas.microsoft.com/office/drawing/2014/main" id="{5694D1B4-FA52-4853-B1C6-07A2FF7735AA}"/>
-              </a:ext>
-            </a:extLst>
-          </p:cNvPr>
-          <p:cNvPicPr>
-            <a:picLocks noChangeAspect="1"/>
-          </p:cNvPicPr>
-          <p:nvPr/>
-        </p:nvPicPr>
-        <p:blipFill>
-          <a:blip r:embed="rId3">
-            <a:extLst>
-              <a:ext uri="{28A0092B-C50C-407E-A947-70E740481C1C}">
-                <a14:useLocalDpi xmlns:a14="http://schemas.microsoft.com/office/drawing/2010/main" val="0"/>
-              </a:ext>
-            </a:extLst>
-          </a:blip>
-          <a:stretch>
-            <a:fillRect/>
-          </a:stretch>
-        </p:blipFill>
-        <p:spPr>
-          <a:xfrm>
-            <a:off x="5393324" y="1141797"/>
-            <a:ext cx="273192" cy="304801"/>
-          </a:xfrm>
-          <a:prstGeom prst="rect">
-            <a:avLst/>
-          </a:prstGeom>
-        </p:spPr>
-      </p:pic>
-      <p:sp>
-        <p:nvSpPr>
-          <p:cNvPr id="7" name="Rechteck: abgerundete Ecken 6">
-            <a:extLst>
-              <a:ext uri="{FF2B5EF4-FFF2-40B4-BE49-F238E27FC236}">
-                <a16:creationId xmlns:a16="http://schemas.microsoft.com/office/drawing/2014/main" id="{F6FD61F2-9AC5-4715-BBF0-992F8BFD348B}"/>
-              </a:ext>
-            </a:extLst>
-          </p:cNvPr>
-          <p:cNvSpPr/>
-          <p:nvPr/>
-        </p:nvSpPr>
-        <p:spPr>
-          <a:xfrm>
-            <a:off x="697224" y="3429000"/>
-            <a:ext cx="1750595" cy="1396952"/>
-          </a:xfrm>
-          <a:prstGeom prst="roundRect">
-            <a:avLst>
-              <a:gd name="adj" fmla="val 3952"/>
-            </a:avLst>
-          </a:prstGeom>
-          <a:solidFill>
-            <a:srgbClr val="F2F2F2"/>
-          </a:solidFill>
-          <a:ln w="22225"/>
-        </p:spPr>
-        <p:style>
-          <a:lnRef idx="1">
-            <a:schemeClr val="dk1"/>
-          </a:lnRef>
-          <a:fillRef idx="2">
-            <a:schemeClr val="dk1"/>
-          </a:fillRef>
-          <a:effectRef idx="1">
-            <a:schemeClr val="dk1"/>
-          </a:effectRef>
-          <a:fontRef idx="minor">
-            <a:schemeClr val="dk1"/>
-          </a:fontRef>
-        </p:style>
-        <p:txBody>
-          <a:bodyPr rtlCol="0" anchor="t"/>
-          <a:lstStyle/>
-          <a:p>
-            <a:pPr algn="r"/>
-            <a:r>
-              <a:rPr lang="de-DE" sz="1400" b="1" dirty="0"/>
-              <a:t>API-Design</a:t>
-            </a:r>
-            <a:endParaRPr lang="en-US" sz="1400" b="1" dirty="0"/>
-          </a:p>
-        </p:txBody>
-      </p:sp>
-      <p:sp>
-        <p:nvSpPr>
-          <p:cNvPr id="14" name="Rechteck: abgerundete Ecken 13">
-            <a:extLst>
-              <a:ext uri="{FF2B5EF4-FFF2-40B4-BE49-F238E27FC236}">
-                <a16:creationId xmlns:a16="http://schemas.microsoft.com/office/drawing/2014/main" id="{857FA96E-9BDC-4E2D-9C6E-6A33F2526313}"/>
-              </a:ext>
-            </a:extLst>
-          </p:cNvPr>
-          <p:cNvSpPr/>
-          <p:nvPr/>
-        </p:nvSpPr>
-        <p:spPr>
-          <a:xfrm>
-            <a:off x="3733583" y="3969244"/>
-            <a:ext cx="1750595" cy="2026032"/>
-          </a:xfrm>
-          <a:prstGeom prst="roundRect">
-            <a:avLst>
-              <a:gd name="adj" fmla="val 3952"/>
-            </a:avLst>
-          </a:prstGeom>
-          <a:solidFill>
-            <a:srgbClr val="F2F2F2"/>
-          </a:solidFill>
-          <a:ln w="22225"/>
-        </p:spPr>
-        <p:style>
-          <a:lnRef idx="1">
-            <a:schemeClr val="dk1"/>
-          </a:lnRef>
-          <a:fillRef idx="2">
-            <a:schemeClr val="dk1"/>
-          </a:fillRef>
-          <a:effectRef idx="1">
-            <a:schemeClr val="dk1"/>
-          </a:effectRef>
-          <a:fontRef idx="minor">
-            <a:schemeClr val="dk1"/>
-          </a:fontRef>
-        </p:style>
-        <p:txBody>
-          <a:bodyPr rtlCol="0" anchor="t"/>
-          <a:lstStyle/>
-          <a:p>
-            <a:pPr algn="r"/>
-            <a:r>
-              <a:rPr lang="de-DE" sz="1400" b="1" dirty="0"/>
-              <a:t>Jenkins</a:t>
-            </a:r>
-          </a:p>
-          <a:p>
-            <a:pPr algn="r"/>
-            <a:r>
-              <a:rPr lang="de-DE" sz="1200" dirty="0"/>
-              <a:t>Development </a:t>
-            </a:r>
-            <a:r>
-              <a:rPr lang="de-DE" sz="1200" dirty="0" err="1"/>
-              <a:t>pipeline</a:t>
-            </a:r>
-            <a:endParaRPr lang="en-US" sz="1600" dirty="0"/>
-          </a:p>
-        </p:txBody>
-      </p:sp>
-      <p:pic>
-        <p:nvPicPr>
-          <p:cNvPr id="15" name="Grafik 14" descr="Ein Bild, das Raum, Zeichnung enthält.&#10;&#10;Automatisch generierte Beschreibung">
-            <a:extLst>
-              <a:ext uri="{FF2B5EF4-FFF2-40B4-BE49-F238E27FC236}">
-                <a16:creationId xmlns:a16="http://schemas.microsoft.com/office/drawing/2014/main" id="{046C6BBA-D4EF-418F-96A1-40F40867129D}"/>
-              </a:ext>
-            </a:extLst>
-          </p:cNvPr>
-          <p:cNvPicPr>
-            <a:picLocks noChangeAspect="1"/>
-          </p:cNvPicPr>
-          <p:nvPr/>
-        </p:nvPicPr>
-        <p:blipFill rotWithShape="1">
-          <a:blip r:embed="rId4">
-            <a:extLst>
-              <a:ext uri="{28A0092B-C50C-407E-A947-70E740481C1C}">
-                <a14:useLocalDpi xmlns:a14="http://schemas.microsoft.com/office/drawing/2010/main" val="0"/>
-              </a:ext>
-            </a:extLst>
-          </a:blip>
-          <a:srcRect l="35029" t="19605" r="34531" b="19769"/>
-          <a:stretch/>
-        </p:blipFill>
-        <p:spPr>
-          <a:xfrm>
-            <a:off x="3846504" y="3774392"/>
-            <a:ext cx="374631" cy="514313"/>
-          </a:xfrm>
-          <a:prstGeom prst="rect">
-            <a:avLst/>
-          </a:prstGeom>
-        </p:spPr>
-      </p:pic>
-      <p:sp>
-        <p:nvSpPr>
-          <p:cNvPr id="16" name="Rechteck 15">
-            <a:extLst>
-              <a:ext uri="{FF2B5EF4-FFF2-40B4-BE49-F238E27FC236}">
-                <a16:creationId xmlns:a16="http://schemas.microsoft.com/office/drawing/2014/main" id="{B5F5D0DD-6B40-437F-BCFD-E753422231ED}"/>
-              </a:ext>
-            </a:extLst>
-          </p:cNvPr>
-          <p:cNvSpPr/>
-          <p:nvPr/>
-        </p:nvSpPr>
-        <p:spPr>
-          <a:xfrm>
-            <a:off x="3793014" y="4617620"/>
-            <a:ext cx="1634013" cy="602850"/>
-          </a:xfrm>
-          <a:prstGeom prst="rect">
-            <a:avLst/>
-          </a:prstGeom>
-          <a:ln>
-            <a:solidFill>
-              <a:schemeClr val="bg1">
-                <a:lumMod val="50000"/>
-              </a:schemeClr>
-            </a:solidFill>
-          </a:ln>
-        </p:spPr>
-        <p:style>
-          <a:lnRef idx="2">
-            <a:schemeClr val="dk1"/>
-          </a:lnRef>
-          <a:fillRef idx="1">
-            <a:schemeClr val="lt1"/>
-          </a:fillRef>
-          <a:effectRef idx="0">
-            <a:schemeClr val="dk1"/>
-          </a:effectRef>
-          <a:fontRef idx="minor">
-            <a:schemeClr val="dk1"/>
-          </a:fontRef>
-        </p:style>
-        <p:txBody>
-          <a:bodyPr rtlCol="0" anchor="ctr"/>
-          <a:lstStyle/>
-          <a:p>
-            <a:pPr algn="r"/>
-            <a:r>
-              <a:rPr lang="de-DE" sz="1100" dirty="0"/>
-              <a:t>Create SNAPSHOT </a:t>
-            </a:r>
-            <a:r>
-              <a:rPr lang="de-DE" sz="1100" dirty="0" err="1"/>
-              <a:t>package</a:t>
-            </a:r>
-            <a:endParaRPr lang="en-US" sz="1100" dirty="0"/>
-          </a:p>
-        </p:txBody>
-      </p:sp>
-      <p:pic>
-        <p:nvPicPr>
-          <p:cNvPr id="17" name="Grafik 16">
-            <a:extLst>
-              <a:ext uri="{FF2B5EF4-FFF2-40B4-BE49-F238E27FC236}">
-                <a16:creationId xmlns:a16="http://schemas.microsoft.com/office/drawing/2014/main" id="{580DAB8B-34B0-4816-8264-FA5940928950}"/>
-              </a:ext>
-            </a:extLst>
-          </p:cNvPr>
-          <p:cNvPicPr>
-            <a:picLocks noChangeAspect="1"/>
-          </p:cNvPicPr>
-          <p:nvPr/>
-        </p:nvPicPr>
-        <p:blipFill>
-          <a:blip r:embed="rId5">
-            <a:extLst>
-              <a:ext uri="{28A0092B-C50C-407E-A947-70E740481C1C}">
-                <a14:useLocalDpi xmlns:a14="http://schemas.microsoft.com/office/drawing/2010/main" val="0"/>
-              </a:ext>
-            </a:extLst>
-          </a:blip>
-          <a:stretch>
-            <a:fillRect/>
-          </a:stretch>
-        </p:blipFill>
-        <p:spPr>
-          <a:xfrm>
-            <a:off x="3859180" y="4839687"/>
-            <a:ext cx="138573" cy="152400"/>
-          </a:xfrm>
-          <a:prstGeom prst="rect">
-            <a:avLst/>
-          </a:prstGeom>
-        </p:spPr>
-      </p:pic>
-      <p:sp>
-        <p:nvSpPr>
-          <p:cNvPr id="26" name="Rechteck 25">
-            <a:extLst>
-              <a:ext uri="{FF2B5EF4-FFF2-40B4-BE49-F238E27FC236}">
-                <a16:creationId xmlns:a16="http://schemas.microsoft.com/office/drawing/2014/main" id="{12DB9A41-3EDB-4176-A46F-F8050BFA49A6}"/>
-              </a:ext>
-            </a:extLst>
-          </p:cNvPr>
-          <p:cNvSpPr/>
-          <p:nvPr/>
-        </p:nvSpPr>
-        <p:spPr>
-          <a:xfrm>
-            <a:off x="5018185" y="1706334"/>
-            <a:ext cx="1634013" cy="602850"/>
-          </a:xfrm>
-          <a:prstGeom prst="rect">
-            <a:avLst/>
-          </a:prstGeom>
-          <a:ln>
-            <a:solidFill>
-              <a:schemeClr val="bg1">
-                <a:lumMod val="50000"/>
-              </a:schemeClr>
-            </a:solidFill>
-          </a:ln>
-        </p:spPr>
-        <p:style>
-          <a:lnRef idx="2">
-            <a:schemeClr val="dk1"/>
-          </a:lnRef>
-          <a:fillRef idx="1">
-            <a:schemeClr val="lt1"/>
-          </a:fillRef>
-          <a:effectRef idx="0">
-            <a:schemeClr val="dk1"/>
-          </a:effectRef>
-          <a:fontRef idx="minor">
-            <a:schemeClr val="dk1"/>
-          </a:fontRef>
-        </p:style>
-        <p:txBody>
-          <a:bodyPr rIns="36000" rtlCol="0" anchor="ctr"/>
-          <a:lstStyle/>
-          <a:p>
-            <a:pPr algn="r"/>
-            <a:r>
-              <a:rPr lang="de-DE" sz="1100" dirty="0"/>
-              <a:t>API1-V1.0-SNAPSHOT</a:t>
-            </a:r>
-            <a:endParaRPr lang="en-US" sz="1100" dirty="0"/>
-          </a:p>
-        </p:txBody>
-      </p:sp>
-      <p:pic>
-        <p:nvPicPr>
-          <p:cNvPr id="30" name="Grafik 29" descr="Ein Bild, das Ziegelstein, Tisch enthält.&#10;&#10;Automatisch generierte Beschreibung">
-            <a:extLst>
-              <a:ext uri="{FF2B5EF4-FFF2-40B4-BE49-F238E27FC236}">
-                <a16:creationId xmlns:a16="http://schemas.microsoft.com/office/drawing/2014/main" id="{D30EBDAB-A406-4D6D-AB07-26264C3878D0}"/>
-              </a:ext>
-            </a:extLst>
-          </p:cNvPr>
-          <p:cNvPicPr>
-            <a:picLocks noChangeAspect="1"/>
-          </p:cNvPicPr>
-          <p:nvPr/>
-        </p:nvPicPr>
-        <p:blipFill>
-          <a:blip r:embed="rId6">
-            <a:extLst>
-              <a:ext uri="{28A0092B-C50C-407E-A947-70E740481C1C}">
-                <a14:useLocalDpi xmlns:a14="http://schemas.microsoft.com/office/drawing/2010/main" val="0"/>
-              </a:ext>
-            </a:extLst>
-          </a:blip>
-          <a:stretch>
-            <a:fillRect/>
-          </a:stretch>
-        </p:blipFill>
-        <p:spPr>
-          <a:xfrm>
-            <a:off x="5096955" y="1930972"/>
-            <a:ext cx="147259" cy="147259"/>
-          </a:xfrm>
-          <a:prstGeom prst="rect">
-            <a:avLst/>
-          </a:prstGeom>
-        </p:spPr>
-      </p:pic>
-      <p:sp>
-        <p:nvSpPr>
-          <p:cNvPr id="31" name="Rechteck: abgerundete Ecken 30">
-            <a:extLst>
-              <a:ext uri="{FF2B5EF4-FFF2-40B4-BE49-F238E27FC236}">
-                <a16:creationId xmlns:a16="http://schemas.microsoft.com/office/drawing/2014/main" id="{10D9B9A4-1654-4BF8-834F-5A38F911A632}"/>
-              </a:ext>
-            </a:extLst>
-          </p:cNvPr>
-          <p:cNvSpPr/>
-          <p:nvPr/>
-        </p:nvSpPr>
-        <p:spPr>
-          <a:xfrm>
-            <a:off x="2923230" y="3423404"/>
-            <a:ext cx="1893919" cy="1396952"/>
-          </a:xfrm>
-          <a:prstGeom prst="roundRect">
-            <a:avLst>
-              <a:gd name="adj" fmla="val 3952"/>
-            </a:avLst>
-          </a:prstGeom>
-          <a:solidFill>
-            <a:srgbClr val="F2F2F2"/>
-          </a:solidFill>
-          <a:ln w="22225"/>
-        </p:spPr>
-        <p:style>
-          <a:lnRef idx="1">
-            <a:schemeClr val="dk1"/>
-          </a:lnRef>
-          <a:fillRef idx="2">
-            <a:schemeClr val="dk1"/>
-          </a:fillRef>
-          <a:effectRef idx="1">
-            <a:schemeClr val="dk1"/>
-          </a:effectRef>
-          <a:fontRef idx="minor">
-            <a:schemeClr val="dk1"/>
-          </a:fontRef>
-        </p:style>
-        <p:txBody>
-          <a:bodyPr rtlCol="0" anchor="t"/>
-          <a:lstStyle/>
-          <a:p>
-            <a:pPr algn="r"/>
-            <a:r>
-              <a:rPr lang="de-DE" sz="1400" b="1" dirty="0"/>
-              <a:t>Version Control</a:t>
-            </a:r>
-            <a:endParaRPr lang="en-US" sz="1400" b="1" dirty="0"/>
-          </a:p>
-        </p:txBody>
-      </p:sp>
-      <p:sp>
-        <p:nvSpPr>
-          <p:cNvPr id="60" name="Rechteck: abgerundete Ecken 59">
-            <a:extLst>
-              <a:ext uri="{FF2B5EF4-FFF2-40B4-BE49-F238E27FC236}">
-                <a16:creationId xmlns:a16="http://schemas.microsoft.com/office/drawing/2014/main" id="{4DED1C37-E045-498C-87E2-1A422E5EA747}"/>
-              </a:ext>
-            </a:extLst>
-          </p:cNvPr>
-          <p:cNvSpPr/>
-          <p:nvPr/>
-        </p:nvSpPr>
-        <p:spPr>
-          <a:xfrm>
-            <a:off x="9162779" y="1058733"/>
-            <a:ext cx="1750595" cy="1396952"/>
-          </a:xfrm>
-          <a:prstGeom prst="roundRect">
-            <a:avLst>
-              <a:gd name="adj" fmla="val 3952"/>
-            </a:avLst>
-          </a:prstGeom>
-          <a:solidFill>
-            <a:srgbClr val="F2F2F2"/>
-          </a:solidFill>
-          <a:ln w="22225"/>
-        </p:spPr>
-        <p:style>
-          <a:lnRef idx="1">
-            <a:schemeClr val="dk1"/>
-          </a:lnRef>
-          <a:fillRef idx="2">
-            <a:schemeClr val="dk1"/>
-          </a:fillRef>
-          <a:effectRef idx="1">
-            <a:schemeClr val="dk1"/>
-          </a:effectRef>
-          <a:fontRef idx="minor">
-            <a:schemeClr val="dk1"/>
-          </a:fontRef>
-        </p:style>
-        <p:txBody>
-          <a:bodyPr rtlCol="0" anchor="t"/>
-          <a:lstStyle/>
-          <a:p>
-            <a:pPr algn="r"/>
-            <a:r>
-              <a:rPr lang="de-DE" sz="1400" b="1" dirty="0"/>
-              <a:t>RELEASE</a:t>
-            </a:r>
-            <a:br>
-              <a:rPr lang="de-DE" sz="1400" b="1" dirty="0"/>
-            </a:br>
-            <a:r>
-              <a:rPr lang="de-DE" sz="1400" b="1" dirty="0"/>
-              <a:t>Repository</a:t>
-            </a:r>
-            <a:endParaRPr lang="en-US" sz="1600" dirty="0"/>
-          </a:p>
-        </p:txBody>
-      </p:sp>
-      <p:pic>
-        <p:nvPicPr>
-          <p:cNvPr id="61" name="Grafik 60" descr="Ein Bild, das Objekt, Uhr, Raum enthält.&#10;&#10;Automatisch generierte Beschreibung">
-            <a:extLst>
-              <a:ext uri="{FF2B5EF4-FFF2-40B4-BE49-F238E27FC236}">
-                <a16:creationId xmlns:a16="http://schemas.microsoft.com/office/drawing/2014/main" id="{FB8E292B-2D02-4BF7-A474-B9D20F3509F0}"/>
-              </a:ext>
-            </a:extLst>
-          </p:cNvPr>
-          <p:cNvPicPr>
-            <a:picLocks noChangeAspect="1"/>
-          </p:cNvPicPr>
-          <p:nvPr/>
-        </p:nvPicPr>
-        <p:blipFill>
-          <a:blip r:embed="rId2">
-            <a:extLst>
-              <a:ext uri="{28A0092B-C50C-407E-A947-70E740481C1C}">
-                <a14:useLocalDpi xmlns:a14="http://schemas.microsoft.com/office/drawing/2010/main" val="0"/>
-              </a:ext>
-            </a:extLst>
-          </a:blip>
-          <a:stretch>
-            <a:fillRect/>
-          </a:stretch>
-        </p:blipFill>
-        <p:spPr>
-          <a:xfrm>
-            <a:off x="9239203" y="1142572"/>
-            <a:ext cx="304801" cy="304801"/>
-          </a:xfrm>
-          <a:prstGeom prst="rect">
-            <a:avLst/>
-          </a:prstGeom>
-        </p:spPr>
-      </p:pic>
-      <p:pic>
-        <p:nvPicPr>
-          <p:cNvPr id="62" name="Grafik 61" descr="Ein Bild, das Zeichnung enthält.&#10;&#10;Automatisch generierte Beschreibung">
-            <a:extLst>
-              <a:ext uri="{FF2B5EF4-FFF2-40B4-BE49-F238E27FC236}">
-                <a16:creationId xmlns:a16="http://schemas.microsoft.com/office/drawing/2014/main" id="{C2C3C276-1F86-41C5-A4C7-8C008CA2DBD9}"/>
-              </a:ext>
-            </a:extLst>
-          </p:cNvPr>
-          <p:cNvPicPr>
-            <a:picLocks noChangeAspect="1"/>
-          </p:cNvPicPr>
-          <p:nvPr/>
-        </p:nvPicPr>
-        <p:blipFill>
-          <a:blip r:embed="rId3">
-            <a:extLst>
-              <a:ext uri="{28A0092B-C50C-407E-A947-70E740481C1C}">
-                <a14:useLocalDpi xmlns:a14="http://schemas.microsoft.com/office/drawing/2010/main" val="0"/>
-              </a:ext>
-            </a:extLst>
-          </a:blip>
-          <a:stretch>
-            <a:fillRect/>
-          </a:stretch>
-        </p:blipFill>
-        <p:spPr>
-          <a:xfrm>
-            <a:off x="9614342" y="1142572"/>
-            <a:ext cx="273192" cy="304801"/>
-          </a:xfrm>
-          <a:prstGeom prst="rect">
-            <a:avLst/>
-          </a:prstGeom>
-        </p:spPr>
-      </p:pic>
-      <p:sp>
-        <p:nvSpPr>
-          <p:cNvPr id="63" name="Rechteck 62">
-            <a:extLst>
-              <a:ext uri="{FF2B5EF4-FFF2-40B4-BE49-F238E27FC236}">
-                <a16:creationId xmlns:a16="http://schemas.microsoft.com/office/drawing/2014/main" id="{8ECC9C70-6BA2-4407-A337-A060E4D3798B}"/>
-              </a:ext>
-            </a:extLst>
-          </p:cNvPr>
-          <p:cNvSpPr/>
-          <p:nvPr/>
-        </p:nvSpPr>
-        <p:spPr>
-          <a:xfrm>
-            <a:off x="9239203" y="1707109"/>
-            <a:ext cx="1634013" cy="602850"/>
-          </a:xfrm>
-          <a:prstGeom prst="rect">
-            <a:avLst/>
-          </a:prstGeom>
-          <a:ln>
-            <a:solidFill>
-              <a:schemeClr val="bg1">
-                <a:lumMod val="50000"/>
-              </a:schemeClr>
-            </a:solidFill>
-          </a:ln>
-        </p:spPr>
-        <p:style>
-          <a:lnRef idx="2">
-            <a:schemeClr val="dk1"/>
-          </a:lnRef>
-          <a:fillRef idx="1">
-            <a:schemeClr val="lt1"/>
-          </a:fillRef>
-          <a:effectRef idx="0">
-            <a:schemeClr val="dk1"/>
-          </a:effectRef>
-          <a:fontRef idx="minor">
-            <a:schemeClr val="dk1"/>
-          </a:fontRef>
-        </p:style>
-        <p:txBody>
-          <a:bodyPr rIns="36000" rtlCol="0" anchor="ctr"/>
-          <a:lstStyle/>
-          <a:p>
-            <a:pPr algn="r"/>
-            <a:r>
-              <a:rPr lang="de-DE" sz="1100" dirty="0"/>
-              <a:t>API1-V1.0</a:t>
-            </a:r>
-            <a:endParaRPr lang="en-US" sz="1100" dirty="0"/>
-          </a:p>
-        </p:txBody>
-      </p:sp>
-      <p:pic>
-        <p:nvPicPr>
-          <p:cNvPr id="64" name="Grafik 63" descr="Ein Bild, das Ziegelstein, Tisch enthält.&#10;&#10;Automatisch generierte Beschreibung">
-            <a:extLst>
-              <a:ext uri="{FF2B5EF4-FFF2-40B4-BE49-F238E27FC236}">
-                <a16:creationId xmlns:a16="http://schemas.microsoft.com/office/drawing/2014/main" id="{266C6BB0-E9F3-49EE-A23B-5C6AEE02ED4F}"/>
-              </a:ext>
-            </a:extLst>
-          </p:cNvPr>
-          <p:cNvPicPr>
-            <a:picLocks noChangeAspect="1"/>
-          </p:cNvPicPr>
-          <p:nvPr/>
-        </p:nvPicPr>
-        <p:blipFill>
-          <a:blip r:embed="rId6">
-            <a:extLst>
-              <a:ext uri="{28A0092B-C50C-407E-A947-70E740481C1C}">
-                <a14:useLocalDpi xmlns:a14="http://schemas.microsoft.com/office/drawing/2010/main" val="0"/>
-              </a:ext>
-            </a:extLst>
-          </a:blip>
-          <a:stretch>
-            <a:fillRect/>
-          </a:stretch>
-        </p:blipFill>
-        <p:spPr>
-          <a:xfrm>
-            <a:off x="9317973" y="1931747"/>
-            <a:ext cx="147259" cy="147259"/>
-          </a:xfrm>
-          <a:prstGeom prst="rect">
-            <a:avLst/>
-          </a:prstGeom>
-        </p:spPr>
-      </p:pic>
-      <p:sp>
-        <p:nvSpPr>
-          <p:cNvPr id="65" name="Rechteck: abgerundete Ecken 64">
-            <a:extLst>
-              <a:ext uri="{FF2B5EF4-FFF2-40B4-BE49-F238E27FC236}">
-                <a16:creationId xmlns:a16="http://schemas.microsoft.com/office/drawing/2014/main" id="{C77FED26-966A-4804-99CA-D16909BAB0DD}"/>
-              </a:ext>
-            </a:extLst>
-          </p:cNvPr>
-          <p:cNvSpPr/>
-          <p:nvPr/>
-        </p:nvSpPr>
-        <p:spPr>
-          <a:xfrm>
-            <a:off x="7003784" y="1057910"/>
-            <a:ext cx="1750595" cy="1396952"/>
-          </a:xfrm>
-          <a:prstGeom prst="roundRect">
-            <a:avLst>
-              <a:gd name="adj" fmla="val 3952"/>
-            </a:avLst>
-          </a:prstGeom>
-          <a:solidFill>
-            <a:srgbClr val="F2F2F2"/>
-          </a:solidFill>
-          <a:ln w="22225"/>
-        </p:spPr>
-        <p:style>
-          <a:lnRef idx="1">
-            <a:schemeClr val="dk1"/>
-          </a:lnRef>
-          <a:fillRef idx="2">
-            <a:schemeClr val="dk1"/>
-          </a:fillRef>
-          <a:effectRef idx="1">
-            <a:schemeClr val="dk1"/>
-          </a:effectRef>
-          <a:fontRef idx="minor">
-            <a:schemeClr val="dk1"/>
-          </a:fontRef>
-        </p:style>
-        <p:txBody>
-          <a:bodyPr rtlCol="0" anchor="t"/>
-          <a:lstStyle/>
-          <a:p>
-            <a:pPr algn="r"/>
-            <a:r>
-              <a:rPr lang="de-DE" sz="1400" b="1" dirty="0"/>
-              <a:t>Jenkins</a:t>
-            </a:r>
-          </a:p>
-          <a:p>
-            <a:pPr algn="r"/>
-            <a:r>
-              <a:rPr lang="de-DE" sz="1200" dirty="0"/>
-              <a:t>Release </a:t>
-            </a:r>
-            <a:r>
-              <a:rPr lang="de-DE" sz="1200" dirty="0" err="1"/>
-              <a:t>pipeline</a:t>
-            </a:r>
-            <a:endParaRPr lang="en-US" sz="1600" dirty="0"/>
-          </a:p>
-        </p:txBody>
-      </p:sp>
-      <p:sp>
-        <p:nvSpPr>
-          <p:cNvPr id="67" name="Rechteck 66">
-            <a:extLst>
-              <a:ext uri="{FF2B5EF4-FFF2-40B4-BE49-F238E27FC236}">
-                <a16:creationId xmlns:a16="http://schemas.microsoft.com/office/drawing/2014/main" id="{7C93DD7A-7419-41E4-A6F7-71BE041E46E5}"/>
-              </a:ext>
-            </a:extLst>
-          </p:cNvPr>
-          <p:cNvSpPr/>
-          <p:nvPr/>
-        </p:nvSpPr>
-        <p:spPr>
-          <a:xfrm>
-            <a:off x="7063215" y="1706286"/>
-            <a:ext cx="1634013" cy="602850"/>
-          </a:xfrm>
-          <a:prstGeom prst="rect">
-            <a:avLst/>
-          </a:prstGeom>
-          <a:ln>
-            <a:solidFill>
-              <a:schemeClr val="bg1">
-                <a:lumMod val="50000"/>
-              </a:schemeClr>
-            </a:solidFill>
-          </a:ln>
-        </p:spPr>
-        <p:style>
-          <a:lnRef idx="2">
-            <a:schemeClr val="dk1"/>
-          </a:lnRef>
-          <a:fillRef idx="1">
-            <a:schemeClr val="lt1"/>
-          </a:fillRef>
-          <a:effectRef idx="0">
-            <a:schemeClr val="dk1"/>
-          </a:effectRef>
-          <a:fontRef idx="minor">
-            <a:schemeClr val="dk1"/>
-          </a:fontRef>
-        </p:style>
-        <p:txBody>
-          <a:bodyPr rtlCol="0" anchor="ctr"/>
-          <a:lstStyle/>
-          <a:p>
-            <a:pPr algn="r"/>
-            <a:r>
-              <a:rPr lang="de-DE" sz="1100" dirty="0"/>
-              <a:t>Create &amp; Publish </a:t>
-            </a:r>
-          </a:p>
-          <a:p>
-            <a:pPr algn="r"/>
-            <a:r>
-              <a:rPr lang="de-DE" sz="1100" dirty="0"/>
-              <a:t>release</a:t>
-            </a:r>
-            <a:endParaRPr lang="en-US" sz="1100" dirty="0"/>
-          </a:p>
-        </p:txBody>
-      </p:sp>
-      <p:pic>
-        <p:nvPicPr>
-          <p:cNvPr id="68" name="Grafik 67">
-            <a:extLst>
-              <a:ext uri="{FF2B5EF4-FFF2-40B4-BE49-F238E27FC236}">
-                <a16:creationId xmlns:a16="http://schemas.microsoft.com/office/drawing/2014/main" id="{BE296906-1F93-4C84-91EC-8BEF860E0AB7}"/>
-              </a:ext>
-            </a:extLst>
-          </p:cNvPr>
-          <p:cNvPicPr>
-            <a:picLocks noChangeAspect="1"/>
-          </p:cNvPicPr>
-          <p:nvPr/>
-        </p:nvPicPr>
-        <p:blipFill>
-          <a:blip r:embed="rId5">
-            <a:extLst>
-              <a:ext uri="{28A0092B-C50C-407E-A947-70E740481C1C}">
-                <a14:useLocalDpi xmlns:a14="http://schemas.microsoft.com/office/drawing/2010/main" val="0"/>
-              </a:ext>
-            </a:extLst>
-          </a:blip>
-          <a:stretch>
-            <a:fillRect/>
-          </a:stretch>
-        </p:blipFill>
-        <p:spPr>
-          <a:xfrm>
-            <a:off x="7122095" y="1928401"/>
-            <a:ext cx="138573" cy="152400"/>
-          </a:xfrm>
-          <a:prstGeom prst="rect">
-            <a:avLst/>
-          </a:prstGeom>
-        </p:spPr>
-      </p:pic>
-      <p:cxnSp>
-        <p:nvCxnSpPr>
-          <p:cNvPr id="70" name="Gerade Verbindung mit Pfeil 69">
-            <a:extLst>
-              <a:ext uri="{FF2B5EF4-FFF2-40B4-BE49-F238E27FC236}">
-                <a16:creationId xmlns:a16="http://schemas.microsoft.com/office/drawing/2014/main" id="{4F39264B-9734-497A-A0E2-AC04D7B2000F}"/>
-              </a:ext>
-            </a:extLst>
-          </p:cNvPr>
-          <p:cNvCxnSpPr>
-            <a:cxnSpLocks/>
-            <a:endCxn id="16" idx="1"/>
-          </p:cNvCxnSpPr>
-          <p:nvPr/>
-        </p:nvCxnSpPr>
-        <p:spPr>
-          <a:xfrm>
-            <a:off x="3412534" y="4919045"/>
-            <a:ext cx="380480" cy="0"/>
-          </a:xfrm>
-          <a:prstGeom prst="straightConnector1">
-            <a:avLst/>
-          </a:prstGeom>
-          <a:ln w="12700">
-            <a:tailEnd type="triangle" w="lg" len="lg"/>
-          </a:ln>
-        </p:spPr>
-        <p:style>
-          <a:lnRef idx="1">
-            <a:schemeClr val="dk1"/>
-          </a:lnRef>
-          <a:fillRef idx="0">
-            <a:schemeClr val="dk1"/>
-          </a:fillRef>
-          <a:effectRef idx="0">
-            <a:schemeClr val="dk1"/>
-          </a:effectRef>
-          <a:fontRef idx="minor">
-            <a:schemeClr val="tx1"/>
-          </a:fontRef>
-        </p:style>
-      </p:cxnSp>
-      <p:cxnSp>
-        <p:nvCxnSpPr>
-          <p:cNvPr id="71" name="Gerade Verbindung mit Pfeil 70">
-            <a:extLst>
-              <a:ext uri="{FF2B5EF4-FFF2-40B4-BE49-F238E27FC236}">
-                <a16:creationId xmlns:a16="http://schemas.microsoft.com/office/drawing/2014/main" id="{2D02E28C-5148-4D62-BEA2-5FB39F30520D}"/>
-              </a:ext>
-            </a:extLst>
-          </p:cNvPr>
-          <p:cNvCxnSpPr>
-            <a:cxnSpLocks/>
-            <a:stCxn id="16" idx="3"/>
-            <a:endCxn id="26" idx="1"/>
-          </p:cNvCxnSpPr>
-          <p:nvPr/>
-        </p:nvCxnSpPr>
-        <p:spPr>
-          <a:xfrm flipH="1" flipV="1">
-            <a:off x="5018185" y="2007759"/>
-            <a:ext cx="408842" cy="2911286"/>
-          </a:xfrm>
-          <a:prstGeom prst="straightConnector1">
-            <a:avLst/>
-          </a:prstGeom>
-          <a:ln w="12700">
-            <a:tailEnd type="triangle" w="lg" len="lg"/>
-          </a:ln>
-        </p:spPr>
-        <p:style>
-          <a:lnRef idx="1">
-            <a:schemeClr val="dk1"/>
-          </a:lnRef>
-          <a:fillRef idx="0">
-            <a:schemeClr val="dk1"/>
-          </a:fillRef>
-          <a:effectRef idx="0">
-            <a:schemeClr val="dk1"/>
-          </a:effectRef>
-          <a:fontRef idx="minor">
-            <a:schemeClr val="tx1"/>
-          </a:fontRef>
-        </p:style>
-      </p:cxnSp>
-      <p:sp>
-        <p:nvSpPr>
-          <p:cNvPr id="75" name="Rechteck 74">
-            <a:extLst>
-              <a:ext uri="{FF2B5EF4-FFF2-40B4-BE49-F238E27FC236}">
-                <a16:creationId xmlns:a16="http://schemas.microsoft.com/office/drawing/2014/main" id="{6D1AE90A-6126-42EF-87AD-D2A26CA4AE79}"/>
-              </a:ext>
-            </a:extLst>
-          </p:cNvPr>
-          <p:cNvSpPr/>
-          <p:nvPr/>
-        </p:nvSpPr>
-        <p:spPr>
-          <a:xfrm>
-            <a:off x="3792618" y="5278696"/>
-            <a:ext cx="1634013" cy="602850"/>
-          </a:xfrm>
-          <a:prstGeom prst="rect">
-            <a:avLst/>
-          </a:prstGeom>
-          <a:ln>
-            <a:solidFill>
-              <a:schemeClr val="bg1">
-                <a:lumMod val="50000"/>
-              </a:schemeClr>
-            </a:solidFill>
-          </a:ln>
-        </p:spPr>
-        <p:style>
-          <a:lnRef idx="2">
-            <a:schemeClr val="dk1"/>
-          </a:lnRef>
-          <a:fillRef idx="1">
-            <a:schemeClr val="lt1"/>
-          </a:fillRef>
-          <a:effectRef idx="0">
-            <a:schemeClr val="dk1"/>
-          </a:effectRef>
-          <a:fontRef idx="minor">
-            <a:schemeClr val="dk1"/>
-          </a:fontRef>
-        </p:style>
-        <p:txBody>
-          <a:bodyPr rtlCol="0" anchor="ctr"/>
-          <a:lstStyle/>
-          <a:p>
-            <a:pPr algn="r"/>
-            <a:r>
-              <a:rPr lang="de-DE" sz="1100" dirty="0"/>
-              <a:t>Deploy </a:t>
-            </a:r>
-            <a:r>
-              <a:rPr lang="de-DE" sz="1100" dirty="0" err="1"/>
-              <a:t>package</a:t>
-            </a:r>
-            <a:r>
-              <a:rPr lang="de-DE" sz="1100" dirty="0"/>
-              <a:t> </a:t>
-            </a:r>
-            <a:r>
-              <a:rPr lang="de-DE" sz="1100" dirty="0" err="1"/>
-              <a:t>to</a:t>
-            </a:r>
-            <a:r>
-              <a:rPr lang="de-DE" sz="1100" dirty="0"/>
-              <a:t> </a:t>
-            </a:r>
-            <a:br>
-              <a:rPr lang="de-DE" sz="1100" dirty="0"/>
-            </a:br>
-            <a:r>
-              <a:rPr lang="de-DE" sz="1100" dirty="0"/>
-              <a:t>DEV-Stage</a:t>
-            </a:r>
-            <a:endParaRPr lang="en-US" sz="1100" dirty="0"/>
-          </a:p>
-        </p:txBody>
-      </p:sp>
-      <p:pic>
-        <p:nvPicPr>
-          <p:cNvPr id="76" name="Grafik 75">
-            <a:extLst>
-              <a:ext uri="{FF2B5EF4-FFF2-40B4-BE49-F238E27FC236}">
-                <a16:creationId xmlns:a16="http://schemas.microsoft.com/office/drawing/2014/main" id="{40BACB67-DA59-46ED-A30D-8A8AAE2325A9}"/>
-              </a:ext>
-            </a:extLst>
-          </p:cNvPr>
-          <p:cNvPicPr>
-            <a:picLocks noChangeAspect="1"/>
-          </p:cNvPicPr>
-          <p:nvPr/>
-        </p:nvPicPr>
-        <p:blipFill>
-          <a:blip r:embed="rId5">
-            <a:extLst>
-              <a:ext uri="{28A0092B-C50C-407E-A947-70E740481C1C}">
-                <a14:useLocalDpi xmlns:a14="http://schemas.microsoft.com/office/drawing/2010/main" val="0"/>
-              </a:ext>
-            </a:extLst>
-          </a:blip>
-          <a:stretch>
-            <a:fillRect/>
-          </a:stretch>
-        </p:blipFill>
-        <p:spPr>
-          <a:xfrm>
-            <a:off x="3852412" y="5500763"/>
-            <a:ext cx="138573" cy="152400"/>
-          </a:xfrm>
-          <a:prstGeom prst="rect">
-            <a:avLst/>
-          </a:prstGeom>
-        </p:spPr>
-      </p:pic>
-      <p:pic>
-        <p:nvPicPr>
-          <p:cNvPr id="77" name="Grafik 76" descr="Ein Bild, das Raum, Zeichnung enthält.&#10;&#10;Automatisch generierte Beschreibung">
-            <a:extLst>
-              <a:ext uri="{FF2B5EF4-FFF2-40B4-BE49-F238E27FC236}">
-                <a16:creationId xmlns:a16="http://schemas.microsoft.com/office/drawing/2014/main" id="{C2DDEDAF-A09F-41A2-A0FC-55C92058F5AC}"/>
-              </a:ext>
-            </a:extLst>
-          </p:cNvPr>
-          <p:cNvPicPr>
-            <a:picLocks noChangeAspect="1"/>
-          </p:cNvPicPr>
-          <p:nvPr/>
-        </p:nvPicPr>
-        <p:blipFill rotWithShape="1">
-          <a:blip r:embed="rId4">
-            <a:extLst>
-              <a:ext uri="{28A0092B-C50C-407E-A947-70E740481C1C}">
-                <a14:useLocalDpi xmlns:a14="http://schemas.microsoft.com/office/drawing/2010/main" val="0"/>
-              </a:ext>
-            </a:extLst>
-          </a:blip>
-          <a:srcRect l="35029" t="19605" r="34531" b="19769"/>
-          <a:stretch/>
-        </p:blipFill>
-        <p:spPr>
-          <a:xfrm>
-            <a:off x="7122095" y="863106"/>
-            <a:ext cx="374631" cy="514313"/>
-          </a:xfrm>
-          <a:prstGeom prst="rect">
-            <a:avLst/>
-          </a:prstGeom>
-        </p:spPr>
-      </p:pic>
-      <p:cxnSp>
-        <p:nvCxnSpPr>
-          <p:cNvPr id="78" name="Gerade Verbindung mit Pfeil 77">
-            <a:extLst>
-              <a:ext uri="{FF2B5EF4-FFF2-40B4-BE49-F238E27FC236}">
-                <a16:creationId xmlns:a16="http://schemas.microsoft.com/office/drawing/2014/main" id="{C2AE7621-6B8E-4A87-A6B3-8C9F2A7D3E3D}"/>
-              </a:ext>
-            </a:extLst>
-          </p:cNvPr>
-          <p:cNvCxnSpPr>
-            <a:cxnSpLocks/>
-            <a:stCxn id="67" idx="3"/>
-            <a:endCxn id="63" idx="1"/>
-          </p:cNvCxnSpPr>
-          <p:nvPr/>
-        </p:nvCxnSpPr>
-        <p:spPr>
-          <a:xfrm>
-            <a:off x="8697228" y="2007711"/>
-            <a:ext cx="541975" cy="823"/>
-          </a:xfrm>
-          <a:prstGeom prst="straightConnector1">
-            <a:avLst/>
-          </a:prstGeom>
-          <a:ln w="12700">
-            <a:tailEnd type="triangle" w="lg" len="lg"/>
-          </a:ln>
-        </p:spPr>
-        <p:style>
-          <a:lnRef idx="1">
-            <a:schemeClr val="dk1"/>
-          </a:lnRef>
-          <a:fillRef idx="0">
-            <a:schemeClr val="dk1"/>
-          </a:fillRef>
-          <a:effectRef idx="0">
-            <a:schemeClr val="dk1"/>
-          </a:effectRef>
-          <a:fontRef idx="minor">
-            <a:schemeClr val="tx1"/>
-          </a:fontRef>
-        </p:style>
-      </p:cxnSp>
-      <p:cxnSp>
-        <p:nvCxnSpPr>
-          <p:cNvPr id="81" name="Gerade Verbindung mit Pfeil 80">
-            <a:extLst>
-              <a:ext uri="{FF2B5EF4-FFF2-40B4-BE49-F238E27FC236}">
-                <a16:creationId xmlns:a16="http://schemas.microsoft.com/office/drawing/2014/main" id="{C41025B8-4528-4411-95F3-206F3576EE2D}"/>
-              </a:ext>
-            </a:extLst>
-          </p:cNvPr>
-          <p:cNvCxnSpPr>
-            <a:cxnSpLocks/>
-            <a:stCxn id="75" idx="3"/>
-          </p:cNvCxnSpPr>
-          <p:nvPr/>
-        </p:nvCxnSpPr>
-        <p:spPr>
-          <a:xfrm>
-            <a:off x="5426631" y="5580121"/>
-            <a:ext cx="357090" cy="233177"/>
-          </a:xfrm>
-          <a:prstGeom prst="straightConnector1">
-            <a:avLst/>
-          </a:prstGeom>
-          <a:ln w="12700">
-            <a:tailEnd type="triangle" w="lg" len="lg"/>
-          </a:ln>
-        </p:spPr>
-        <p:style>
-          <a:lnRef idx="1">
-            <a:schemeClr val="dk1"/>
-          </a:lnRef>
-          <a:fillRef idx="0">
-            <a:schemeClr val="dk1"/>
-          </a:fillRef>
-          <a:effectRef idx="0">
-            <a:schemeClr val="dk1"/>
-          </a:effectRef>
-          <a:fontRef idx="minor">
-            <a:schemeClr val="tx1"/>
-          </a:fontRef>
-        </p:style>
-      </p:cxnSp>
-      <p:cxnSp>
-        <p:nvCxnSpPr>
-          <p:cNvPr id="85" name="Gerader Verbinder 84">
-            <a:extLst>
-              <a:ext uri="{FF2B5EF4-FFF2-40B4-BE49-F238E27FC236}">
-                <a16:creationId xmlns:a16="http://schemas.microsoft.com/office/drawing/2014/main" id="{DA5C7AEB-38D5-464F-BEB5-03616042F9D6}"/>
-              </a:ext>
-            </a:extLst>
-          </p:cNvPr>
-          <p:cNvCxnSpPr>
-            <a:cxnSpLocks/>
-          </p:cNvCxnSpPr>
-          <p:nvPr/>
-        </p:nvCxnSpPr>
-        <p:spPr>
-          <a:xfrm>
-            <a:off x="8958580" y="441928"/>
-            <a:ext cx="0" cy="3954812"/>
-          </a:xfrm>
-          <a:prstGeom prst="line">
-            <a:avLst/>
-          </a:prstGeom>
-          <a:ln w="25400">
-            <a:solidFill>
-              <a:srgbClr val="C00000"/>
-            </a:solidFill>
-            <a:prstDash val="dash"/>
-          </a:ln>
-        </p:spPr>
-        <p:style>
-          <a:lnRef idx="1">
-            <a:schemeClr val="accent1"/>
-          </a:lnRef>
-          <a:fillRef idx="0">
-            <a:schemeClr val="accent1"/>
-          </a:fillRef>
-          <a:effectRef idx="0">
-            <a:schemeClr val="accent1"/>
-          </a:effectRef>
-          <a:fontRef idx="minor">
-            <a:schemeClr val="tx1"/>
-          </a:fontRef>
-        </p:style>
-      </p:cxnSp>
-      <p:sp>
-        <p:nvSpPr>
-          <p:cNvPr id="106" name="Textfeld 105">
-            <a:extLst>
-              <a:ext uri="{FF2B5EF4-FFF2-40B4-BE49-F238E27FC236}">
-                <a16:creationId xmlns:a16="http://schemas.microsoft.com/office/drawing/2014/main" id="{8EE6DCA0-0667-4549-8A09-9D50FCDF26CD}"/>
-              </a:ext>
-            </a:extLst>
-          </p:cNvPr>
-          <p:cNvSpPr txBox="1"/>
-          <p:nvPr/>
-        </p:nvSpPr>
-        <p:spPr>
-          <a:xfrm>
-            <a:off x="2766656" y="441928"/>
-            <a:ext cx="3481744" cy="369332"/>
-          </a:xfrm>
-          <a:prstGeom prst="rect">
-            <a:avLst/>
-          </a:prstGeom>
-          <a:noFill/>
-        </p:spPr>
-        <p:txBody>
-          <a:bodyPr wrap="square" rtlCol="0">
-            <a:spAutoFit/>
-          </a:bodyPr>
-          <a:lstStyle/>
-          <a:p>
-            <a:pPr algn="ctr"/>
-            <a:r>
-              <a:rPr lang="de-DE" b="1" dirty="0"/>
-              <a:t>- Stage DEV -</a:t>
-            </a:r>
-            <a:endParaRPr lang="en-US" b="1" dirty="0"/>
-          </a:p>
-        </p:txBody>
-      </p:sp>
-      <p:sp>
-        <p:nvSpPr>
-          <p:cNvPr id="108" name="Textfeld 107">
-            <a:extLst>
-              <a:ext uri="{FF2B5EF4-FFF2-40B4-BE49-F238E27FC236}">
-                <a16:creationId xmlns:a16="http://schemas.microsoft.com/office/drawing/2014/main" id="{0EC004F9-681A-495E-98B0-2566B77C481E}"/>
-              </a:ext>
-            </a:extLst>
-          </p:cNvPr>
-          <p:cNvSpPr txBox="1"/>
-          <p:nvPr/>
-        </p:nvSpPr>
-        <p:spPr>
-          <a:xfrm>
-            <a:off x="8895191" y="441928"/>
-            <a:ext cx="2018184" cy="369332"/>
-          </a:xfrm>
-          <a:prstGeom prst="rect">
-            <a:avLst/>
-          </a:prstGeom>
-          <a:noFill/>
-        </p:spPr>
-        <p:txBody>
-          <a:bodyPr wrap="square" rtlCol="0">
-            <a:spAutoFit/>
-          </a:bodyPr>
-          <a:lstStyle/>
-          <a:p>
-            <a:pPr algn="ctr"/>
-            <a:r>
-              <a:rPr lang="de-DE" b="1" dirty="0"/>
-              <a:t>- TST, PROD, … -</a:t>
-            </a:r>
-            <a:endParaRPr lang="en-US" b="1" dirty="0"/>
-          </a:p>
-        </p:txBody>
-      </p:sp>
-      <p:cxnSp>
-        <p:nvCxnSpPr>
-          <p:cNvPr id="124" name="Gerade Verbindung mit Pfeil 123">
-            <a:extLst>
-              <a:ext uri="{FF2B5EF4-FFF2-40B4-BE49-F238E27FC236}">
-                <a16:creationId xmlns:a16="http://schemas.microsoft.com/office/drawing/2014/main" id="{8F52EBFC-BD09-43E0-8F0E-4B26A8E1C9E3}"/>
-              </a:ext>
-            </a:extLst>
-          </p:cNvPr>
-          <p:cNvCxnSpPr>
-            <a:cxnSpLocks/>
-            <a:stCxn id="26" idx="3"/>
-            <a:endCxn id="67" idx="1"/>
-          </p:cNvCxnSpPr>
-          <p:nvPr/>
-        </p:nvCxnSpPr>
-        <p:spPr>
-          <a:xfrm flipV="1">
-            <a:off x="6652198" y="2007711"/>
-            <a:ext cx="411017" cy="48"/>
-          </a:xfrm>
-          <a:prstGeom prst="straightConnector1">
-            <a:avLst/>
-          </a:prstGeom>
-          <a:ln w="12700">
-            <a:solidFill>
-              <a:schemeClr val="bg1">
-                <a:lumMod val="75000"/>
-              </a:schemeClr>
-            </a:solidFill>
-            <a:prstDash val="dash"/>
-            <a:tailEnd type="triangle" w="lg" len="lg"/>
-          </a:ln>
-        </p:spPr>
-        <p:style>
-          <a:lnRef idx="1">
-            <a:schemeClr val="dk1"/>
-          </a:lnRef>
-          <a:fillRef idx="0">
-            <a:schemeClr val="dk1"/>
-          </a:fillRef>
-          <a:effectRef idx="0">
-            <a:schemeClr val="dk1"/>
-          </a:effectRef>
-          <a:fontRef idx="minor">
-            <a:schemeClr val="tx1"/>
-          </a:fontRef>
-        </p:style>
-      </p:cxnSp>
-      <p:sp>
-        <p:nvSpPr>
-          <p:cNvPr id="132" name="Textfeld 131">
-            <a:extLst>
-              <a:ext uri="{FF2B5EF4-FFF2-40B4-BE49-F238E27FC236}">
-                <a16:creationId xmlns:a16="http://schemas.microsoft.com/office/drawing/2014/main" id="{827121F5-E20A-4B7D-9804-F4C5A95F5D24}"/>
-              </a:ext>
-            </a:extLst>
-          </p:cNvPr>
-          <p:cNvSpPr txBox="1"/>
-          <p:nvPr/>
-        </p:nvSpPr>
-        <p:spPr>
-          <a:xfrm>
-            <a:off x="697223" y="4337411"/>
-            <a:ext cx="1750596" cy="523220"/>
-          </a:xfrm>
-          <a:prstGeom prst="rect">
-            <a:avLst/>
-          </a:prstGeom>
-          <a:noFill/>
-        </p:spPr>
-        <p:txBody>
-          <a:bodyPr wrap="square" rtlCol="0">
-            <a:spAutoFit/>
-          </a:bodyPr>
-          <a:lstStyle/>
-          <a:p>
-            <a:pPr algn="ctr"/>
-            <a:r>
-              <a:rPr lang="de-DE" sz="1400" b="1" dirty="0"/>
-              <a:t>OpenAPI</a:t>
-            </a:r>
-            <a:br>
-              <a:rPr lang="de-DE" sz="1400" b="1" dirty="0"/>
-            </a:br>
-            <a:r>
-              <a:rPr lang="de-DE" sz="1400" b="1" dirty="0"/>
-              <a:t>Code-Generator</a:t>
-            </a:r>
-            <a:endParaRPr lang="en-US" sz="1400" b="1" dirty="0"/>
-          </a:p>
-        </p:txBody>
-      </p:sp>
-      <p:pic>
-        <p:nvPicPr>
-          <p:cNvPr id="5" name="Grafik 4" descr="Ein Bild, das Schild, Ende, Essen, Becher enthält.&#10;&#10;Automatisch generierte Beschreibung">
-            <a:extLst>
-              <a:ext uri="{FF2B5EF4-FFF2-40B4-BE49-F238E27FC236}">
-                <a16:creationId xmlns:a16="http://schemas.microsoft.com/office/drawing/2014/main" id="{42CA149D-B242-447C-8C1A-52F534370179}"/>
-              </a:ext>
-            </a:extLst>
-          </p:cNvPr>
-          <p:cNvPicPr>
-            <a:picLocks noChangeAspect="1"/>
-          </p:cNvPicPr>
-          <p:nvPr/>
-        </p:nvPicPr>
-        <p:blipFill>
-          <a:blip r:embed="rId7">
-            <a:extLst>
-              <a:ext uri="{28A0092B-C50C-407E-A947-70E740481C1C}">
-                <a14:useLocalDpi xmlns:a14="http://schemas.microsoft.com/office/drawing/2010/main" val="0"/>
-              </a:ext>
-            </a:extLst>
-          </a:blip>
-          <a:stretch>
-            <a:fillRect/>
-          </a:stretch>
-        </p:blipFill>
-        <p:spPr>
-          <a:xfrm>
-            <a:off x="902326" y="3684438"/>
-            <a:ext cx="1301450" cy="397535"/>
-          </a:xfrm>
-          <a:prstGeom prst="rect">
-            <a:avLst/>
-          </a:prstGeom>
-        </p:spPr>
-      </p:pic>
-      <p:pic>
-        <p:nvPicPr>
-          <p:cNvPr id="10" name="Grafik 9">
-            <a:extLst>
-              <a:ext uri="{FF2B5EF4-FFF2-40B4-BE49-F238E27FC236}">
-                <a16:creationId xmlns:a16="http://schemas.microsoft.com/office/drawing/2014/main" id="{2C4C9604-8CE2-4AE4-92AD-415FCA9207B2}"/>
-              </a:ext>
-            </a:extLst>
-          </p:cNvPr>
-          <p:cNvPicPr>
-            <a:picLocks noChangeAspect="1"/>
-          </p:cNvPicPr>
-          <p:nvPr/>
-        </p:nvPicPr>
-        <p:blipFill>
-          <a:blip r:embed="rId8">
-            <a:extLst>
-              <a:ext uri="{28A0092B-C50C-407E-A947-70E740481C1C}">
-                <a14:useLocalDpi xmlns:a14="http://schemas.microsoft.com/office/drawing/2010/main" val="0"/>
-              </a:ext>
-            </a:extLst>
-          </a:blip>
-          <a:stretch>
-            <a:fillRect/>
-          </a:stretch>
-        </p:blipFill>
-        <p:spPr>
-          <a:xfrm>
-            <a:off x="824588" y="4056023"/>
-            <a:ext cx="1456927" cy="368957"/>
-          </a:xfrm>
-          <a:prstGeom prst="rect">
-            <a:avLst/>
-          </a:prstGeom>
-        </p:spPr>
-      </p:pic>
-      <p:pic>
-        <p:nvPicPr>
-          <p:cNvPr id="19" name="Grafik 18" descr="Ein Bild, das sitzend, dunkel, Laptop, weiß enthält.&#10;&#10;Automatisch generierte Beschreibung">
-            <a:extLst>
-              <a:ext uri="{FF2B5EF4-FFF2-40B4-BE49-F238E27FC236}">
-                <a16:creationId xmlns:a16="http://schemas.microsoft.com/office/drawing/2014/main" id="{F1EBC538-EF65-46C5-A203-A9ECFBF25D31}"/>
-              </a:ext>
-            </a:extLst>
-          </p:cNvPr>
-          <p:cNvPicPr>
-            <a:picLocks noChangeAspect="1"/>
-          </p:cNvPicPr>
-          <p:nvPr/>
-        </p:nvPicPr>
-        <p:blipFill>
-          <a:blip r:embed="rId9">
-            <a:extLst>
-              <a:ext uri="{28A0092B-C50C-407E-A947-70E740481C1C}">
-                <a14:useLocalDpi xmlns:a14="http://schemas.microsoft.com/office/drawing/2010/main" val="0"/>
-              </a:ext>
-            </a:extLst>
-          </a:blip>
-          <a:stretch>
-            <a:fillRect/>
-          </a:stretch>
-        </p:blipFill>
-        <p:spPr>
-          <a:xfrm>
-            <a:off x="3039983" y="3827493"/>
-            <a:ext cx="1203828" cy="288342"/>
-          </a:xfrm>
-          <a:prstGeom prst="rect">
-            <a:avLst/>
-          </a:prstGeom>
-        </p:spPr>
-      </p:pic>
-      <p:pic>
-        <p:nvPicPr>
-          <p:cNvPr id="21" name="Grafik 20" descr="Ein Bild, das dunkel, sitzend, erleuchtet, Uhr enthält.&#10;&#10;Automatisch generierte Beschreibung">
-            <a:extLst>
-              <a:ext uri="{FF2B5EF4-FFF2-40B4-BE49-F238E27FC236}">
-                <a16:creationId xmlns:a16="http://schemas.microsoft.com/office/drawing/2014/main" id="{68441039-F428-4956-ACD8-8D016325971A}"/>
-              </a:ext>
-            </a:extLst>
-          </p:cNvPr>
-          <p:cNvPicPr>
-            <a:picLocks noChangeAspect="1"/>
-          </p:cNvPicPr>
-          <p:nvPr/>
-        </p:nvPicPr>
-        <p:blipFill>
-          <a:blip r:embed="rId10">
-            <a:extLst>
-              <a:ext uri="{28A0092B-C50C-407E-A947-70E740481C1C}">
-                <a14:useLocalDpi xmlns:a14="http://schemas.microsoft.com/office/drawing/2010/main" val="0"/>
-              </a:ext>
-            </a:extLst>
-          </a:blip>
-          <a:stretch>
-            <a:fillRect/>
-          </a:stretch>
-        </p:blipFill>
-        <p:spPr>
-          <a:xfrm>
-            <a:off x="3062881" y="4254580"/>
-            <a:ext cx="1591329" cy="229381"/>
-          </a:xfrm>
-          <a:prstGeom prst="rect">
-            <a:avLst/>
-          </a:prstGeom>
-        </p:spPr>
-      </p:pic>
-      <p:sp>
-        <p:nvSpPr>
-          <p:cNvPr id="51" name="Rechteck: abgerundete Ecken 50">
-            <a:extLst>
-              <a:ext uri="{FF2B5EF4-FFF2-40B4-BE49-F238E27FC236}">
-                <a16:creationId xmlns:a16="http://schemas.microsoft.com/office/drawing/2014/main" id="{144A0EA6-72B8-441F-9420-8740DDDFD154}"/>
-              </a:ext>
-            </a:extLst>
-          </p:cNvPr>
-          <p:cNvSpPr/>
-          <p:nvPr/>
-        </p:nvSpPr>
-        <p:spPr>
-          <a:xfrm>
-            <a:off x="5292560" y="3423404"/>
-            <a:ext cx="1750595" cy="1396952"/>
-          </a:xfrm>
-          <a:prstGeom prst="roundRect">
-            <a:avLst>
-              <a:gd name="adj" fmla="val 3952"/>
-            </a:avLst>
-          </a:prstGeom>
-          <a:solidFill>
-            <a:srgbClr val="F2F2F2"/>
-          </a:solidFill>
-          <a:ln w="22225"/>
-        </p:spPr>
-        <p:style>
-          <a:lnRef idx="1">
-            <a:schemeClr val="dk1"/>
-          </a:lnRef>
-          <a:fillRef idx="2">
-            <a:schemeClr val="dk1"/>
-          </a:fillRef>
-          <a:effectRef idx="1">
-            <a:schemeClr val="dk1"/>
-          </a:effectRef>
-          <a:fontRef idx="minor">
-            <a:schemeClr val="dk1"/>
-          </a:fontRef>
-        </p:style>
-        <p:txBody>
-          <a:bodyPr rtlCol="0" anchor="t"/>
-          <a:lstStyle/>
-          <a:p>
-            <a:pPr algn="r"/>
-            <a:r>
-              <a:rPr lang="de-DE" sz="1400" b="1" dirty="0"/>
-              <a:t>Stage: DEV</a:t>
-            </a:r>
-          </a:p>
-          <a:p>
-            <a:pPr algn="r"/>
-            <a:r>
-              <a:rPr lang="de-DE" sz="1400" b="1" dirty="0"/>
-              <a:t>API-Management</a:t>
-            </a:r>
-            <a:endParaRPr lang="en-US" sz="1400" b="1" dirty="0"/>
-          </a:p>
-        </p:txBody>
-      </p:sp>
-      <p:pic>
-        <p:nvPicPr>
-          <p:cNvPr id="52" name="Grafik 51" descr="Ein Bild, das Text, Schild enthält.&#10;&#10;Automatisch generierte Beschreibung">
-            <a:extLst>
-              <a:ext uri="{FF2B5EF4-FFF2-40B4-BE49-F238E27FC236}">
-                <a16:creationId xmlns:a16="http://schemas.microsoft.com/office/drawing/2014/main" id="{86A5B8BC-7DAD-47A8-AF68-CBB9E32881FC}"/>
-              </a:ext>
-            </a:extLst>
-          </p:cNvPr>
-          <p:cNvPicPr>
-            <a:picLocks noChangeAspect="1"/>
-          </p:cNvPicPr>
-          <p:nvPr/>
-        </p:nvPicPr>
-        <p:blipFill rotWithShape="1">
-          <a:blip r:embed="rId11">
-            <a:extLst>
-              <a:ext uri="{28A0092B-C50C-407E-A947-70E740481C1C}">
-                <a14:useLocalDpi xmlns:a14="http://schemas.microsoft.com/office/drawing/2010/main" val="0"/>
-              </a:ext>
-            </a:extLst>
-          </a:blip>
-          <a:srcRect l="22835" t="14535" r="24895" b="38647"/>
-          <a:stretch/>
-        </p:blipFill>
-        <p:spPr>
-          <a:xfrm>
-            <a:off x="5325239" y="3264875"/>
-            <a:ext cx="352939" cy="362111"/>
-          </a:xfrm>
-          <a:prstGeom prst="rect">
-            <a:avLst/>
-          </a:prstGeom>
-        </p:spPr>
-      </p:pic>
-    </p:spTree>
-    <p:extLst>
-      <p:ext uri="{BB962C8B-B14F-4D97-AF65-F5344CB8AC3E}">
-        <p14:creationId xmlns:p14="http://schemas.microsoft.com/office/powerpoint/2010/main" val="149651007"/>
       </p:ext>
     </p:extLst>
   </p:cSld>

--- a/misc/documentation/Images.pptx
+++ b/misc/documentation/Images.pptx
@@ -13,6 +13,7 @@
     <p:sldId id="4881" r:id="rId7"/>
     <p:sldId id="259" r:id="rId8"/>
     <p:sldId id="260" r:id="rId9"/>
+    <p:sldId id="4894" r:id="rId10"/>
   </p:sldIdLst>
   <p:sldSz cx="12192000" cy="6858000"/>
   <p:notesSz cx="6858000" cy="9144000"/>
@@ -294,7 +295,7 @@
           <a:p>
             <a:fld id="{7E78D3F4-14DB-4445-AF65-DFCCFB7F5AFF}" type="datetimeFigureOut">
               <a:rPr lang="en-US" smtClean="0"/>
-              <a:t>4/14/2020</a:t>
+              <a:t>3/9/2021</a:t>
             </a:fld>
             <a:endParaRPr lang="en-US"/>
           </a:p>
@@ -494,7 +495,7 @@
           <a:p>
             <a:fld id="{7E78D3F4-14DB-4445-AF65-DFCCFB7F5AFF}" type="datetimeFigureOut">
               <a:rPr lang="en-US" smtClean="0"/>
-              <a:t>4/14/2020</a:t>
+              <a:t>3/9/2021</a:t>
             </a:fld>
             <a:endParaRPr lang="en-US"/>
           </a:p>
@@ -704,7 +705,7 @@
           <a:p>
             <a:fld id="{7E78D3F4-14DB-4445-AF65-DFCCFB7F5AFF}" type="datetimeFigureOut">
               <a:rPr lang="en-US" smtClean="0"/>
-              <a:t>4/14/2020</a:t>
+              <a:t>3/9/2021</a:t>
             </a:fld>
             <a:endParaRPr lang="en-US"/>
           </a:p>
@@ -3513,7 +3514,7 @@
           <a:p>
             <a:fld id="{7E78D3F4-14DB-4445-AF65-DFCCFB7F5AFF}" type="datetimeFigureOut">
               <a:rPr lang="en-US" smtClean="0"/>
-              <a:t>4/14/2020</a:t>
+              <a:t>3/9/2021</a:t>
             </a:fld>
             <a:endParaRPr lang="en-US"/>
           </a:p>
@@ -8581,7 +8582,7 @@
           <a:p>
             <a:fld id="{7E78D3F4-14DB-4445-AF65-DFCCFB7F5AFF}" type="datetimeFigureOut">
               <a:rPr lang="en-US" smtClean="0"/>
-              <a:t>4/14/2020</a:t>
+              <a:t>3/9/2021</a:t>
             </a:fld>
             <a:endParaRPr lang="en-US"/>
           </a:p>
@@ -9146,7 +9147,7 @@
           <a:p>
             <a:fld id="{7E78D3F4-14DB-4445-AF65-DFCCFB7F5AFF}" type="datetimeFigureOut">
               <a:rPr lang="en-US" smtClean="0"/>
-              <a:t>4/14/2020</a:t>
+              <a:t>3/9/2021</a:t>
             </a:fld>
             <a:endParaRPr lang="en-US"/>
           </a:p>
@@ -9561,7 +9562,7 @@
           <a:p>
             <a:fld id="{7E78D3F4-14DB-4445-AF65-DFCCFB7F5AFF}" type="datetimeFigureOut">
               <a:rPr lang="en-US" smtClean="0"/>
-              <a:t>4/14/2020</a:t>
+              <a:t>3/9/2021</a:t>
             </a:fld>
             <a:endParaRPr lang="en-US"/>
           </a:p>
@@ -9703,7 +9704,7 @@
           <a:p>
             <a:fld id="{7E78D3F4-14DB-4445-AF65-DFCCFB7F5AFF}" type="datetimeFigureOut">
               <a:rPr lang="en-US" smtClean="0"/>
-              <a:t>4/14/2020</a:t>
+              <a:t>3/9/2021</a:t>
             </a:fld>
             <a:endParaRPr lang="en-US"/>
           </a:p>
@@ -9816,7 +9817,7 @@
           <a:p>
             <a:fld id="{7E78D3F4-14DB-4445-AF65-DFCCFB7F5AFF}" type="datetimeFigureOut">
               <a:rPr lang="en-US" smtClean="0"/>
-              <a:t>4/14/2020</a:t>
+              <a:t>3/9/2021</a:t>
             </a:fld>
             <a:endParaRPr lang="en-US"/>
           </a:p>
@@ -10129,7 +10130,7 @@
           <a:p>
             <a:fld id="{7E78D3F4-14DB-4445-AF65-DFCCFB7F5AFF}" type="datetimeFigureOut">
               <a:rPr lang="en-US" smtClean="0"/>
-              <a:t>4/14/2020</a:t>
+              <a:t>3/9/2021</a:t>
             </a:fld>
             <a:endParaRPr lang="en-US"/>
           </a:p>
@@ -10418,7 +10419,7 @@
           <a:p>
             <a:fld id="{7E78D3F4-14DB-4445-AF65-DFCCFB7F5AFF}" type="datetimeFigureOut">
               <a:rPr lang="en-US" smtClean="0"/>
-              <a:t>4/14/2020</a:t>
+              <a:t>3/9/2021</a:t>
             </a:fld>
             <a:endParaRPr lang="en-US"/>
           </a:p>
@@ -10661,7 +10662,7 @@
           <a:p>
             <a:fld id="{7E78D3F4-14DB-4445-AF65-DFCCFB7F5AFF}" type="datetimeFigureOut">
               <a:rPr lang="en-US" smtClean="0"/>
-              <a:t>4/14/2020</a:t>
+              <a:t>3/9/2021</a:t>
             </a:fld>
             <a:endParaRPr lang="en-US"/>
           </a:p>
@@ -19605,6 +19606,706 @@
     <p:extLst>
       <p:ext uri="{BB962C8B-B14F-4D97-AF65-F5344CB8AC3E}">
         <p14:creationId xmlns:p14="http://schemas.microsoft.com/office/powerpoint/2010/main" val="494686521"/>
+      </p:ext>
+    </p:extLst>
+  </p:cSld>
+  <p:clrMapOvr>
+    <a:masterClrMapping/>
+  </p:clrMapOvr>
+</p:sld>
+</file>
+
+<file path=ppt/slides/slide8.xml><?xml version="1.0" encoding="utf-8"?>
+<p:sld xmlns:a="http://schemas.openxmlformats.org/drawingml/2006/main" xmlns:r="http://schemas.openxmlformats.org/officeDocument/2006/relationships" xmlns:p="http://schemas.openxmlformats.org/presentationml/2006/main">
+  <p:cSld>
+    <p:spTree>
+      <p:nvGrpSpPr>
+        <p:cNvPr id="1" name=""/>
+        <p:cNvGrpSpPr/>
+        <p:nvPr/>
+      </p:nvGrpSpPr>
+      <p:grpSpPr>
+        <a:xfrm>
+          <a:off x="0" y="0"/>
+          <a:ext cx="0" cy="0"/>
+          <a:chOff x="0" y="0"/>
+          <a:chExt cx="0" cy="0"/>
+        </a:xfrm>
+      </p:grpSpPr>
+      <p:pic>
+        <p:nvPicPr>
+          <p:cNvPr id="2" name="Grafik 1">
+            <a:extLst>
+              <a:ext uri="{FF2B5EF4-FFF2-40B4-BE49-F238E27FC236}">
+                <a16:creationId xmlns:a16="http://schemas.microsoft.com/office/drawing/2014/main" id="{B4F539E3-B983-414F-9229-FBCA5D3EAC80}"/>
+              </a:ext>
+            </a:extLst>
+          </p:cNvPr>
+          <p:cNvPicPr/>
+          <p:nvPr/>
+        </p:nvPicPr>
+        <p:blipFill rotWithShape="1">
+          <a:blip r:embed="rId2"/>
+          <a:srcRect b="17511"/>
+          <a:stretch/>
+        </p:blipFill>
+        <p:spPr>
+          <a:xfrm>
+            <a:off x="278731" y="1993232"/>
+            <a:ext cx="2259933" cy="1279357"/>
+          </a:xfrm>
+          <a:prstGeom prst="rect">
+            <a:avLst/>
+          </a:prstGeom>
+        </p:spPr>
+      </p:pic>
+      <p:sp>
+        <p:nvSpPr>
+          <p:cNvPr id="3" name="Titel 2">
+            <a:extLst>
+              <a:ext uri="{FF2B5EF4-FFF2-40B4-BE49-F238E27FC236}">
+                <a16:creationId xmlns:a16="http://schemas.microsoft.com/office/drawing/2014/main" id="{FD0EDA5E-737B-4057-8F44-E928B8861732}"/>
+              </a:ext>
+            </a:extLst>
+          </p:cNvPr>
+          <p:cNvSpPr>
+            <a:spLocks noGrp="1"/>
+          </p:cNvSpPr>
+          <p:nvPr>
+            <p:ph type="title"/>
+          </p:nvPr>
+        </p:nvSpPr>
+        <p:spPr/>
+        <p:txBody>
+          <a:bodyPr/>
+          <a:lstStyle/>
+          <a:p>
+            <a:r>
+              <a:rPr lang="de-DE" dirty="0" err="1"/>
+              <a:t>When</a:t>
+            </a:r>
+            <a:r>
+              <a:rPr lang="de-DE" dirty="0"/>
+              <a:t> </a:t>
+            </a:r>
+            <a:r>
+              <a:rPr lang="de-DE" dirty="0" err="1"/>
+              <a:t>using</a:t>
+            </a:r>
+            <a:r>
+              <a:rPr lang="de-DE" dirty="0"/>
+              <a:t> </a:t>
+            </a:r>
+            <a:r>
+              <a:rPr lang="de-DE" dirty="0" err="1"/>
+              <a:t>Flag</a:t>
+            </a:r>
+            <a:r>
+              <a:rPr lang="de-DE" dirty="0"/>
+              <a:t>: -</a:t>
+            </a:r>
+            <a:r>
+              <a:rPr lang="de-DE" dirty="0" err="1"/>
+              <a:t>useFEAPIDefinition</a:t>
+            </a:r>
+            <a:endParaRPr lang="en-US" dirty="0"/>
+          </a:p>
+        </p:txBody>
+      </p:sp>
+      <p:sp>
+        <p:nvSpPr>
+          <p:cNvPr id="4" name="Textfeld 3">
+            <a:extLst>
+              <a:ext uri="{FF2B5EF4-FFF2-40B4-BE49-F238E27FC236}">
+                <a16:creationId xmlns:a16="http://schemas.microsoft.com/office/drawing/2014/main" id="{A7AA2BF0-1EC1-48B4-A5AF-7BA3AF2312EF}"/>
+              </a:ext>
+            </a:extLst>
+          </p:cNvPr>
+          <p:cNvSpPr txBox="1"/>
+          <p:nvPr/>
+        </p:nvSpPr>
+        <p:spPr>
+          <a:xfrm>
+            <a:off x="416091" y="1617884"/>
+            <a:ext cx="1985211" cy="369332"/>
+          </a:xfrm>
+          <a:prstGeom prst="rect">
+            <a:avLst/>
+          </a:prstGeom>
+          <a:noFill/>
+        </p:spPr>
+        <p:txBody>
+          <a:bodyPr wrap="square" rtlCol="0">
+            <a:spAutoFit/>
+          </a:bodyPr>
+          <a:lstStyle/>
+          <a:p>
+            <a:pPr algn="ctr"/>
+            <a:r>
+              <a:rPr lang="de-DE" dirty="0"/>
+              <a:t>Backend API</a:t>
+            </a:r>
+            <a:endParaRPr lang="en-US" dirty="0"/>
+          </a:p>
+        </p:txBody>
+      </p:sp>
+      <p:pic>
+        <p:nvPicPr>
+          <p:cNvPr id="6" name="Grafik 5">
+            <a:extLst>
+              <a:ext uri="{FF2B5EF4-FFF2-40B4-BE49-F238E27FC236}">
+                <a16:creationId xmlns:a16="http://schemas.microsoft.com/office/drawing/2014/main" id="{0F2B5E1F-FCCA-42EF-8995-1A200742DDB2}"/>
+              </a:ext>
+            </a:extLst>
+          </p:cNvPr>
+          <p:cNvPicPr>
+            <a:picLocks noChangeAspect="1"/>
+          </p:cNvPicPr>
+          <p:nvPr/>
+        </p:nvPicPr>
+        <p:blipFill>
+          <a:blip r:embed="rId3"/>
+          <a:stretch>
+            <a:fillRect/>
+          </a:stretch>
+        </p:blipFill>
+        <p:spPr>
+          <a:xfrm>
+            <a:off x="2746927" y="2157498"/>
+            <a:ext cx="2931977" cy="857465"/>
+          </a:xfrm>
+          <a:prstGeom prst="rect">
+            <a:avLst/>
+          </a:prstGeom>
+        </p:spPr>
+      </p:pic>
+      <p:sp>
+        <p:nvSpPr>
+          <p:cNvPr id="7" name="Textfeld 6">
+            <a:extLst>
+              <a:ext uri="{FF2B5EF4-FFF2-40B4-BE49-F238E27FC236}">
+                <a16:creationId xmlns:a16="http://schemas.microsoft.com/office/drawing/2014/main" id="{2E63D266-7CDD-46F0-9704-7F8CCD0416CE}"/>
+              </a:ext>
+            </a:extLst>
+          </p:cNvPr>
+          <p:cNvSpPr txBox="1"/>
+          <p:nvPr/>
+        </p:nvSpPr>
+        <p:spPr>
+          <a:xfrm>
+            <a:off x="3149265" y="1617884"/>
+            <a:ext cx="2259933" cy="369332"/>
+          </a:xfrm>
+          <a:prstGeom prst="rect">
+            <a:avLst/>
+          </a:prstGeom>
+          <a:noFill/>
+        </p:spPr>
+        <p:txBody>
+          <a:bodyPr wrap="square" rtlCol="0">
+            <a:spAutoFit/>
+          </a:bodyPr>
+          <a:lstStyle/>
+          <a:p>
+            <a:pPr algn="ctr"/>
+            <a:r>
+              <a:rPr lang="de-DE" dirty="0"/>
+              <a:t>Frontend API Inbound</a:t>
+            </a:r>
+            <a:endParaRPr lang="en-US" dirty="0"/>
+          </a:p>
+        </p:txBody>
+      </p:sp>
+      <p:sp>
+        <p:nvSpPr>
+          <p:cNvPr id="8" name="Rechteck 7">
+            <a:extLst>
+              <a:ext uri="{FF2B5EF4-FFF2-40B4-BE49-F238E27FC236}">
+                <a16:creationId xmlns:a16="http://schemas.microsoft.com/office/drawing/2014/main" id="{FE29F255-31BF-463C-919B-972DD265085D}"/>
+              </a:ext>
+            </a:extLst>
+          </p:cNvPr>
+          <p:cNvSpPr/>
+          <p:nvPr/>
+        </p:nvSpPr>
+        <p:spPr>
+          <a:xfrm>
+            <a:off x="2839454" y="2388268"/>
+            <a:ext cx="2286000" cy="264695"/>
+          </a:xfrm>
+          <a:prstGeom prst="rect">
+            <a:avLst/>
+          </a:prstGeom>
+          <a:noFill/>
+          <a:ln w="19050">
+            <a:solidFill>
+              <a:srgbClr val="FF0000"/>
+            </a:solidFill>
+          </a:ln>
+        </p:spPr>
+        <p:style>
+          <a:lnRef idx="2">
+            <a:schemeClr val="accent1">
+              <a:shade val="50000"/>
+            </a:schemeClr>
+          </a:lnRef>
+          <a:fillRef idx="1">
+            <a:schemeClr val="accent1"/>
+          </a:fillRef>
+          <a:effectRef idx="0">
+            <a:schemeClr val="accent1"/>
+          </a:effectRef>
+          <a:fontRef idx="minor">
+            <a:schemeClr val="lt1"/>
+          </a:fontRef>
+        </p:style>
+        <p:txBody>
+          <a:bodyPr rtlCol="0" anchor="ctr"/>
+          <a:lstStyle/>
+          <a:p>
+            <a:pPr algn="ctr"/>
+            <a:endParaRPr lang="en-US"/>
+          </a:p>
+        </p:txBody>
+      </p:sp>
+      <p:pic>
+        <p:nvPicPr>
+          <p:cNvPr id="10" name="Grafik 9">
+            <a:extLst>
+              <a:ext uri="{FF2B5EF4-FFF2-40B4-BE49-F238E27FC236}">
+                <a16:creationId xmlns:a16="http://schemas.microsoft.com/office/drawing/2014/main" id="{47A31340-2199-4B6A-91F5-E96402BD5B21}"/>
+              </a:ext>
+            </a:extLst>
+          </p:cNvPr>
+          <p:cNvPicPr>
+            <a:picLocks noChangeAspect="1"/>
+          </p:cNvPicPr>
+          <p:nvPr/>
+        </p:nvPicPr>
+        <p:blipFill>
+          <a:blip r:embed="rId4"/>
+          <a:stretch>
+            <a:fillRect/>
+          </a:stretch>
+        </p:blipFill>
+        <p:spPr>
+          <a:xfrm>
+            <a:off x="6042744" y="2038613"/>
+            <a:ext cx="3051128" cy="1390387"/>
+          </a:xfrm>
+          <a:prstGeom prst="rect">
+            <a:avLst/>
+          </a:prstGeom>
+        </p:spPr>
+      </p:pic>
+      <p:sp>
+        <p:nvSpPr>
+          <p:cNvPr id="11" name="Textfeld 10">
+            <a:extLst>
+              <a:ext uri="{FF2B5EF4-FFF2-40B4-BE49-F238E27FC236}">
+                <a16:creationId xmlns:a16="http://schemas.microsoft.com/office/drawing/2014/main" id="{8F8642F8-56F3-4F4C-91D6-C98E6A8782F7}"/>
+              </a:ext>
+            </a:extLst>
+          </p:cNvPr>
+          <p:cNvSpPr txBox="1"/>
+          <p:nvPr/>
+        </p:nvSpPr>
+        <p:spPr>
+          <a:xfrm>
+            <a:off x="6262435" y="1617884"/>
+            <a:ext cx="2496554" cy="369332"/>
+          </a:xfrm>
+          <a:prstGeom prst="rect">
+            <a:avLst/>
+          </a:prstGeom>
+          <a:noFill/>
+        </p:spPr>
+        <p:txBody>
+          <a:bodyPr wrap="square" rtlCol="0">
+            <a:spAutoFit/>
+          </a:bodyPr>
+          <a:lstStyle/>
+          <a:p>
+            <a:pPr algn="ctr"/>
+            <a:r>
+              <a:rPr lang="de-DE" dirty="0"/>
+              <a:t>Frontend API Outbound</a:t>
+            </a:r>
+            <a:endParaRPr lang="en-US" dirty="0"/>
+          </a:p>
+        </p:txBody>
+      </p:sp>
+      <p:sp>
+        <p:nvSpPr>
+          <p:cNvPr id="12" name="Rechteck 11">
+            <a:extLst>
+              <a:ext uri="{FF2B5EF4-FFF2-40B4-BE49-F238E27FC236}">
+                <a16:creationId xmlns:a16="http://schemas.microsoft.com/office/drawing/2014/main" id="{BDDD2FD1-7E21-4C26-9FC7-7F1A608C4E48}"/>
+              </a:ext>
+            </a:extLst>
+          </p:cNvPr>
+          <p:cNvSpPr/>
+          <p:nvPr/>
+        </p:nvSpPr>
+        <p:spPr>
+          <a:xfrm>
+            <a:off x="7004386" y="3014963"/>
+            <a:ext cx="1989219" cy="284583"/>
+          </a:xfrm>
+          <a:prstGeom prst="rect">
+            <a:avLst/>
+          </a:prstGeom>
+          <a:noFill/>
+          <a:ln w="19050">
+            <a:solidFill>
+              <a:srgbClr val="FF0000"/>
+            </a:solidFill>
+          </a:ln>
+        </p:spPr>
+        <p:style>
+          <a:lnRef idx="2">
+            <a:schemeClr val="accent1">
+              <a:shade val="50000"/>
+            </a:schemeClr>
+          </a:lnRef>
+          <a:fillRef idx="1">
+            <a:schemeClr val="accent1"/>
+          </a:fillRef>
+          <a:effectRef idx="0">
+            <a:schemeClr val="accent1"/>
+          </a:effectRef>
+          <a:fontRef idx="minor">
+            <a:schemeClr val="lt1"/>
+          </a:fontRef>
+        </p:style>
+        <p:txBody>
+          <a:bodyPr rtlCol="0" anchor="ctr"/>
+          <a:lstStyle/>
+          <a:p>
+            <a:pPr algn="ctr"/>
+            <a:endParaRPr lang="en-US"/>
+          </a:p>
+        </p:txBody>
+      </p:sp>
+      <p:sp>
+        <p:nvSpPr>
+          <p:cNvPr id="13" name="Pfeil: nach unten 12">
+            <a:extLst>
+              <a:ext uri="{FF2B5EF4-FFF2-40B4-BE49-F238E27FC236}">
+                <a16:creationId xmlns:a16="http://schemas.microsoft.com/office/drawing/2014/main" id="{A8EE65EE-1707-4D3B-B3BA-39E800A76B64}"/>
+              </a:ext>
+            </a:extLst>
+          </p:cNvPr>
+          <p:cNvSpPr/>
+          <p:nvPr/>
+        </p:nvSpPr>
+        <p:spPr>
+          <a:xfrm>
+            <a:off x="3846981" y="3365308"/>
+            <a:ext cx="2195763" cy="679784"/>
+          </a:xfrm>
+          <a:prstGeom prst="downArrow">
+            <a:avLst/>
+          </a:prstGeom>
+          <a:solidFill>
+            <a:srgbClr val="C00000"/>
+          </a:solidFill>
+          <a:ln>
+            <a:solidFill>
+              <a:srgbClr val="FF0000"/>
+            </a:solidFill>
+          </a:ln>
+        </p:spPr>
+        <p:style>
+          <a:lnRef idx="2">
+            <a:schemeClr val="accent1">
+              <a:shade val="50000"/>
+            </a:schemeClr>
+          </a:lnRef>
+          <a:fillRef idx="1">
+            <a:schemeClr val="accent1"/>
+          </a:fillRef>
+          <a:effectRef idx="0">
+            <a:schemeClr val="accent1"/>
+          </a:effectRef>
+          <a:fontRef idx="minor">
+            <a:schemeClr val="lt1"/>
+          </a:fontRef>
+        </p:style>
+        <p:txBody>
+          <a:bodyPr rtlCol="0" anchor="ctr"/>
+          <a:lstStyle/>
+          <a:p>
+            <a:pPr algn="ctr"/>
+            <a:r>
+              <a:rPr lang="de-DE" dirty="0"/>
+              <a:t>Export</a:t>
+            </a:r>
+            <a:endParaRPr lang="en-US" dirty="0"/>
+          </a:p>
+        </p:txBody>
+      </p:sp>
+      <p:pic>
+        <p:nvPicPr>
+          <p:cNvPr id="15" name="Grafik 14">
+            <a:extLst>
+              <a:ext uri="{FF2B5EF4-FFF2-40B4-BE49-F238E27FC236}">
+                <a16:creationId xmlns:a16="http://schemas.microsoft.com/office/drawing/2014/main" id="{7D764311-4F83-4FF0-B856-CCBD0E5C132A}"/>
+              </a:ext>
+            </a:extLst>
+          </p:cNvPr>
+          <p:cNvPicPr>
+            <a:picLocks noChangeAspect="1"/>
+          </p:cNvPicPr>
+          <p:nvPr/>
+        </p:nvPicPr>
+        <p:blipFill>
+          <a:blip r:embed="rId5"/>
+          <a:stretch>
+            <a:fillRect/>
+          </a:stretch>
+        </p:blipFill>
+        <p:spPr>
+          <a:xfrm>
+            <a:off x="1050477" y="4771742"/>
+            <a:ext cx="3657040" cy="1165507"/>
+          </a:xfrm>
+          <a:prstGeom prst="rect">
+            <a:avLst/>
+          </a:prstGeom>
+        </p:spPr>
+      </p:pic>
+      <p:sp>
+        <p:nvSpPr>
+          <p:cNvPr id="16" name="Textfeld 15">
+            <a:extLst>
+              <a:ext uri="{FF2B5EF4-FFF2-40B4-BE49-F238E27FC236}">
+                <a16:creationId xmlns:a16="http://schemas.microsoft.com/office/drawing/2014/main" id="{FB7E31D0-8B45-4DBA-AB7B-DA9473A06BF4}"/>
+              </a:ext>
+            </a:extLst>
+          </p:cNvPr>
+          <p:cNvSpPr txBox="1"/>
+          <p:nvPr/>
+        </p:nvSpPr>
+        <p:spPr>
+          <a:xfrm>
+            <a:off x="1599592" y="4225077"/>
+            <a:ext cx="1985211" cy="369332"/>
+          </a:xfrm>
+          <a:prstGeom prst="rect">
+            <a:avLst/>
+          </a:prstGeom>
+          <a:noFill/>
+        </p:spPr>
+        <p:txBody>
+          <a:bodyPr wrap="square" rtlCol="0">
+            <a:spAutoFit/>
+          </a:bodyPr>
+          <a:lstStyle/>
+          <a:p>
+            <a:pPr algn="ctr"/>
+            <a:r>
+              <a:rPr lang="de-DE" dirty="0"/>
+              <a:t>API-</a:t>
+            </a:r>
+            <a:r>
+              <a:rPr lang="de-DE" dirty="0" err="1"/>
+              <a:t>Config</a:t>
+            </a:r>
+            <a:r>
+              <a:rPr lang="de-DE" dirty="0"/>
+              <a:t> </a:t>
+            </a:r>
+            <a:r>
+              <a:rPr lang="de-DE" dirty="0" err="1"/>
+              <a:t>file</a:t>
+            </a:r>
+            <a:endParaRPr lang="en-US" dirty="0"/>
+          </a:p>
+        </p:txBody>
+      </p:sp>
+      <p:sp>
+        <p:nvSpPr>
+          <p:cNvPr id="17" name="Rechteck 16">
+            <a:extLst>
+              <a:ext uri="{FF2B5EF4-FFF2-40B4-BE49-F238E27FC236}">
+                <a16:creationId xmlns:a16="http://schemas.microsoft.com/office/drawing/2014/main" id="{6C585339-B9E7-4752-8813-E2EAA817DC79}"/>
+              </a:ext>
+            </a:extLst>
+          </p:cNvPr>
+          <p:cNvSpPr/>
+          <p:nvPr/>
+        </p:nvSpPr>
+        <p:spPr>
+          <a:xfrm>
+            <a:off x="1102475" y="5556053"/>
+            <a:ext cx="3536200" cy="122410"/>
+          </a:xfrm>
+          <a:prstGeom prst="rect">
+            <a:avLst/>
+          </a:prstGeom>
+          <a:solidFill>
+            <a:srgbClr val="FFFF00">
+              <a:alpha val="30980"/>
+            </a:srgbClr>
+          </a:solidFill>
+          <a:ln w="19050">
+            <a:noFill/>
+          </a:ln>
+        </p:spPr>
+        <p:style>
+          <a:lnRef idx="2">
+            <a:schemeClr val="accent1">
+              <a:shade val="50000"/>
+            </a:schemeClr>
+          </a:lnRef>
+          <a:fillRef idx="1">
+            <a:schemeClr val="accent1"/>
+          </a:fillRef>
+          <a:effectRef idx="0">
+            <a:schemeClr val="accent1"/>
+          </a:effectRef>
+          <a:fontRef idx="minor">
+            <a:schemeClr val="lt1"/>
+          </a:fontRef>
+        </p:style>
+        <p:txBody>
+          <a:bodyPr rtlCol="0" anchor="ctr"/>
+          <a:lstStyle/>
+          <a:p>
+            <a:pPr algn="ctr"/>
+            <a:endParaRPr lang="en-US"/>
+          </a:p>
+        </p:txBody>
+      </p:sp>
+      <p:pic>
+        <p:nvPicPr>
+          <p:cNvPr id="19" name="Grafik 18">
+            <a:extLst>
+              <a:ext uri="{FF2B5EF4-FFF2-40B4-BE49-F238E27FC236}">
+                <a16:creationId xmlns:a16="http://schemas.microsoft.com/office/drawing/2014/main" id="{C7C66BF7-D48D-4865-B1D7-7B633F536BE1}"/>
+              </a:ext>
+            </a:extLst>
+          </p:cNvPr>
+          <p:cNvPicPr>
+            <a:picLocks noChangeAspect="1"/>
+          </p:cNvPicPr>
+          <p:nvPr/>
+        </p:nvPicPr>
+        <p:blipFill rotWithShape="1">
+          <a:blip r:embed="rId6"/>
+          <a:srcRect b="17434"/>
+          <a:stretch/>
+        </p:blipFill>
+        <p:spPr>
+          <a:xfrm>
+            <a:off x="6467148" y="4803411"/>
+            <a:ext cx="2034674" cy="1444989"/>
+          </a:xfrm>
+          <a:prstGeom prst="rect">
+            <a:avLst/>
+          </a:prstGeom>
+        </p:spPr>
+      </p:pic>
+      <p:sp>
+        <p:nvSpPr>
+          <p:cNvPr id="20" name="Textfeld 19">
+            <a:extLst>
+              <a:ext uri="{FF2B5EF4-FFF2-40B4-BE49-F238E27FC236}">
+                <a16:creationId xmlns:a16="http://schemas.microsoft.com/office/drawing/2014/main" id="{CA34B235-C108-41AC-AC80-5B6C33AB0CAF}"/>
+              </a:ext>
+            </a:extLst>
+          </p:cNvPr>
+          <p:cNvSpPr txBox="1"/>
+          <p:nvPr/>
+        </p:nvSpPr>
+        <p:spPr>
+          <a:xfrm>
+            <a:off x="6467148" y="4229513"/>
+            <a:ext cx="1985211" cy="369332"/>
+          </a:xfrm>
+          <a:prstGeom prst="rect">
+            <a:avLst/>
+          </a:prstGeom>
+          <a:noFill/>
+        </p:spPr>
+        <p:txBody>
+          <a:bodyPr wrap="square" rtlCol="0">
+            <a:spAutoFit/>
+          </a:bodyPr>
+          <a:lstStyle/>
+          <a:p>
+            <a:pPr algn="ctr"/>
+            <a:r>
+              <a:rPr lang="de-DE" dirty="0"/>
+              <a:t>API-</a:t>
+            </a:r>
+            <a:r>
+              <a:rPr lang="de-DE" dirty="0" err="1"/>
+              <a:t>Specification</a:t>
+            </a:r>
+            <a:endParaRPr lang="en-US" dirty="0"/>
+          </a:p>
+        </p:txBody>
+      </p:sp>
+      <p:sp>
+        <p:nvSpPr>
+          <p:cNvPr id="21" name="Rechteck 20">
+            <a:extLst>
+              <a:ext uri="{FF2B5EF4-FFF2-40B4-BE49-F238E27FC236}">
+                <a16:creationId xmlns:a16="http://schemas.microsoft.com/office/drawing/2014/main" id="{D688BD55-D493-4776-81F0-9FAF802D22F8}"/>
+              </a:ext>
+            </a:extLst>
+          </p:cNvPr>
+          <p:cNvSpPr/>
+          <p:nvPr/>
+        </p:nvSpPr>
+        <p:spPr>
+          <a:xfrm>
+            <a:off x="6582525" y="5556054"/>
+            <a:ext cx="1742325" cy="622496"/>
+          </a:xfrm>
+          <a:prstGeom prst="rect">
+            <a:avLst/>
+          </a:prstGeom>
+          <a:solidFill>
+            <a:srgbClr val="FFFF00">
+              <a:alpha val="30980"/>
+            </a:srgbClr>
+          </a:solidFill>
+          <a:ln w="19050">
+            <a:noFill/>
+          </a:ln>
+        </p:spPr>
+        <p:style>
+          <a:lnRef idx="2">
+            <a:schemeClr val="accent1">
+              <a:shade val="50000"/>
+            </a:schemeClr>
+          </a:lnRef>
+          <a:fillRef idx="1">
+            <a:schemeClr val="accent1"/>
+          </a:fillRef>
+          <a:effectRef idx="0">
+            <a:schemeClr val="accent1"/>
+          </a:effectRef>
+          <a:fontRef idx="minor">
+            <a:schemeClr val="lt1"/>
+          </a:fontRef>
+        </p:style>
+        <p:txBody>
+          <a:bodyPr rtlCol="0" anchor="ctr"/>
+          <a:lstStyle/>
+          <a:p>
+            <a:pPr algn="ctr"/>
+            <a:endParaRPr lang="en-US"/>
+          </a:p>
+        </p:txBody>
+      </p:sp>
+    </p:spTree>
+    <p:extLst>
+      <p:ext uri="{BB962C8B-B14F-4D97-AF65-F5344CB8AC3E}">
+        <p14:creationId xmlns:p14="http://schemas.microsoft.com/office/powerpoint/2010/main" val="3825295118"/>
       </p:ext>
     </p:extLst>
   </p:cSld>

--- a/misc/documentation/Images.pptx
+++ b/misc/documentation/Images.pptx
@@ -19634,6 +19634,36 @@
       </p:grpSpPr>
       <p:pic>
         <p:nvPicPr>
+          <p:cNvPr id="23" name="Grafik 22">
+            <a:extLst>
+              <a:ext uri="{FF2B5EF4-FFF2-40B4-BE49-F238E27FC236}">
+                <a16:creationId xmlns:a16="http://schemas.microsoft.com/office/drawing/2014/main" id="{BC2CC5C5-1647-49BB-B325-B5129958389E}"/>
+              </a:ext>
+            </a:extLst>
+          </p:cNvPr>
+          <p:cNvPicPr>
+            <a:picLocks noChangeAspect="1"/>
+          </p:cNvPicPr>
+          <p:nvPr/>
+        </p:nvPicPr>
+        <p:blipFill>
+          <a:blip r:embed="rId2"/>
+          <a:stretch>
+            <a:fillRect/>
+          </a:stretch>
+        </p:blipFill>
+        <p:spPr>
+          <a:xfrm>
+            <a:off x="993642" y="4792615"/>
+            <a:ext cx="3713876" cy="1126451"/>
+          </a:xfrm>
+          <a:prstGeom prst="rect">
+            <a:avLst/>
+          </a:prstGeom>
+        </p:spPr>
+      </p:pic>
+      <p:pic>
+        <p:nvPicPr>
           <p:cNvPr id="2" name="Grafik 1">
             <a:extLst>
               <a:ext uri="{FF2B5EF4-FFF2-40B4-BE49-F238E27FC236}">
@@ -19645,7 +19675,7 @@
           <p:nvPr/>
         </p:nvPicPr>
         <p:blipFill rotWithShape="1">
-          <a:blip r:embed="rId2"/>
+          <a:blip r:embed="rId3"/>
           <a:srcRect b="17511"/>
           <a:stretch/>
         </p:blipFill>
@@ -19764,7 +19794,7 @@
           <p:nvPr/>
         </p:nvPicPr>
         <p:blipFill>
-          <a:blip r:embed="rId3"/>
+          <a:blip r:embed="rId4"/>
           <a:stretch>
             <a:fillRect/>
           </a:stretch>
@@ -19868,36 +19898,6 @@
           </a:p>
         </p:txBody>
       </p:sp>
-      <p:pic>
-        <p:nvPicPr>
-          <p:cNvPr id="10" name="Grafik 9">
-            <a:extLst>
-              <a:ext uri="{FF2B5EF4-FFF2-40B4-BE49-F238E27FC236}">
-                <a16:creationId xmlns:a16="http://schemas.microsoft.com/office/drawing/2014/main" id="{47A31340-2199-4B6A-91F5-E96402BD5B21}"/>
-              </a:ext>
-            </a:extLst>
-          </p:cNvPr>
-          <p:cNvPicPr>
-            <a:picLocks noChangeAspect="1"/>
-          </p:cNvPicPr>
-          <p:nvPr/>
-        </p:nvPicPr>
-        <p:blipFill>
-          <a:blip r:embed="rId4"/>
-          <a:stretch>
-            <a:fillRect/>
-          </a:stretch>
-        </p:blipFill>
-        <p:spPr>
-          <a:xfrm>
-            <a:off x="6042744" y="2038613"/>
-            <a:ext cx="3051128" cy="1390387"/>
-          </a:xfrm>
-          <a:prstGeom prst="rect">
-            <a:avLst/>
-          </a:prstGeom>
-        </p:spPr>
-      </p:pic>
       <p:sp>
         <p:nvSpPr>
           <p:cNvPr id="11" name="Textfeld 10">
@@ -19937,10 +19937,10 @@
       </p:sp>
       <p:sp>
         <p:nvSpPr>
-          <p:cNvPr id="12" name="Rechteck 11">
-            <a:extLst>
-              <a:ext uri="{FF2B5EF4-FFF2-40B4-BE49-F238E27FC236}">
-                <a16:creationId xmlns:a16="http://schemas.microsoft.com/office/drawing/2014/main" id="{BDDD2FD1-7E21-4C26-9FC7-7F1A608C4E48}"/>
+          <p:cNvPr id="13" name="Pfeil: nach unten 12">
+            <a:extLst>
+              <a:ext uri="{FF2B5EF4-FFF2-40B4-BE49-F238E27FC236}">
+                <a16:creationId xmlns:a16="http://schemas.microsoft.com/office/drawing/2014/main" id="{A8EE65EE-1707-4D3B-B3BA-39E800A76B64}"/>
               </a:ext>
             </a:extLst>
           </p:cNvPr>
@@ -19949,14 +19949,16 @@
         </p:nvSpPr>
         <p:spPr>
           <a:xfrm>
-            <a:off x="7004386" y="3014963"/>
-            <a:ext cx="1989219" cy="284583"/>
-          </a:xfrm>
-          <a:prstGeom prst="rect">
+            <a:off x="3846981" y="3365308"/>
+            <a:ext cx="2195763" cy="679784"/>
+          </a:xfrm>
+          <a:prstGeom prst="downArrow">
             <a:avLst/>
           </a:prstGeom>
-          <a:noFill/>
-          <a:ln w="19050">
+          <a:solidFill>
+            <a:srgbClr val="C00000"/>
+          </a:solidFill>
+          <a:ln>
             <a:solidFill>
               <a:srgbClr val="FF0000"/>
             </a:solidFill>
@@ -19983,16 +19985,69 @@
           <a:lstStyle/>
           <a:p>
             <a:pPr algn="ctr"/>
-            <a:endParaRPr lang="en-US"/>
-          </a:p>
-        </p:txBody>
-      </p:sp>
-      <p:sp>
-        <p:nvSpPr>
-          <p:cNvPr id="13" name="Pfeil: nach unten 12">
-            <a:extLst>
-              <a:ext uri="{FF2B5EF4-FFF2-40B4-BE49-F238E27FC236}">
-                <a16:creationId xmlns:a16="http://schemas.microsoft.com/office/drawing/2014/main" id="{A8EE65EE-1707-4D3B-B3BA-39E800A76B64}"/>
+            <a:r>
+              <a:rPr lang="de-DE" dirty="0"/>
+              <a:t>Export</a:t>
+            </a:r>
+            <a:endParaRPr lang="en-US" dirty="0"/>
+          </a:p>
+        </p:txBody>
+      </p:sp>
+      <p:sp>
+        <p:nvSpPr>
+          <p:cNvPr id="16" name="Textfeld 15">
+            <a:extLst>
+              <a:ext uri="{FF2B5EF4-FFF2-40B4-BE49-F238E27FC236}">
+                <a16:creationId xmlns:a16="http://schemas.microsoft.com/office/drawing/2014/main" id="{FB7E31D0-8B45-4DBA-AB7B-DA9473A06BF4}"/>
+              </a:ext>
+            </a:extLst>
+          </p:cNvPr>
+          <p:cNvSpPr txBox="1"/>
+          <p:nvPr/>
+        </p:nvSpPr>
+        <p:spPr>
+          <a:xfrm>
+            <a:off x="1599592" y="4225077"/>
+            <a:ext cx="1985211" cy="369332"/>
+          </a:xfrm>
+          <a:prstGeom prst="rect">
+            <a:avLst/>
+          </a:prstGeom>
+          <a:noFill/>
+        </p:spPr>
+        <p:txBody>
+          <a:bodyPr wrap="square" rtlCol="0">
+            <a:spAutoFit/>
+          </a:bodyPr>
+          <a:lstStyle/>
+          <a:p>
+            <a:pPr algn="ctr"/>
+            <a:r>
+              <a:rPr lang="de-DE" dirty="0"/>
+              <a:t>API-</a:t>
+            </a:r>
+            <a:r>
+              <a:rPr lang="de-DE" dirty="0" err="1"/>
+              <a:t>Config</a:t>
+            </a:r>
+            <a:r>
+              <a:rPr lang="de-DE" dirty="0"/>
+              <a:t> </a:t>
+            </a:r>
+            <a:r>
+              <a:rPr lang="de-DE" dirty="0" err="1"/>
+              <a:t>file</a:t>
+            </a:r>
+            <a:endParaRPr lang="en-US" dirty="0"/>
+          </a:p>
+        </p:txBody>
+      </p:sp>
+      <p:sp>
+        <p:nvSpPr>
+          <p:cNvPr id="17" name="Rechteck 16">
+            <a:extLst>
+              <a:ext uri="{FF2B5EF4-FFF2-40B4-BE49-F238E27FC236}">
+                <a16:creationId xmlns:a16="http://schemas.microsoft.com/office/drawing/2014/main" id="{6C585339-B9E7-4752-8813-E2EAA817DC79}"/>
               </a:ext>
             </a:extLst>
           </p:cNvPr>
@@ -20001,19 +20056,19 @@
         </p:nvSpPr>
         <p:spPr>
           <a:xfrm>
-            <a:off x="3846981" y="3365308"/>
-            <a:ext cx="2195763" cy="679784"/>
-          </a:xfrm>
-          <a:prstGeom prst="downArrow">
+            <a:off x="1102475" y="5556053"/>
+            <a:ext cx="3536200" cy="122410"/>
+          </a:xfrm>
+          <a:prstGeom prst="rect">
             <a:avLst/>
           </a:prstGeom>
           <a:solidFill>
-            <a:srgbClr val="C00000"/>
+            <a:srgbClr val="FFFF00">
+              <a:alpha val="30980"/>
+            </a:srgbClr>
           </a:solidFill>
-          <a:ln>
-            <a:solidFill>
-              <a:srgbClr val="FF0000"/>
-            </a:solidFill>
+          <a:ln w="19050">
+            <a:noFill/>
           </a:ln>
         </p:spPr>
         <p:style>
@@ -20037,20 +20092,16 @@
           <a:lstStyle/>
           <a:p>
             <a:pPr algn="ctr"/>
-            <a:r>
-              <a:rPr lang="de-DE" dirty="0"/>
-              <a:t>Export</a:t>
-            </a:r>
-            <a:endParaRPr lang="en-US" dirty="0"/>
+            <a:endParaRPr lang="en-US"/>
           </a:p>
         </p:txBody>
       </p:sp>
       <p:pic>
         <p:nvPicPr>
-          <p:cNvPr id="15" name="Grafik 14">
-            <a:extLst>
-              <a:ext uri="{FF2B5EF4-FFF2-40B4-BE49-F238E27FC236}">
-                <a16:creationId xmlns:a16="http://schemas.microsoft.com/office/drawing/2014/main" id="{7D764311-4F83-4FF0-B856-CCBD0E5C132A}"/>
+          <p:cNvPr id="19" name="Grafik 18">
+            <a:extLst>
+              <a:ext uri="{FF2B5EF4-FFF2-40B4-BE49-F238E27FC236}">
+                <a16:creationId xmlns:a16="http://schemas.microsoft.com/office/drawing/2014/main" id="{C7C66BF7-D48D-4865-B1D7-7B633F536BE1}"/>
               </a:ext>
             </a:extLst>
           </p:cNvPr>
@@ -20059,16 +20110,15 @@
           </p:cNvPicPr>
           <p:nvPr/>
         </p:nvPicPr>
-        <p:blipFill>
+        <p:blipFill rotWithShape="1">
           <a:blip r:embed="rId5"/>
-          <a:stretch>
-            <a:fillRect/>
-          </a:stretch>
+          <a:srcRect b="17434"/>
+          <a:stretch/>
         </p:blipFill>
         <p:spPr>
           <a:xfrm>
-            <a:off x="1050477" y="4771742"/>
-            <a:ext cx="3657040" cy="1165507"/>
+            <a:off x="6467148" y="4803411"/>
+            <a:ext cx="2034674" cy="1444989"/>
           </a:xfrm>
           <a:prstGeom prst="rect">
             <a:avLst/>
@@ -20077,10 +20127,10 @@
       </p:pic>
       <p:sp>
         <p:nvSpPr>
-          <p:cNvPr id="16" name="Textfeld 15">
-            <a:extLst>
-              <a:ext uri="{FF2B5EF4-FFF2-40B4-BE49-F238E27FC236}">
-                <a16:creationId xmlns:a16="http://schemas.microsoft.com/office/drawing/2014/main" id="{FB7E31D0-8B45-4DBA-AB7B-DA9473A06BF4}"/>
+          <p:cNvPr id="20" name="Textfeld 19">
+            <a:extLst>
+              <a:ext uri="{FF2B5EF4-FFF2-40B4-BE49-F238E27FC236}">
+                <a16:creationId xmlns:a16="http://schemas.microsoft.com/office/drawing/2014/main" id="{CA34B235-C108-41AC-AC80-5B6C33AB0CAF}"/>
               </a:ext>
             </a:extLst>
           </p:cNvPr>
@@ -20089,7 +20139,7 @@
         </p:nvSpPr>
         <p:spPr>
           <a:xfrm>
-            <a:off x="1599592" y="4225077"/>
+            <a:off x="6467148" y="4229513"/>
             <a:ext cx="1985211" cy="369332"/>
           </a:xfrm>
           <a:prstGeom prst="rect">
@@ -20110,15 +20160,7 @@
             </a:r>
             <a:r>
               <a:rPr lang="de-DE" dirty="0" err="1"/>
-              <a:t>Config</a:t>
-            </a:r>
-            <a:r>
-              <a:rPr lang="de-DE" dirty="0"/>
-              <a:t> </a:t>
-            </a:r>
-            <a:r>
-              <a:rPr lang="de-DE" dirty="0" err="1"/>
-              <a:t>file</a:t>
+              <a:t>Specification</a:t>
             </a:r>
             <a:endParaRPr lang="en-US" dirty="0"/>
           </a:p>
@@ -20126,10 +20168,10 @@
       </p:sp>
       <p:sp>
         <p:nvSpPr>
-          <p:cNvPr id="17" name="Rechteck 16">
-            <a:extLst>
-              <a:ext uri="{FF2B5EF4-FFF2-40B4-BE49-F238E27FC236}">
-                <a16:creationId xmlns:a16="http://schemas.microsoft.com/office/drawing/2014/main" id="{6C585339-B9E7-4752-8813-E2EAA817DC79}"/>
+          <p:cNvPr id="21" name="Rechteck 20">
+            <a:extLst>
+              <a:ext uri="{FF2B5EF4-FFF2-40B4-BE49-F238E27FC236}">
+                <a16:creationId xmlns:a16="http://schemas.microsoft.com/office/drawing/2014/main" id="{D688BD55-D493-4776-81F0-9FAF802D22F8}"/>
               </a:ext>
             </a:extLst>
           </p:cNvPr>
@@ -20138,8 +20180,8 @@
         </p:nvSpPr>
         <p:spPr>
           <a:xfrm>
-            <a:off x="1102475" y="5556053"/>
-            <a:ext cx="3536200" cy="122410"/>
+            <a:off x="6582525" y="5556054"/>
+            <a:ext cx="1742325" cy="622496"/>
           </a:xfrm>
           <a:prstGeom prst="rect">
             <a:avLst/>
@@ -20180,10 +20222,10 @@
       </p:sp>
       <p:pic>
         <p:nvPicPr>
-          <p:cNvPr id="19" name="Grafik 18">
-            <a:extLst>
-              <a:ext uri="{FF2B5EF4-FFF2-40B4-BE49-F238E27FC236}">
-                <a16:creationId xmlns:a16="http://schemas.microsoft.com/office/drawing/2014/main" id="{C7C66BF7-D48D-4865-B1D7-7B633F536BE1}"/>
+          <p:cNvPr id="9" name="Grafik 8">
+            <a:extLst>
+              <a:ext uri="{FF2B5EF4-FFF2-40B4-BE49-F238E27FC236}">
+                <a16:creationId xmlns:a16="http://schemas.microsoft.com/office/drawing/2014/main" id="{D1D8F7DE-3CAB-465A-8200-1ECEB399D04B}"/>
               </a:ext>
             </a:extLst>
           </p:cNvPr>
@@ -20192,15 +20234,16 @@
           </p:cNvPicPr>
           <p:nvPr/>
         </p:nvPicPr>
-        <p:blipFill rotWithShape="1">
+        <p:blipFill>
           <a:blip r:embed="rId6"/>
-          <a:srcRect b="17434"/>
-          <a:stretch/>
+          <a:stretch>
+            <a:fillRect/>
+          </a:stretch>
         </p:blipFill>
         <p:spPr>
           <a:xfrm>
-            <a:off x="6467148" y="4803411"/>
-            <a:ext cx="2034674" cy="1444989"/>
+            <a:off x="5932553" y="2084669"/>
+            <a:ext cx="3067767" cy="1250033"/>
           </a:xfrm>
           <a:prstGeom prst="rect">
             <a:avLst/>
@@ -20209,72 +20252,29 @@
       </p:pic>
       <p:sp>
         <p:nvSpPr>
-          <p:cNvPr id="20" name="Textfeld 19">
-            <a:extLst>
-              <a:ext uri="{FF2B5EF4-FFF2-40B4-BE49-F238E27FC236}">
-                <a16:creationId xmlns:a16="http://schemas.microsoft.com/office/drawing/2014/main" id="{CA34B235-C108-41AC-AC80-5B6C33AB0CAF}"/>
-              </a:ext>
-            </a:extLst>
-          </p:cNvPr>
-          <p:cNvSpPr txBox="1"/>
+          <p:cNvPr id="12" name="Rechteck 11">
+            <a:extLst>
+              <a:ext uri="{FF2B5EF4-FFF2-40B4-BE49-F238E27FC236}">
+                <a16:creationId xmlns:a16="http://schemas.microsoft.com/office/drawing/2014/main" id="{BDDD2FD1-7E21-4C26-9FC7-7F1A608C4E48}"/>
+              </a:ext>
+            </a:extLst>
+          </p:cNvPr>
+          <p:cNvSpPr/>
           <p:nvPr/>
         </p:nvSpPr>
         <p:spPr>
           <a:xfrm>
-            <a:off x="6467148" y="4229513"/>
-            <a:ext cx="1985211" cy="369332"/>
+            <a:off x="7004386" y="3014963"/>
+            <a:ext cx="1989219" cy="284583"/>
           </a:xfrm>
           <a:prstGeom prst="rect">
             <a:avLst/>
           </a:prstGeom>
           <a:noFill/>
-        </p:spPr>
-        <p:txBody>
-          <a:bodyPr wrap="square" rtlCol="0">
-            <a:spAutoFit/>
-          </a:bodyPr>
-          <a:lstStyle/>
-          <a:p>
-            <a:pPr algn="ctr"/>
-            <a:r>
-              <a:rPr lang="de-DE" dirty="0"/>
-              <a:t>API-</a:t>
-            </a:r>
-            <a:r>
-              <a:rPr lang="de-DE" dirty="0" err="1"/>
-              <a:t>Specification</a:t>
-            </a:r>
-            <a:endParaRPr lang="en-US" dirty="0"/>
-          </a:p>
-        </p:txBody>
-      </p:sp>
-      <p:sp>
-        <p:nvSpPr>
-          <p:cNvPr id="21" name="Rechteck 20">
-            <a:extLst>
-              <a:ext uri="{FF2B5EF4-FFF2-40B4-BE49-F238E27FC236}">
-                <a16:creationId xmlns:a16="http://schemas.microsoft.com/office/drawing/2014/main" id="{D688BD55-D493-4776-81F0-9FAF802D22F8}"/>
-              </a:ext>
-            </a:extLst>
-          </p:cNvPr>
-          <p:cNvSpPr/>
-          <p:nvPr/>
-        </p:nvSpPr>
-        <p:spPr>
-          <a:xfrm>
-            <a:off x="6582525" y="5556054"/>
-            <a:ext cx="1742325" cy="622496"/>
-          </a:xfrm>
-          <a:prstGeom prst="rect">
-            <a:avLst/>
-          </a:prstGeom>
-          <a:solidFill>
-            <a:srgbClr val="FFFF00">
-              <a:alpha val="30980"/>
-            </a:srgbClr>
-          </a:solidFill>
           <a:ln w="19050">
-            <a:noFill/>
+            <a:solidFill>
+              <a:srgbClr val="FF0000"/>
+            </a:solidFill>
           </a:ln>
         </p:spPr>
         <p:style>

--- a/misc/documentation/Images.pptx
+++ b/misc/documentation/Images.pptx
@@ -14,6 +14,7 @@
     <p:sldId id="259" r:id="rId8"/>
     <p:sldId id="260" r:id="rId9"/>
     <p:sldId id="4894" r:id="rId10"/>
+    <p:sldId id="4895" r:id="rId11"/>
   </p:sldIdLst>
   <p:sldSz cx="12192000" cy="6858000"/>
   <p:notesSz cx="6858000" cy="9144000"/>
@@ -295,7 +296,7 @@
           <a:p>
             <a:fld id="{7E78D3F4-14DB-4445-AF65-DFCCFB7F5AFF}" type="datetimeFigureOut">
               <a:rPr lang="en-US" smtClean="0"/>
-              <a:t>3/9/2021</a:t>
+              <a:t>2/17/2022</a:t>
             </a:fld>
             <a:endParaRPr lang="en-US"/>
           </a:p>
@@ -495,7 +496,7 @@
           <a:p>
             <a:fld id="{7E78D3F4-14DB-4445-AF65-DFCCFB7F5AFF}" type="datetimeFigureOut">
               <a:rPr lang="en-US" smtClean="0"/>
-              <a:t>3/9/2021</a:t>
+              <a:t>2/17/2022</a:t>
             </a:fld>
             <a:endParaRPr lang="en-US"/>
           </a:p>
@@ -705,7 +706,7 @@
           <a:p>
             <a:fld id="{7E78D3F4-14DB-4445-AF65-DFCCFB7F5AFF}" type="datetimeFigureOut">
               <a:rPr lang="en-US" smtClean="0"/>
-              <a:t>3/9/2021</a:t>
+              <a:t>2/17/2022</a:t>
             </a:fld>
             <a:endParaRPr lang="en-US"/>
           </a:p>
@@ -3514,7 +3515,7 @@
           <a:p>
             <a:fld id="{7E78D3F4-14DB-4445-AF65-DFCCFB7F5AFF}" type="datetimeFigureOut">
               <a:rPr lang="en-US" smtClean="0"/>
-              <a:t>3/9/2021</a:t>
+              <a:t>2/17/2022</a:t>
             </a:fld>
             <a:endParaRPr lang="en-US"/>
           </a:p>
@@ -8582,7 +8583,7 @@
           <a:p>
             <a:fld id="{7E78D3F4-14DB-4445-AF65-DFCCFB7F5AFF}" type="datetimeFigureOut">
               <a:rPr lang="en-US" smtClean="0"/>
-              <a:t>3/9/2021</a:t>
+              <a:t>2/17/2022</a:t>
             </a:fld>
             <a:endParaRPr lang="en-US"/>
           </a:p>
@@ -9147,7 +9148,7 @@
           <a:p>
             <a:fld id="{7E78D3F4-14DB-4445-AF65-DFCCFB7F5AFF}" type="datetimeFigureOut">
               <a:rPr lang="en-US" smtClean="0"/>
-              <a:t>3/9/2021</a:t>
+              <a:t>2/17/2022</a:t>
             </a:fld>
             <a:endParaRPr lang="en-US"/>
           </a:p>
@@ -9562,7 +9563,7 @@
           <a:p>
             <a:fld id="{7E78D3F4-14DB-4445-AF65-DFCCFB7F5AFF}" type="datetimeFigureOut">
               <a:rPr lang="en-US" smtClean="0"/>
-              <a:t>3/9/2021</a:t>
+              <a:t>2/17/2022</a:t>
             </a:fld>
             <a:endParaRPr lang="en-US"/>
           </a:p>
@@ -9704,7 +9705,7 @@
           <a:p>
             <a:fld id="{7E78D3F4-14DB-4445-AF65-DFCCFB7F5AFF}" type="datetimeFigureOut">
               <a:rPr lang="en-US" smtClean="0"/>
-              <a:t>3/9/2021</a:t>
+              <a:t>2/17/2022</a:t>
             </a:fld>
             <a:endParaRPr lang="en-US"/>
           </a:p>
@@ -9817,7 +9818,7 @@
           <a:p>
             <a:fld id="{7E78D3F4-14DB-4445-AF65-DFCCFB7F5AFF}" type="datetimeFigureOut">
               <a:rPr lang="en-US" smtClean="0"/>
-              <a:t>3/9/2021</a:t>
+              <a:t>2/17/2022</a:t>
             </a:fld>
             <a:endParaRPr lang="en-US"/>
           </a:p>
@@ -10130,7 +10131,7 @@
           <a:p>
             <a:fld id="{7E78D3F4-14DB-4445-AF65-DFCCFB7F5AFF}" type="datetimeFigureOut">
               <a:rPr lang="en-US" smtClean="0"/>
-              <a:t>3/9/2021</a:t>
+              <a:t>2/17/2022</a:t>
             </a:fld>
             <a:endParaRPr lang="en-US"/>
           </a:p>
@@ -10419,7 +10420,7 @@
           <a:p>
             <a:fld id="{7E78D3F4-14DB-4445-AF65-DFCCFB7F5AFF}" type="datetimeFigureOut">
               <a:rPr lang="en-US" smtClean="0"/>
-              <a:t>3/9/2021</a:t>
+              <a:t>2/17/2022</a:t>
             </a:fld>
             <a:endParaRPr lang="en-US"/>
           </a:p>
@@ -10662,7 +10663,7 @@
           <a:p>
             <a:fld id="{7E78D3F4-14DB-4445-AF65-DFCCFB7F5AFF}" type="datetimeFigureOut">
               <a:rPr lang="en-US" smtClean="0"/>
-              <a:t>3/9/2021</a:t>
+              <a:t>2/17/2022</a:t>
             </a:fld>
             <a:endParaRPr lang="en-US"/>
           </a:p>
@@ -20306,6 +20307,550 @@
     <p:extLst>
       <p:ext uri="{BB962C8B-B14F-4D97-AF65-F5344CB8AC3E}">
         <p14:creationId xmlns:p14="http://schemas.microsoft.com/office/powerpoint/2010/main" val="3825295118"/>
+      </p:ext>
+    </p:extLst>
+  </p:cSld>
+  <p:clrMapOvr>
+    <a:masterClrMapping/>
+  </p:clrMapOvr>
+</p:sld>
+</file>
+
+<file path=ppt/slides/slide9.xml><?xml version="1.0" encoding="utf-8"?>
+<p:sld xmlns:a="http://schemas.openxmlformats.org/drawingml/2006/main" xmlns:r="http://schemas.openxmlformats.org/officeDocument/2006/relationships" xmlns:p="http://schemas.openxmlformats.org/presentationml/2006/main">
+  <p:cSld>
+    <p:spTree>
+      <p:nvGrpSpPr>
+        <p:cNvPr id="1" name=""/>
+        <p:cNvGrpSpPr/>
+        <p:nvPr/>
+      </p:nvGrpSpPr>
+      <p:grpSpPr>
+        <a:xfrm>
+          <a:off x="0" y="0"/>
+          <a:ext cx="0" cy="0"/>
+          <a:chOff x="0" y="0"/>
+          <a:chExt cx="0" cy="0"/>
+        </a:xfrm>
+      </p:grpSpPr>
+      <p:pic>
+        <p:nvPicPr>
+          <p:cNvPr id="7" name="Grafik 6">
+            <a:extLst>
+              <a:ext uri="{FF2B5EF4-FFF2-40B4-BE49-F238E27FC236}">
+                <a16:creationId xmlns:a16="http://schemas.microsoft.com/office/drawing/2014/main" id="{04E2D367-375D-4963-AC21-5E0E9045D8FE}"/>
+              </a:ext>
+            </a:extLst>
+          </p:cNvPr>
+          <p:cNvPicPr>
+            <a:picLocks noChangeAspect="1"/>
+          </p:cNvPicPr>
+          <p:nvPr/>
+        </p:nvPicPr>
+        <p:blipFill rotWithShape="1">
+          <a:blip r:embed="rId2"/>
+          <a:srcRect r="38264"/>
+          <a:stretch/>
+        </p:blipFill>
+        <p:spPr>
+          <a:xfrm>
+            <a:off x="7328390" y="2012511"/>
+            <a:ext cx="4047423" cy="2832977"/>
+          </a:xfrm>
+          <a:prstGeom prst="rect">
+            <a:avLst/>
+          </a:prstGeom>
+          <a:ln w="6350">
+            <a:solidFill>
+              <a:schemeClr val="tx1"/>
+            </a:solidFill>
+          </a:ln>
+        </p:spPr>
+      </p:pic>
+      <p:pic>
+        <p:nvPicPr>
+          <p:cNvPr id="9" name="Grafik 8">
+            <a:extLst>
+              <a:ext uri="{FF2B5EF4-FFF2-40B4-BE49-F238E27FC236}">
+                <a16:creationId xmlns:a16="http://schemas.microsoft.com/office/drawing/2014/main" id="{2D3CAD3E-9985-4B53-97AB-3DF7D6C7B8A2}"/>
+              </a:ext>
+            </a:extLst>
+          </p:cNvPr>
+          <p:cNvPicPr>
+            <a:picLocks noChangeAspect="1"/>
+          </p:cNvPicPr>
+          <p:nvPr/>
+        </p:nvPicPr>
+        <p:blipFill>
+          <a:blip r:embed="rId3"/>
+          <a:stretch>
+            <a:fillRect/>
+          </a:stretch>
+        </p:blipFill>
+        <p:spPr>
+          <a:xfrm>
+            <a:off x="994543" y="1932912"/>
+            <a:ext cx="2704366" cy="1057648"/>
+          </a:xfrm>
+          <a:prstGeom prst="rect">
+            <a:avLst/>
+          </a:prstGeom>
+          <a:ln w="19050">
+            <a:solidFill>
+              <a:srgbClr val="C00000"/>
+            </a:solidFill>
+          </a:ln>
+        </p:spPr>
+      </p:pic>
+      <p:pic>
+        <p:nvPicPr>
+          <p:cNvPr id="11" name="Grafik 10">
+            <a:extLst>
+              <a:ext uri="{FF2B5EF4-FFF2-40B4-BE49-F238E27FC236}">
+                <a16:creationId xmlns:a16="http://schemas.microsoft.com/office/drawing/2014/main" id="{BC5F587B-B89C-4878-A9B7-D6648880CC70}"/>
+              </a:ext>
+            </a:extLst>
+          </p:cNvPr>
+          <p:cNvPicPr>
+            <a:picLocks noChangeAspect="1"/>
+          </p:cNvPicPr>
+          <p:nvPr/>
+        </p:nvPicPr>
+        <p:blipFill>
+          <a:blip r:embed="rId4"/>
+          <a:stretch>
+            <a:fillRect/>
+          </a:stretch>
+        </p:blipFill>
+        <p:spPr>
+          <a:xfrm>
+            <a:off x="994543" y="3986818"/>
+            <a:ext cx="1904929" cy="963087"/>
+          </a:xfrm>
+          <a:prstGeom prst="rect">
+            <a:avLst/>
+          </a:prstGeom>
+        </p:spPr>
+      </p:pic>
+      <p:pic>
+        <p:nvPicPr>
+          <p:cNvPr id="13" name="Grafik 12">
+            <a:extLst>
+              <a:ext uri="{FF2B5EF4-FFF2-40B4-BE49-F238E27FC236}">
+                <a16:creationId xmlns:a16="http://schemas.microsoft.com/office/drawing/2014/main" id="{9E3FCEB8-41EE-4C44-AA95-0854E0D977AA}"/>
+              </a:ext>
+            </a:extLst>
+          </p:cNvPr>
+          <p:cNvPicPr>
+            <a:picLocks noChangeAspect="1"/>
+          </p:cNvPicPr>
+          <p:nvPr/>
+        </p:nvPicPr>
+        <p:blipFill rotWithShape="1">
+          <a:blip r:embed="rId5"/>
+          <a:srcRect l="1414" r="53202"/>
+          <a:stretch/>
+        </p:blipFill>
+        <p:spPr>
+          <a:xfrm>
+            <a:off x="994543" y="3161928"/>
+            <a:ext cx="2704366" cy="659081"/>
+          </a:xfrm>
+          <a:prstGeom prst="rect">
+            <a:avLst/>
+          </a:prstGeom>
+          <a:ln w="19050">
+            <a:solidFill>
+              <a:srgbClr val="0070C0"/>
+            </a:solidFill>
+          </a:ln>
+        </p:spPr>
+      </p:pic>
+      <p:sp>
+        <p:nvSpPr>
+          <p:cNvPr id="15" name="Rechteck 14">
+            <a:extLst>
+              <a:ext uri="{FF2B5EF4-FFF2-40B4-BE49-F238E27FC236}">
+                <a16:creationId xmlns:a16="http://schemas.microsoft.com/office/drawing/2014/main" id="{DBF682A9-2061-498F-A597-AE86410CBDBE}"/>
+              </a:ext>
+            </a:extLst>
+          </p:cNvPr>
+          <p:cNvSpPr/>
+          <p:nvPr/>
+        </p:nvSpPr>
+        <p:spPr>
+          <a:xfrm>
+            <a:off x="7386319" y="2106507"/>
+            <a:ext cx="3989494" cy="818354"/>
+          </a:xfrm>
+          <a:prstGeom prst="rect">
+            <a:avLst/>
+          </a:prstGeom>
+          <a:noFill/>
+          <a:ln w="19050">
+            <a:solidFill>
+              <a:srgbClr val="C00000"/>
+            </a:solidFill>
+          </a:ln>
+        </p:spPr>
+        <p:style>
+          <a:lnRef idx="2">
+            <a:schemeClr val="accent1">
+              <a:shade val="50000"/>
+            </a:schemeClr>
+          </a:lnRef>
+          <a:fillRef idx="1">
+            <a:schemeClr val="accent1"/>
+          </a:fillRef>
+          <a:effectRef idx="0">
+            <a:schemeClr val="accent1"/>
+          </a:effectRef>
+          <a:fontRef idx="minor">
+            <a:schemeClr val="lt1"/>
+          </a:fontRef>
+        </p:style>
+        <p:txBody>
+          <a:bodyPr rtlCol="0" anchor="ctr"/>
+          <a:lstStyle/>
+          <a:p>
+            <a:pPr algn="ctr"/>
+            <a:endParaRPr lang="en-US"/>
+          </a:p>
+        </p:txBody>
+      </p:sp>
+      <p:sp>
+        <p:nvSpPr>
+          <p:cNvPr id="16" name="Rechteck 15">
+            <a:extLst>
+              <a:ext uri="{FF2B5EF4-FFF2-40B4-BE49-F238E27FC236}">
+                <a16:creationId xmlns:a16="http://schemas.microsoft.com/office/drawing/2014/main" id="{D880EDE7-2232-4FD3-B27D-A090B3C70A60}"/>
+              </a:ext>
+            </a:extLst>
+          </p:cNvPr>
+          <p:cNvSpPr/>
+          <p:nvPr/>
+        </p:nvSpPr>
+        <p:spPr>
+          <a:xfrm>
+            <a:off x="7386319" y="2966720"/>
+            <a:ext cx="3989494" cy="311573"/>
+          </a:xfrm>
+          <a:prstGeom prst="rect">
+            <a:avLst/>
+          </a:prstGeom>
+          <a:noFill/>
+          <a:ln w="19050">
+            <a:solidFill>
+              <a:srgbClr val="0070C0"/>
+            </a:solidFill>
+          </a:ln>
+        </p:spPr>
+        <p:style>
+          <a:lnRef idx="2">
+            <a:schemeClr val="accent1">
+              <a:shade val="50000"/>
+            </a:schemeClr>
+          </a:lnRef>
+          <a:fillRef idx="1">
+            <a:schemeClr val="accent1"/>
+          </a:fillRef>
+          <a:effectRef idx="0">
+            <a:schemeClr val="accent1"/>
+          </a:effectRef>
+          <a:fontRef idx="minor">
+            <a:schemeClr val="lt1"/>
+          </a:fontRef>
+        </p:style>
+        <p:txBody>
+          <a:bodyPr rtlCol="0" anchor="ctr"/>
+          <a:lstStyle/>
+          <a:p>
+            <a:pPr algn="ctr"/>
+            <a:endParaRPr lang="en-US"/>
+          </a:p>
+        </p:txBody>
+      </p:sp>
+      <p:sp>
+        <p:nvSpPr>
+          <p:cNvPr id="17" name="Rechteck 16">
+            <a:extLst>
+              <a:ext uri="{FF2B5EF4-FFF2-40B4-BE49-F238E27FC236}">
+                <a16:creationId xmlns:a16="http://schemas.microsoft.com/office/drawing/2014/main" id="{C947484C-EEAA-42A5-B960-C8A90DF2AE57}"/>
+              </a:ext>
+            </a:extLst>
+          </p:cNvPr>
+          <p:cNvSpPr/>
+          <p:nvPr/>
+        </p:nvSpPr>
+        <p:spPr>
+          <a:xfrm>
+            <a:off x="994541" y="3914987"/>
+            <a:ext cx="2704367" cy="1034918"/>
+          </a:xfrm>
+          <a:prstGeom prst="rect">
+            <a:avLst/>
+          </a:prstGeom>
+          <a:noFill/>
+          <a:ln w="19050">
+            <a:solidFill>
+              <a:schemeClr val="accent6">
+                <a:lumMod val="75000"/>
+              </a:schemeClr>
+            </a:solidFill>
+          </a:ln>
+        </p:spPr>
+        <p:style>
+          <a:lnRef idx="2">
+            <a:schemeClr val="accent1">
+              <a:shade val="50000"/>
+            </a:schemeClr>
+          </a:lnRef>
+          <a:fillRef idx="1">
+            <a:schemeClr val="accent1"/>
+          </a:fillRef>
+          <a:effectRef idx="0">
+            <a:schemeClr val="accent1"/>
+          </a:effectRef>
+          <a:fontRef idx="minor">
+            <a:schemeClr val="lt1"/>
+          </a:fontRef>
+        </p:style>
+        <p:txBody>
+          <a:bodyPr rtlCol="0" anchor="ctr"/>
+          <a:lstStyle/>
+          <a:p>
+            <a:pPr algn="ctr"/>
+            <a:endParaRPr lang="en-US"/>
+          </a:p>
+        </p:txBody>
+      </p:sp>
+      <p:sp>
+        <p:nvSpPr>
+          <p:cNvPr id="18" name="Rechteck 17">
+            <a:extLst>
+              <a:ext uri="{FF2B5EF4-FFF2-40B4-BE49-F238E27FC236}">
+                <a16:creationId xmlns:a16="http://schemas.microsoft.com/office/drawing/2014/main" id="{E385696B-64B4-4A00-B155-B650D613C8AC}"/>
+              </a:ext>
+            </a:extLst>
+          </p:cNvPr>
+          <p:cNvSpPr/>
+          <p:nvPr/>
+        </p:nvSpPr>
+        <p:spPr>
+          <a:xfrm>
+            <a:off x="7386319" y="3320151"/>
+            <a:ext cx="3989494" cy="1177341"/>
+          </a:xfrm>
+          <a:prstGeom prst="rect">
+            <a:avLst/>
+          </a:prstGeom>
+          <a:noFill/>
+          <a:ln w="19050">
+            <a:solidFill>
+              <a:schemeClr val="accent6">
+                <a:lumMod val="75000"/>
+              </a:schemeClr>
+            </a:solidFill>
+          </a:ln>
+        </p:spPr>
+        <p:style>
+          <a:lnRef idx="2">
+            <a:schemeClr val="accent1">
+              <a:shade val="50000"/>
+            </a:schemeClr>
+          </a:lnRef>
+          <a:fillRef idx="1">
+            <a:schemeClr val="accent1"/>
+          </a:fillRef>
+          <a:effectRef idx="0">
+            <a:schemeClr val="accent1"/>
+          </a:effectRef>
+          <a:fontRef idx="minor">
+            <a:schemeClr val="lt1"/>
+          </a:fontRef>
+        </p:style>
+        <p:txBody>
+          <a:bodyPr rtlCol="0" anchor="ctr"/>
+          <a:lstStyle/>
+          <a:p>
+            <a:pPr algn="ctr"/>
+            <a:endParaRPr lang="en-US"/>
+          </a:p>
+        </p:txBody>
+      </p:sp>
+      <p:pic>
+        <p:nvPicPr>
+          <p:cNvPr id="20" name="Grafik 19">
+            <a:extLst>
+              <a:ext uri="{FF2B5EF4-FFF2-40B4-BE49-F238E27FC236}">
+                <a16:creationId xmlns:a16="http://schemas.microsoft.com/office/drawing/2014/main" id="{940C5912-65ED-4F74-98E7-12215C2E29A4}"/>
+              </a:ext>
+            </a:extLst>
+          </p:cNvPr>
+          <p:cNvPicPr>
+            <a:picLocks noChangeAspect="1"/>
+          </p:cNvPicPr>
+          <p:nvPr/>
+        </p:nvPicPr>
+        <p:blipFill>
+          <a:blip r:embed="rId6"/>
+          <a:stretch>
+            <a:fillRect/>
+          </a:stretch>
+        </p:blipFill>
+        <p:spPr>
+          <a:xfrm>
+            <a:off x="3833692" y="3130497"/>
+            <a:ext cx="3359914" cy="754668"/>
+          </a:xfrm>
+          <a:prstGeom prst="rect">
+            <a:avLst/>
+          </a:prstGeom>
+          <a:ln w="6350">
+            <a:solidFill>
+              <a:schemeClr val="tx1"/>
+            </a:solidFill>
+          </a:ln>
+        </p:spPr>
+      </p:pic>
+      <p:cxnSp>
+        <p:nvCxnSpPr>
+          <p:cNvPr id="22" name="Gerader Verbinder 21">
+            <a:extLst>
+              <a:ext uri="{FF2B5EF4-FFF2-40B4-BE49-F238E27FC236}">
+                <a16:creationId xmlns:a16="http://schemas.microsoft.com/office/drawing/2014/main" id="{301F9E43-99A0-4FB8-9789-4E12E30752EB}"/>
+              </a:ext>
+            </a:extLst>
+          </p:cNvPr>
+          <p:cNvCxnSpPr>
+            <a:cxnSpLocks/>
+          </p:cNvCxnSpPr>
+          <p:nvPr/>
+        </p:nvCxnSpPr>
+        <p:spPr>
+          <a:xfrm flipV="1">
+            <a:off x="4948457" y="3525943"/>
+            <a:ext cx="631825" cy="4657"/>
+          </a:xfrm>
+          <a:prstGeom prst="line">
+            <a:avLst/>
+          </a:prstGeom>
+          <a:ln w="19050">
+            <a:solidFill>
+              <a:srgbClr val="C00000"/>
+            </a:solidFill>
+          </a:ln>
+        </p:spPr>
+        <p:style>
+          <a:lnRef idx="1">
+            <a:schemeClr val="accent1"/>
+          </a:lnRef>
+          <a:fillRef idx="0">
+            <a:schemeClr val="accent1"/>
+          </a:fillRef>
+          <a:effectRef idx="0">
+            <a:schemeClr val="accent1"/>
+          </a:effectRef>
+          <a:fontRef idx="minor">
+            <a:schemeClr val="tx1"/>
+          </a:fontRef>
+        </p:style>
+      </p:cxnSp>
+      <p:cxnSp>
+        <p:nvCxnSpPr>
+          <p:cNvPr id="25" name="Gerader Verbinder 24">
+            <a:extLst>
+              <a:ext uri="{FF2B5EF4-FFF2-40B4-BE49-F238E27FC236}">
+                <a16:creationId xmlns:a16="http://schemas.microsoft.com/office/drawing/2014/main" id="{5C9B4659-3364-4012-9698-AB0219CD31D0}"/>
+              </a:ext>
+            </a:extLst>
+          </p:cNvPr>
+          <p:cNvCxnSpPr>
+            <a:cxnSpLocks/>
+          </p:cNvCxnSpPr>
+          <p:nvPr/>
+        </p:nvCxnSpPr>
+        <p:spPr>
+          <a:xfrm>
+            <a:off x="5694582" y="3521286"/>
+            <a:ext cx="520700" cy="0"/>
+          </a:xfrm>
+          <a:prstGeom prst="line">
+            <a:avLst/>
+          </a:prstGeom>
+          <a:ln w="19050">
+            <a:solidFill>
+              <a:srgbClr val="0070C0"/>
+            </a:solidFill>
+          </a:ln>
+        </p:spPr>
+        <p:style>
+          <a:lnRef idx="1">
+            <a:schemeClr val="accent1"/>
+          </a:lnRef>
+          <a:fillRef idx="0">
+            <a:schemeClr val="accent1"/>
+          </a:fillRef>
+          <a:effectRef idx="0">
+            <a:schemeClr val="accent1"/>
+          </a:effectRef>
+          <a:fontRef idx="minor">
+            <a:schemeClr val="tx1"/>
+          </a:fontRef>
+        </p:style>
+      </p:cxnSp>
+      <p:cxnSp>
+        <p:nvCxnSpPr>
+          <p:cNvPr id="29" name="Gerader Verbinder 28">
+            <a:extLst>
+              <a:ext uri="{FF2B5EF4-FFF2-40B4-BE49-F238E27FC236}">
+                <a16:creationId xmlns:a16="http://schemas.microsoft.com/office/drawing/2014/main" id="{FC27B274-8460-46A3-98B6-A02A367647E6}"/>
+              </a:ext>
+            </a:extLst>
+          </p:cNvPr>
+          <p:cNvCxnSpPr>
+            <a:cxnSpLocks/>
+          </p:cNvCxnSpPr>
+          <p:nvPr/>
+        </p:nvCxnSpPr>
+        <p:spPr>
+          <a:xfrm>
+            <a:off x="6326407" y="3528271"/>
+            <a:ext cx="612775" cy="0"/>
+          </a:xfrm>
+          <a:prstGeom prst="line">
+            <a:avLst/>
+          </a:prstGeom>
+          <a:noFill/>
+          <a:ln w="19050">
+            <a:solidFill>
+              <a:schemeClr val="accent6">
+                <a:lumMod val="75000"/>
+              </a:schemeClr>
+            </a:solidFill>
+          </a:ln>
+        </p:spPr>
+        <p:style>
+          <a:lnRef idx="2">
+            <a:schemeClr val="accent1">
+              <a:shade val="50000"/>
+            </a:schemeClr>
+          </a:lnRef>
+          <a:fillRef idx="1">
+            <a:schemeClr val="accent1"/>
+          </a:fillRef>
+          <a:effectRef idx="0">
+            <a:schemeClr val="accent1"/>
+          </a:effectRef>
+          <a:fontRef idx="minor">
+            <a:schemeClr val="lt1"/>
+          </a:fontRef>
+        </p:style>
+      </p:cxnSp>
+    </p:spTree>
+    <p:extLst>
+      <p:ext uri="{BB962C8B-B14F-4D97-AF65-F5344CB8AC3E}">
+        <p14:creationId xmlns:p14="http://schemas.microsoft.com/office/powerpoint/2010/main" val="1290963379"/>
       </p:ext>
     </p:extLst>
   </p:cSld>
